--- a/Estudios y empleabilidad.pptx
+++ b/Estudios y empleabilidad.pptx
@@ -5,7 +5,7 @@
     <p:sldMasterId id="2147483648" r:id="rId1"/>
   </p:sldMasterIdLst>
   <p:notesMasterIdLst>
-    <p:notesMasterId r:id="rId18"/>
+    <p:notesMasterId r:id="rId19"/>
   </p:notesMasterIdLst>
   <p:sldIdLst>
     <p:sldId id="256" r:id="rId2"/>
@@ -17,13 +17,14 @@
     <p:sldId id="283" r:id="rId8"/>
     <p:sldId id="286" r:id="rId9"/>
     <p:sldId id="284" r:id="rId10"/>
-    <p:sldId id="287" r:id="rId11"/>
-    <p:sldId id="288" r:id="rId12"/>
-    <p:sldId id="289" r:id="rId13"/>
-    <p:sldId id="280" r:id="rId14"/>
-    <p:sldId id="291" r:id="rId15"/>
-    <p:sldId id="294" r:id="rId16"/>
-    <p:sldId id="273" r:id="rId17"/>
+    <p:sldId id="295" r:id="rId11"/>
+    <p:sldId id="287" r:id="rId12"/>
+    <p:sldId id="288" r:id="rId13"/>
+    <p:sldId id="289" r:id="rId14"/>
+    <p:sldId id="280" r:id="rId15"/>
+    <p:sldId id="291" r:id="rId16"/>
+    <p:sldId id="294" r:id="rId17"/>
+    <p:sldId id="273" r:id="rId18"/>
   </p:sldIdLst>
   <p:sldSz cx="12192000" cy="6858000"/>
   <p:notesSz cx="6858000" cy="9144000"/>
@@ -144,6 +145,7 @@
             <p14:sldId id="283"/>
             <p14:sldId id="286"/>
             <p14:sldId id="284"/>
+            <p14:sldId id="295"/>
             <p14:sldId id="287"/>
             <p14:sldId id="288"/>
             <p14:sldId id="289"/>
@@ -260,7 +262,7 @@
           <a:p>
             <a:fld id="{C7EA38E8-A981-49F2-A9D1-2075A32D1EDB}" type="datetimeFigureOut">
               <a:rPr lang="es-PE" smtClean="0"/>
-              <a:t>4/09/2024</a:t>
+              <a:t>5/09/2024</a:t>
             </a:fld>
             <a:endParaRPr lang="es-PE"/>
           </a:p>
@@ -4085,22 +4087,37 @@
         </p:nvSpPr>
         <p:spPr>
           <a:xfrm>
-            <a:off x="6240780" y="928053"/>
-            <a:ext cx="5158740" cy="2387600"/>
+            <a:off x="5397500" y="928052"/>
+            <a:ext cx="6002020" cy="2890739"/>
           </a:xfrm>
         </p:spPr>
         <p:txBody>
-          <a:bodyPr/>
+          <a:bodyPr>
+            <a:normAutofit/>
+          </a:bodyPr>
           <a:lstStyle/>
           <a:p>
             <a:r>
-              <a:rPr lang="es-PE" dirty="0">
+              <a:rPr lang="es-PE" sz="5400" dirty="0">
                 <a:solidFill>
                   <a:schemeClr val="bg1"/>
                 </a:solidFill>
               </a:rPr>
-              <a:t>TEMA DEL CURSO</a:t>
+              <a:t>Estudios y empleabilidad – Encuesta </a:t>
             </a:r>
+            <a:r>
+              <a:rPr lang="es-PE" sz="5400" dirty="0" err="1">
+                <a:solidFill>
+                  <a:schemeClr val="bg1"/>
+                </a:solidFill>
+              </a:rPr>
+              <a:t>Kaggle</a:t>
+            </a:r>
+            <a:endParaRPr lang="es-PE" sz="5400" dirty="0">
+              <a:solidFill>
+                <a:schemeClr val="bg1"/>
+              </a:solidFill>
+            </a:endParaRPr>
           </a:p>
         </p:txBody>
       </p:sp>
@@ -4122,7 +4139,7 @@
         </p:nvSpPr>
         <p:spPr>
           <a:xfrm>
-            <a:off x="6137910" y="3407728"/>
+            <a:off x="5767705" y="3817361"/>
             <a:ext cx="5261610" cy="752792"/>
           </a:xfrm>
         </p:spPr>
@@ -4441,7 +4458,7 @@
         </p:nvSpPr>
         <p:spPr>
           <a:xfrm>
-            <a:off x="7724775" y="5039994"/>
+            <a:off x="7302500" y="5256525"/>
             <a:ext cx="2190750" cy="752792"/>
           </a:xfrm>
           <a:prstGeom prst="rect">
@@ -4623,7 +4640,7 @@
                   <a:schemeClr val="bg1"/>
                 </a:solidFill>
               </a:rPr>
-              <a:t>Agosto 2024</a:t>
+              <a:t>Setiembre 2024</a:t>
             </a:r>
           </a:p>
         </p:txBody>
@@ -4741,816 +4758,6 @@
           </a:extLst>
         </p:spPr>
       </p:pic>
-      <p:sp>
-        <p:nvSpPr>
-          <p:cNvPr id="6" name="ProgressDot">
-            <a:extLst>
-              <a:ext uri="{FF2B5EF4-FFF2-40B4-BE49-F238E27FC236}">
-                <a16:creationId xmlns:a16="http://schemas.microsoft.com/office/drawing/2014/main" id="{CF0E1377-A570-1AB4-653E-B45055855E00}"/>
-              </a:ext>
-            </a:extLst>
-          </p:cNvPr>
-          <p:cNvSpPr/>
-          <p:nvPr/>
-        </p:nvSpPr>
-        <p:spPr>
-          <a:xfrm>
-            <a:off x="4254500" y="6421025"/>
-            <a:ext cx="127000" cy="127000"/>
-          </a:xfrm>
-          <a:prstGeom prst="ellipse">
-            <a:avLst/>
-          </a:prstGeom>
-          <a:solidFill>
-            <a:srgbClr val="000000"/>
-          </a:solidFill>
-          <a:ln w="9000">
-            <a:solidFill>
-              <a:srgbClr val="FFFFFF"/>
-            </a:solidFill>
-          </a:ln>
-        </p:spPr>
-        <p:style>
-          <a:lnRef idx="2">
-            <a:schemeClr val="accent1">
-              <a:shade val="15000"/>
-            </a:schemeClr>
-          </a:lnRef>
-          <a:fillRef idx="1">
-            <a:schemeClr val="accent1"/>
-          </a:fillRef>
-          <a:effectRef idx="0">
-            <a:schemeClr val="accent1"/>
-          </a:effectRef>
-          <a:fontRef idx="minor">
-            <a:schemeClr val="lt1"/>
-          </a:fontRef>
-        </p:style>
-        <p:txBody>
-          <a:bodyPr rtlCol="0" anchor="ctr"/>
-          <a:lstStyle/>
-          <a:p>
-            <a:pPr algn="ctr"/>
-            <a:endParaRPr lang="es-PE"/>
-          </a:p>
-        </p:txBody>
-      </p:sp>
-      <p:sp>
-        <p:nvSpPr>
-          <p:cNvPr id="7" name="ProgressDot">
-            <a:extLst>
-              <a:ext uri="{FF2B5EF4-FFF2-40B4-BE49-F238E27FC236}">
-                <a16:creationId xmlns:a16="http://schemas.microsoft.com/office/drawing/2014/main" id="{30962DEC-6C38-6468-EEC5-4A03E41334E6}"/>
-              </a:ext>
-            </a:extLst>
-          </p:cNvPr>
-          <p:cNvSpPr/>
-          <p:nvPr/>
-        </p:nvSpPr>
-        <p:spPr>
-          <a:xfrm>
-            <a:off x="4508500" y="6421025"/>
-            <a:ext cx="127000" cy="127000"/>
-          </a:xfrm>
-          <a:prstGeom prst="ellipse">
-            <a:avLst/>
-          </a:prstGeom>
-          <a:solidFill>
-            <a:srgbClr val="FFFFFF"/>
-          </a:solidFill>
-          <a:ln w="9000">
-            <a:solidFill>
-              <a:srgbClr val="000000"/>
-            </a:solidFill>
-          </a:ln>
-        </p:spPr>
-        <p:style>
-          <a:lnRef idx="2">
-            <a:schemeClr val="accent1">
-              <a:shade val="15000"/>
-            </a:schemeClr>
-          </a:lnRef>
-          <a:fillRef idx="1">
-            <a:schemeClr val="accent1"/>
-          </a:fillRef>
-          <a:effectRef idx="0">
-            <a:schemeClr val="accent1"/>
-          </a:effectRef>
-          <a:fontRef idx="minor">
-            <a:schemeClr val="lt1"/>
-          </a:fontRef>
-        </p:style>
-        <p:txBody>
-          <a:bodyPr rtlCol="0" anchor="ctr"/>
-          <a:lstStyle/>
-          <a:p>
-            <a:pPr algn="ctr"/>
-            <a:endParaRPr lang="es-PE"/>
-          </a:p>
-        </p:txBody>
-      </p:sp>
-      <p:sp>
-        <p:nvSpPr>
-          <p:cNvPr id="8" name="ProgressDot">
-            <a:extLst>
-              <a:ext uri="{FF2B5EF4-FFF2-40B4-BE49-F238E27FC236}">
-                <a16:creationId xmlns:a16="http://schemas.microsoft.com/office/drawing/2014/main" id="{7A2BCE32-C8EA-AB70-CF09-D30DA5CB9E6B}"/>
-              </a:ext>
-            </a:extLst>
-          </p:cNvPr>
-          <p:cNvSpPr/>
-          <p:nvPr/>
-        </p:nvSpPr>
-        <p:spPr>
-          <a:xfrm>
-            <a:off x="4762500" y="6421025"/>
-            <a:ext cx="127000" cy="127000"/>
-          </a:xfrm>
-          <a:prstGeom prst="ellipse">
-            <a:avLst/>
-          </a:prstGeom>
-          <a:solidFill>
-            <a:srgbClr val="FFFFFF"/>
-          </a:solidFill>
-          <a:ln w="9000">
-            <a:solidFill>
-              <a:srgbClr val="000000"/>
-            </a:solidFill>
-          </a:ln>
-        </p:spPr>
-        <p:style>
-          <a:lnRef idx="2">
-            <a:schemeClr val="accent1">
-              <a:shade val="15000"/>
-            </a:schemeClr>
-          </a:lnRef>
-          <a:fillRef idx="1">
-            <a:schemeClr val="accent1"/>
-          </a:fillRef>
-          <a:effectRef idx="0">
-            <a:schemeClr val="accent1"/>
-          </a:effectRef>
-          <a:fontRef idx="minor">
-            <a:schemeClr val="lt1"/>
-          </a:fontRef>
-        </p:style>
-        <p:txBody>
-          <a:bodyPr rtlCol="0" anchor="ctr"/>
-          <a:lstStyle/>
-          <a:p>
-            <a:pPr algn="ctr"/>
-            <a:endParaRPr lang="es-PE"/>
-          </a:p>
-        </p:txBody>
-      </p:sp>
-      <p:sp>
-        <p:nvSpPr>
-          <p:cNvPr id="9" name="ProgressDot">
-            <a:extLst>
-              <a:ext uri="{FF2B5EF4-FFF2-40B4-BE49-F238E27FC236}">
-                <a16:creationId xmlns:a16="http://schemas.microsoft.com/office/drawing/2014/main" id="{00D0E5EE-3D00-3745-B86C-E82151C6EC9F}"/>
-              </a:ext>
-            </a:extLst>
-          </p:cNvPr>
-          <p:cNvSpPr/>
-          <p:nvPr/>
-        </p:nvSpPr>
-        <p:spPr>
-          <a:xfrm>
-            <a:off x="5016500" y="6421025"/>
-            <a:ext cx="127000" cy="127000"/>
-          </a:xfrm>
-          <a:prstGeom prst="ellipse">
-            <a:avLst/>
-          </a:prstGeom>
-          <a:solidFill>
-            <a:srgbClr val="FFFFFF"/>
-          </a:solidFill>
-          <a:ln w="9000">
-            <a:solidFill>
-              <a:srgbClr val="000000"/>
-            </a:solidFill>
-          </a:ln>
-        </p:spPr>
-        <p:style>
-          <a:lnRef idx="2">
-            <a:schemeClr val="accent1">
-              <a:shade val="15000"/>
-            </a:schemeClr>
-          </a:lnRef>
-          <a:fillRef idx="1">
-            <a:schemeClr val="accent1"/>
-          </a:fillRef>
-          <a:effectRef idx="0">
-            <a:schemeClr val="accent1"/>
-          </a:effectRef>
-          <a:fontRef idx="minor">
-            <a:schemeClr val="lt1"/>
-          </a:fontRef>
-        </p:style>
-        <p:txBody>
-          <a:bodyPr rtlCol="0" anchor="ctr"/>
-          <a:lstStyle/>
-          <a:p>
-            <a:pPr algn="ctr"/>
-            <a:endParaRPr lang="es-PE"/>
-          </a:p>
-        </p:txBody>
-      </p:sp>
-      <p:sp>
-        <p:nvSpPr>
-          <p:cNvPr id="11" name="ProgressDot">
-            <a:extLst>
-              <a:ext uri="{FF2B5EF4-FFF2-40B4-BE49-F238E27FC236}">
-                <a16:creationId xmlns:a16="http://schemas.microsoft.com/office/drawing/2014/main" id="{05244A99-2B76-456C-BD91-A8B613CD75A0}"/>
-              </a:ext>
-            </a:extLst>
-          </p:cNvPr>
-          <p:cNvSpPr/>
-          <p:nvPr/>
-        </p:nvSpPr>
-        <p:spPr>
-          <a:xfrm>
-            <a:off x="5270500" y="6421025"/>
-            <a:ext cx="127000" cy="127000"/>
-          </a:xfrm>
-          <a:prstGeom prst="ellipse">
-            <a:avLst/>
-          </a:prstGeom>
-          <a:solidFill>
-            <a:srgbClr val="FFFFFF"/>
-          </a:solidFill>
-          <a:ln w="9000">
-            <a:solidFill>
-              <a:srgbClr val="000000"/>
-            </a:solidFill>
-          </a:ln>
-        </p:spPr>
-        <p:style>
-          <a:lnRef idx="2">
-            <a:schemeClr val="accent1">
-              <a:shade val="15000"/>
-            </a:schemeClr>
-          </a:lnRef>
-          <a:fillRef idx="1">
-            <a:schemeClr val="accent1"/>
-          </a:fillRef>
-          <a:effectRef idx="0">
-            <a:schemeClr val="accent1"/>
-          </a:effectRef>
-          <a:fontRef idx="minor">
-            <a:schemeClr val="lt1"/>
-          </a:fontRef>
-        </p:style>
-        <p:txBody>
-          <a:bodyPr rtlCol="0" anchor="ctr"/>
-          <a:lstStyle/>
-          <a:p>
-            <a:pPr algn="ctr"/>
-            <a:endParaRPr lang="es-PE"/>
-          </a:p>
-        </p:txBody>
-      </p:sp>
-      <p:sp>
-        <p:nvSpPr>
-          <p:cNvPr id="12" name="ProgressDot">
-            <a:extLst>
-              <a:ext uri="{FF2B5EF4-FFF2-40B4-BE49-F238E27FC236}">
-                <a16:creationId xmlns:a16="http://schemas.microsoft.com/office/drawing/2014/main" id="{063CDFA5-DFF6-6F86-571B-4D4C676674FD}"/>
-              </a:ext>
-            </a:extLst>
-          </p:cNvPr>
-          <p:cNvSpPr/>
-          <p:nvPr/>
-        </p:nvSpPr>
-        <p:spPr>
-          <a:xfrm>
-            <a:off x="5524500" y="6421025"/>
-            <a:ext cx="127000" cy="127000"/>
-          </a:xfrm>
-          <a:prstGeom prst="ellipse">
-            <a:avLst/>
-          </a:prstGeom>
-          <a:solidFill>
-            <a:srgbClr val="FFFFFF"/>
-          </a:solidFill>
-          <a:ln w="9000">
-            <a:solidFill>
-              <a:srgbClr val="000000"/>
-            </a:solidFill>
-          </a:ln>
-        </p:spPr>
-        <p:style>
-          <a:lnRef idx="2">
-            <a:schemeClr val="accent1">
-              <a:shade val="15000"/>
-            </a:schemeClr>
-          </a:lnRef>
-          <a:fillRef idx="1">
-            <a:schemeClr val="accent1"/>
-          </a:fillRef>
-          <a:effectRef idx="0">
-            <a:schemeClr val="accent1"/>
-          </a:effectRef>
-          <a:fontRef idx="minor">
-            <a:schemeClr val="lt1"/>
-          </a:fontRef>
-        </p:style>
-        <p:txBody>
-          <a:bodyPr rtlCol="0" anchor="ctr"/>
-          <a:lstStyle/>
-          <a:p>
-            <a:pPr algn="ctr"/>
-            <a:endParaRPr lang="es-PE"/>
-          </a:p>
-        </p:txBody>
-      </p:sp>
-      <p:sp>
-        <p:nvSpPr>
-          <p:cNvPr id="13" name="ProgressDot">
-            <a:extLst>
-              <a:ext uri="{FF2B5EF4-FFF2-40B4-BE49-F238E27FC236}">
-                <a16:creationId xmlns:a16="http://schemas.microsoft.com/office/drawing/2014/main" id="{EFC64883-9E76-E72D-921F-A4AAB622CA19}"/>
-              </a:ext>
-            </a:extLst>
-          </p:cNvPr>
-          <p:cNvSpPr/>
-          <p:nvPr/>
-        </p:nvSpPr>
-        <p:spPr>
-          <a:xfrm>
-            <a:off x="5778500" y="6421025"/>
-            <a:ext cx="127000" cy="127000"/>
-          </a:xfrm>
-          <a:prstGeom prst="ellipse">
-            <a:avLst/>
-          </a:prstGeom>
-          <a:solidFill>
-            <a:srgbClr val="FFFFFF"/>
-          </a:solidFill>
-          <a:ln w="9000">
-            <a:solidFill>
-              <a:srgbClr val="000000"/>
-            </a:solidFill>
-          </a:ln>
-        </p:spPr>
-        <p:style>
-          <a:lnRef idx="2">
-            <a:schemeClr val="accent1">
-              <a:shade val="15000"/>
-            </a:schemeClr>
-          </a:lnRef>
-          <a:fillRef idx="1">
-            <a:schemeClr val="accent1"/>
-          </a:fillRef>
-          <a:effectRef idx="0">
-            <a:schemeClr val="accent1"/>
-          </a:effectRef>
-          <a:fontRef idx="minor">
-            <a:schemeClr val="lt1"/>
-          </a:fontRef>
-        </p:style>
-        <p:txBody>
-          <a:bodyPr rtlCol="0" anchor="ctr"/>
-          <a:lstStyle/>
-          <a:p>
-            <a:pPr algn="ctr"/>
-            <a:endParaRPr lang="es-PE"/>
-          </a:p>
-        </p:txBody>
-      </p:sp>
-      <p:sp>
-        <p:nvSpPr>
-          <p:cNvPr id="14" name="ProgressDot">
-            <a:extLst>
-              <a:ext uri="{FF2B5EF4-FFF2-40B4-BE49-F238E27FC236}">
-                <a16:creationId xmlns:a16="http://schemas.microsoft.com/office/drawing/2014/main" id="{4D0418F5-458E-786E-3830-0CCE28CB35B7}"/>
-              </a:ext>
-            </a:extLst>
-          </p:cNvPr>
-          <p:cNvSpPr/>
-          <p:nvPr/>
-        </p:nvSpPr>
-        <p:spPr>
-          <a:xfrm>
-            <a:off x="6032500" y="6421025"/>
-            <a:ext cx="127000" cy="127000"/>
-          </a:xfrm>
-          <a:prstGeom prst="ellipse">
-            <a:avLst/>
-          </a:prstGeom>
-          <a:solidFill>
-            <a:srgbClr val="FFFFFF"/>
-          </a:solidFill>
-          <a:ln w="9000">
-            <a:solidFill>
-              <a:srgbClr val="000000"/>
-            </a:solidFill>
-          </a:ln>
-        </p:spPr>
-        <p:style>
-          <a:lnRef idx="2">
-            <a:schemeClr val="accent1">
-              <a:shade val="15000"/>
-            </a:schemeClr>
-          </a:lnRef>
-          <a:fillRef idx="1">
-            <a:schemeClr val="accent1"/>
-          </a:fillRef>
-          <a:effectRef idx="0">
-            <a:schemeClr val="accent1"/>
-          </a:effectRef>
-          <a:fontRef idx="minor">
-            <a:schemeClr val="lt1"/>
-          </a:fontRef>
-        </p:style>
-        <p:txBody>
-          <a:bodyPr rtlCol="0" anchor="ctr"/>
-          <a:lstStyle/>
-          <a:p>
-            <a:pPr algn="ctr"/>
-            <a:endParaRPr lang="es-PE"/>
-          </a:p>
-        </p:txBody>
-      </p:sp>
-      <p:sp>
-        <p:nvSpPr>
-          <p:cNvPr id="15" name="ProgressDot">
-            <a:extLst>
-              <a:ext uri="{FF2B5EF4-FFF2-40B4-BE49-F238E27FC236}">
-                <a16:creationId xmlns:a16="http://schemas.microsoft.com/office/drawing/2014/main" id="{86D98073-6E15-3120-9216-2E6497A29D15}"/>
-              </a:ext>
-            </a:extLst>
-          </p:cNvPr>
-          <p:cNvSpPr/>
-          <p:nvPr/>
-        </p:nvSpPr>
-        <p:spPr>
-          <a:xfrm>
-            <a:off x="6286500" y="6421025"/>
-            <a:ext cx="127000" cy="127000"/>
-          </a:xfrm>
-          <a:prstGeom prst="ellipse">
-            <a:avLst/>
-          </a:prstGeom>
-          <a:solidFill>
-            <a:srgbClr val="FFFFFF"/>
-          </a:solidFill>
-          <a:ln w="9000">
-            <a:solidFill>
-              <a:srgbClr val="000000"/>
-            </a:solidFill>
-          </a:ln>
-        </p:spPr>
-        <p:style>
-          <a:lnRef idx="2">
-            <a:schemeClr val="accent1">
-              <a:shade val="15000"/>
-            </a:schemeClr>
-          </a:lnRef>
-          <a:fillRef idx="1">
-            <a:schemeClr val="accent1"/>
-          </a:fillRef>
-          <a:effectRef idx="0">
-            <a:schemeClr val="accent1"/>
-          </a:effectRef>
-          <a:fontRef idx="minor">
-            <a:schemeClr val="lt1"/>
-          </a:fontRef>
-        </p:style>
-        <p:txBody>
-          <a:bodyPr rtlCol="0" anchor="ctr"/>
-          <a:lstStyle/>
-          <a:p>
-            <a:pPr algn="ctr"/>
-            <a:endParaRPr lang="es-PE"/>
-          </a:p>
-        </p:txBody>
-      </p:sp>
-      <p:sp>
-        <p:nvSpPr>
-          <p:cNvPr id="16" name="ProgressDot">
-            <a:extLst>
-              <a:ext uri="{FF2B5EF4-FFF2-40B4-BE49-F238E27FC236}">
-                <a16:creationId xmlns:a16="http://schemas.microsoft.com/office/drawing/2014/main" id="{BBD45BEB-0A84-C5DA-87BD-2046ED4A2BF0}"/>
-              </a:ext>
-            </a:extLst>
-          </p:cNvPr>
-          <p:cNvSpPr/>
-          <p:nvPr/>
-        </p:nvSpPr>
-        <p:spPr>
-          <a:xfrm>
-            <a:off x="6540500" y="6421025"/>
-            <a:ext cx="127000" cy="127000"/>
-          </a:xfrm>
-          <a:prstGeom prst="ellipse">
-            <a:avLst/>
-          </a:prstGeom>
-          <a:solidFill>
-            <a:srgbClr val="FFFFFF"/>
-          </a:solidFill>
-          <a:ln w="9000">
-            <a:solidFill>
-              <a:srgbClr val="000000"/>
-            </a:solidFill>
-          </a:ln>
-        </p:spPr>
-        <p:style>
-          <a:lnRef idx="2">
-            <a:schemeClr val="accent1">
-              <a:shade val="15000"/>
-            </a:schemeClr>
-          </a:lnRef>
-          <a:fillRef idx="1">
-            <a:schemeClr val="accent1"/>
-          </a:fillRef>
-          <a:effectRef idx="0">
-            <a:schemeClr val="accent1"/>
-          </a:effectRef>
-          <a:fontRef idx="minor">
-            <a:schemeClr val="lt1"/>
-          </a:fontRef>
-        </p:style>
-        <p:txBody>
-          <a:bodyPr rtlCol="0" anchor="ctr"/>
-          <a:lstStyle/>
-          <a:p>
-            <a:pPr algn="ctr"/>
-            <a:endParaRPr lang="es-PE"/>
-          </a:p>
-        </p:txBody>
-      </p:sp>
-      <p:sp>
-        <p:nvSpPr>
-          <p:cNvPr id="17" name="ProgressDot">
-            <a:extLst>
-              <a:ext uri="{FF2B5EF4-FFF2-40B4-BE49-F238E27FC236}">
-                <a16:creationId xmlns:a16="http://schemas.microsoft.com/office/drawing/2014/main" id="{0B03C5C3-7AA7-8A62-E6BC-EA8CF2DB416A}"/>
-              </a:ext>
-            </a:extLst>
-          </p:cNvPr>
-          <p:cNvSpPr/>
-          <p:nvPr/>
-        </p:nvSpPr>
-        <p:spPr>
-          <a:xfrm>
-            <a:off x="6794500" y="6421025"/>
-            <a:ext cx="127000" cy="127000"/>
-          </a:xfrm>
-          <a:prstGeom prst="ellipse">
-            <a:avLst/>
-          </a:prstGeom>
-          <a:solidFill>
-            <a:srgbClr val="FFFFFF"/>
-          </a:solidFill>
-          <a:ln w="9000">
-            <a:solidFill>
-              <a:srgbClr val="000000"/>
-            </a:solidFill>
-          </a:ln>
-        </p:spPr>
-        <p:style>
-          <a:lnRef idx="2">
-            <a:schemeClr val="accent1">
-              <a:shade val="15000"/>
-            </a:schemeClr>
-          </a:lnRef>
-          <a:fillRef idx="1">
-            <a:schemeClr val="accent1"/>
-          </a:fillRef>
-          <a:effectRef idx="0">
-            <a:schemeClr val="accent1"/>
-          </a:effectRef>
-          <a:fontRef idx="minor">
-            <a:schemeClr val="lt1"/>
-          </a:fontRef>
-        </p:style>
-        <p:txBody>
-          <a:bodyPr rtlCol="0" anchor="ctr"/>
-          <a:lstStyle/>
-          <a:p>
-            <a:pPr algn="ctr"/>
-            <a:endParaRPr lang="es-PE"/>
-          </a:p>
-        </p:txBody>
-      </p:sp>
-      <p:sp>
-        <p:nvSpPr>
-          <p:cNvPr id="18" name="ProgressDot">
-            <a:extLst>
-              <a:ext uri="{FF2B5EF4-FFF2-40B4-BE49-F238E27FC236}">
-                <a16:creationId xmlns:a16="http://schemas.microsoft.com/office/drawing/2014/main" id="{AC21E72B-0C41-607E-1456-16B65BBE19F1}"/>
-              </a:ext>
-            </a:extLst>
-          </p:cNvPr>
-          <p:cNvSpPr/>
-          <p:nvPr/>
-        </p:nvSpPr>
-        <p:spPr>
-          <a:xfrm>
-            <a:off x="7048500" y="6421025"/>
-            <a:ext cx="127000" cy="127000"/>
-          </a:xfrm>
-          <a:prstGeom prst="ellipse">
-            <a:avLst/>
-          </a:prstGeom>
-          <a:solidFill>
-            <a:srgbClr val="FFFFFF"/>
-          </a:solidFill>
-          <a:ln w="9000">
-            <a:solidFill>
-              <a:srgbClr val="000000"/>
-            </a:solidFill>
-          </a:ln>
-        </p:spPr>
-        <p:style>
-          <a:lnRef idx="2">
-            <a:schemeClr val="accent1">
-              <a:shade val="15000"/>
-            </a:schemeClr>
-          </a:lnRef>
-          <a:fillRef idx="1">
-            <a:schemeClr val="accent1"/>
-          </a:fillRef>
-          <a:effectRef idx="0">
-            <a:schemeClr val="accent1"/>
-          </a:effectRef>
-          <a:fontRef idx="minor">
-            <a:schemeClr val="lt1"/>
-          </a:fontRef>
-        </p:style>
-        <p:txBody>
-          <a:bodyPr rtlCol="0" anchor="ctr"/>
-          <a:lstStyle/>
-          <a:p>
-            <a:pPr algn="ctr"/>
-            <a:endParaRPr lang="es-PE"/>
-          </a:p>
-        </p:txBody>
-      </p:sp>
-      <p:sp>
-        <p:nvSpPr>
-          <p:cNvPr id="19" name="ProgressDot">
-            <a:extLst>
-              <a:ext uri="{FF2B5EF4-FFF2-40B4-BE49-F238E27FC236}">
-                <a16:creationId xmlns:a16="http://schemas.microsoft.com/office/drawing/2014/main" id="{6BF0F5AB-04ED-E0FA-6058-D1C60F1EC193}"/>
-              </a:ext>
-            </a:extLst>
-          </p:cNvPr>
-          <p:cNvSpPr/>
-          <p:nvPr/>
-        </p:nvSpPr>
-        <p:spPr>
-          <a:xfrm>
-            <a:off x="7302500" y="6421025"/>
-            <a:ext cx="127000" cy="127000"/>
-          </a:xfrm>
-          <a:prstGeom prst="ellipse">
-            <a:avLst/>
-          </a:prstGeom>
-          <a:solidFill>
-            <a:srgbClr val="FFFFFF"/>
-          </a:solidFill>
-          <a:ln w="9000">
-            <a:solidFill>
-              <a:srgbClr val="000000"/>
-            </a:solidFill>
-          </a:ln>
-        </p:spPr>
-        <p:style>
-          <a:lnRef idx="2">
-            <a:schemeClr val="accent1">
-              <a:shade val="15000"/>
-            </a:schemeClr>
-          </a:lnRef>
-          <a:fillRef idx="1">
-            <a:schemeClr val="accent1"/>
-          </a:fillRef>
-          <a:effectRef idx="0">
-            <a:schemeClr val="accent1"/>
-          </a:effectRef>
-          <a:fontRef idx="minor">
-            <a:schemeClr val="lt1"/>
-          </a:fontRef>
-        </p:style>
-        <p:txBody>
-          <a:bodyPr rtlCol="0" anchor="ctr"/>
-          <a:lstStyle/>
-          <a:p>
-            <a:pPr algn="ctr"/>
-            <a:endParaRPr lang="es-PE"/>
-          </a:p>
-        </p:txBody>
-      </p:sp>
-      <p:sp>
-        <p:nvSpPr>
-          <p:cNvPr id="20" name="ProgressDot">
-            <a:extLst>
-              <a:ext uri="{FF2B5EF4-FFF2-40B4-BE49-F238E27FC236}">
-                <a16:creationId xmlns:a16="http://schemas.microsoft.com/office/drawing/2014/main" id="{474D09F8-43E1-D533-84AB-B79D69B7E6EF}"/>
-              </a:ext>
-            </a:extLst>
-          </p:cNvPr>
-          <p:cNvSpPr/>
-          <p:nvPr/>
-        </p:nvSpPr>
-        <p:spPr>
-          <a:xfrm>
-            <a:off x="7556500" y="6421025"/>
-            <a:ext cx="127000" cy="127000"/>
-          </a:xfrm>
-          <a:prstGeom prst="ellipse">
-            <a:avLst/>
-          </a:prstGeom>
-          <a:solidFill>
-            <a:srgbClr val="FFFFFF"/>
-          </a:solidFill>
-          <a:ln w="9000">
-            <a:solidFill>
-              <a:srgbClr val="000000"/>
-            </a:solidFill>
-          </a:ln>
-        </p:spPr>
-        <p:style>
-          <a:lnRef idx="2">
-            <a:schemeClr val="accent1">
-              <a:shade val="15000"/>
-            </a:schemeClr>
-          </a:lnRef>
-          <a:fillRef idx="1">
-            <a:schemeClr val="accent1"/>
-          </a:fillRef>
-          <a:effectRef idx="0">
-            <a:schemeClr val="accent1"/>
-          </a:effectRef>
-          <a:fontRef idx="minor">
-            <a:schemeClr val="lt1"/>
-          </a:fontRef>
-        </p:style>
-        <p:txBody>
-          <a:bodyPr rtlCol="0" anchor="ctr"/>
-          <a:lstStyle/>
-          <a:p>
-            <a:pPr algn="ctr"/>
-            <a:endParaRPr lang="es-PE"/>
-          </a:p>
-        </p:txBody>
-      </p:sp>
-      <p:sp>
-        <p:nvSpPr>
-          <p:cNvPr id="21" name="ProgressDot">
-            <a:extLst>
-              <a:ext uri="{FF2B5EF4-FFF2-40B4-BE49-F238E27FC236}">
-                <a16:creationId xmlns:a16="http://schemas.microsoft.com/office/drawing/2014/main" id="{57869A5A-6868-F54C-CAD2-A80927AB77F8}"/>
-              </a:ext>
-            </a:extLst>
-          </p:cNvPr>
-          <p:cNvSpPr/>
-          <p:nvPr/>
-        </p:nvSpPr>
-        <p:spPr>
-          <a:xfrm>
-            <a:off x="7810500" y="6421025"/>
-            <a:ext cx="127000" cy="127000"/>
-          </a:xfrm>
-          <a:prstGeom prst="ellipse">
-            <a:avLst/>
-          </a:prstGeom>
-          <a:solidFill>
-            <a:srgbClr val="FFFFFF"/>
-          </a:solidFill>
-          <a:ln w="9000">
-            <a:solidFill>
-              <a:srgbClr val="000000"/>
-            </a:solidFill>
-          </a:ln>
-        </p:spPr>
-        <p:style>
-          <a:lnRef idx="2">
-            <a:schemeClr val="accent1">
-              <a:shade val="15000"/>
-            </a:schemeClr>
-          </a:lnRef>
-          <a:fillRef idx="1">
-            <a:schemeClr val="accent1"/>
-          </a:fillRef>
-          <a:effectRef idx="0">
-            <a:schemeClr val="accent1"/>
-          </a:effectRef>
-          <a:fontRef idx="minor">
-            <a:schemeClr val="lt1"/>
-          </a:fontRef>
-        </p:style>
-        <p:txBody>
-          <a:bodyPr rtlCol="0" anchor="ctr"/>
-          <a:lstStyle/>
-          <a:p>
-            <a:pPr algn="ctr"/>
-            <a:endParaRPr lang="es-PE"/>
-          </a:p>
-        </p:txBody>
-      </p:sp>
     </p:spTree>
     <p:extLst>
       <p:ext uri="{BB962C8B-B14F-4D97-AF65-F5344CB8AC3E}">
@@ -5572,7 +4779,7 @@
         <p:cNvPr id="1" name="">
           <a:extLst>
             <a:ext uri="{FF2B5EF4-FFF2-40B4-BE49-F238E27FC236}">
-              <a16:creationId xmlns:a16="http://schemas.microsoft.com/office/drawing/2014/main" id="{951CEC8B-6CA1-0C0F-FDB7-848CF0B4A4D8}"/>
+              <a16:creationId xmlns:a16="http://schemas.microsoft.com/office/drawing/2014/main" id="{C277CF7E-D2DD-8720-D52F-97D5887C4B5F}"/>
             </a:ext>
           </a:extLst>
         </p:cNvPr>
@@ -5589,10 +4796,71 @@
       </p:grpSpPr>
       <p:sp>
         <p:nvSpPr>
-          <p:cNvPr id="8" name="Marcador de contenido 2">
-            <a:extLst>
-              <a:ext uri="{FF2B5EF4-FFF2-40B4-BE49-F238E27FC236}">
-                <a16:creationId xmlns:a16="http://schemas.microsoft.com/office/drawing/2014/main" id="{7A5A887F-B142-2193-EBA9-5EAA7DF1BBC0}"/>
+          <p:cNvPr id="2" name="Título 1">
+            <a:extLst>
+              <a:ext uri="{FF2B5EF4-FFF2-40B4-BE49-F238E27FC236}">
+                <a16:creationId xmlns:a16="http://schemas.microsoft.com/office/drawing/2014/main" id="{76060184-E071-DA5B-4344-822E993F3BB8}"/>
+              </a:ext>
+            </a:extLst>
+          </p:cNvPr>
+          <p:cNvSpPr>
+            <a:spLocks noGrp="1"/>
+          </p:cNvSpPr>
+          <p:nvPr>
+            <p:ph type="title"/>
+          </p:nvPr>
+        </p:nvSpPr>
+        <p:spPr/>
+        <p:txBody>
+          <a:bodyPr>
+            <a:normAutofit fontScale="90000"/>
+          </a:bodyPr>
+          <a:lstStyle/>
+          <a:p>
+            <a:r>
+              <a:rPr lang="es-ES" dirty="0"/>
+              <a:t>Nivel Educativo vs Nivel de trabajo</a:t>
+            </a:r>
+            <a:endParaRPr lang="es-PE" dirty="0"/>
+          </a:p>
+        </p:txBody>
+      </p:sp>
+      <p:sp>
+        <p:nvSpPr>
+          <p:cNvPr id="4" name="Marcador de número de diapositiva 3">
+            <a:extLst>
+              <a:ext uri="{FF2B5EF4-FFF2-40B4-BE49-F238E27FC236}">
+                <a16:creationId xmlns:a16="http://schemas.microsoft.com/office/drawing/2014/main" id="{06CD52AA-364E-4DAE-7327-1CBDBDBF74DD}"/>
+              </a:ext>
+            </a:extLst>
+          </p:cNvPr>
+          <p:cNvSpPr>
+            <a:spLocks noGrp="1"/>
+          </p:cNvSpPr>
+          <p:nvPr>
+            <p:ph type="sldNum" sz="quarter" idx="12"/>
+          </p:nvPr>
+        </p:nvSpPr>
+        <p:spPr/>
+        <p:txBody>
+          <a:bodyPr/>
+          <a:lstStyle/>
+          <a:p>
+            <a:fld id="{973910BB-74C0-4080-A479-597185DC8685}" type="slidenum">
+              <a:rPr lang="es-PE" smtClean="0"/>
+              <a:pPr/>
+              <a:t>10</a:t>
+            </a:fld>
+            <a:endParaRPr lang="es-PE" dirty="0"/>
+          </a:p>
+        </p:txBody>
+      </p:sp>
+      <p:sp>
+        <p:nvSpPr>
+          <p:cNvPr id="7" name="Marcador de contenido 2">
+            <a:extLst>
+              <a:ext uri="{FF2B5EF4-FFF2-40B4-BE49-F238E27FC236}">
+                <a16:creationId xmlns:a16="http://schemas.microsoft.com/office/drawing/2014/main" id="{B8C455FA-2E85-02E5-BAD7-D4AAFD9DAB70}"/>
               </a:ext>
             </a:extLst>
           </p:cNvPr>
@@ -5604,7 +4872,7 @@
         <p:spPr>
           <a:xfrm>
             <a:off x="582930" y="5383176"/>
-            <a:ext cx="11026140" cy="973703"/>
+            <a:ext cx="11177270" cy="973703"/>
           </a:xfrm>
           <a:prstGeom prst="rect">
             <a:avLst/>
@@ -5796,17 +5064,25 @@
           <a:p>
             <a:r>
               <a:rPr lang="es-PE" dirty="0"/>
-              <a:t>Se observa similitud en la satisfacción en el trabajo, independiente del genero. Ello corrobora como verdadera nuestra segunda hipótesis (b).</a:t>
+              <a:t>Se observa la relación media, donde los bachilleres ocupan la mayoría de puestos Junior, </a:t>
+            </a:r>
+            <a:r>
+              <a:rPr lang="es-PE" dirty="0" err="1"/>
+              <a:t>Semi-senior</a:t>
+            </a:r>
+            <a:r>
+              <a:rPr lang="es-PE" dirty="0"/>
+              <a:t> y senior (65.7 % en total).</a:t>
             </a:r>
           </a:p>
         </p:txBody>
       </p:sp>
       <p:pic>
         <p:nvPicPr>
-          <p:cNvPr id="5" name="Imagen 4">
-            <a:extLst>
-              <a:ext uri="{FF2B5EF4-FFF2-40B4-BE49-F238E27FC236}">
-                <a16:creationId xmlns:a16="http://schemas.microsoft.com/office/drawing/2014/main" id="{BA85B826-318F-A94C-7272-3831F21E8408}"/>
+          <p:cNvPr id="9" name="Imagen 8">
+            <a:extLst>
+              <a:ext uri="{FF2B5EF4-FFF2-40B4-BE49-F238E27FC236}">
+                <a16:creationId xmlns:a16="http://schemas.microsoft.com/office/drawing/2014/main" id="{4195A9C2-7EF8-62A8-3E1F-ECA6D959D30F}"/>
               </a:ext>
             </a:extLst>
           </p:cNvPr>
@@ -5823,81 +5099,50 @@
         </p:blipFill>
         <p:spPr>
           <a:xfrm>
-            <a:off x="1383983" y="987973"/>
-            <a:ext cx="9207817" cy="4521204"/>
+            <a:off x="7643763" y="1305690"/>
+            <a:ext cx="4361547" cy="2260470"/>
           </a:xfrm>
           <a:prstGeom prst="rect">
             <a:avLst/>
           </a:prstGeom>
         </p:spPr>
       </p:pic>
-      <p:sp>
-        <p:nvSpPr>
-          <p:cNvPr id="2" name="Título 1">
-            <a:extLst>
-              <a:ext uri="{FF2B5EF4-FFF2-40B4-BE49-F238E27FC236}">
-                <a16:creationId xmlns:a16="http://schemas.microsoft.com/office/drawing/2014/main" id="{E8DC7703-AA45-7E88-8568-20401256F761}"/>
-              </a:ext>
-            </a:extLst>
-          </p:cNvPr>
-          <p:cNvSpPr>
-            <a:spLocks noGrp="1"/>
-          </p:cNvSpPr>
-          <p:nvPr>
-            <p:ph type="title"/>
-          </p:nvPr>
-        </p:nvSpPr>
-        <p:spPr/>
-        <p:txBody>
-          <a:bodyPr>
-            <a:normAutofit fontScale="90000"/>
-          </a:bodyPr>
-          <a:lstStyle/>
-          <a:p>
-            <a:r>
-              <a:rPr lang="es-ES" dirty="0"/>
-              <a:t>Género vs Satisfacción en el trabajo</a:t>
-            </a:r>
-            <a:endParaRPr lang="es-PE" dirty="0"/>
-          </a:p>
-        </p:txBody>
-      </p:sp>
-      <p:sp>
-        <p:nvSpPr>
-          <p:cNvPr id="4" name="Marcador de número de diapositiva 3">
-            <a:extLst>
-              <a:ext uri="{FF2B5EF4-FFF2-40B4-BE49-F238E27FC236}">
-                <a16:creationId xmlns:a16="http://schemas.microsoft.com/office/drawing/2014/main" id="{8A8EB997-C4F7-7E22-32EA-0D8943B1B748}"/>
-              </a:ext>
-            </a:extLst>
-          </p:cNvPr>
-          <p:cNvSpPr>
-            <a:spLocks noGrp="1"/>
-          </p:cNvSpPr>
-          <p:nvPr>
-            <p:ph type="sldNum" sz="quarter" idx="12"/>
-          </p:nvPr>
-        </p:nvSpPr>
-        <p:spPr/>
-        <p:txBody>
-          <a:bodyPr/>
-          <a:lstStyle/>
-          <a:p>
-            <a:fld id="{973910BB-74C0-4080-A479-597185DC8685}" type="slidenum">
-              <a:rPr lang="es-PE" smtClean="0"/>
-              <a:pPr/>
-              <a:t>10</a:t>
-            </a:fld>
-            <a:endParaRPr lang="es-PE" dirty="0"/>
-          </a:p>
-        </p:txBody>
-      </p:sp>
-      <p:sp>
-        <p:nvSpPr>
-          <p:cNvPr id="9" name="ProgressDot">
-            <a:extLst>
-              <a:ext uri="{FF2B5EF4-FFF2-40B4-BE49-F238E27FC236}">
-                <a16:creationId xmlns:a16="http://schemas.microsoft.com/office/drawing/2014/main" id="{784FD097-28A4-3E49-40BE-8FA452768F4F}"/>
+      <p:pic>
+        <p:nvPicPr>
+          <p:cNvPr id="5" name="Imagen 4">
+            <a:extLst>
+              <a:ext uri="{FF2B5EF4-FFF2-40B4-BE49-F238E27FC236}">
+                <a16:creationId xmlns:a16="http://schemas.microsoft.com/office/drawing/2014/main" id="{8A055CD2-44D7-5BF6-50F9-4A6BB2910F7B}"/>
+              </a:ext>
+            </a:extLst>
+          </p:cNvPr>
+          <p:cNvPicPr>
+            <a:picLocks noChangeAspect="1"/>
+          </p:cNvPicPr>
+          <p:nvPr/>
+        </p:nvPicPr>
+        <p:blipFill>
+          <a:blip r:embed="rId3"/>
+          <a:stretch>
+            <a:fillRect/>
+          </a:stretch>
+        </p:blipFill>
+        <p:spPr>
+          <a:xfrm>
+            <a:off x="393679" y="1132173"/>
+            <a:ext cx="6863222" cy="4075589"/>
+          </a:xfrm>
+          <a:prstGeom prst="rect">
+            <a:avLst/>
+          </a:prstGeom>
+        </p:spPr>
+      </p:pic>
+      <p:sp>
+        <p:nvSpPr>
+          <p:cNvPr id="3" name="ProgressDot">
+            <a:extLst>
+              <a:ext uri="{FF2B5EF4-FFF2-40B4-BE49-F238E27FC236}">
+                <a16:creationId xmlns:a16="http://schemas.microsoft.com/office/drawing/2014/main" id="{3F2233E3-9BF1-499B-EDB8-3F30D4C013F9}"/>
               </a:ext>
             </a:extLst>
           </p:cNvPr>
@@ -5906,7 +5151,7 @@
         </p:nvSpPr>
         <p:spPr>
           <a:xfrm>
-            <a:off x="4254500" y="6421025"/>
+            <a:off x="4127500" y="6421025"/>
             <a:ext cx="127000" cy="127000"/>
           </a:xfrm>
           <a:prstGeom prst="ellipse">
@@ -5948,10 +5193,10 @@
       </p:sp>
       <p:sp>
         <p:nvSpPr>
-          <p:cNvPr id="10" name="ProgressDot">
-            <a:extLst>
-              <a:ext uri="{FF2B5EF4-FFF2-40B4-BE49-F238E27FC236}">
-                <a16:creationId xmlns:a16="http://schemas.microsoft.com/office/drawing/2014/main" id="{593523BE-66CB-38C7-7040-9DA4112099EA}"/>
+          <p:cNvPr id="6" name="ProgressDot">
+            <a:extLst>
+              <a:ext uri="{FF2B5EF4-FFF2-40B4-BE49-F238E27FC236}">
+                <a16:creationId xmlns:a16="http://schemas.microsoft.com/office/drawing/2014/main" id="{47E55EB9-3759-0632-3BF6-35D4CED31070}"/>
               </a:ext>
             </a:extLst>
           </p:cNvPr>
@@ -5960,7 +5205,7 @@
         </p:nvSpPr>
         <p:spPr>
           <a:xfrm>
-            <a:off x="4508500" y="6421025"/>
+            <a:off x="4381500" y="6421025"/>
             <a:ext cx="127000" cy="127000"/>
           </a:xfrm>
           <a:prstGeom prst="ellipse">
@@ -6002,10 +5247,10 @@
       </p:sp>
       <p:sp>
         <p:nvSpPr>
-          <p:cNvPr id="11" name="ProgressDot">
-            <a:extLst>
-              <a:ext uri="{FF2B5EF4-FFF2-40B4-BE49-F238E27FC236}">
-                <a16:creationId xmlns:a16="http://schemas.microsoft.com/office/drawing/2014/main" id="{F0804C86-1C4D-8D08-0907-A79A8B9AC596}"/>
+          <p:cNvPr id="8" name="ProgressDot">
+            <a:extLst>
+              <a:ext uri="{FF2B5EF4-FFF2-40B4-BE49-F238E27FC236}">
+                <a16:creationId xmlns:a16="http://schemas.microsoft.com/office/drawing/2014/main" id="{1EAAA766-FFB1-226A-E945-8EB1A0F28100}"/>
               </a:ext>
             </a:extLst>
           </p:cNvPr>
@@ -6014,7 +5259,7 @@
         </p:nvSpPr>
         <p:spPr>
           <a:xfrm>
-            <a:off x="4762500" y="6421025"/>
+            <a:off x="4635500" y="6421025"/>
             <a:ext cx="127000" cy="127000"/>
           </a:xfrm>
           <a:prstGeom prst="ellipse">
@@ -6056,10 +5301,10 @@
       </p:sp>
       <p:sp>
         <p:nvSpPr>
-          <p:cNvPr id="12" name="ProgressDot">
-            <a:extLst>
-              <a:ext uri="{FF2B5EF4-FFF2-40B4-BE49-F238E27FC236}">
-                <a16:creationId xmlns:a16="http://schemas.microsoft.com/office/drawing/2014/main" id="{8922F617-4A8C-AEC3-3350-A0ECA7865D95}"/>
+          <p:cNvPr id="10" name="ProgressDot">
+            <a:extLst>
+              <a:ext uri="{FF2B5EF4-FFF2-40B4-BE49-F238E27FC236}">
+                <a16:creationId xmlns:a16="http://schemas.microsoft.com/office/drawing/2014/main" id="{87D946E1-0288-9E6D-8365-751024817F88}"/>
               </a:ext>
             </a:extLst>
           </p:cNvPr>
@@ -6068,7 +5313,7 @@
         </p:nvSpPr>
         <p:spPr>
           <a:xfrm>
-            <a:off x="5016500" y="6421025"/>
+            <a:off x="4889500" y="6421025"/>
             <a:ext cx="127000" cy="127000"/>
           </a:xfrm>
           <a:prstGeom prst="ellipse">
@@ -6110,10 +5355,10 @@
       </p:sp>
       <p:sp>
         <p:nvSpPr>
-          <p:cNvPr id="13" name="ProgressDot">
-            <a:extLst>
-              <a:ext uri="{FF2B5EF4-FFF2-40B4-BE49-F238E27FC236}">
-                <a16:creationId xmlns:a16="http://schemas.microsoft.com/office/drawing/2014/main" id="{3BD28958-0E3F-F78C-A73E-791E2D723307}"/>
+          <p:cNvPr id="11" name="ProgressDot">
+            <a:extLst>
+              <a:ext uri="{FF2B5EF4-FFF2-40B4-BE49-F238E27FC236}">
+                <a16:creationId xmlns:a16="http://schemas.microsoft.com/office/drawing/2014/main" id="{D80C6C71-5356-86C9-D1FA-7D70F3A63B48}"/>
               </a:ext>
             </a:extLst>
           </p:cNvPr>
@@ -6122,7 +5367,7 @@
         </p:nvSpPr>
         <p:spPr>
           <a:xfrm>
-            <a:off x="5270500" y="6421025"/>
+            <a:off x="5143500" y="6421025"/>
             <a:ext cx="127000" cy="127000"/>
           </a:xfrm>
           <a:prstGeom prst="ellipse">
@@ -6164,10 +5409,10 @@
       </p:sp>
       <p:sp>
         <p:nvSpPr>
-          <p:cNvPr id="14" name="ProgressDot">
-            <a:extLst>
-              <a:ext uri="{FF2B5EF4-FFF2-40B4-BE49-F238E27FC236}">
-                <a16:creationId xmlns:a16="http://schemas.microsoft.com/office/drawing/2014/main" id="{20663D16-75DC-4B07-518B-4EC86BE4496E}"/>
+          <p:cNvPr id="12" name="ProgressDot">
+            <a:extLst>
+              <a:ext uri="{FF2B5EF4-FFF2-40B4-BE49-F238E27FC236}">
+                <a16:creationId xmlns:a16="http://schemas.microsoft.com/office/drawing/2014/main" id="{FC4E0851-EAB9-48F4-BA1F-61F0B5FFEE3C}"/>
               </a:ext>
             </a:extLst>
           </p:cNvPr>
@@ -6176,7 +5421,7 @@
         </p:nvSpPr>
         <p:spPr>
           <a:xfrm>
-            <a:off x="5524500" y="6421025"/>
+            <a:off x="5397500" y="6421025"/>
             <a:ext cx="127000" cy="127000"/>
           </a:xfrm>
           <a:prstGeom prst="ellipse">
@@ -6218,10 +5463,10 @@
       </p:sp>
       <p:sp>
         <p:nvSpPr>
-          <p:cNvPr id="15" name="ProgressDot">
-            <a:extLst>
-              <a:ext uri="{FF2B5EF4-FFF2-40B4-BE49-F238E27FC236}">
-                <a16:creationId xmlns:a16="http://schemas.microsoft.com/office/drawing/2014/main" id="{E87B45DB-BFDA-5431-D59C-4250BEBA6171}"/>
+          <p:cNvPr id="13" name="ProgressDot">
+            <a:extLst>
+              <a:ext uri="{FF2B5EF4-FFF2-40B4-BE49-F238E27FC236}">
+                <a16:creationId xmlns:a16="http://schemas.microsoft.com/office/drawing/2014/main" id="{EE43B4CC-36D6-7809-A393-A0607B8CF363}"/>
               </a:ext>
             </a:extLst>
           </p:cNvPr>
@@ -6230,7 +5475,7 @@
         </p:nvSpPr>
         <p:spPr>
           <a:xfrm>
-            <a:off x="5778500" y="6421025"/>
+            <a:off x="5651500" y="6421025"/>
             <a:ext cx="127000" cy="127000"/>
           </a:xfrm>
           <a:prstGeom prst="ellipse">
@@ -6272,10 +5517,10 @@
       </p:sp>
       <p:sp>
         <p:nvSpPr>
-          <p:cNvPr id="16" name="ProgressDot">
-            <a:extLst>
-              <a:ext uri="{FF2B5EF4-FFF2-40B4-BE49-F238E27FC236}">
-                <a16:creationId xmlns:a16="http://schemas.microsoft.com/office/drawing/2014/main" id="{FC89FB94-4795-50F8-5E32-9FEAA6BC85E2}"/>
+          <p:cNvPr id="14" name="ProgressDot">
+            <a:extLst>
+              <a:ext uri="{FF2B5EF4-FFF2-40B4-BE49-F238E27FC236}">
+                <a16:creationId xmlns:a16="http://schemas.microsoft.com/office/drawing/2014/main" id="{F78876AA-77F2-AE4A-A9EC-1A7AB0DD0C63}"/>
               </a:ext>
             </a:extLst>
           </p:cNvPr>
@@ -6284,7 +5529,7 @@
         </p:nvSpPr>
         <p:spPr>
           <a:xfrm>
-            <a:off x="6032500" y="6421025"/>
+            <a:off x="5905500" y="6421025"/>
             <a:ext cx="127000" cy="127000"/>
           </a:xfrm>
           <a:prstGeom prst="ellipse">
@@ -6326,10 +5571,10 @@
       </p:sp>
       <p:sp>
         <p:nvSpPr>
-          <p:cNvPr id="17" name="ProgressDot">
-            <a:extLst>
-              <a:ext uri="{FF2B5EF4-FFF2-40B4-BE49-F238E27FC236}">
-                <a16:creationId xmlns:a16="http://schemas.microsoft.com/office/drawing/2014/main" id="{FCD8496D-2D49-67BA-BBFF-3FBEC6F2760A}"/>
+          <p:cNvPr id="15" name="ProgressDot">
+            <a:extLst>
+              <a:ext uri="{FF2B5EF4-FFF2-40B4-BE49-F238E27FC236}">
+                <a16:creationId xmlns:a16="http://schemas.microsoft.com/office/drawing/2014/main" id="{F442726E-43A9-782D-1B34-37ED1648A3F3}"/>
               </a:ext>
             </a:extLst>
           </p:cNvPr>
@@ -6338,7 +5583,7 @@
         </p:nvSpPr>
         <p:spPr>
           <a:xfrm>
-            <a:off x="6286500" y="6421025"/>
+            <a:off x="6159500" y="6421025"/>
             <a:ext cx="127000" cy="127000"/>
           </a:xfrm>
           <a:prstGeom prst="ellipse">
@@ -6380,10 +5625,10 @@
       </p:sp>
       <p:sp>
         <p:nvSpPr>
-          <p:cNvPr id="18" name="ProgressDot">
-            <a:extLst>
-              <a:ext uri="{FF2B5EF4-FFF2-40B4-BE49-F238E27FC236}">
-                <a16:creationId xmlns:a16="http://schemas.microsoft.com/office/drawing/2014/main" id="{BABE3FD1-F641-78A2-F907-03EC76100576}"/>
+          <p:cNvPr id="16" name="ProgressDot">
+            <a:extLst>
+              <a:ext uri="{FF2B5EF4-FFF2-40B4-BE49-F238E27FC236}">
+                <a16:creationId xmlns:a16="http://schemas.microsoft.com/office/drawing/2014/main" id="{9608F307-28A0-7D04-2F65-BE838E85517B}"/>
               </a:ext>
             </a:extLst>
           </p:cNvPr>
@@ -6392,7 +5637,7 @@
         </p:nvSpPr>
         <p:spPr>
           <a:xfrm>
-            <a:off x="6540500" y="6421025"/>
+            <a:off x="6413500" y="6421025"/>
             <a:ext cx="127000" cy="127000"/>
           </a:xfrm>
           <a:prstGeom prst="ellipse">
@@ -6434,10 +5679,10 @@
       </p:sp>
       <p:sp>
         <p:nvSpPr>
-          <p:cNvPr id="19" name="ProgressDot">
-            <a:extLst>
-              <a:ext uri="{FF2B5EF4-FFF2-40B4-BE49-F238E27FC236}">
-                <a16:creationId xmlns:a16="http://schemas.microsoft.com/office/drawing/2014/main" id="{670DD2B6-14AE-C1E1-16CB-86071B187350}"/>
+          <p:cNvPr id="17" name="ProgressDot">
+            <a:extLst>
+              <a:ext uri="{FF2B5EF4-FFF2-40B4-BE49-F238E27FC236}">
+                <a16:creationId xmlns:a16="http://schemas.microsoft.com/office/drawing/2014/main" id="{0361C482-FA1A-A742-6AC7-328D67428650}"/>
               </a:ext>
             </a:extLst>
           </p:cNvPr>
@@ -6446,7 +5691,7 @@
         </p:nvSpPr>
         <p:spPr>
           <a:xfrm>
-            <a:off x="6794500" y="6421025"/>
+            <a:off x="6667500" y="6421025"/>
             <a:ext cx="127000" cy="127000"/>
           </a:xfrm>
           <a:prstGeom prst="ellipse">
@@ -6488,10 +5733,10 @@
       </p:sp>
       <p:sp>
         <p:nvSpPr>
-          <p:cNvPr id="20" name="ProgressDot">
-            <a:extLst>
-              <a:ext uri="{FF2B5EF4-FFF2-40B4-BE49-F238E27FC236}">
-                <a16:creationId xmlns:a16="http://schemas.microsoft.com/office/drawing/2014/main" id="{695597E3-1900-3083-9F21-774C52E8968F}"/>
+          <p:cNvPr id="18" name="ProgressDot">
+            <a:extLst>
+              <a:ext uri="{FF2B5EF4-FFF2-40B4-BE49-F238E27FC236}">
+                <a16:creationId xmlns:a16="http://schemas.microsoft.com/office/drawing/2014/main" id="{CE5C3CB4-2B73-33DD-0F9B-623B41E62782}"/>
               </a:ext>
             </a:extLst>
           </p:cNvPr>
@@ -6500,7 +5745,7 @@
         </p:nvSpPr>
         <p:spPr>
           <a:xfrm>
-            <a:off x="7048500" y="6421025"/>
+            <a:off x="6921500" y="6421025"/>
             <a:ext cx="127000" cy="127000"/>
           </a:xfrm>
           <a:prstGeom prst="ellipse">
@@ -6542,10 +5787,10 @@
       </p:sp>
       <p:sp>
         <p:nvSpPr>
-          <p:cNvPr id="21" name="ProgressDot">
-            <a:extLst>
-              <a:ext uri="{FF2B5EF4-FFF2-40B4-BE49-F238E27FC236}">
-                <a16:creationId xmlns:a16="http://schemas.microsoft.com/office/drawing/2014/main" id="{3CBA34D2-8384-46E6-AC58-76662839B701}"/>
+          <p:cNvPr id="19" name="ProgressDot">
+            <a:extLst>
+              <a:ext uri="{FF2B5EF4-FFF2-40B4-BE49-F238E27FC236}">
+                <a16:creationId xmlns:a16="http://schemas.microsoft.com/office/drawing/2014/main" id="{100C957E-1255-43B1-8044-48097E869CA3}"/>
               </a:ext>
             </a:extLst>
           </p:cNvPr>
@@ -6554,7 +5799,7 @@
         </p:nvSpPr>
         <p:spPr>
           <a:xfrm>
-            <a:off x="7302500" y="6421025"/>
+            <a:off x="7175500" y="6421025"/>
             <a:ext cx="127000" cy="127000"/>
           </a:xfrm>
           <a:prstGeom prst="ellipse">
@@ -6596,10 +5841,10 @@
       </p:sp>
       <p:sp>
         <p:nvSpPr>
-          <p:cNvPr id="22" name="ProgressDot">
-            <a:extLst>
-              <a:ext uri="{FF2B5EF4-FFF2-40B4-BE49-F238E27FC236}">
-                <a16:creationId xmlns:a16="http://schemas.microsoft.com/office/drawing/2014/main" id="{69AA779C-1875-BD0F-FF2D-F0FEEC64086D}"/>
+          <p:cNvPr id="20" name="ProgressDot">
+            <a:extLst>
+              <a:ext uri="{FF2B5EF4-FFF2-40B4-BE49-F238E27FC236}">
+                <a16:creationId xmlns:a16="http://schemas.microsoft.com/office/drawing/2014/main" id="{0BFFA436-116D-045A-27E3-EE2348B5F20A}"/>
               </a:ext>
             </a:extLst>
           </p:cNvPr>
@@ -6608,7 +5853,7 @@
         </p:nvSpPr>
         <p:spPr>
           <a:xfrm>
-            <a:off x="7556500" y="6421025"/>
+            <a:off x="7429500" y="6421025"/>
             <a:ext cx="127000" cy="127000"/>
           </a:xfrm>
           <a:prstGeom prst="ellipse">
@@ -6650,10 +5895,10 @@
       </p:sp>
       <p:sp>
         <p:nvSpPr>
-          <p:cNvPr id="23" name="ProgressDot">
-            <a:extLst>
-              <a:ext uri="{FF2B5EF4-FFF2-40B4-BE49-F238E27FC236}">
-                <a16:creationId xmlns:a16="http://schemas.microsoft.com/office/drawing/2014/main" id="{DAEE0ADF-512F-B782-6E4B-5C10158DEB1A}"/>
+          <p:cNvPr id="21" name="ProgressDot">
+            <a:extLst>
+              <a:ext uri="{FF2B5EF4-FFF2-40B4-BE49-F238E27FC236}">
+                <a16:creationId xmlns:a16="http://schemas.microsoft.com/office/drawing/2014/main" id="{C925122E-330E-132C-510C-B36C63BA0196}"/>
               </a:ext>
             </a:extLst>
           </p:cNvPr>
@@ -6662,7 +5907,7 @@
         </p:nvSpPr>
         <p:spPr>
           <a:xfrm>
-            <a:off x="7810500" y="6421025"/>
+            <a:off x="7683500" y="6421025"/>
             <a:ext cx="127000" cy="127000"/>
           </a:xfrm>
           <a:prstGeom prst="ellipse">
@@ -6702,6 +5947,1265 @@
           </a:p>
         </p:txBody>
       </p:sp>
+      <p:sp>
+        <p:nvSpPr>
+          <p:cNvPr id="22" name="ProgressDot">
+            <a:extLst>
+              <a:ext uri="{FF2B5EF4-FFF2-40B4-BE49-F238E27FC236}">
+                <a16:creationId xmlns:a16="http://schemas.microsoft.com/office/drawing/2014/main" id="{1AB05AAF-B3F1-39F2-B85C-26658C156DDB}"/>
+              </a:ext>
+            </a:extLst>
+          </p:cNvPr>
+          <p:cNvSpPr/>
+          <p:nvPr/>
+        </p:nvSpPr>
+        <p:spPr>
+          <a:xfrm>
+            <a:off x="7937500" y="6421025"/>
+            <a:ext cx="127000" cy="127000"/>
+          </a:xfrm>
+          <a:prstGeom prst="ellipse">
+            <a:avLst/>
+          </a:prstGeom>
+          <a:solidFill>
+            <a:srgbClr val="FFFFFF"/>
+          </a:solidFill>
+          <a:ln w="9000">
+            <a:solidFill>
+              <a:srgbClr val="000000"/>
+            </a:solidFill>
+          </a:ln>
+        </p:spPr>
+        <p:style>
+          <a:lnRef idx="2">
+            <a:schemeClr val="accent1">
+              <a:shade val="15000"/>
+            </a:schemeClr>
+          </a:lnRef>
+          <a:fillRef idx="1">
+            <a:schemeClr val="accent1"/>
+          </a:fillRef>
+          <a:effectRef idx="0">
+            <a:schemeClr val="accent1"/>
+          </a:effectRef>
+          <a:fontRef idx="minor">
+            <a:schemeClr val="lt1"/>
+          </a:fontRef>
+        </p:style>
+        <p:txBody>
+          <a:bodyPr rtlCol="0" anchor="ctr"/>
+          <a:lstStyle/>
+          <a:p>
+            <a:pPr algn="ctr"/>
+            <a:endParaRPr lang="es-PE"/>
+          </a:p>
+        </p:txBody>
+      </p:sp>
+    </p:spTree>
+    <p:extLst>
+      <p:ext uri="{BB962C8B-B14F-4D97-AF65-F5344CB8AC3E}">
+        <p14:creationId xmlns:p14="http://schemas.microsoft.com/office/powerpoint/2010/main" val="1721825195"/>
+      </p:ext>
+    </p:extLst>
+  </p:cSld>
+  <p:clrMapOvr>
+    <a:masterClrMapping/>
+  </p:clrMapOvr>
+</p:sld>
+</file>
+
+<file path=ppt/slides/slide11.xml><?xml version="1.0" encoding="utf-8"?>
+<p:sld xmlns:a="http://schemas.openxmlformats.org/drawingml/2006/main" xmlns:r="http://schemas.openxmlformats.org/officeDocument/2006/relationships" xmlns:p="http://schemas.openxmlformats.org/presentationml/2006/main">
+  <p:cSld>
+    <p:spTree>
+      <p:nvGrpSpPr>
+        <p:cNvPr id="1" name="">
+          <a:extLst>
+            <a:ext uri="{FF2B5EF4-FFF2-40B4-BE49-F238E27FC236}">
+              <a16:creationId xmlns:a16="http://schemas.microsoft.com/office/drawing/2014/main" id="{951CEC8B-6CA1-0C0F-FDB7-848CF0B4A4D8}"/>
+            </a:ext>
+          </a:extLst>
+        </p:cNvPr>
+        <p:cNvGrpSpPr/>
+        <p:nvPr/>
+      </p:nvGrpSpPr>
+      <p:grpSpPr>
+        <a:xfrm>
+          <a:off x="0" y="0"/>
+          <a:ext cx="0" cy="0"/>
+          <a:chOff x="0" y="0"/>
+          <a:chExt cx="0" cy="0"/>
+        </a:xfrm>
+      </p:grpSpPr>
+      <p:pic>
+        <p:nvPicPr>
+          <p:cNvPr id="23" name="Imagen 22">
+            <a:extLst>
+              <a:ext uri="{FF2B5EF4-FFF2-40B4-BE49-F238E27FC236}">
+                <a16:creationId xmlns:a16="http://schemas.microsoft.com/office/drawing/2014/main" id="{A584F834-B2E5-A799-0E1F-D7E041D10D80}"/>
+              </a:ext>
+            </a:extLst>
+          </p:cNvPr>
+          <p:cNvPicPr>
+            <a:picLocks noChangeAspect="1"/>
+          </p:cNvPicPr>
+          <p:nvPr/>
+        </p:nvPicPr>
+        <p:blipFill>
+          <a:blip r:embed="rId2"/>
+          <a:stretch>
+            <a:fillRect/>
+          </a:stretch>
+        </p:blipFill>
+        <p:spPr>
+          <a:xfrm>
+            <a:off x="1383983" y="987972"/>
+            <a:ext cx="9278708" cy="4521204"/>
+          </a:xfrm>
+          <a:prstGeom prst="rect">
+            <a:avLst/>
+          </a:prstGeom>
+        </p:spPr>
+      </p:pic>
+      <p:sp>
+        <p:nvSpPr>
+          <p:cNvPr id="8" name="Marcador de contenido 2">
+            <a:extLst>
+              <a:ext uri="{FF2B5EF4-FFF2-40B4-BE49-F238E27FC236}">
+                <a16:creationId xmlns:a16="http://schemas.microsoft.com/office/drawing/2014/main" id="{7A5A887F-B142-2193-EBA9-5EAA7DF1BBC0}"/>
+              </a:ext>
+            </a:extLst>
+          </p:cNvPr>
+          <p:cNvSpPr txBox="1">
+            <a:spLocks/>
+          </p:cNvSpPr>
+          <p:nvPr/>
+        </p:nvSpPr>
+        <p:spPr>
+          <a:xfrm>
+            <a:off x="582930" y="5383177"/>
+            <a:ext cx="11609070" cy="839824"/>
+          </a:xfrm>
+          <a:prstGeom prst="rect">
+            <a:avLst/>
+          </a:prstGeom>
+        </p:spPr>
+        <p:txBody>
+          <a:bodyPr vert="horz" lIns="91440" tIns="45720" rIns="91440" bIns="45720" rtlCol="0" anchor="t">
+            <a:normAutofit fontScale="77500" lnSpcReduction="20000"/>
+          </a:bodyPr>
+          <a:lstStyle>
+            <a:lvl1pPr marL="228600" indent="-228600" algn="l" defTabSz="914400" rtl="0" eaLnBrk="1" latinLnBrk="0" hangingPunct="1">
+              <a:lnSpc>
+                <a:spcPct val="120000"/>
+              </a:lnSpc>
+              <a:spcBef>
+                <a:spcPts val="1000"/>
+              </a:spcBef>
+              <a:spcAft>
+                <a:spcPts val="600"/>
+              </a:spcAft>
+              <a:buFont typeface="Arial" panose="020B0604020202020204" pitchFamily="34" charset="0"/>
+              <a:buChar char="•"/>
+              <a:defRPr sz="2800" kern="1200">
+                <a:solidFill>
+                  <a:schemeClr val="tx1"/>
+                </a:solidFill>
+                <a:latin typeface="+mn-lt"/>
+                <a:ea typeface="+mn-ea"/>
+                <a:cs typeface="+mn-cs"/>
+              </a:defRPr>
+            </a:lvl1pPr>
+            <a:lvl2pPr marL="685800" indent="-228600" algn="l" defTabSz="914400" rtl="0" eaLnBrk="1" latinLnBrk="0" hangingPunct="1">
+              <a:lnSpc>
+                <a:spcPct val="120000"/>
+              </a:lnSpc>
+              <a:spcBef>
+                <a:spcPts val="500"/>
+              </a:spcBef>
+              <a:spcAft>
+                <a:spcPts val="600"/>
+              </a:spcAft>
+              <a:buFont typeface="Arial" panose="020B0604020202020204" pitchFamily="34" charset="0"/>
+              <a:buChar char="•"/>
+              <a:defRPr sz="2400" kern="1200">
+                <a:solidFill>
+                  <a:schemeClr val="tx1"/>
+                </a:solidFill>
+                <a:latin typeface="+mn-lt"/>
+                <a:ea typeface="+mn-ea"/>
+                <a:cs typeface="+mn-cs"/>
+              </a:defRPr>
+            </a:lvl2pPr>
+            <a:lvl3pPr marL="1143000" indent="-228600" algn="l" defTabSz="914400" rtl="0" eaLnBrk="1" latinLnBrk="0" hangingPunct="1">
+              <a:lnSpc>
+                <a:spcPct val="120000"/>
+              </a:lnSpc>
+              <a:spcBef>
+                <a:spcPts val="500"/>
+              </a:spcBef>
+              <a:spcAft>
+                <a:spcPts val="600"/>
+              </a:spcAft>
+              <a:buFont typeface="Arial" panose="020B0604020202020204" pitchFamily="34" charset="0"/>
+              <a:buChar char="•"/>
+              <a:defRPr sz="2000" kern="1200">
+                <a:solidFill>
+                  <a:schemeClr val="tx1"/>
+                </a:solidFill>
+                <a:latin typeface="+mn-lt"/>
+                <a:ea typeface="+mn-ea"/>
+                <a:cs typeface="+mn-cs"/>
+              </a:defRPr>
+            </a:lvl3pPr>
+            <a:lvl4pPr marL="1600200" indent="-228600" algn="l" defTabSz="914400" rtl="0" eaLnBrk="1" latinLnBrk="0" hangingPunct="1">
+              <a:lnSpc>
+                <a:spcPct val="120000"/>
+              </a:lnSpc>
+              <a:spcBef>
+                <a:spcPts val="500"/>
+              </a:spcBef>
+              <a:spcAft>
+                <a:spcPts val="600"/>
+              </a:spcAft>
+              <a:buFont typeface="Arial" panose="020B0604020202020204" pitchFamily="34" charset="0"/>
+              <a:buChar char="•"/>
+              <a:defRPr sz="1800" kern="1200">
+                <a:solidFill>
+                  <a:schemeClr val="tx1"/>
+                </a:solidFill>
+                <a:latin typeface="+mn-lt"/>
+                <a:ea typeface="+mn-ea"/>
+                <a:cs typeface="+mn-cs"/>
+              </a:defRPr>
+            </a:lvl4pPr>
+            <a:lvl5pPr marL="2057400" indent="-228600" algn="l" defTabSz="914400" rtl="0" eaLnBrk="1" latinLnBrk="0" hangingPunct="1">
+              <a:lnSpc>
+                <a:spcPct val="120000"/>
+              </a:lnSpc>
+              <a:spcBef>
+                <a:spcPts val="500"/>
+              </a:spcBef>
+              <a:spcAft>
+                <a:spcPts val="600"/>
+              </a:spcAft>
+              <a:buFont typeface="Arial" panose="020B0604020202020204" pitchFamily="34" charset="0"/>
+              <a:buChar char="•"/>
+              <a:defRPr sz="1800" kern="1200">
+                <a:solidFill>
+                  <a:schemeClr val="tx1"/>
+                </a:solidFill>
+                <a:latin typeface="+mn-lt"/>
+                <a:ea typeface="+mn-ea"/>
+                <a:cs typeface="+mn-cs"/>
+              </a:defRPr>
+            </a:lvl5pPr>
+            <a:lvl6pPr marL="2514600" indent="-228600" algn="l" defTabSz="914400" rtl="0" eaLnBrk="1" latinLnBrk="0" hangingPunct="1">
+              <a:lnSpc>
+                <a:spcPct val="90000"/>
+              </a:lnSpc>
+              <a:spcBef>
+                <a:spcPts val="500"/>
+              </a:spcBef>
+              <a:buFont typeface="Arial" panose="020B0604020202020204" pitchFamily="34" charset="0"/>
+              <a:buChar char="•"/>
+              <a:defRPr sz="1800" kern="1200">
+                <a:solidFill>
+                  <a:schemeClr val="tx1"/>
+                </a:solidFill>
+                <a:latin typeface="+mn-lt"/>
+                <a:ea typeface="+mn-ea"/>
+                <a:cs typeface="+mn-cs"/>
+              </a:defRPr>
+            </a:lvl6pPr>
+            <a:lvl7pPr marL="2971800" indent="-228600" algn="l" defTabSz="914400" rtl="0" eaLnBrk="1" latinLnBrk="0" hangingPunct="1">
+              <a:lnSpc>
+                <a:spcPct val="90000"/>
+              </a:lnSpc>
+              <a:spcBef>
+                <a:spcPts val="500"/>
+              </a:spcBef>
+              <a:buFont typeface="Arial" panose="020B0604020202020204" pitchFamily="34" charset="0"/>
+              <a:buChar char="•"/>
+              <a:defRPr sz="1800" kern="1200">
+                <a:solidFill>
+                  <a:schemeClr val="tx1"/>
+                </a:solidFill>
+                <a:latin typeface="+mn-lt"/>
+                <a:ea typeface="+mn-ea"/>
+                <a:cs typeface="+mn-cs"/>
+              </a:defRPr>
+            </a:lvl7pPr>
+            <a:lvl8pPr marL="3429000" indent="-228600" algn="l" defTabSz="914400" rtl="0" eaLnBrk="1" latinLnBrk="0" hangingPunct="1">
+              <a:lnSpc>
+                <a:spcPct val="90000"/>
+              </a:lnSpc>
+              <a:spcBef>
+                <a:spcPts val="500"/>
+              </a:spcBef>
+              <a:buFont typeface="Arial" panose="020B0604020202020204" pitchFamily="34" charset="0"/>
+              <a:buChar char="•"/>
+              <a:defRPr sz="1800" kern="1200">
+                <a:solidFill>
+                  <a:schemeClr val="tx1"/>
+                </a:solidFill>
+                <a:latin typeface="+mn-lt"/>
+                <a:ea typeface="+mn-ea"/>
+                <a:cs typeface="+mn-cs"/>
+              </a:defRPr>
+            </a:lvl8pPr>
+            <a:lvl9pPr marL="3886200" indent="-228600" algn="l" defTabSz="914400" rtl="0" eaLnBrk="1" latinLnBrk="0" hangingPunct="1">
+              <a:lnSpc>
+                <a:spcPct val="90000"/>
+              </a:lnSpc>
+              <a:spcBef>
+                <a:spcPts val="500"/>
+              </a:spcBef>
+              <a:buFont typeface="Arial" panose="020B0604020202020204" pitchFamily="34" charset="0"/>
+              <a:buChar char="•"/>
+              <a:defRPr sz="1800" kern="1200">
+                <a:solidFill>
+                  <a:schemeClr val="tx1"/>
+                </a:solidFill>
+                <a:latin typeface="+mn-lt"/>
+                <a:ea typeface="+mn-ea"/>
+                <a:cs typeface="+mn-cs"/>
+              </a:defRPr>
+            </a:lvl9pPr>
+          </a:lstStyle>
+          <a:p>
+            <a:r>
+              <a:rPr lang="es-PE" dirty="0"/>
+              <a:t>Se observa similitud en la satisfacción en el trabajo (máxima diferencia de 0.053 puntos), independiente del genero. Ello corrobora como verdadera nuestra segunda hipótesis (b).</a:t>
+            </a:r>
+          </a:p>
+        </p:txBody>
+      </p:sp>
+      <p:sp>
+        <p:nvSpPr>
+          <p:cNvPr id="2" name="Título 1">
+            <a:extLst>
+              <a:ext uri="{FF2B5EF4-FFF2-40B4-BE49-F238E27FC236}">
+                <a16:creationId xmlns:a16="http://schemas.microsoft.com/office/drawing/2014/main" id="{E8DC7703-AA45-7E88-8568-20401256F761}"/>
+              </a:ext>
+            </a:extLst>
+          </p:cNvPr>
+          <p:cNvSpPr>
+            <a:spLocks noGrp="1"/>
+          </p:cNvSpPr>
+          <p:nvPr>
+            <p:ph type="title"/>
+          </p:nvPr>
+        </p:nvSpPr>
+        <p:spPr/>
+        <p:txBody>
+          <a:bodyPr>
+            <a:normAutofit fontScale="90000"/>
+          </a:bodyPr>
+          <a:lstStyle/>
+          <a:p>
+            <a:r>
+              <a:rPr lang="es-ES" dirty="0"/>
+              <a:t>Género vs Satisfacción en el trabajo</a:t>
+            </a:r>
+            <a:endParaRPr lang="es-PE" dirty="0"/>
+          </a:p>
+        </p:txBody>
+      </p:sp>
+      <p:sp>
+        <p:nvSpPr>
+          <p:cNvPr id="4" name="Marcador de número de diapositiva 3">
+            <a:extLst>
+              <a:ext uri="{FF2B5EF4-FFF2-40B4-BE49-F238E27FC236}">
+                <a16:creationId xmlns:a16="http://schemas.microsoft.com/office/drawing/2014/main" id="{8A8EB997-C4F7-7E22-32EA-0D8943B1B748}"/>
+              </a:ext>
+            </a:extLst>
+          </p:cNvPr>
+          <p:cNvSpPr>
+            <a:spLocks noGrp="1"/>
+          </p:cNvSpPr>
+          <p:nvPr>
+            <p:ph type="sldNum" sz="quarter" idx="12"/>
+          </p:nvPr>
+        </p:nvSpPr>
+        <p:spPr/>
+        <p:txBody>
+          <a:bodyPr/>
+          <a:lstStyle/>
+          <a:p>
+            <a:fld id="{973910BB-74C0-4080-A479-597185DC8685}" type="slidenum">
+              <a:rPr lang="es-PE" smtClean="0"/>
+              <a:pPr/>
+              <a:t>11</a:t>
+            </a:fld>
+            <a:endParaRPr lang="es-PE" dirty="0"/>
+          </a:p>
+        </p:txBody>
+      </p:sp>
+      <p:sp>
+        <p:nvSpPr>
+          <p:cNvPr id="3" name="ProgressDot">
+            <a:extLst>
+              <a:ext uri="{FF2B5EF4-FFF2-40B4-BE49-F238E27FC236}">
+                <a16:creationId xmlns:a16="http://schemas.microsoft.com/office/drawing/2014/main" id="{5F7BEBCF-EC34-3401-7825-55873DAACDA0}"/>
+              </a:ext>
+            </a:extLst>
+          </p:cNvPr>
+          <p:cNvSpPr/>
+          <p:nvPr/>
+        </p:nvSpPr>
+        <p:spPr>
+          <a:xfrm>
+            <a:off x="4127500" y="6421025"/>
+            <a:ext cx="127000" cy="127000"/>
+          </a:xfrm>
+          <a:prstGeom prst="ellipse">
+            <a:avLst/>
+          </a:prstGeom>
+          <a:solidFill>
+            <a:srgbClr val="000000"/>
+          </a:solidFill>
+          <a:ln w="9000">
+            <a:solidFill>
+              <a:srgbClr val="FFFFFF"/>
+            </a:solidFill>
+          </a:ln>
+        </p:spPr>
+        <p:style>
+          <a:lnRef idx="2">
+            <a:schemeClr val="accent1">
+              <a:shade val="15000"/>
+            </a:schemeClr>
+          </a:lnRef>
+          <a:fillRef idx="1">
+            <a:schemeClr val="accent1"/>
+          </a:fillRef>
+          <a:effectRef idx="0">
+            <a:schemeClr val="accent1"/>
+          </a:effectRef>
+          <a:fontRef idx="minor">
+            <a:schemeClr val="lt1"/>
+          </a:fontRef>
+        </p:style>
+        <p:txBody>
+          <a:bodyPr rtlCol="0" anchor="ctr"/>
+          <a:lstStyle/>
+          <a:p>
+            <a:pPr algn="ctr"/>
+            <a:endParaRPr lang="es-PE"/>
+          </a:p>
+        </p:txBody>
+      </p:sp>
+      <p:sp>
+        <p:nvSpPr>
+          <p:cNvPr id="5" name="ProgressDot">
+            <a:extLst>
+              <a:ext uri="{FF2B5EF4-FFF2-40B4-BE49-F238E27FC236}">
+                <a16:creationId xmlns:a16="http://schemas.microsoft.com/office/drawing/2014/main" id="{0E10A8F7-27D7-E656-F954-2FF14BA674C8}"/>
+              </a:ext>
+            </a:extLst>
+          </p:cNvPr>
+          <p:cNvSpPr/>
+          <p:nvPr/>
+        </p:nvSpPr>
+        <p:spPr>
+          <a:xfrm>
+            <a:off x="4381500" y="6421025"/>
+            <a:ext cx="127000" cy="127000"/>
+          </a:xfrm>
+          <a:prstGeom prst="ellipse">
+            <a:avLst/>
+          </a:prstGeom>
+          <a:solidFill>
+            <a:srgbClr val="000000"/>
+          </a:solidFill>
+          <a:ln w="9000">
+            <a:solidFill>
+              <a:srgbClr val="FFFFFF"/>
+            </a:solidFill>
+          </a:ln>
+        </p:spPr>
+        <p:style>
+          <a:lnRef idx="2">
+            <a:schemeClr val="accent1">
+              <a:shade val="15000"/>
+            </a:schemeClr>
+          </a:lnRef>
+          <a:fillRef idx="1">
+            <a:schemeClr val="accent1"/>
+          </a:fillRef>
+          <a:effectRef idx="0">
+            <a:schemeClr val="accent1"/>
+          </a:effectRef>
+          <a:fontRef idx="minor">
+            <a:schemeClr val="lt1"/>
+          </a:fontRef>
+        </p:style>
+        <p:txBody>
+          <a:bodyPr rtlCol="0" anchor="ctr"/>
+          <a:lstStyle/>
+          <a:p>
+            <a:pPr algn="ctr"/>
+            <a:endParaRPr lang="es-PE"/>
+          </a:p>
+        </p:txBody>
+      </p:sp>
+      <p:sp>
+        <p:nvSpPr>
+          <p:cNvPr id="6" name="ProgressDot">
+            <a:extLst>
+              <a:ext uri="{FF2B5EF4-FFF2-40B4-BE49-F238E27FC236}">
+                <a16:creationId xmlns:a16="http://schemas.microsoft.com/office/drawing/2014/main" id="{B05E97CA-DE0B-7D6E-F7CC-0156F2EEC9DA}"/>
+              </a:ext>
+            </a:extLst>
+          </p:cNvPr>
+          <p:cNvSpPr/>
+          <p:nvPr/>
+        </p:nvSpPr>
+        <p:spPr>
+          <a:xfrm>
+            <a:off x="4635500" y="6421025"/>
+            <a:ext cx="127000" cy="127000"/>
+          </a:xfrm>
+          <a:prstGeom prst="ellipse">
+            <a:avLst/>
+          </a:prstGeom>
+          <a:solidFill>
+            <a:srgbClr val="000000"/>
+          </a:solidFill>
+          <a:ln w="9000">
+            <a:solidFill>
+              <a:srgbClr val="FFFFFF"/>
+            </a:solidFill>
+          </a:ln>
+        </p:spPr>
+        <p:style>
+          <a:lnRef idx="2">
+            <a:schemeClr val="accent1">
+              <a:shade val="15000"/>
+            </a:schemeClr>
+          </a:lnRef>
+          <a:fillRef idx="1">
+            <a:schemeClr val="accent1"/>
+          </a:fillRef>
+          <a:effectRef idx="0">
+            <a:schemeClr val="accent1"/>
+          </a:effectRef>
+          <a:fontRef idx="minor">
+            <a:schemeClr val="lt1"/>
+          </a:fontRef>
+        </p:style>
+        <p:txBody>
+          <a:bodyPr rtlCol="0" anchor="ctr"/>
+          <a:lstStyle/>
+          <a:p>
+            <a:pPr algn="ctr"/>
+            <a:endParaRPr lang="es-PE"/>
+          </a:p>
+        </p:txBody>
+      </p:sp>
+      <p:sp>
+        <p:nvSpPr>
+          <p:cNvPr id="7" name="ProgressDot">
+            <a:extLst>
+              <a:ext uri="{FF2B5EF4-FFF2-40B4-BE49-F238E27FC236}">
+                <a16:creationId xmlns:a16="http://schemas.microsoft.com/office/drawing/2014/main" id="{5A3FE490-23FE-901D-99D0-94972E2DA353}"/>
+              </a:ext>
+            </a:extLst>
+          </p:cNvPr>
+          <p:cNvSpPr/>
+          <p:nvPr/>
+        </p:nvSpPr>
+        <p:spPr>
+          <a:xfrm>
+            <a:off x="4889500" y="6421025"/>
+            <a:ext cx="127000" cy="127000"/>
+          </a:xfrm>
+          <a:prstGeom prst="ellipse">
+            <a:avLst/>
+          </a:prstGeom>
+          <a:solidFill>
+            <a:srgbClr val="000000"/>
+          </a:solidFill>
+          <a:ln w="9000">
+            <a:solidFill>
+              <a:srgbClr val="FFFFFF"/>
+            </a:solidFill>
+          </a:ln>
+        </p:spPr>
+        <p:style>
+          <a:lnRef idx="2">
+            <a:schemeClr val="accent1">
+              <a:shade val="15000"/>
+            </a:schemeClr>
+          </a:lnRef>
+          <a:fillRef idx="1">
+            <a:schemeClr val="accent1"/>
+          </a:fillRef>
+          <a:effectRef idx="0">
+            <a:schemeClr val="accent1"/>
+          </a:effectRef>
+          <a:fontRef idx="minor">
+            <a:schemeClr val="lt1"/>
+          </a:fontRef>
+        </p:style>
+        <p:txBody>
+          <a:bodyPr rtlCol="0" anchor="ctr"/>
+          <a:lstStyle/>
+          <a:p>
+            <a:pPr algn="ctr"/>
+            <a:endParaRPr lang="es-PE"/>
+          </a:p>
+        </p:txBody>
+      </p:sp>
+      <p:sp>
+        <p:nvSpPr>
+          <p:cNvPr id="9" name="ProgressDot">
+            <a:extLst>
+              <a:ext uri="{FF2B5EF4-FFF2-40B4-BE49-F238E27FC236}">
+                <a16:creationId xmlns:a16="http://schemas.microsoft.com/office/drawing/2014/main" id="{B469453F-AD0E-661A-ABFF-82DCEE150114}"/>
+              </a:ext>
+            </a:extLst>
+          </p:cNvPr>
+          <p:cNvSpPr/>
+          <p:nvPr/>
+        </p:nvSpPr>
+        <p:spPr>
+          <a:xfrm>
+            <a:off x="5143500" y="6421025"/>
+            <a:ext cx="127000" cy="127000"/>
+          </a:xfrm>
+          <a:prstGeom prst="ellipse">
+            <a:avLst/>
+          </a:prstGeom>
+          <a:solidFill>
+            <a:srgbClr val="000000"/>
+          </a:solidFill>
+          <a:ln w="9000">
+            <a:solidFill>
+              <a:srgbClr val="FFFFFF"/>
+            </a:solidFill>
+          </a:ln>
+        </p:spPr>
+        <p:style>
+          <a:lnRef idx="2">
+            <a:schemeClr val="accent1">
+              <a:shade val="15000"/>
+            </a:schemeClr>
+          </a:lnRef>
+          <a:fillRef idx="1">
+            <a:schemeClr val="accent1"/>
+          </a:fillRef>
+          <a:effectRef idx="0">
+            <a:schemeClr val="accent1"/>
+          </a:effectRef>
+          <a:fontRef idx="minor">
+            <a:schemeClr val="lt1"/>
+          </a:fontRef>
+        </p:style>
+        <p:txBody>
+          <a:bodyPr rtlCol="0" anchor="ctr"/>
+          <a:lstStyle/>
+          <a:p>
+            <a:pPr algn="ctr"/>
+            <a:endParaRPr lang="es-PE"/>
+          </a:p>
+        </p:txBody>
+      </p:sp>
+      <p:sp>
+        <p:nvSpPr>
+          <p:cNvPr id="10" name="ProgressDot">
+            <a:extLst>
+              <a:ext uri="{FF2B5EF4-FFF2-40B4-BE49-F238E27FC236}">
+                <a16:creationId xmlns:a16="http://schemas.microsoft.com/office/drawing/2014/main" id="{639E98C5-E3D6-AD20-0C9B-E8FCBA30ED8F}"/>
+              </a:ext>
+            </a:extLst>
+          </p:cNvPr>
+          <p:cNvSpPr/>
+          <p:nvPr/>
+        </p:nvSpPr>
+        <p:spPr>
+          <a:xfrm>
+            <a:off x="5397500" y="6421025"/>
+            <a:ext cx="127000" cy="127000"/>
+          </a:xfrm>
+          <a:prstGeom prst="ellipse">
+            <a:avLst/>
+          </a:prstGeom>
+          <a:solidFill>
+            <a:srgbClr val="000000"/>
+          </a:solidFill>
+          <a:ln w="9000">
+            <a:solidFill>
+              <a:srgbClr val="FFFFFF"/>
+            </a:solidFill>
+          </a:ln>
+        </p:spPr>
+        <p:style>
+          <a:lnRef idx="2">
+            <a:schemeClr val="accent1">
+              <a:shade val="15000"/>
+            </a:schemeClr>
+          </a:lnRef>
+          <a:fillRef idx="1">
+            <a:schemeClr val="accent1"/>
+          </a:fillRef>
+          <a:effectRef idx="0">
+            <a:schemeClr val="accent1"/>
+          </a:effectRef>
+          <a:fontRef idx="minor">
+            <a:schemeClr val="lt1"/>
+          </a:fontRef>
+        </p:style>
+        <p:txBody>
+          <a:bodyPr rtlCol="0" anchor="ctr"/>
+          <a:lstStyle/>
+          <a:p>
+            <a:pPr algn="ctr"/>
+            <a:endParaRPr lang="es-PE"/>
+          </a:p>
+        </p:txBody>
+      </p:sp>
+      <p:sp>
+        <p:nvSpPr>
+          <p:cNvPr id="11" name="ProgressDot">
+            <a:extLst>
+              <a:ext uri="{FF2B5EF4-FFF2-40B4-BE49-F238E27FC236}">
+                <a16:creationId xmlns:a16="http://schemas.microsoft.com/office/drawing/2014/main" id="{6D66CC2E-5820-256F-B274-74AF3508445F}"/>
+              </a:ext>
+            </a:extLst>
+          </p:cNvPr>
+          <p:cNvSpPr/>
+          <p:nvPr/>
+        </p:nvSpPr>
+        <p:spPr>
+          <a:xfrm>
+            <a:off x="5651500" y="6421025"/>
+            <a:ext cx="127000" cy="127000"/>
+          </a:xfrm>
+          <a:prstGeom prst="ellipse">
+            <a:avLst/>
+          </a:prstGeom>
+          <a:solidFill>
+            <a:srgbClr val="000000"/>
+          </a:solidFill>
+          <a:ln w="9000">
+            <a:solidFill>
+              <a:srgbClr val="FFFFFF"/>
+            </a:solidFill>
+          </a:ln>
+        </p:spPr>
+        <p:style>
+          <a:lnRef idx="2">
+            <a:schemeClr val="accent1">
+              <a:shade val="15000"/>
+            </a:schemeClr>
+          </a:lnRef>
+          <a:fillRef idx="1">
+            <a:schemeClr val="accent1"/>
+          </a:fillRef>
+          <a:effectRef idx="0">
+            <a:schemeClr val="accent1"/>
+          </a:effectRef>
+          <a:fontRef idx="minor">
+            <a:schemeClr val="lt1"/>
+          </a:fontRef>
+        </p:style>
+        <p:txBody>
+          <a:bodyPr rtlCol="0" anchor="ctr"/>
+          <a:lstStyle/>
+          <a:p>
+            <a:pPr algn="ctr"/>
+            <a:endParaRPr lang="es-PE"/>
+          </a:p>
+        </p:txBody>
+      </p:sp>
+      <p:sp>
+        <p:nvSpPr>
+          <p:cNvPr id="12" name="ProgressDot">
+            <a:extLst>
+              <a:ext uri="{FF2B5EF4-FFF2-40B4-BE49-F238E27FC236}">
+                <a16:creationId xmlns:a16="http://schemas.microsoft.com/office/drawing/2014/main" id="{52043C0C-B831-A0E1-5BCC-AB495BD7C5C7}"/>
+              </a:ext>
+            </a:extLst>
+          </p:cNvPr>
+          <p:cNvSpPr/>
+          <p:nvPr/>
+        </p:nvSpPr>
+        <p:spPr>
+          <a:xfrm>
+            <a:off x="5905500" y="6421025"/>
+            <a:ext cx="127000" cy="127000"/>
+          </a:xfrm>
+          <a:prstGeom prst="ellipse">
+            <a:avLst/>
+          </a:prstGeom>
+          <a:solidFill>
+            <a:srgbClr val="000000"/>
+          </a:solidFill>
+          <a:ln w="9000">
+            <a:solidFill>
+              <a:srgbClr val="FFFFFF"/>
+            </a:solidFill>
+          </a:ln>
+        </p:spPr>
+        <p:style>
+          <a:lnRef idx="2">
+            <a:schemeClr val="accent1">
+              <a:shade val="15000"/>
+            </a:schemeClr>
+          </a:lnRef>
+          <a:fillRef idx="1">
+            <a:schemeClr val="accent1"/>
+          </a:fillRef>
+          <a:effectRef idx="0">
+            <a:schemeClr val="accent1"/>
+          </a:effectRef>
+          <a:fontRef idx="minor">
+            <a:schemeClr val="lt1"/>
+          </a:fontRef>
+        </p:style>
+        <p:txBody>
+          <a:bodyPr rtlCol="0" anchor="ctr"/>
+          <a:lstStyle/>
+          <a:p>
+            <a:pPr algn="ctr"/>
+            <a:endParaRPr lang="es-PE"/>
+          </a:p>
+        </p:txBody>
+      </p:sp>
+      <p:sp>
+        <p:nvSpPr>
+          <p:cNvPr id="13" name="ProgressDot">
+            <a:extLst>
+              <a:ext uri="{FF2B5EF4-FFF2-40B4-BE49-F238E27FC236}">
+                <a16:creationId xmlns:a16="http://schemas.microsoft.com/office/drawing/2014/main" id="{32F82CF3-D809-6E32-EF99-0CD4546F357F}"/>
+              </a:ext>
+            </a:extLst>
+          </p:cNvPr>
+          <p:cNvSpPr/>
+          <p:nvPr/>
+        </p:nvSpPr>
+        <p:spPr>
+          <a:xfrm>
+            <a:off x="6159500" y="6421025"/>
+            <a:ext cx="127000" cy="127000"/>
+          </a:xfrm>
+          <a:prstGeom prst="ellipse">
+            <a:avLst/>
+          </a:prstGeom>
+          <a:solidFill>
+            <a:srgbClr val="000000"/>
+          </a:solidFill>
+          <a:ln w="9000">
+            <a:solidFill>
+              <a:srgbClr val="FFFFFF"/>
+            </a:solidFill>
+          </a:ln>
+        </p:spPr>
+        <p:style>
+          <a:lnRef idx="2">
+            <a:schemeClr val="accent1">
+              <a:shade val="15000"/>
+            </a:schemeClr>
+          </a:lnRef>
+          <a:fillRef idx="1">
+            <a:schemeClr val="accent1"/>
+          </a:fillRef>
+          <a:effectRef idx="0">
+            <a:schemeClr val="accent1"/>
+          </a:effectRef>
+          <a:fontRef idx="minor">
+            <a:schemeClr val="lt1"/>
+          </a:fontRef>
+        </p:style>
+        <p:txBody>
+          <a:bodyPr rtlCol="0" anchor="ctr"/>
+          <a:lstStyle/>
+          <a:p>
+            <a:pPr algn="ctr"/>
+            <a:endParaRPr lang="es-PE"/>
+          </a:p>
+        </p:txBody>
+      </p:sp>
+      <p:sp>
+        <p:nvSpPr>
+          <p:cNvPr id="14" name="ProgressDot">
+            <a:extLst>
+              <a:ext uri="{FF2B5EF4-FFF2-40B4-BE49-F238E27FC236}">
+                <a16:creationId xmlns:a16="http://schemas.microsoft.com/office/drawing/2014/main" id="{DDE7D7D0-1300-8014-F85C-F56EB42D10F0}"/>
+              </a:ext>
+            </a:extLst>
+          </p:cNvPr>
+          <p:cNvSpPr/>
+          <p:nvPr/>
+        </p:nvSpPr>
+        <p:spPr>
+          <a:xfrm>
+            <a:off x="6413500" y="6421025"/>
+            <a:ext cx="127000" cy="127000"/>
+          </a:xfrm>
+          <a:prstGeom prst="ellipse">
+            <a:avLst/>
+          </a:prstGeom>
+          <a:solidFill>
+            <a:srgbClr val="000000"/>
+          </a:solidFill>
+          <a:ln w="9000">
+            <a:solidFill>
+              <a:srgbClr val="FFFFFF"/>
+            </a:solidFill>
+          </a:ln>
+        </p:spPr>
+        <p:style>
+          <a:lnRef idx="2">
+            <a:schemeClr val="accent1">
+              <a:shade val="15000"/>
+            </a:schemeClr>
+          </a:lnRef>
+          <a:fillRef idx="1">
+            <a:schemeClr val="accent1"/>
+          </a:fillRef>
+          <a:effectRef idx="0">
+            <a:schemeClr val="accent1"/>
+          </a:effectRef>
+          <a:fontRef idx="minor">
+            <a:schemeClr val="lt1"/>
+          </a:fontRef>
+        </p:style>
+        <p:txBody>
+          <a:bodyPr rtlCol="0" anchor="ctr"/>
+          <a:lstStyle/>
+          <a:p>
+            <a:pPr algn="ctr"/>
+            <a:endParaRPr lang="es-PE"/>
+          </a:p>
+        </p:txBody>
+      </p:sp>
+      <p:sp>
+        <p:nvSpPr>
+          <p:cNvPr id="15" name="ProgressDot">
+            <a:extLst>
+              <a:ext uri="{FF2B5EF4-FFF2-40B4-BE49-F238E27FC236}">
+                <a16:creationId xmlns:a16="http://schemas.microsoft.com/office/drawing/2014/main" id="{F38CFC51-6BAC-E1C4-FE1B-DB9008B2BC60}"/>
+              </a:ext>
+            </a:extLst>
+          </p:cNvPr>
+          <p:cNvSpPr/>
+          <p:nvPr/>
+        </p:nvSpPr>
+        <p:spPr>
+          <a:xfrm>
+            <a:off x="6667500" y="6421025"/>
+            <a:ext cx="127000" cy="127000"/>
+          </a:xfrm>
+          <a:prstGeom prst="ellipse">
+            <a:avLst/>
+          </a:prstGeom>
+          <a:solidFill>
+            <a:srgbClr val="000000"/>
+          </a:solidFill>
+          <a:ln w="9000">
+            <a:solidFill>
+              <a:srgbClr val="FFFFFF"/>
+            </a:solidFill>
+          </a:ln>
+        </p:spPr>
+        <p:style>
+          <a:lnRef idx="2">
+            <a:schemeClr val="accent1">
+              <a:shade val="15000"/>
+            </a:schemeClr>
+          </a:lnRef>
+          <a:fillRef idx="1">
+            <a:schemeClr val="accent1"/>
+          </a:fillRef>
+          <a:effectRef idx="0">
+            <a:schemeClr val="accent1"/>
+          </a:effectRef>
+          <a:fontRef idx="minor">
+            <a:schemeClr val="lt1"/>
+          </a:fontRef>
+        </p:style>
+        <p:txBody>
+          <a:bodyPr rtlCol="0" anchor="ctr"/>
+          <a:lstStyle/>
+          <a:p>
+            <a:pPr algn="ctr"/>
+            <a:endParaRPr lang="es-PE"/>
+          </a:p>
+        </p:txBody>
+      </p:sp>
+      <p:sp>
+        <p:nvSpPr>
+          <p:cNvPr id="16" name="ProgressDot">
+            <a:extLst>
+              <a:ext uri="{FF2B5EF4-FFF2-40B4-BE49-F238E27FC236}">
+                <a16:creationId xmlns:a16="http://schemas.microsoft.com/office/drawing/2014/main" id="{BBB546BF-506D-38A1-6A94-8370A9CD87BB}"/>
+              </a:ext>
+            </a:extLst>
+          </p:cNvPr>
+          <p:cNvSpPr/>
+          <p:nvPr/>
+        </p:nvSpPr>
+        <p:spPr>
+          <a:xfrm>
+            <a:off x="6921500" y="6421025"/>
+            <a:ext cx="127000" cy="127000"/>
+          </a:xfrm>
+          <a:prstGeom prst="ellipse">
+            <a:avLst/>
+          </a:prstGeom>
+          <a:solidFill>
+            <a:srgbClr val="FFFFFF"/>
+          </a:solidFill>
+          <a:ln w="9000">
+            <a:solidFill>
+              <a:srgbClr val="000000"/>
+            </a:solidFill>
+          </a:ln>
+        </p:spPr>
+        <p:style>
+          <a:lnRef idx="2">
+            <a:schemeClr val="accent1">
+              <a:shade val="15000"/>
+            </a:schemeClr>
+          </a:lnRef>
+          <a:fillRef idx="1">
+            <a:schemeClr val="accent1"/>
+          </a:fillRef>
+          <a:effectRef idx="0">
+            <a:schemeClr val="accent1"/>
+          </a:effectRef>
+          <a:fontRef idx="minor">
+            <a:schemeClr val="lt1"/>
+          </a:fontRef>
+        </p:style>
+        <p:txBody>
+          <a:bodyPr rtlCol="0" anchor="ctr"/>
+          <a:lstStyle/>
+          <a:p>
+            <a:pPr algn="ctr"/>
+            <a:endParaRPr lang="es-PE"/>
+          </a:p>
+        </p:txBody>
+      </p:sp>
+      <p:sp>
+        <p:nvSpPr>
+          <p:cNvPr id="17" name="ProgressDot">
+            <a:extLst>
+              <a:ext uri="{FF2B5EF4-FFF2-40B4-BE49-F238E27FC236}">
+                <a16:creationId xmlns:a16="http://schemas.microsoft.com/office/drawing/2014/main" id="{0A6724EA-F5E3-8B52-1656-15B2545950EE}"/>
+              </a:ext>
+            </a:extLst>
+          </p:cNvPr>
+          <p:cNvSpPr/>
+          <p:nvPr/>
+        </p:nvSpPr>
+        <p:spPr>
+          <a:xfrm>
+            <a:off x="7175500" y="6421025"/>
+            <a:ext cx="127000" cy="127000"/>
+          </a:xfrm>
+          <a:prstGeom prst="ellipse">
+            <a:avLst/>
+          </a:prstGeom>
+          <a:solidFill>
+            <a:srgbClr val="FFFFFF"/>
+          </a:solidFill>
+          <a:ln w="9000">
+            <a:solidFill>
+              <a:srgbClr val="000000"/>
+            </a:solidFill>
+          </a:ln>
+        </p:spPr>
+        <p:style>
+          <a:lnRef idx="2">
+            <a:schemeClr val="accent1">
+              <a:shade val="15000"/>
+            </a:schemeClr>
+          </a:lnRef>
+          <a:fillRef idx="1">
+            <a:schemeClr val="accent1"/>
+          </a:fillRef>
+          <a:effectRef idx="0">
+            <a:schemeClr val="accent1"/>
+          </a:effectRef>
+          <a:fontRef idx="minor">
+            <a:schemeClr val="lt1"/>
+          </a:fontRef>
+        </p:style>
+        <p:txBody>
+          <a:bodyPr rtlCol="0" anchor="ctr"/>
+          <a:lstStyle/>
+          <a:p>
+            <a:pPr algn="ctr"/>
+            <a:endParaRPr lang="es-PE"/>
+          </a:p>
+        </p:txBody>
+      </p:sp>
+      <p:sp>
+        <p:nvSpPr>
+          <p:cNvPr id="18" name="ProgressDot">
+            <a:extLst>
+              <a:ext uri="{FF2B5EF4-FFF2-40B4-BE49-F238E27FC236}">
+                <a16:creationId xmlns:a16="http://schemas.microsoft.com/office/drawing/2014/main" id="{10A57687-C931-1E44-C8E8-B7F98F1DE45C}"/>
+              </a:ext>
+            </a:extLst>
+          </p:cNvPr>
+          <p:cNvSpPr/>
+          <p:nvPr/>
+        </p:nvSpPr>
+        <p:spPr>
+          <a:xfrm>
+            <a:off x="7429500" y="6421025"/>
+            <a:ext cx="127000" cy="127000"/>
+          </a:xfrm>
+          <a:prstGeom prst="ellipse">
+            <a:avLst/>
+          </a:prstGeom>
+          <a:solidFill>
+            <a:srgbClr val="FFFFFF"/>
+          </a:solidFill>
+          <a:ln w="9000">
+            <a:solidFill>
+              <a:srgbClr val="000000"/>
+            </a:solidFill>
+          </a:ln>
+        </p:spPr>
+        <p:style>
+          <a:lnRef idx="2">
+            <a:schemeClr val="accent1">
+              <a:shade val="15000"/>
+            </a:schemeClr>
+          </a:lnRef>
+          <a:fillRef idx="1">
+            <a:schemeClr val="accent1"/>
+          </a:fillRef>
+          <a:effectRef idx="0">
+            <a:schemeClr val="accent1"/>
+          </a:effectRef>
+          <a:fontRef idx="minor">
+            <a:schemeClr val="lt1"/>
+          </a:fontRef>
+        </p:style>
+        <p:txBody>
+          <a:bodyPr rtlCol="0" anchor="ctr"/>
+          <a:lstStyle/>
+          <a:p>
+            <a:pPr algn="ctr"/>
+            <a:endParaRPr lang="es-PE"/>
+          </a:p>
+        </p:txBody>
+      </p:sp>
+      <p:sp>
+        <p:nvSpPr>
+          <p:cNvPr id="19" name="ProgressDot">
+            <a:extLst>
+              <a:ext uri="{FF2B5EF4-FFF2-40B4-BE49-F238E27FC236}">
+                <a16:creationId xmlns:a16="http://schemas.microsoft.com/office/drawing/2014/main" id="{0C4260B4-98DC-3269-6569-BEA1DE006CA8}"/>
+              </a:ext>
+            </a:extLst>
+          </p:cNvPr>
+          <p:cNvSpPr/>
+          <p:nvPr/>
+        </p:nvSpPr>
+        <p:spPr>
+          <a:xfrm>
+            <a:off x="7683500" y="6421025"/>
+            <a:ext cx="127000" cy="127000"/>
+          </a:xfrm>
+          <a:prstGeom prst="ellipse">
+            <a:avLst/>
+          </a:prstGeom>
+          <a:solidFill>
+            <a:srgbClr val="FFFFFF"/>
+          </a:solidFill>
+          <a:ln w="9000">
+            <a:solidFill>
+              <a:srgbClr val="000000"/>
+            </a:solidFill>
+          </a:ln>
+        </p:spPr>
+        <p:style>
+          <a:lnRef idx="2">
+            <a:schemeClr val="accent1">
+              <a:shade val="15000"/>
+            </a:schemeClr>
+          </a:lnRef>
+          <a:fillRef idx="1">
+            <a:schemeClr val="accent1"/>
+          </a:fillRef>
+          <a:effectRef idx="0">
+            <a:schemeClr val="accent1"/>
+          </a:effectRef>
+          <a:fontRef idx="minor">
+            <a:schemeClr val="lt1"/>
+          </a:fontRef>
+        </p:style>
+        <p:txBody>
+          <a:bodyPr rtlCol="0" anchor="ctr"/>
+          <a:lstStyle/>
+          <a:p>
+            <a:pPr algn="ctr"/>
+            <a:endParaRPr lang="es-PE"/>
+          </a:p>
+        </p:txBody>
+      </p:sp>
+      <p:sp>
+        <p:nvSpPr>
+          <p:cNvPr id="20" name="ProgressDot">
+            <a:extLst>
+              <a:ext uri="{FF2B5EF4-FFF2-40B4-BE49-F238E27FC236}">
+                <a16:creationId xmlns:a16="http://schemas.microsoft.com/office/drawing/2014/main" id="{53CFDC3E-6EF2-FAF8-930D-040924B26EBB}"/>
+              </a:ext>
+            </a:extLst>
+          </p:cNvPr>
+          <p:cNvSpPr/>
+          <p:nvPr/>
+        </p:nvSpPr>
+        <p:spPr>
+          <a:xfrm>
+            <a:off x="7937500" y="6421025"/>
+            <a:ext cx="127000" cy="127000"/>
+          </a:xfrm>
+          <a:prstGeom prst="ellipse">
+            <a:avLst/>
+          </a:prstGeom>
+          <a:solidFill>
+            <a:srgbClr val="FFFFFF"/>
+          </a:solidFill>
+          <a:ln w="9000">
+            <a:solidFill>
+              <a:srgbClr val="000000"/>
+            </a:solidFill>
+          </a:ln>
+        </p:spPr>
+        <p:style>
+          <a:lnRef idx="2">
+            <a:schemeClr val="accent1">
+              <a:shade val="15000"/>
+            </a:schemeClr>
+          </a:lnRef>
+          <a:fillRef idx="1">
+            <a:schemeClr val="accent1"/>
+          </a:fillRef>
+          <a:effectRef idx="0">
+            <a:schemeClr val="accent1"/>
+          </a:effectRef>
+          <a:fontRef idx="minor">
+            <a:schemeClr val="lt1"/>
+          </a:fontRef>
+        </p:style>
+        <p:txBody>
+          <a:bodyPr rtlCol="0" anchor="ctr"/>
+          <a:lstStyle/>
+          <a:p>
+            <a:pPr algn="ctr"/>
+            <a:endParaRPr lang="es-PE"/>
+          </a:p>
+        </p:txBody>
+      </p:sp>
     </p:spTree>
     <p:extLst>
       <p:ext uri="{BB962C8B-B14F-4D97-AF65-F5344CB8AC3E}">
@@ -6715,7 +7219,7 @@
 </p:sld>
 </file>
 
-<file path=ppt/slides/slide11.xml><?xml version="1.0" encoding="utf-8"?>
+<file path=ppt/slides/slide12.xml><?xml version="1.0" encoding="utf-8"?>
 <p:sld xmlns:a="http://schemas.openxmlformats.org/drawingml/2006/main" xmlns:r="http://schemas.openxmlformats.org/officeDocument/2006/relationships" xmlns:p="http://schemas.openxmlformats.org/presentationml/2006/main">
   <p:cSld>
     <p:spTree>
@@ -6831,7 +7335,7 @@
             <a:fld id="{973910BB-74C0-4080-A479-597185DC8685}" type="slidenum">
               <a:rPr lang="es-PE" smtClean="0"/>
               <a:pPr/>
-              <a:t>11</a:t>
+              <a:t>12</a:t>
             </a:fld>
             <a:endParaRPr lang="es-PE" dirty="0"/>
           </a:p>
@@ -7076,10 +7580,10 @@
       </p:sp>
       <p:sp>
         <p:nvSpPr>
-          <p:cNvPr id="8" name="ProgressDot">
-            <a:extLst>
-              <a:ext uri="{FF2B5EF4-FFF2-40B4-BE49-F238E27FC236}">
-                <a16:creationId xmlns:a16="http://schemas.microsoft.com/office/drawing/2014/main" id="{CB4C14DC-3A23-2DEB-AA3F-AAD08DA05182}"/>
+          <p:cNvPr id="3" name="ProgressDot">
+            <a:extLst>
+              <a:ext uri="{FF2B5EF4-FFF2-40B4-BE49-F238E27FC236}">
+                <a16:creationId xmlns:a16="http://schemas.microsoft.com/office/drawing/2014/main" id="{58AF6717-2726-B094-8294-48B3B894E4BC}"/>
               </a:ext>
             </a:extLst>
           </p:cNvPr>
@@ -7088,7 +7592,7 @@
         </p:nvSpPr>
         <p:spPr>
           <a:xfrm>
-            <a:off x="4254500" y="6421025"/>
+            <a:off x="4127500" y="6421025"/>
             <a:ext cx="127000" cy="127000"/>
           </a:xfrm>
           <a:prstGeom prst="ellipse">
@@ -7130,10 +7634,10 @@
       </p:sp>
       <p:sp>
         <p:nvSpPr>
-          <p:cNvPr id="9" name="ProgressDot">
-            <a:extLst>
-              <a:ext uri="{FF2B5EF4-FFF2-40B4-BE49-F238E27FC236}">
-                <a16:creationId xmlns:a16="http://schemas.microsoft.com/office/drawing/2014/main" id="{8047F401-3333-A11E-7A54-4AD16CE8A910}"/>
+          <p:cNvPr id="6" name="ProgressDot">
+            <a:extLst>
+              <a:ext uri="{FF2B5EF4-FFF2-40B4-BE49-F238E27FC236}">
+                <a16:creationId xmlns:a16="http://schemas.microsoft.com/office/drawing/2014/main" id="{82214890-FDD9-9768-DA33-82F63455A076}"/>
               </a:ext>
             </a:extLst>
           </p:cNvPr>
@@ -7142,7 +7646,7 @@
         </p:nvSpPr>
         <p:spPr>
           <a:xfrm>
-            <a:off x="4508500" y="6421025"/>
+            <a:off x="4381500" y="6421025"/>
             <a:ext cx="127000" cy="127000"/>
           </a:xfrm>
           <a:prstGeom prst="ellipse">
@@ -7184,10 +7688,10 @@
       </p:sp>
       <p:sp>
         <p:nvSpPr>
-          <p:cNvPr id="10" name="ProgressDot">
-            <a:extLst>
-              <a:ext uri="{FF2B5EF4-FFF2-40B4-BE49-F238E27FC236}">
-                <a16:creationId xmlns:a16="http://schemas.microsoft.com/office/drawing/2014/main" id="{D404DF53-C594-2CD4-842A-9F0F4235E3FF}"/>
+          <p:cNvPr id="8" name="ProgressDot">
+            <a:extLst>
+              <a:ext uri="{FF2B5EF4-FFF2-40B4-BE49-F238E27FC236}">
+                <a16:creationId xmlns:a16="http://schemas.microsoft.com/office/drawing/2014/main" id="{25555249-668A-C938-5F6C-79DDF97063CE}"/>
               </a:ext>
             </a:extLst>
           </p:cNvPr>
@@ -7196,7 +7700,7 @@
         </p:nvSpPr>
         <p:spPr>
           <a:xfrm>
-            <a:off x="4762500" y="6421025"/>
+            <a:off x="4635500" y="6421025"/>
             <a:ext cx="127000" cy="127000"/>
           </a:xfrm>
           <a:prstGeom prst="ellipse">
@@ -7238,10 +7742,10 @@
       </p:sp>
       <p:sp>
         <p:nvSpPr>
-          <p:cNvPr id="11" name="ProgressDot">
-            <a:extLst>
-              <a:ext uri="{FF2B5EF4-FFF2-40B4-BE49-F238E27FC236}">
-                <a16:creationId xmlns:a16="http://schemas.microsoft.com/office/drawing/2014/main" id="{723029FC-EF73-FA8E-4453-4BA51C013F8A}"/>
+          <p:cNvPr id="9" name="ProgressDot">
+            <a:extLst>
+              <a:ext uri="{FF2B5EF4-FFF2-40B4-BE49-F238E27FC236}">
+                <a16:creationId xmlns:a16="http://schemas.microsoft.com/office/drawing/2014/main" id="{CE261D84-3020-EB42-6C53-080B0FF2465D}"/>
               </a:ext>
             </a:extLst>
           </p:cNvPr>
@@ -7250,7 +7754,7 @@
         </p:nvSpPr>
         <p:spPr>
           <a:xfrm>
-            <a:off x="5016500" y="6421025"/>
+            <a:off x="4889500" y="6421025"/>
             <a:ext cx="127000" cy="127000"/>
           </a:xfrm>
           <a:prstGeom prst="ellipse">
@@ -7292,10 +7796,10 @@
       </p:sp>
       <p:sp>
         <p:nvSpPr>
-          <p:cNvPr id="12" name="ProgressDot">
-            <a:extLst>
-              <a:ext uri="{FF2B5EF4-FFF2-40B4-BE49-F238E27FC236}">
-                <a16:creationId xmlns:a16="http://schemas.microsoft.com/office/drawing/2014/main" id="{FD8C9062-CF95-B584-D417-6A9B96690499}"/>
+          <p:cNvPr id="10" name="ProgressDot">
+            <a:extLst>
+              <a:ext uri="{FF2B5EF4-FFF2-40B4-BE49-F238E27FC236}">
+                <a16:creationId xmlns:a16="http://schemas.microsoft.com/office/drawing/2014/main" id="{51A3D53B-EFBC-4B8C-C69F-CB89EC8BACE4}"/>
               </a:ext>
             </a:extLst>
           </p:cNvPr>
@@ -7304,7 +7808,7 @@
         </p:nvSpPr>
         <p:spPr>
           <a:xfrm>
-            <a:off x="5270500" y="6421025"/>
+            <a:off x="5143500" y="6421025"/>
             <a:ext cx="127000" cy="127000"/>
           </a:xfrm>
           <a:prstGeom prst="ellipse">
@@ -7346,10 +7850,10 @@
       </p:sp>
       <p:sp>
         <p:nvSpPr>
-          <p:cNvPr id="13" name="ProgressDot">
-            <a:extLst>
-              <a:ext uri="{FF2B5EF4-FFF2-40B4-BE49-F238E27FC236}">
-                <a16:creationId xmlns:a16="http://schemas.microsoft.com/office/drawing/2014/main" id="{83F42ED2-60CC-3CD4-6106-AC059B69E8DA}"/>
+          <p:cNvPr id="11" name="ProgressDot">
+            <a:extLst>
+              <a:ext uri="{FF2B5EF4-FFF2-40B4-BE49-F238E27FC236}">
+                <a16:creationId xmlns:a16="http://schemas.microsoft.com/office/drawing/2014/main" id="{7B53C6B3-FA42-8FAA-CA1C-4A8B641D4B4E}"/>
               </a:ext>
             </a:extLst>
           </p:cNvPr>
@@ -7358,7 +7862,7 @@
         </p:nvSpPr>
         <p:spPr>
           <a:xfrm>
-            <a:off x="5524500" y="6421025"/>
+            <a:off x="5397500" y="6421025"/>
             <a:ext cx="127000" cy="127000"/>
           </a:xfrm>
           <a:prstGeom prst="ellipse">
@@ -7400,10 +7904,10 @@
       </p:sp>
       <p:sp>
         <p:nvSpPr>
-          <p:cNvPr id="14" name="ProgressDot">
-            <a:extLst>
-              <a:ext uri="{FF2B5EF4-FFF2-40B4-BE49-F238E27FC236}">
-                <a16:creationId xmlns:a16="http://schemas.microsoft.com/office/drawing/2014/main" id="{76FA7378-A9DA-75B7-98A1-CAAC1B433688}"/>
+          <p:cNvPr id="12" name="ProgressDot">
+            <a:extLst>
+              <a:ext uri="{FF2B5EF4-FFF2-40B4-BE49-F238E27FC236}">
+                <a16:creationId xmlns:a16="http://schemas.microsoft.com/office/drawing/2014/main" id="{3BB51391-05AE-CECB-D331-683545741E8B}"/>
               </a:ext>
             </a:extLst>
           </p:cNvPr>
@@ -7412,7 +7916,7 @@
         </p:nvSpPr>
         <p:spPr>
           <a:xfrm>
-            <a:off x="5778500" y="6421025"/>
+            <a:off x="5651500" y="6421025"/>
             <a:ext cx="127000" cy="127000"/>
           </a:xfrm>
           <a:prstGeom prst="ellipse">
@@ -7454,10 +7958,10 @@
       </p:sp>
       <p:sp>
         <p:nvSpPr>
-          <p:cNvPr id="15" name="ProgressDot">
-            <a:extLst>
-              <a:ext uri="{FF2B5EF4-FFF2-40B4-BE49-F238E27FC236}">
-                <a16:creationId xmlns:a16="http://schemas.microsoft.com/office/drawing/2014/main" id="{33E46ED0-6BAF-D3B9-434C-615161F57EC9}"/>
+          <p:cNvPr id="13" name="ProgressDot">
+            <a:extLst>
+              <a:ext uri="{FF2B5EF4-FFF2-40B4-BE49-F238E27FC236}">
+                <a16:creationId xmlns:a16="http://schemas.microsoft.com/office/drawing/2014/main" id="{61CF630F-3D99-45AC-E4AB-1475F563003D}"/>
               </a:ext>
             </a:extLst>
           </p:cNvPr>
@@ -7466,7 +7970,7 @@
         </p:nvSpPr>
         <p:spPr>
           <a:xfrm>
-            <a:off x="6032500" y="6421025"/>
+            <a:off x="5905500" y="6421025"/>
             <a:ext cx="127000" cy="127000"/>
           </a:xfrm>
           <a:prstGeom prst="ellipse">
@@ -7508,10 +8012,10 @@
       </p:sp>
       <p:sp>
         <p:nvSpPr>
-          <p:cNvPr id="16" name="ProgressDot">
-            <a:extLst>
-              <a:ext uri="{FF2B5EF4-FFF2-40B4-BE49-F238E27FC236}">
-                <a16:creationId xmlns:a16="http://schemas.microsoft.com/office/drawing/2014/main" id="{75F0FBA0-2E5C-8376-3B68-A6E7D5A907A4}"/>
+          <p:cNvPr id="14" name="ProgressDot">
+            <a:extLst>
+              <a:ext uri="{FF2B5EF4-FFF2-40B4-BE49-F238E27FC236}">
+                <a16:creationId xmlns:a16="http://schemas.microsoft.com/office/drawing/2014/main" id="{63CA7814-4F89-6DB8-00A9-B797298355D9}"/>
               </a:ext>
             </a:extLst>
           </p:cNvPr>
@@ -7520,7 +8024,7 @@
         </p:nvSpPr>
         <p:spPr>
           <a:xfrm>
-            <a:off x="6286500" y="6421025"/>
+            <a:off x="6159500" y="6421025"/>
             <a:ext cx="127000" cy="127000"/>
           </a:xfrm>
           <a:prstGeom prst="ellipse">
@@ -7562,10 +8066,10 @@
       </p:sp>
       <p:sp>
         <p:nvSpPr>
-          <p:cNvPr id="17" name="ProgressDot">
-            <a:extLst>
-              <a:ext uri="{FF2B5EF4-FFF2-40B4-BE49-F238E27FC236}">
-                <a16:creationId xmlns:a16="http://schemas.microsoft.com/office/drawing/2014/main" id="{79476AB5-4DBF-660B-EA51-B95A59634C06}"/>
+          <p:cNvPr id="15" name="ProgressDot">
+            <a:extLst>
+              <a:ext uri="{FF2B5EF4-FFF2-40B4-BE49-F238E27FC236}">
+                <a16:creationId xmlns:a16="http://schemas.microsoft.com/office/drawing/2014/main" id="{AEAD0BDE-E74C-9A35-894D-FA56B744002A}"/>
               </a:ext>
             </a:extLst>
           </p:cNvPr>
@@ -7574,7 +8078,7 @@
         </p:nvSpPr>
         <p:spPr>
           <a:xfrm>
-            <a:off x="6540500" y="6421025"/>
+            <a:off x="6413500" y="6421025"/>
             <a:ext cx="127000" cy="127000"/>
           </a:xfrm>
           <a:prstGeom prst="ellipse">
@@ -7616,10 +8120,10 @@
       </p:sp>
       <p:sp>
         <p:nvSpPr>
-          <p:cNvPr id="18" name="ProgressDot">
-            <a:extLst>
-              <a:ext uri="{FF2B5EF4-FFF2-40B4-BE49-F238E27FC236}">
-                <a16:creationId xmlns:a16="http://schemas.microsoft.com/office/drawing/2014/main" id="{6C67E4B0-CF09-F7CC-9DF0-26C658463D48}"/>
+          <p:cNvPr id="16" name="ProgressDot">
+            <a:extLst>
+              <a:ext uri="{FF2B5EF4-FFF2-40B4-BE49-F238E27FC236}">
+                <a16:creationId xmlns:a16="http://schemas.microsoft.com/office/drawing/2014/main" id="{C9C6FC3C-B191-0187-9C3D-1E8D2973A776}"/>
               </a:ext>
             </a:extLst>
           </p:cNvPr>
@@ -7628,7 +8132,7 @@
         </p:nvSpPr>
         <p:spPr>
           <a:xfrm>
-            <a:off x="6794500" y="6421025"/>
+            <a:off x="6667500" y="6421025"/>
             <a:ext cx="127000" cy="127000"/>
           </a:xfrm>
           <a:prstGeom prst="ellipse">
@@ -7670,10 +8174,10 @@
       </p:sp>
       <p:sp>
         <p:nvSpPr>
-          <p:cNvPr id="19" name="ProgressDot">
-            <a:extLst>
-              <a:ext uri="{FF2B5EF4-FFF2-40B4-BE49-F238E27FC236}">
-                <a16:creationId xmlns:a16="http://schemas.microsoft.com/office/drawing/2014/main" id="{A6805C76-5CBF-72A7-D3AE-496E779C780A}"/>
+          <p:cNvPr id="17" name="ProgressDot">
+            <a:extLst>
+              <a:ext uri="{FF2B5EF4-FFF2-40B4-BE49-F238E27FC236}">
+                <a16:creationId xmlns:a16="http://schemas.microsoft.com/office/drawing/2014/main" id="{F047213B-3FF4-474F-34DA-2573F3E7E033}"/>
               </a:ext>
             </a:extLst>
           </p:cNvPr>
@@ -7682,7 +8186,61 @@
         </p:nvSpPr>
         <p:spPr>
           <a:xfrm>
-            <a:off x="7048500" y="6421025"/>
+            <a:off x="6921500" y="6421025"/>
+            <a:ext cx="127000" cy="127000"/>
+          </a:xfrm>
+          <a:prstGeom prst="ellipse">
+            <a:avLst/>
+          </a:prstGeom>
+          <a:solidFill>
+            <a:srgbClr val="000000"/>
+          </a:solidFill>
+          <a:ln w="9000">
+            <a:solidFill>
+              <a:srgbClr val="FFFFFF"/>
+            </a:solidFill>
+          </a:ln>
+        </p:spPr>
+        <p:style>
+          <a:lnRef idx="2">
+            <a:schemeClr val="accent1">
+              <a:shade val="15000"/>
+            </a:schemeClr>
+          </a:lnRef>
+          <a:fillRef idx="1">
+            <a:schemeClr val="accent1"/>
+          </a:fillRef>
+          <a:effectRef idx="0">
+            <a:schemeClr val="accent1"/>
+          </a:effectRef>
+          <a:fontRef idx="minor">
+            <a:schemeClr val="lt1"/>
+          </a:fontRef>
+        </p:style>
+        <p:txBody>
+          <a:bodyPr rtlCol="0" anchor="ctr"/>
+          <a:lstStyle/>
+          <a:p>
+            <a:pPr algn="ctr"/>
+            <a:endParaRPr lang="es-PE"/>
+          </a:p>
+        </p:txBody>
+      </p:sp>
+      <p:sp>
+        <p:nvSpPr>
+          <p:cNvPr id="18" name="ProgressDot">
+            <a:extLst>
+              <a:ext uri="{FF2B5EF4-FFF2-40B4-BE49-F238E27FC236}">
+                <a16:creationId xmlns:a16="http://schemas.microsoft.com/office/drawing/2014/main" id="{F9296503-4593-3D5E-9717-4740839F0696}"/>
+              </a:ext>
+            </a:extLst>
+          </p:cNvPr>
+          <p:cNvSpPr/>
+          <p:nvPr/>
+        </p:nvSpPr>
+        <p:spPr>
+          <a:xfrm>
+            <a:off x="7175500" y="6421025"/>
             <a:ext cx="127000" cy="127000"/>
           </a:xfrm>
           <a:prstGeom prst="ellipse">
@@ -7724,10 +8282,10 @@
       </p:sp>
       <p:sp>
         <p:nvSpPr>
-          <p:cNvPr id="20" name="ProgressDot">
-            <a:extLst>
-              <a:ext uri="{FF2B5EF4-FFF2-40B4-BE49-F238E27FC236}">
-                <a16:creationId xmlns:a16="http://schemas.microsoft.com/office/drawing/2014/main" id="{ACF33B7E-DCA2-26BE-89D6-80F67EC79D6D}"/>
+          <p:cNvPr id="19" name="ProgressDot">
+            <a:extLst>
+              <a:ext uri="{FF2B5EF4-FFF2-40B4-BE49-F238E27FC236}">
+                <a16:creationId xmlns:a16="http://schemas.microsoft.com/office/drawing/2014/main" id="{04FC3178-D348-FB7E-871B-BCCCE9F99B70}"/>
               </a:ext>
             </a:extLst>
           </p:cNvPr>
@@ -7736,7 +8294,7 @@
         </p:nvSpPr>
         <p:spPr>
           <a:xfrm>
-            <a:off x="7302500" y="6421025"/>
+            <a:off x="7429500" y="6421025"/>
             <a:ext cx="127000" cy="127000"/>
           </a:xfrm>
           <a:prstGeom prst="ellipse">
@@ -7778,10 +8336,10 @@
       </p:sp>
       <p:sp>
         <p:nvSpPr>
-          <p:cNvPr id="21" name="ProgressDot">
-            <a:extLst>
-              <a:ext uri="{FF2B5EF4-FFF2-40B4-BE49-F238E27FC236}">
-                <a16:creationId xmlns:a16="http://schemas.microsoft.com/office/drawing/2014/main" id="{5CE25902-6CE7-74FB-32DC-7094B7C798A6}"/>
+          <p:cNvPr id="20" name="ProgressDot">
+            <a:extLst>
+              <a:ext uri="{FF2B5EF4-FFF2-40B4-BE49-F238E27FC236}">
+                <a16:creationId xmlns:a16="http://schemas.microsoft.com/office/drawing/2014/main" id="{1FF91C9F-0813-B38B-6689-6FA12035D78B}"/>
               </a:ext>
             </a:extLst>
           </p:cNvPr>
@@ -7790,7 +8348,7 @@
         </p:nvSpPr>
         <p:spPr>
           <a:xfrm>
-            <a:off x="7556500" y="6421025"/>
+            <a:off x="7683500" y="6421025"/>
             <a:ext cx="127000" cy="127000"/>
           </a:xfrm>
           <a:prstGeom prst="ellipse">
@@ -7832,10 +8390,10 @@
       </p:sp>
       <p:sp>
         <p:nvSpPr>
-          <p:cNvPr id="22" name="ProgressDot">
-            <a:extLst>
-              <a:ext uri="{FF2B5EF4-FFF2-40B4-BE49-F238E27FC236}">
-                <a16:creationId xmlns:a16="http://schemas.microsoft.com/office/drawing/2014/main" id="{89AE5C9C-D8F4-2F2D-1B25-21E2C6A81AF1}"/>
+          <p:cNvPr id="21" name="ProgressDot">
+            <a:extLst>
+              <a:ext uri="{FF2B5EF4-FFF2-40B4-BE49-F238E27FC236}">
+                <a16:creationId xmlns:a16="http://schemas.microsoft.com/office/drawing/2014/main" id="{B0AADC09-7148-BD0F-EEDF-CD47D0191751}"/>
               </a:ext>
             </a:extLst>
           </p:cNvPr>
@@ -7844,7 +8402,7 @@
         </p:nvSpPr>
         <p:spPr>
           <a:xfrm>
-            <a:off x="7810500" y="6421025"/>
+            <a:off x="7937500" y="6421025"/>
             <a:ext cx="127000" cy="127000"/>
           </a:xfrm>
           <a:prstGeom prst="ellipse">
@@ -7897,7 +8455,7 @@
 </p:sld>
 </file>
 
-<file path=ppt/slides/slide12.xml><?xml version="1.0" encoding="utf-8"?>
+<file path=ppt/slides/slide13.xml><?xml version="1.0" encoding="utf-8"?>
 <p:sld xmlns:a="http://schemas.openxmlformats.org/drawingml/2006/main" xmlns:r="http://schemas.openxmlformats.org/officeDocument/2006/relationships" xmlns:p="http://schemas.openxmlformats.org/presentationml/2006/main">
   <p:cSld>
     <p:spTree>
@@ -7955,6 +8513,36 @@
           </a:p>
         </p:txBody>
       </p:sp>
+      <p:pic>
+        <p:nvPicPr>
+          <p:cNvPr id="22" name="Imagen 21">
+            <a:extLst>
+              <a:ext uri="{FF2B5EF4-FFF2-40B4-BE49-F238E27FC236}">
+                <a16:creationId xmlns:a16="http://schemas.microsoft.com/office/drawing/2014/main" id="{6AC6DB36-C779-7C6B-9C6F-6F48034E7436}"/>
+              </a:ext>
+            </a:extLst>
+          </p:cNvPr>
+          <p:cNvPicPr>
+            <a:picLocks noChangeAspect="1"/>
+          </p:cNvPicPr>
+          <p:nvPr/>
+        </p:nvPicPr>
+        <p:blipFill>
+          <a:blip r:embed="rId2"/>
+          <a:stretch>
+            <a:fillRect/>
+          </a:stretch>
+        </p:blipFill>
+        <p:spPr>
+          <a:xfrm>
+            <a:off x="165100" y="1204446"/>
+            <a:ext cx="6606146" cy="4763978"/>
+          </a:xfrm>
+          <a:prstGeom prst="rect">
+            <a:avLst/>
+          </a:prstGeom>
+        </p:spPr>
+      </p:pic>
       <p:sp>
         <p:nvSpPr>
           <p:cNvPr id="4" name="Marcador de número de diapositiva 3">
@@ -7979,7 +8567,7 @@
             <a:fld id="{973910BB-74C0-4080-A479-597185DC8685}" type="slidenum">
               <a:rPr lang="es-PE" smtClean="0"/>
               <a:pPr/>
-              <a:t>12</a:t>
+              <a:t>13</a:t>
             </a:fld>
             <a:endParaRPr lang="es-PE" dirty="0"/>
           </a:p>
@@ -8247,51 +8835,21 @@
           </a:p>
         </p:txBody>
       </p:sp>
-      <p:pic>
-        <p:nvPicPr>
-          <p:cNvPr id="3" name="Imagen 2">
-            <a:extLst>
-              <a:ext uri="{FF2B5EF4-FFF2-40B4-BE49-F238E27FC236}">
-                <a16:creationId xmlns:a16="http://schemas.microsoft.com/office/drawing/2014/main" id="{D7B1844B-47B3-E6E1-7954-AFF3A1D13412}"/>
-              </a:ext>
-            </a:extLst>
-          </p:cNvPr>
-          <p:cNvPicPr>
-            <a:picLocks noChangeAspect="1"/>
-          </p:cNvPicPr>
+      <p:sp>
+        <p:nvSpPr>
+          <p:cNvPr id="3" name="ProgressDot">
+            <a:extLst>
+              <a:ext uri="{FF2B5EF4-FFF2-40B4-BE49-F238E27FC236}">
+                <a16:creationId xmlns:a16="http://schemas.microsoft.com/office/drawing/2014/main" id="{F1861F1A-AF1E-B108-3A05-3AF960FA11C2}"/>
+              </a:ext>
+            </a:extLst>
+          </p:cNvPr>
+          <p:cNvSpPr/>
           <p:nvPr/>
-        </p:nvPicPr>
-        <p:blipFill>
-          <a:blip r:embed="rId2"/>
-          <a:stretch>
-            <a:fillRect/>
-          </a:stretch>
-        </p:blipFill>
+        </p:nvSpPr>
         <p:spPr>
           <a:xfrm>
-            <a:off x="520701" y="1076872"/>
-            <a:ext cx="6250545" cy="5019127"/>
-          </a:xfrm>
-          <a:prstGeom prst="rect">
-            <a:avLst/>
-          </a:prstGeom>
-        </p:spPr>
-      </p:pic>
-      <p:sp>
-        <p:nvSpPr>
-          <p:cNvPr id="6" name="ProgressDot">
-            <a:extLst>
-              <a:ext uri="{FF2B5EF4-FFF2-40B4-BE49-F238E27FC236}">
-                <a16:creationId xmlns:a16="http://schemas.microsoft.com/office/drawing/2014/main" id="{0B2706BA-48C1-25DC-4F98-23F4D6F9BB19}"/>
-              </a:ext>
-            </a:extLst>
-          </p:cNvPr>
-          <p:cNvSpPr/>
-          <p:nvPr/>
-        </p:nvSpPr>
-        <p:spPr>
-          <a:xfrm>
-            <a:off x="4254500" y="6421025"/>
+            <a:off x="4127500" y="6421025"/>
             <a:ext cx="127000" cy="127000"/>
           </a:xfrm>
           <a:prstGeom prst="ellipse">
@@ -8333,10 +8891,10 @@
       </p:sp>
       <p:sp>
         <p:nvSpPr>
-          <p:cNvPr id="8" name="ProgressDot">
-            <a:extLst>
-              <a:ext uri="{FF2B5EF4-FFF2-40B4-BE49-F238E27FC236}">
-                <a16:creationId xmlns:a16="http://schemas.microsoft.com/office/drawing/2014/main" id="{C907EB3F-6CB4-8EEA-627A-A0960F4717EE}"/>
+          <p:cNvPr id="5" name="ProgressDot">
+            <a:extLst>
+              <a:ext uri="{FF2B5EF4-FFF2-40B4-BE49-F238E27FC236}">
+                <a16:creationId xmlns:a16="http://schemas.microsoft.com/office/drawing/2014/main" id="{D357E08E-CA7C-EE5B-15A4-2FAE619A4C71}"/>
               </a:ext>
             </a:extLst>
           </p:cNvPr>
@@ -8345,7 +8903,7 @@
         </p:nvSpPr>
         <p:spPr>
           <a:xfrm>
-            <a:off x="4508500" y="6421025"/>
+            <a:off x="4381500" y="6421025"/>
             <a:ext cx="127000" cy="127000"/>
           </a:xfrm>
           <a:prstGeom prst="ellipse">
@@ -8387,10 +8945,10 @@
       </p:sp>
       <p:sp>
         <p:nvSpPr>
-          <p:cNvPr id="9" name="ProgressDot">
-            <a:extLst>
-              <a:ext uri="{FF2B5EF4-FFF2-40B4-BE49-F238E27FC236}">
-                <a16:creationId xmlns:a16="http://schemas.microsoft.com/office/drawing/2014/main" id="{45CA872B-B6C3-8871-40DA-F2A8DE062B9D}"/>
+          <p:cNvPr id="6" name="ProgressDot">
+            <a:extLst>
+              <a:ext uri="{FF2B5EF4-FFF2-40B4-BE49-F238E27FC236}">
+                <a16:creationId xmlns:a16="http://schemas.microsoft.com/office/drawing/2014/main" id="{32ABDCBE-BA07-30C7-78A3-FF880FE27CC6}"/>
               </a:ext>
             </a:extLst>
           </p:cNvPr>
@@ -8399,7 +8957,7 @@
         </p:nvSpPr>
         <p:spPr>
           <a:xfrm>
-            <a:off x="4762500" y="6421025"/>
+            <a:off x="4635500" y="6421025"/>
             <a:ext cx="127000" cy="127000"/>
           </a:xfrm>
           <a:prstGeom prst="ellipse">
@@ -8441,10 +8999,10 @@
       </p:sp>
       <p:sp>
         <p:nvSpPr>
-          <p:cNvPr id="10" name="ProgressDot">
-            <a:extLst>
-              <a:ext uri="{FF2B5EF4-FFF2-40B4-BE49-F238E27FC236}">
-                <a16:creationId xmlns:a16="http://schemas.microsoft.com/office/drawing/2014/main" id="{12D539C5-3458-98D1-EF2F-06FF430A85C8}"/>
+          <p:cNvPr id="8" name="ProgressDot">
+            <a:extLst>
+              <a:ext uri="{FF2B5EF4-FFF2-40B4-BE49-F238E27FC236}">
+                <a16:creationId xmlns:a16="http://schemas.microsoft.com/office/drawing/2014/main" id="{75D51DF1-C4B7-4B1B-E653-F1DC690F5FAA}"/>
               </a:ext>
             </a:extLst>
           </p:cNvPr>
@@ -8453,7 +9011,7 @@
         </p:nvSpPr>
         <p:spPr>
           <a:xfrm>
-            <a:off x="5016500" y="6421025"/>
+            <a:off x="4889500" y="6421025"/>
             <a:ext cx="127000" cy="127000"/>
           </a:xfrm>
           <a:prstGeom prst="ellipse">
@@ -8495,10 +9053,10 @@
       </p:sp>
       <p:sp>
         <p:nvSpPr>
-          <p:cNvPr id="11" name="ProgressDot">
-            <a:extLst>
-              <a:ext uri="{FF2B5EF4-FFF2-40B4-BE49-F238E27FC236}">
-                <a16:creationId xmlns:a16="http://schemas.microsoft.com/office/drawing/2014/main" id="{9DE2D782-E4C8-88A9-D8E1-12D9082412C0}"/>
+          <p:cNvPr id="9" name="ProgressDot">
+            <a:extLst>
+              <a:ext uri="{FF2B5EF4-FFF2-40B4-BE49-F238E27FC236}">
+                <a16:creationId xmlns:a16="http://schemas.microsoft.com/office/drawing/2014/main" id="{730C2D48-8CF1-4ECD-D2FA-D6BE59931B5E}"/>
               </a:ext>
             </a:extLst>
           </p:cNvPr>
@@ -8507,7 +9065,7 @@
         </p:nvSpPr>
         <p:spPr>
           <a:xfrm>
-            <a:off x="5270500" y="6421025"/>
+            <a:off x="5143500" y="6421025"/>
             <a:ext cx="127000" cy="127000"/>
           </a:xfrm>
           <a:prstGeom prst="ellipse">
@@ -8549,10 +9107,10 @@
       </p:sp>
       <p:sp>
         <p:nvSpPr>
-          <p:cNvPr id="12" name="ProgressDot">
-            <a:extLst>
-              <a:ext uri="{FF2B5EF4-FFF2-40B4-BE49-F238E27FC236}">
-                <a16:creationId xmlns:a16="http://schemas.microsoft.com/office/drawing/2014/main" id="{822A37DC-287A-1D1A-0C57-48C81EEED04A}"/>
+          <p:cNvPr id="10" name="ProgressDot">
+            <a:extLst>
+              <a:ext uri="{FF2B5EF4-FFF2-40B4-BE49-F238E27FC236}">
+                <a16:creationId xmlns:a16="http://schemas.microsoft.com/office/drawing/2014/main" id="{42732E16-9B8E-F48E-A6C6-B41D19BC3A2D}"/>
               </a:ext>
             </a:extLst>
           </p:cNvPr>
@@ -8561,7 +9119,7 @@
         </p:nvSpPr>
         <p:spPr>
           <a:xfrm>
-            <a:off x="5524500" y="6421025"/>
+            <a:off x="5397500" y="6421025"/>
             <a:ext cx="127000" cy="127000"/>
           </a:xfrm>
           <a:prstGeom prst="ellipse">
@@ -8603,10 +9161,10 @@
       </p:sp>
       <p:sp>
         <p:nvSpPr>
-          <p:cNvPr id="13" name="ProgressDot">
-            <a:extLst>
-              <a:ext uri="{FF2B5EF4-FFF2-40B4-BE49-F238E27FC236}">
-                <a16:creationId xmlns:a16="http://schemas.microsoft.com/office/drawing/2014/main" id="{F4979F98-F7E0-DEF7-2567-0F526F7CEF15}"/>
+          <p:cNvPr id="11" name="ProgressDot">
+            <a:extLst>
+              <a:ext uri="{FF2B5EF4-FFF2-40B4-BE49-F238E27FC236}">
+                <a16:creationId xmlns:a16="http://schemas.microsoft.com/office/drawing/2014/main" id="{B7A4A860-32DC-B09A-33D0-A37C4D15D541}"/>
               </a:ext>
             </a:extLst>
           </p:cNvPr>
@@ -8615,7 +9173,7 @@
         </p:nvSpPr>
         <p:spPr>
           <a:xfrm>
-            <a:off x="5778500" y="6421025"/>
+            <a:off x="5651500" y="6421025"/>
             <a:ext cx="127000" cy="127000"/>
           </a:xfrm>
           <a:prstGeom prst="ellipse">
@@ -8657,10 +9215,10 @@
       </p:sp>
       <p:sp>
         <p:nvSpPr>
-          <p:cNvPr id="14" name="ProgressDot">
-            <a:extLst>
-              <a:ext uri="{FF2B5EF4-FFF2-40B4-BE49-F238E27FC236}">
-                <a16:creationId xmlns:a16="http://schemas.microsoft.com/office/drawing/2014/main" id="{493302E2-782F-A8EC-C182-EC138FF9C43C}"/>
+          <p:cNvPr id="12" name="ProgressDot">
+            <a:extLst>
+              <a:ext uri="{FF2B5EF4-FFF2-40B4-BE49-F238E27FC236}">
+                <a16:creationId xmlns:a16="http://schemas.microsoft.com/office/drawing/2014/main" id="{F5578976-0CE7-E337-1084-6ED72CA0EFF5}"/>
               </a:ext>
             </a:extLst>
           </p:cNvPr>
@@ -8669,7 +9227,7 @@
         </p:nvSpPr>
         <p:spPr>
           <a:xfrm>
-            <a:off x="6032500" y="6421025"/>
+            <a:off x="5905500" y="6421025"/>
             <a:ext cx="127000" cy="127000"/>
           </a:xfrm>
           <a:prstGeom prst="ellipse">
@@ -8711,10 +9269,10 @@
       </p:sp>
       <p:sp>
         <p:nvSpPr>
-          <p:cNvPr id="15" name="ProgressDot">
-            <a:extLst>
-              <a:ext uri="{FF2B5EF4-FFF2-40B4-BE49-F238E27FC236}">
-                <a16:creationId xmlns:a16="http://schemas.microsoft.com/office/drawing/2014/main" id="{6C38E60D-4974-B1D0-AA31-EAE32E022C09}"/>
+          <p:cNvPr id="13" name="ProgressDot">
+            <a:extLst>
+              <a:ext uri="{FF2B5EF4-FFF2-40B4-BE49-F238E27FC236}">
+                <a16:creationId xmlns:a16="http://schemas.microsoft.com/office/drawing/2014/main" id="{FE703EE9-74E9-4A58-B24A-1072CDB3F95D}"/>
               </a:ext>
             </a:extLst>
           </p:cNvPr>
@@ -8723,7 +9281,7 @@
         </p:nvSpPr>
         <p:spPr>
           <a:xfrm>
-            <a:off x="6286500" y="6421025"/>
+            <a:off x="6159500" y="6421025"/>
             <a:ext cx="127000" cy="127000"/>
           </a:xfrm>
           <a:prstGeom prst="ellipse">
@@ -8765,10 +9323,10 @@
       </p:sp>
       <p:sp>
         <p:nvSpPr>
-          <p:cNvPr id="16" name="ProgressDot">
-            <a:extLst>
-              <a:ext uri="{FF2B5EF4-FFF2-40B4-BE49-F238E27FC236}">
-                <a16:creationId xmlns:a16="http://schemas.microsoft.com/office/drawing/2014/main" id="{D1F8912B-91A5-0416-4225-83191E54DC7B}"/>
+          <p:cNvPr id="14" name="ProgressDot">
+            <a:extLst>
+              <a:ext uri="{FF2B5EF4-FFF2-40B4-BE49-F238E27FC236}">
+                <a16:creationId xmlns:a16="http://schemas.microsoft.com/office/drawing/2014/main" id="{BEEBA795-3654-2FC7-2CD1-5AFE596317B8}"/>
               </a:ext>
             </a:extLst>
           </p:cNvPr>
@@ -8777,7 +9335,7 @@
         </p:nvSpPr>
         <p:spPr>
           <a:xfrm>
-            <a:off x="6540500" y="6421025"/>
+            <a:off x="6413500" y="6421025"/>
             <a:ext cx="127000" cy="127000"/>
           </a:xfrm>
           <a:prstGeom prst="ellipse">
@@ -8819,10 +9377,10 @@
       </p:sp>
       <p:sp>
         <p:nvSpPr>
-          <p:cNvPr id="17" name="ProgressDot">
-            <a:extLst>
-              <a:ext uri="{FF2B5EF4-FFF2-40B4-BE49-F238E27FC236}">
-                <a16:creationId xmlns:a16="http://schemas.microsoft.com/office/drawing/2014/main" id="{513EB0B8-943B-C76C-DE34-71388FBF2104}"/>
+          <p:cNvPr id="15" name="ProgressDot">
+            <a:extLst>
+              <a:ext uri="{FF2B5EF4-FFF2-40B4-BE49-F238E27FC236}">
+                <a16:creationId xmlns:a16="http://schemas.microsoft.com/office/drawing/2014/main" id="{1E26FB93-20FC-1AC7-4FC2-3588E881A61D}"/>
               </a:ext>
             </a:extLst>
           </p:cNvPr>
@@ -8831,7 +9389,7 @@
         </p:nvSpPr>
         <p:spPr>
           <a:xfrm>
-            <a:off x="6794500" y="6421025"/>
+            <a:off x="6667500" y="6421025"/>
             <a:ext cx="127000" cy="127000"/>
           </a:xfrm>
           <a:prstGeom prst="ellipse">
@@ -8873,10 +9431,10 @@
       </p:sp>
       <p:sp>
         <p:nvSpPr>
-          <p:cNvPr id="18" name="ProgressDot">
-            <a:extLst>
-              <a:ext uri="{FF2B5EF4-FFF2-40B4-BE49-F238E27FC236}">
-                <a16:creationId xmlns:a16="http://schemas.microsoft.com/office/drawing/2014/main" id="{005D5B5C-0553-877F-C1A5-AC6E82F82357}"/>
+          <p:cNvPr id="16" name="ProgressDot">
+            <a:extLst>
+              <a:ext uri="{FF2B5EF4-FFF2-40B4-BE49-F238E27FC236}">
+                <a16:creationId xmlns:a16="http://schemas.microsoft.com/office/drawing/2014/main" id="{3E92D70E-9E26-2BFE-CBD4-9F0FC3DDD6CF}"/>
               </a:ext>
             </a:extLst>
           </p:cNvPr>
@@ -8885,7 +9443,7 @@
         </p:nvSpPr>
         <p:spPr>
           <a:xfrm>
-            <a:off x="7048500" y="6421025"/>
+            <a:off x="6921500" y="6421025"/>
             <a:ext cx="127000" cy="127000"/>
           </a:xfrm>
           <a:prstGeom prst="ellipse">
@@ -8927,10 +9485,10 @@
       </p:sp>
       <p:sp>
         <p:nvSpPr>
-          <p:cNvPr id="19" name="ProgressDot">
-            <a:extLst>
-              <a:ext uri="{FF2B5EF4-FFF2-40B4-BE49-F238E27FC236}">
-                <a16:creationId xmlns:a16="http://schemas.microsoft.com/office/drawing/2014/main" id="{ABADD028-9CCB-439B-E6EC-1DBD0EA79313}"/>
+          <p:cNvPr id="17" name="ProgressDot">
+            <a:extLst>
+              <a:ext uri="{FF2B5EF4-FFF2-40B4-BE49-F238E27FC236}">
+                <a16:creationId xmlns:a16="http://schemas.microsoft.com/office/drawing/2014/main" id="{D20D1DB2-AFEC-4B48-60A3-4EA38FCA31B8}"/>
               </a:ext>
             </a:extLst>
           </p:cNvPr>
@@ -8939,7 +9497,61 @@
         </p:nvSpPr>
         <p:spPr>
           <a:xfrm>
-            <a:off x="7302500" y="6421025"/>
+            <a:off x="7175500" y="6421025"/>
+            <a:ext cx="127000" cy="127000"/>
+          </a:xfrm>
+          <a:prstGeom prst="ellipse">
+            <a:avLst/>
+          </a:prstGeom>
+          <a:solidFill>
+            <a:srgbClr val="000000"/>
+          </a:solidFill>
+          <a:ln w="9000">
+            <a:solidFill>
+              <a:srgbClr val="FFFFFF"/>
+            </a:solidFill>
+          </a:ln>
+        </p:spPr>
+        <p:style>
+          <a:lnRef idx="2">
+            <a:schemeClr val="accent1">
+              <a:shade val="15000"/>
+            </a:schemeClr>
+          </a:lnRef>
+          <a:fillRef idx="1">
+            <a:schemeClr val="accent1"/>
+          </a:fillRef>
+          <a:effectRef idx="0">
+            <a:schemeClr val="accent1"/>
+          </a:effectRef>
+          <a:fontRef idx="minor">
+            <a:schemeClr val="lt1"/>
+          </a:fontRef>
+        </p:style>
+        <p:txBody>
+          <a:bodyPr rtlCol="0" anchor="ctr"/>
+          <a:lstStyle/>
+          <a:p>
+            <a:pPr algn="ctr"/>
+            <a:endParaRPr lang="es-PE"/>
+          </a:p>
+        </p:txBody>
+      </p:sp>
+      <p:sp>
+        <p:nvSpPr>
+          <p:cNvPr id="18" name="ProgressDot">
+            <a:extLst>
+              <a:ext uri="{FF2B5EF4-FFF2-40B4-BE49-F238E27FC236}">
+                <a16:creationId xmlns:a16="http://schemas.microsoft.com/office/drawing/2014/main" id="{511C750F-53D6-C88E-6522-8DF10CBAFD29}"/>
+              </a:ext>
+            </a:extLst>
+          </p:cNvPr>
+          <p:cNvSpPr/>
+          <p:nvPr/>
+        </p:nvSpPr>
+        <p:spPr>
+          <a:xfrm>
+            <a:off x="7429500" y="6421025"/>
             <a:ext cx="127000" cy="127000"/>
           </a:xfrm>
           <a:prstGeom prst="ellipse">
@@ -8981,10 +9593,10 @@
       </p:sp>
       <p:sp>
         <p:nvSpPr>
-          <p:cNvPr id="20" name="ProgressDot">
-            <a:extLst>
-              <a:ext uri="{FF2B5EF4-FFF2-40B4-BE49-F238E27FC236}">
-                <a16:creationId xmlns:a16="http://schemas.microsoft.com/office/drawing/2014/main" id="{3398A4CB-7141-E320-82E7-8C0C338018B3}"/>
+          <p:cNvPr id="19" name="ProgressDot">
+            <a:extLst>
+              <a:ext uri="{FF2B5EF4-FFF2-40B4-BE49-F238E27FC236}">
+                <a16:creationId xmlns:a16="http://schemas.microsoft.com/office/drawing/2014/main" id="{027579B3-7BBB-9B8B-BA0B-E0A50A40E223}"/>
               </a:ext>
             </a:extLst>
           </p:cNvPr>
@@ -8993,7 +9605,7 @@
         </p:nvSpPr>
         <p:spPr>
           <a:xfrm>
-            <a:off x="7556500" y="6421025"/>
+            <a:off x="7683500" y="6421025"/>
             <a:ext cx="127000" cy="127000"/>
           </a:xfrm>
           <a:prstGeom prst="ellipse">
@@ -9035,10 +9647,10 @@
       </p:sp>
       <p:sp>
         <p:nvSpPr>
-          <p:cNvPr id="21" name="ProgressDot">
-            <a:extLst>
-              <a:ext uri="{FF2B5EF4-FFF2-40B4-BE49-F238E27FC236}">
-                <a16:creationId xmlns:a16="http://schemas.microsoft.com/office/drawing/2014/main" id="{83A18B78-C712-0A05-DF5F-ADA63EA040ED}"/>
+          <p:cNvPr id="20" name="ProgressDot">
+            <a:extLst>
+              <a:ext uri="{FF2B5EF4-FFF2-40B4-BE49-F238E27FC236}">
+                <a16:creationId xmlns:a16="http://schemas.microsoft.com/office/drawing/2014/main" id="{FBB3E77C-89CF-BA4B-B768-1AF3D766A2F8}"/>
               </a:ext>
             </a:extLst>
           </p:cNvPr>
@@ -9047,7 +9659,7 @@
         </p:nvSpPr>
         <p:spPr>
           <a:xfrm>
-            <a:off x="7810500" y="6421025"/>
+            <a:off x="7937500" y="6421025"/>
             <a:ext cx="127000" cy="127000"/>
           </a:xfrm>
           <a:prstGeom prst="ellipse">
@@ -9100,7 +9712,7 @@
 </p:sld>
 </file>
 
-<file path=ppt/slides/slide13.xml><?xml version="1.0" encoding="utf-8"?>
+<file path=ppt/slides/slide14.xml><?xml version="1.0" encoding="utf-8"?>
 <p:sld xmlns:a="http://schemas.openxmlformats.org/drawingml/2006/main" xmlns:r="http://schemas.openxmlformats.org/officeDocument/2006/relationships" xmlns:p="http://schemas.openxmlformats.org/presentationml/2006/main">
   <p:cSld>
     <p:spTree>
@@ -9225,7 +9837,7 @@
             <a:fld id="{973910BB-74C0-4080-A479-597185DC8685}" type="slidenum">
               <a:rPr lang="es-PE" smtClean="0"/>
               <a:pPr/>
-              <a:t>13</a:t>
+              <a:t>14</a:t>
             </a:fld>
             <a:endParaRPr lang="es-PE" dirty="0"/>
           </a:p>
@@ -9263,10 +9875,10 @@
       </p:pic>
       <p:sp>
         <p:nvSpPr>
-          <p:cNvPr id="19" name="ProgressDot">
-            <a:extLst>
-              <a:ext uri="{FF2B5EF4-FFF2-40B4-BE49-F238E27FC236}">
-                <a16:creationId xmlns:a16="http://schemas.microsoft.com/office/drawing/2014/main" id="{B208AD09-CAD2-8120-F785-B635BC6D23E0}"/>
+          <p:cNvPr id="5" name="ProgressDot">
+            <a:extLst>
+              <a:ext uri="{FF2B5EF4-FFF2-40B4-BE49-F238E27FC236}">
+                <a16:creationId xmlns:a16="http://schemas.microsoft.com/office/drawing/2014/main" id="{E8793F12-F338-1D52-548E-0A0CA1476FAB}"/>
               </a:ext>
             </a:extLst>
           </p:cNvPr>
@@ -9275,7 +9887,7 @@
         </p:nvSpPr>
         <p:spPr>
           <a:xfrm>
-            <a:off x="4254500" y="6421025"/>
+            <a:off x="4127500" y="6421025"/>
             <a:ext cx="127000" cy="127000"/>
           </a:xfrm>
           <a:prstGeom prst="ellipse">
@@ -9317,10 +9929,10 @@
       </p:sp>
       <p:sp>
         <p:nvSpPr>
-          <p:cNvPr id="20" name="ProgressDot">
-            <a:extLst>
-              <a:ext uri="{FF2B5EF4-FFF2-40B4-BE49-F238E27FC236}">
-                <a16:creationId xmlns:a16="http://schemas.microsoft.com/office/drawing/2014/main" id="{BC4E8A36-CE44-699A-0D55-7E990CEB7D54}"/>
+          <p:cNvPr id="6" name="ProgressDot">
+            <a:extLst>
+              <a:ext uri="{FF2B5EF4-FFF2-40B4-BE49-F238E27FC236}">
+                <a16:creationId xmlns:a16="http://schemas.microsoft.com/office/drawing/2014/main" id="{1FE87A06-6168-286A-2632-0780E5A8C972}"/>
               </a:ext>
             </a:extLst>
           </p:cNvPr>
@@ -9329,7 +9941,7 @@
         </p:nvSpPr>
         <p:spPr>
           <a:xfrm>
-            <a:off x="4508500" y="6421025"/>
+            <a:off x="4381500" y="6421025"/>
             <a:ext cx="127000" cy="127000"/>
           </a:xfrm>
           <a:prstGeom prst="ellipse">
@@ -9371,10 +9983,10 @@
       </p:sp>
       <p:sp>
         <p:nvSpPr>
-          <p:cNvPr id="21" name="ProgressDot">
-            <a:extLst>
-              <a:ext uri="{FF2B5EF4-FFF2-40B4-BE49-F238E27FC236}">
-                <a16:creationId xmlns:a16="http://schemas.microsoft.com/office/drawing/2014/main" id="{1DF6AF05-336E-5CFB-D5D7-E3C99399560A}"/>
+          <p:cNvPr id="7" name="ProgressDot">
+            <a:extLst>
+              <a:ext uri="{FF2B5EF4-FFF2-40B4-BE49-F238E27FC236}">
+                <a16:creationId xmlns:a16="http://schemas.microsoft.com/office/drawing/2014/main" id="{D1DE5096-122E-360E-9893-9EC2D84EAA50}"/>
               </a:ext>
             </a:extLst>
           </p:cNvPr>
@@ -9383,7 +9995,7 @@
         </p:nvSpPr>
         <p:spPr>
           <a:xfrm>
-            <a:off x="4762500" y="6421025"/>
+            <a:off x="4635500" y="6421025"/>
             <a:ext cx="127000" cy="127000"/>
           </a:xfrm>
           <a:prstGeom prst="ellipse">
@@ -9425,10 +10037,10 @@
       </p:sp>
       <p:sp>
         <p:nvSpPr>
-          <p:cNvPr id="22" name="ProgressDot">
-            <a:extLst>
-              <a:ext uri="{FF2B5EF4-FFF2-40B4-BE49-F238E27FC236}">
-                <a16:creationId xmlns:a16="http://schemas.microsoft.com/office/drawing/2014/main" id="{7CE599B4-090A-8210-0C79-E8A631E2BB56}"/>
+          <p:cNvPr id="8" name="ProgressDot">
+            <a:extLst>
+              <a:ext uri="{FF2B5EF4-FFF2-40B4-BE49-F238E27FC236}">
+                <a16:creationId xmlns:a16="http://schemas.microsoft.com/office/drawing/2014/main" id="{8C66DAC5-D65A-B5D5-ECF5-2A1E10856A08}"/>
               </a:ext>
             </a:extLst>
           </p:cNvPr>
@@ -9437,7 +10049,7 @@
         </p:nvSpPr>
         <p:spPr>
           <a:xfrm>
-            <a:off x="5016500" y="6421025"/>
+            <a:off x="4889500" y="6421025"/>
             <a:ext cx="127000" cy="127000"/>
           </a:xfrm>
           <a:prstGeom prst="ellipse">
@@ -9479,10 +10091,10 @@
       </p:sp>
       <p:sp>
         <p:nvSpPr>
-          <p:cNvPr id="23" name="ProgressDot">
-            <a:extLst>
-              <a:ext uri="{FF2B5EF4-FFF2-40B4-BE49-F238E27FC236}">
-                <a16:creationId xmlns:a16="http://schemas.microsoft.com/office/drawing/2014/main" id="{7024EA97-DB0D-D829-7D07-FC0DC875FFCE}"/>
+          <p:cNvPr id="9" name="ProgressDot">
+            <a:extLst>
+              <a:ext uri="{FF2B5EF4-FFF2-40B4-BE49-F238E27FC236}">
+                <a16:creationId xmlns:a16="http://schemas.microsoft.com/office/drawing/2014/main" id="{942BF6CA-7EBE-FB8F-F034-535DFBBA7AC4}"/>
               </a:ext>
             </a:extLst>
           </p:cNvPr>
@@ -9491,7 +10103,7 @@
         </p:nvSpPr>
         <p:spPr>
           <a:xfrm>
-            <a:off x="5270500" y="6421025"/>
+            <a:off x="5143500" y="6421025"/>
             <a:ext cx="127000" cy="127000"/>
           </a:xfrm>
           <a:prstGeom prst="ellipse">
@@ -9533,10 +10145,10 @@
       </p:sp>
       <p:sp>
         <p:nvSpPr>
-          <p:cNvPr id="24" name="ProgressDot">
-            <a:extLst>
-              <a:ext uri="{FF2B5EF4-FFF2-40B4-BE49-F238E27FC236}">
-                <a16:creationId xmlns:a16="http://schemas.microsoft.com/office/drawing/2014/main" id="{A052B1A7-E167-ABB7-1A7E-07A1A6AC7FC2}"/>
+          <p:cNvPr id="10" name="ProgressDot">
+            <a:extLst>
+              <a:ext uri="{FF2B5EF4-FFF2-40B4-BE49-F238E27FC236}">
+                <a16:creationId xmlns:a16="http://schemas.microsoft.com/office/drawing/2014/main" id="{1E2D6AB2-B8A7-1C29-C7E4-3D67F4DD7C81}"/>
               </a:ext>
             </a:extLst>
           </p:cNvPr>
@@ -9545,7 +10157,7 @@
         </p:nvSpPr>
         <p:spPr>
           <a:xfrm>
-            <a:off x="5524500" y="6421025"/>
+            <a:off x="5397500" y="6421025"/>
             <a:ext cx="127000" cy="127000"/>
           </a:xfrm>
           <a:prstGeom prst="ellipse">
@@ -9587,10 +10199,10 @@
       </p:sp>
       <p:sp>
         <p:nvSpPr>
-          <p:cNvPr id="25" name="ProgressDot">
-            <a:extLst>
-              <a:ext uri="{FF2B5EF4-FFF2-40B4-BE49-F238E27FC236}">
-                <a16:creationId xmlns:a16="http://schemas.microsoft.com/office/drawing/2014/main" id="{4062262E-9AA4-6798-EB22-88A9FD41209E}"/>
+          <p:cNvPr id="11" name="ProgressDot">
+            <a:extLst>
+              <a:ext uri="{FF2B5EF4-FFF2-40B4-BE49-F238E27FC236}">
+                <a16:creationId xmlns:a16="http://schemas.microsoft.com/office/drawing/2014/main" id="{74BC828C-8BD1-FA55-E9BB-96E57E82586E}"/>
               </a:ext>
             </a:extLst>
           </p:cNvPr>
@@ -9599,7 +10211,7 @@
         </p:nvSpPr>
         <p:spPr>
           <a:xfrm>
-            <a:off x="5778500" y="6421025"/>
+            <a:off x="5651500" y="6421025"/>
             <a:ext cx="127000" cy="127000"/>
           </a:xfrm>
           <a:prstGeom prst="ellipse">
@@ -9641,10 +10253,10 @@
       </p:sp>
       <p:sp>
         <p:nvSpPr>
-          <p:cNvPr id="26" name="ProgressDot">
-            <a:extLst>
-              <a:ext uri="{FF2B5EF4-FFF2-40B4-BE49-F238E27FC236}">
-                <a16:creationId xmlns:a16="http://schemas.microsoft.com/office/drawing/2014/main" id="{7924BDE1-9F5D-5D43-9D12-DDD70457FF29}"/>
+          <p:cNvPr id="12" name="ProgressDot">
+            <a:extLst>
+              <a:ext uri="{FF2B5EF4-FFF2-40B4-BE49-F238E27FC236}">
+                <a16:creationId xmlns:a16="http://schemas.microsoft.com/office/drawing/2014/main" id="{286EDE72-B2D8-2742-67E4-57F1F785F881}"/>
               </a:ext>
             </a:extLst>
           </p:cNvPr>
@@ -9653,7 +10265,7 @@
         </p:nvSpPr>
         <p:spPr>
           <a:xfrm>
-            <a:off x="6032500" y="6421025"/>
+            <a:off x="5905500" y="6421025"/>
             <a:ext cx="127000" cy="127000"/>
           </a:xfrm>
           <a:prstGeom prst="ellipse">
@@ -9695,10 +10307,10 @@
       </p:sp>
       <p:sp>
         <p:nvSpPr>
-          <p:cNvPr id="27" name="ProgressDot">
-            <a:extLst>
-              <a:ext uri="{FF2B5EF4-FFF2-40B4-BE49-F238E27FC236}">
-                <a16:creationId xmlns:a16="http://schemas.microsoft.com/office/drawing/2014/main" id="{16FAE9FA-C886-B36C-6BFF-1E5F6D917612}"/>
+          <p:cNvPr id="13" name="ProgressDot">
+            <a:extLst>
+              <a:ext uri="{FF2B5EF4-FFF2-40B4-BE49-F238E27FC236}">
+                <a16:creationId xmlns:a16="http://schemas.microsoft.com/office/drawing/2014/main" id="{1B05658A-CA07-0795-2074-179131FF335D}"/>
               </a:ext>
             </a:extLst>
           </p:cNvPr>
@@ -9707,7 +10319,7 @@
         </p:nvSpPr>
         <p:spPr>
           <a:xfrm>
-            <a:off x="6286500" y="6421025"/>
+            <a:off x="6159500" y="6421025"/>
             <a:ext cx="127000" cy="127000"/>
           </a:xfrm>
           <a:prstGeom prst="ellipse">
@@ -9749,10 +10361,10 @@
       </p:sp>
       <p:sp>
         <p:nvSpPr>
-          <p:cNvPr id="28" name="ProgressDot">
-            <a:extLst>
-              <a:ext uri="{FF2B5EF4-FFF2-40B4-BE49-F238E27FC236}">
-                <a16:creationId xmlns:a16="http://schemas.microsoft.com/office/drawing/2014/main" id="{24AB5588-98D6-02B6-3C34-2FF028253941}"/>
+          <p:cNvPr id="14" name="ProgressDot">
+            <a:extLst>
+              <a:ext uri="{FF2B5EF4-FFF2-40B4-BE49-F238E27FC236}">
+                <a16:creationId xmlns:a16="http://schemas.microsoft.com/office/drawing/2014/main" id="{B7FE80C6-E295-917B-E962-6D4179AFCB2A}"/>
               </a:ext>
             </a:extLst>
           </p:cNvPr>
@@ -9761,7 +10373,7 @@
         </p:nvSpPr>
         <p:spPr>
           <a:xfrm>
-            <a:off x="6540500" y="6421025"/>
+            <a:off x="6413500" y="6421025"/>
             <a:ext cx="127000" cy="127000"/>
           </a:xfrm>
           <a:prstGeom prst="ellipse">
@@ -9803,10 +10415,10 @@
       </p:sp>
       <p:sp>
         <p:nvSpPr>
-          <p:cNvPr id="29" name="ProgressDot">
-            <a:extLst>
-              <a:ext uri="{FF2B5EF4-FFF2-40B4-BE49-F238E27FC236}">
-                <a16:creationId xmlns:a16="http://schemas.microsoft.com/office/drawing/2014/main" id="{BFAB78E4-6516-2F4B-7576-70C8DEC2721C}"/>
+          <p:cNvPr id="15" name="ProgressDot">
+            <a:extLst>
+              <a:ext uri="{FF2B5EF4-FFF2-40B4-BE49-F238E27FC236}">
+                <a16:creationId xmlns:a16="http://schemas.microsoft.com/office/drawing/2014/main" id="{AD3F1179-6A67-DFA4-FD20-533E58A17767}"/>
               </a:ext>
             </a:extLst>
           </p:cNvPr>
@@ -9815,7 +10427,7 @@
         </p:nvSpPr>
         <p:spPr>
           <a:xfrm>
-            <a:off x="6794500" y="6421025"/>
+            <a:off x="6667500" y="6421025"/>
             <a:ext cx="127000" cy="127000"/>
           </a:xfrm>
           <a:prstGeom prst="ellipse">
@@ -9857,10 +10469,10 @@
       </p:sp>
       <p:sp>
         <p:nvSpPr>
-          <p:cNvPr id="30" name="ProgressDot">
-            <a:extLst>
-              <a:ext uri="{FF2B5EF4-FFF2-40B4-BE49-F238E27FC236}">
-                <a16:creationId xmlns:a16="http://schemas.microsoft.com/office/drawing/2014/main" id="{AA5A23EC-B392-5F2D-A067-E3008308A75F}"/>
+          <p:cNvPr id="16" name="ProgressDot">
+            <a:extLst>
+              <a:ext uri="{FF2B5EF4-FFF2-40B4-BE49-F238E27FC236}">
+                <a16:creationId xmlns:a16="http://schemas.microsoft.com/office/drawing/2014/main" id="{FFD81994-F583-2373-65E3-AF910D02DFAA}"/>
               </a:ext>
             </a:extLst>
           </p:cNvPr>
@@ -9869,7 +10481,7 @@
         </p:nvSpPr>
         <p:spPr>
           <a:xfrm>
-            <a:off x="7048500" y="6421025"/>
+            <a:off x="6921500" y="6421025"/>
             <a:ext cx="127000" cy="127000"/>
           </a:xfrm>
           <a:prstGeom prst="ellipse">
@@ -9911,10 +10523,10 @@
       </p:sp>
       <p:sp>
         <p:nvSpPr>
-          <p:cNvPr id="31" name="ProgressDot">
-            <a:extLst>
-              <a:ext uri="{FF2B5EF4-FFF2-40B4-BE49-F238E27FC236}">
-                <a16:creationId xmlns:a16="http://schemas.microsoft.com/office/drawing/2014/main" id="{62E89932-3BDE-1439-53A7-97537C432014}"/>
+          <p:cNvPr id="17" name="ProgressDot">
+            <a:extLst>
+              <a:ext uri="{FF2B5EF4-FFF2-40B4-BE49-F238E27FC236}">
+                <a16:creationId xmlns:a16="http://schemas.microsoft.com/office/drawing/2014/main" id="{25234257-33AA-E9AB-06F5-F92D922C3695}"/>
               </a:ext>
             </a:extLst>
           </p:cNvPr>
@@ -9923,7 +10535,7 @@
         </p:nvSpPr>
         <p:spPr>
           <a:xfrm>
-            <a:off x="7302500" y="6421025"/>
+            <a:off x="7175500" y="6421025"/>
             <a:ext cx="127000" cy="127000"/>
           </a:xfrm>
           <a:prstGeom prst="ellipse">
@@ -9965,10 +10577,10 @@
       </p:sp>
       <p:sp>
         <p:nvSpPr>
-          <p:cNvPr id="32" name="ProgressDot">
-            <a:extLst>
-              <a:ext uri="{FF2B5EF4-FFF2-40B4-BE49-F238E27FC236}">
-                <a16:creationId xmlns:a16="http://schemas.microsoft.com/office/drawing/2014/main" id="{2A77975D-4D85-D5F0-B4ED-3B4078AE0D2D}"/>
+          <p:cNvPr id="19" name="ProgressDot">
+            <a:extLst>
+              <a:ext uri="{FF2B5EF4-FFF2-40B4-BE49-F238E27FC236}">
+                <a16:creationId xmlns:a16="http://schemas.microsoft.com/office/drawing/2014/main" id="{A2CF5A1E-9741-AB08-874A-B0D0933DE198}"/>
               </a:ext>
             </a:extLst>
           </p:cNvPr>
@@ -9977,7 +10589,61 @@
         </p:nvSpPr>
         <p:spPr>
           <a:xfrm>
-            <a:off x="7556500" y="6421025"/>
+            <a:off x="7429500" y="6421025"/>
+            <a:ext cx="127000" cy="127000"/>
+          </a:xfrm>
+          <a:prstGeom prst="ellipse">
+            <a:avLst/>
+          </a:prstGeom>
+          <a:solidFill>
+            <a:srgbClr val="000000"/>
+          </a:solidFill>
+          <a:ln w="9000">
+            <a:solidFill>
+              <a:srgbClr val="FFFFFF"/>
+            </a:solidFill>
+          </a:ln>
+        </p:spPr>
+        <p:style>
+          <a:lnRef idx="2">
+            <a:schemeClr val="accent1">
+              <a:shade val="15000"/>
+            </a:schemeClr>
+          </a:lnRef>
+          <a:fillRef idx="1">
+            <a:schemeClr val="accent1"/>
+          </a:fillRef>
+          <a:effectRef idx="0">
+            <a:schemeClr val="accent1"/>
+          </a:effectRef>
+          <a:fontRef idx="minor">
+            <a:schemeClr val="lt1"/>
+          </a:fontRef>
+        </p:style>
+        <p:txBody>
+          <a:bodyPr rtlCol="0" anchor="ctr"/>
+          <a:lstStyle/>
+          <a:p>
+            <a:pPr algn="ctr"/>
+            <a:endParaRPr lang="es-PE"/>
+          </a:p>
+        </p:txBody>
+      </p:sp>
+      <p:sp>
+        <p:nvSpPr>
+          <p:cNvPr id="20" name="ProgressDot">
+            <a:extLst>
+              <a:ext uri="{FF2B5EF4-FFF2-40B4-BE49-F238E27FC236}">
+                <a16:creationId xmlns:a16="http://schemas.microsoft.com/office/drawing/2014/main" id="{8E2F3335-C701-DD61-352B-0801600AC550}"/>
+              </a:ext>
+            </a:extLst>
+          </p:cNvPr>
+          <p:cNvSpPr/>
+          <p:nvPr/>
+        </p:nvSpPr>
+        <p:spPr>
+          <a:xfrm>
+            <a:off x="7683500" y="6421025"/>
             <a:ext cx="127000" cy="127000"/>
           </a:xfrm>
           <a:prstGeom prst="ellipse">
@@ -10019,10 +10685,10 @@
       </p:sp>
       <p:sp>
         <p:nvSpPr>
-          <p:cNvPr id="33" name="ProgressDot">
-            <a:extLst>
-              <a:ext uri="{FF2B5EF4-FFF2-40B4-BE49-F238E27FC236}">
-                <a16:creationId xmlns:a16="http://schemas.microsoft.com/office/drawing/2014/main" id="{1FD61F82-15F5-9D4F-162A-94193C1CCDB5}"/>
+          <p:cNvPr id="21" name="ProgressDot">
+            <a:extLst>
+              <a:ext uri="{FF2B5EF4-FFF2-40B4-BE49-F238E27FC236}">
+                <a16:creationId xmlns:a16="http://schemas.microsoft.com/office/drawing/2014/main" id="{0AA27FAC-827A-C9C3-0A80-3B656BC1B2C3}"/>
               </a:ext>
             </a:extLst>
           </p:cNvPr>
@@ -10031,7 +10697,7 @@
         </p:nvSpPr>
         <p:spPr>
           <a:xfrm>
-            <a:off x="7810500" y="6421025"/>
+            <a:off x="7937500" y="6421025"/>
             <a:ext cx="127000" cy="127000"/>
           </a:xfrm>
           <a:prstGeom prst="ellipse">
@@ -10084,7 +10750,7 @@
 </p:sld>
 </file>
 
-<file path=ppt/slides/slide14.xml><?xml version="1.0" encoding="utf-8"?>
+<file path=ppt/slides/slide15.xml><?xml version="1.0" encoding="utf-8"?>
 <p:sld xmlns:a="http://schemas.openxmlformats.org/drawingml/2006/main" xmlns:r="http://schemas.openxmlformats.org/officeDocument/2006/relationships" xmlns:p="http://schemas.openxmlformats.org/presentationml/2006/main">
   <p:cSld>
     <p:spTree>
@@ -10196,13 +10862,13 @@
         </p:spPr>
         <p:txBody>
           <a:bodyPr>
-            <a:normAutofit fontScale="92500" lnSpcReduction="20000"/>
+            <a:normAutofit fontScale="85000" lnSpcReduction="20000"/>
           </a:bodyPr>
           <a:lstStyle/>
           <a:p>
             <a:r>
               <a:rPr lang="es-PE" sz="2400" dirty="0"/>
-              <a:t>Se filtraron las variables de mayor interés y se observo una baja significativa en el error cuadrático.</a:t>
+              <a:t>Se filtraron las variables de mayor interés y se observo una baja significativa en el error cuadrático, lo que indica mayor relación entre estas variables.</a:t>
             </a:r>
           </a:p>
           <a:p>
@@ -10290,7 +10956,7 @@
             <a:fld id="{973910BB-74C0-4080-A479-597185DC8685}" type="slidenum">
               <a:rPr lang="es-PE" smtClean="0"/>
               <a:pPr/>
-              <a:t>14</a:t>
+              <a:t>15</a:t>
             </a:fld>
             <a:endParaRPr lang="es-PE" dirty="0"/>
           </a:p>
@@ -10301,7 +10967,7 @@
           <p:cNvPr id="6" name="ProgressDot">
             <a:extLst>
               <a:ext uri="{FF2B5EF4-FFF2-40B4-BE49-F238E27FC236}">
-                <a16:creationId xmlns:a16="http://schemas.microsoft.com/office/drawing/2014/main" id="{B068E5C5-A66F-7B90-5926-FD3E80298542}"/>
+                <a16:creationId xmlns:a16="http://schemas.microsoft.com/office/drawing/2014/main" id="{F48AEDC8-8B5A-34AB-D9E1-11A2A5466F83}"/>
               </a:ext>
             </a:extLst>
           </p:cNvPr>
@@ -10310,7 +10976,7 @@
         </p:nvSpPr>
         <p:spPr>
           <a:xfrm>
-            <a:off x="4254500" y="6421025"/>
+            <a:off x="4127500" y="6421025"/>
             <a:ext cx="127000" cy="127000"/>
           </a:xfrm>
           <a:prstGeom prst="ellipse">
@@ -10355,7 +11021,7 @@
           <p:cNvPr id="7" name="ProgressDot">
             <a:extLst>
               <a:ext uri="{FF2B5EF4-FFF2-40B4-BE49-F238E27FC236}">
-                <a16:creationId xmlns:a16="http://schemas.microsoft.com/office/drawing/2014/main" id="{C07045AE-4CB1-F00E-14F4-11A2E982AABF}"/>
+                <a16:creationId xmlns:a16="http://schemas.microsoft.com/office/drawing/2014/main" id="{049ED457-F77C-EBE8-9E2A-75758E2F97E3}"/>
               </a:ext>
             </a:extLst>
           </p:cNvPr>
@@ -10364,7 +11030,7 @@
         </p:nvSpPr>
         <p:spPr>
           <a:xfrm>
-            <a:off x="4508500" y="6421025"/>
+            <a:off x="4381500" y="6421025"/>
             <a:ext cx="127000" cy="127000"/>
           </a:xfrm>
           <a:prstGeom prst="ellipse">
@@ -10409,7 +11075,7 @@
           <p:cNvPr id="8" name="ProgressDot">
             <a:extLst>
               <a:ext uri="{FF2B5EF4-FFF2-40B4-BE49-F238E27FC236}">
-                <a16:creationId xmlns:a16="http://schemas.microsoft.com/office/drawing/2014/main" id="{75524321-B80E-F222-4C61-88DA74482FEB}"/>
+                <a16:creationId xmlns:a16="http://schemas.microsoft.com/office/drawing/2014/main" id="{D6ABBFC2-6500-BE7E-2CEC-D7A85867AF73}"/>
               </a:ext>
             </a:extLst>
           </p:cNvPr>
@@ -10418,7 +11084,7 @@
         </p:nvSpPr>
         <p:spPr>
           <a:xfrm>
-            <a:off x="4762500" y="6421025"/>
+            <a:off x="4635500" y="6421025"/>
             <a:ext cx="127000" cy="127000"/>
           </a:xfrm>
           <a:prstGeom prst="ellipse">
@@ -10463,7 +11129,7 @@
           <p:cNvPr id="9" name="ProgressDot">
             <a:extLst>
               <a:ext uri="{FF2B5EF4-FFF2-40B4-BE49-F238E27FC236}">
-                <a16:creationId xmlns:a16="http://schemas.microsoft.com/office/drawing/2014/main" id="{AD11272F-D7A2-F4F6-8379-168033F8D22D}"/>
+                <a16:creationId xmlns:a16="http://schemas.microsoft.com/office/drawing/2014/main" id="{C342FB2D-E9CB-E9A0-5211-21F3C5E9C13D}"/>
               </a:ext>
             </a:extLst>
           </p:cNvPr>
@@ -10472,7 +11138,7 @@
         </p:nvSpPr>
         <p:spPr>
           <a:xfrm>
-            <a:off x="5016500" y="6421025"/>
+            <a:off x="4889500" y="6421025"/>
             <a:ext cx="127000" cy="127000"/>
           </a:xfrm>
           <a:prstGeom prst="ellipse">
@@ -10517,7 +11183,7 @@
           <p:cNvPr id="10" name="ProgressDot">
             <a:extLst>
               <a:ext uri="{FF2B5EF4-FFF2-40B4-BE49-F238E27FC236}">
-                <a16:creationId xmlns:a16="http://schemas.microsoft.com/office/drawing/2014/main" id="{A5F90E1E-3C75-B3F6-CEED-B91F8A6BF9DB}"/>
+                <a16:creationId xmlns:a16="http://schemas.microsoft.com/office/drawing/2014/main" id="{BF8BAB9E-1A5B-83FF-1320-9A6DA519625F}"/>
               </a:ext>
             </a:extLst>
           </p:cNvPr>
@@ -10526,7 +11192,7 @@
         </p:nvSpPr>
         <p:spPr>
           <a:xfrm>
-            <a:off x="5270500" y="6421025"/>
+            <a:off x="5143500" y="6421025"/>
             <a:ext cx="127000" cy="127000"/>
           </a:xfrm>
           <a:prstGeom prst="ellipse">
@@ -10571,7 +11237,7 @@
           <p:cNvPr id="11" name="ProgressDot">
             <a:extLst>
               <a:ext uri="{FF2B5EF4-FFF2-40B4-BE49-F238E27FC236}">
-                <a16:creationId xmlns:a16="http://schemas.microsoft.com/office/drawing/2014/main" id="{D42F479A-DFAA-5D47-5CA5-4446557A2589}"/>
+                <a16:creationId xmlns:a16="http://schemas.microsoft.com/office/drawing/2014/main" id="{220D4436-B970-E7C5-F746-476AF87A4B91}"/>
               </a:ext>
             </a:extLst>
           </p:cNvPr>
@@ -10580,7 +11246,7 @@
         </p:nvSpPr>
         <p:spPr>
           <a:xfrm>
-            <a:off x="5524500" y="6421025"/>
+            <a:off x="5397500" y="6421025"/>
             <a:ext cx="127000" cy="127000"/>
           </a:xfrm>
           <a:prstGeom prst="ellipse">
@@ -10625,7 +11291,7 @@
           <p:cNvPr id="12" name="ProgressDot">
             <a:extLst>
               <a:ext uri="{FF2B5EF4-FFF2-40B4-BE49-F238E27FC236}">
-                <a16:creationId xmlns:a16="http://schemas.microsoft.com/office/drawing/2014/main" id="{6AE42903-6CFB-9FF2-C65B-B55B609E2DD6}"/>
+                <a16:creationId xmlns:a16="http://schemas.microsoft.com/office/drawing/2014/main" id="{FA4DA0D5-4E11-8658-BCF4-DC0EE3DE2500}"/>
               </a:ext>
             </a:extLst>
           </p:cNvPr>
@@ -10634,7 +11300,7 @@
         </p:nvSpPr>
         <p:spPr>
           <a:xfrm>
-            <a:off x="5778500" y="6421025"/>
+            <a:off x="5651500" y="6421025"/>
             <a:ext cx="127000" cy="127000"/>
           </a:xfrm>
           <a:prstGeom prst="ellipse">
@@ -10679,7 +11345,7 @@
           <p:cNvPr id="13" name="ProgressDot">
             <a:extLst>
               <a:ext uri="{FF2B5EF4-FFF2-40B4-BE49-F238E27FC236}">
-                <a16:creationId xmlns:a16="http://schemas.microsoft.com/office/drawing/2014/main" id="{64573FEA-4D03-CB61-C33D-E5EF628D0338}"/>
+                <a16:creationId xmlns:a16="http://schemas.microsoft.com/office/drawing/2014/main" id="{7D3CA7E4-1BB3-70FE-3E76-81434839CC23}"/>
               </a:ext>
             </a:extLst>
           </p:cNvPr>
@@ -10688,7 +11354,7 @@
         </p:nvSpPr>
         <p:spPr>
           <a:xfrm>
-            <a:off x="6032500" y="6421025"/>
+            <a:off x="5905500" y="6421025"/>
             <a:ext cx="127000" cy="127000"/>
           </a:xfrm>
           <a:prstGeom prst="ellipse">
@@ -10733,7 +11399,7 @@
           <p:cNvPr id="14" name="ProgressDot">
             <a:extLst>
               <a:ext uri="{FF2B5EF4-FFF2-40B4-BE49-F238E27FC236}">
-                <a16:creationId xmlns:a16="http://schemas.microsoft.com/office/drawing/2014/main" id="{C8B3A8C8-9199-437E-2819-914DAEE1A12E}"/>
+                <a16:creationId xmlns:a16="http://schemas.microsoft.com/office/drawing/2014/main" id="{D43EE7FF-E02F-473D-4545-BD2AFE236954}"/>
               </a:ext>
             </a:extLst>
           </p:cNvPr>
@@ -10742,7 +11408,7 @@
         </p:nvSpPr>
         <p:spPr>
           <a:xfrm>
-            <a:off x="6286500" y="6421025"/>
+            <a:off x="6159500" y="6421025"/>
             <a:ext cx="127000" cy="127000"/>
           </a:xfrm>
           <a:prstGeom prst="ellipse">
@@ -10787,7 +11453,7 @@
           <p:cNvPr id="15" name="ProgressDot">
             <a:extLst>
               <a:ext uri="{FF2B5EF4-FFF2-40B4-BE49-F238E27FC236}">
-                <a16:creationId xmlns:a16="http://schemas.microsoft.com/office/drawing/2014/main" id="{F4EB1F39-73D5-F19C-CEF5-31F534834AF3}"/>
+                <a16:creationId xmlns:a16="http://schemas.microsoft.com/office/drawing/2014/main" id="{5B055ACB-14DE-E5F2-3544-8D21E445A1BF}"/>
               </a:ext>
             </a:extLst>
           </p:cNvPr>
@@ -10796,7 +11462,7 @@
         </p:nvSpPr>
         <p:spPr>
           <a:xfrm>
-            <a:off x="6540500" y="6421025"/>
+            <a:off x="6413500" y="6421025"/>
             <a:ext cx="127000" cy="127000"/>
           </a:xfrm>
           <a:prstGeom prst="ellipse">
@@ -10841,7 +11507,7 @@
           <p:cNvPr id="16" name="ProgressDot">
             <a:extLst>
               <a:ext uri="{FF2B5EF4-FFF2-40B4-BE49-F238E27FC236}">
-                <a16:creationId xmlns:a16="http://schemas.microsoft.com/office/drawing/2014/main" id="{5E27A873-7A1A-54F9-D53A-E4B86C271C26}"/>
+                <a16:creationId xmlns:a16="http://schemas.microsoft.com/office/drawing/2014/main" id="{809B63FF-DDE6-A695-E4E6-6814DCE8C45D}"/>
               </a:ext>
             </a:extLst>
           </p:cNvPr>
@@ -10850,7 +11516,7 @@
         </p:nvSpPr>
         <p:spPr>
           <a:xfrm>
-            <a:off x="6794500" y="6421025"/>
+            <a:off x="6667500" y="6421025"/>
             <a:ext cx="127000" cy="127000"/>
           </a:xfrm>
           <a:prstGeom prst="ellipse">
@@ -10895,7 +11561,7 @@
           <p:cNvPr id="17" name="ProgressDot">
             <a:extLst>
               <a:ext uri="{FF2B5EF4-FFF2-40B4-BE49-F238E27FC236}">
-                <a16:creationId xmlns:a16="http://schemas.microsoft.com/office/drawing/2014/main" id="{8C955A7D-2829-F858-DD53-EBBF413ADC0F}"/>
+                <a16:creationId xmlns:a16="http://schemas.microsoft.com/office/drawing/2014/main" id="{4670B0BA-C654-12EA-93EE-0F6B10118A75}"/>
               </a:ext>
             </a:extLst>
           </p:cNvPr>
@@ -10904,7 +11570,7 @@
         </p:nvSpPr>
         <p:spPr>
           <a:xfrm>
-            <a:off x="7048500" y="6421025"/>
+            <a:off x="6921500" y="6421025"/>
             <a:ext cx="127000" cy="127000"/>
           </a:xfrm>
           <a:prstGeom prst="ellipse">
@@ -10946,10 +11612,10 @@
       </p:sp>
       <p:sp>
         <p:nvSpPr>
-          <p:cNvPr id="19" name="ProgressDot">
-            <a:extLst>
-              <a:ext uri="{FF2B5EF4-FFF2-40B4-BE49-F238E27FC236}">
-                <a16:creationId xmlns:a16="http://schemas.microsoft.com/office/drawing/2014/main" id="{322E3A10-A68A-9EB0-B7CA-4DA15323C6B9}"/>
+          <p:cNvPr id="18" name="ProgressDot">
+            <a:extLst>
+              <a:ext uri="{FF2B5EF4-FFF2-40B4-BE49-F238E27FC236}">
+                <a16:creationId xmlns:a16="http://schemas.microsoft.com/office/drawing/2014/main" id="{B33F56C2-3E55-54C4-5963-9CEBEDDF8ADF}"/>
               </a:ext>
             </a:extLst>
           </p:cNvPr>
@@ -10958,7 +11624,7 @@
         </p:nvSpPr>
         <p:spPr>
           <a:xfrm>
-            <a:off x="7302500" y="6421025"/>
+            <a:off x="7175500" y="6421025"/>
             <a:ext cx="127000" cy="127000"/>
           </a:xfrm>
           <a:prstGeom prst="ellipse">
@@ -11000,10 +11666,10 @@
       </p:sp>
       <p:sp>
         <p:nvSpPr>
-          <p:cNvPr id="20" name="ProgressDot">
-            <a:extLst>
-              <a:ext uri="{FF2B5EF4-FFF2-40B4-BE49-F238E27FC236}">
-                <a16:creationId xmlns:a16="http://schemas.microsoft.com/office/drawing/2014/main" id="{96A2B333-E7F4-A871-71F3-1D91308E2AF4}"/>
+          <p:cNvPr id="19" name="ProgressDot">
+            <a:extLst>
+              <a:ext uri="{FF2B5EF4-FFF2-40B4-BE49-F238E27FC236}">
+                <a16:creationId xmlns:a16="http://schemas.microsoft.com/office/drawing/2014/main" id="{CACD7FFE-4219-1457-70FB-E267CB2BE7E5}"/>
               </a:ext>
             </a:extLst>
           </p:cNvPr>
@@ -11012,7 +11678,7 @@
         </p:nvSpPr>
         <p:spPr>
           <a:xfrm>
-            <a:off x="7556500" y="6421025"/>
+            <a:off x="7429500" y="6421025"/>
             <a:ext cx="127000" cy="127000"/>
           </a:xfrm>
           <a:prstGeom prst="ellipse">
@@ -11054,10 +11720,10 @@
       </p:sp>
       <p:sp>
         <p:nvSpPr>
-          <p:cNvPr id="21" name="ProgressDot">
-            <a:extLst>
-              <a:ext uri="{FF2B5EF4-FFF2-40B4-BE49-F238E27FC236}">
-                <a16:creationId xmlns:a16="http://schemas.microsoft.com/office/drawing/2014/main" id="{2DC363B5-152D-8677-A35F-F18C7D4B570D}"/>
+          <p:cNvPr id="20" name="ProgressDot">
+            <a:extLst>
+              <a:ext uri="{FF2B5EF4-FFF2-40B4-BE49-F238E27FC236}">
+                <a16:creationId xmlns:a16="http://schemas.microsoft.com/office/drawing/2014/main" id="{C675A95A-6EBB-8015-FFE4-4411D1AEA0FB}"/>
               </a:ext>
             </a:extLst>
           </p:cNvPr>
@@ -11066,7 +11732,61 @@
         </p:nvSpPr>
         <p:spPr>
           <a:xfrm>
-            <a:off x="7810500" y="6421025"/>
+            <a:off x="7683500" y="6421025"/>
+            <a:ext cx="127000" cy="127000"/>
+          </a:xfrm>
+          <a:prstGeom prst="ellipse">
+            <a:avLst/>
+          </a:prstGeom>
+          <a:solidFill>
+            <a:srgbClr val="000000"/>
+          </a:solidFill>
+          <a:ln w="9000">
+            <a:solidFill>
+              <a:srgbClr val="FFFFFF"/>
+            </a:solidFill>
+          </a:ln>
+        </p:spPr>
+        <p:style>
+          <a:lnRef idx="2">
+            <a:schemeClr val="accent1">
+              <a:shade val="15000"/>
+            </a:schemeClr>
+          </a:lnRef>
+          <a:fillRef idx="1">
+            <a:schemeClr val="accent1"/>
+          </a:fillRef>
+          <a:effectRef idx="0">
+            <a:schemeClr val="accent1"/>
+          </a:effectRef>
+          <a:fontRef idx="minor">
+            <a:schemeClr val="lt1"/>
+          </a:fontRef>
+        </p:style>
+        <p:txBody>
+          <a:bodyPr rtlCol="0" anchor="ctr"/>
+          <a:lstStyle/>
+          <a:p>
+            <a:pPr algn="ctr"/>
+            <a:endParaRPr lang="es-PE"/>
+          </a:p>
+        </p:txBody>
+      </p:sp>
+      <p:sp>
+        <p:nvSpPr>
+          <p:cNvPr id="21" name="ProgressDot">
+            <a:extLst>
+              <a:ext uri="{FF2B5EF4-FFF2-40B4-BE49-F238E27FC236}">
+                <a16:creationId xmlns:a16="http://schemas.microsoft.com/office/drawing/2014/main" id="{5F65EC0B-60BC-8AD9-7C72-6224BFA30E62}"/>
+              </a:ext>
+            </a:extLst>
+          </p:cNvPr>
+          <p:cNvSpPr/>
+          <p:nvPr/>
+        </p:nvSpPr>
+        <p:spPr>
+          <a:xfrm>
+            <a:off x="7937500" y="6421025"/>
             <a:ext cx="127000" cy="127000"/>
           </a:xfrm>
           <a:prstGeom prst="ellipse">
@@ -11119,7 +11839,7 @@
 </p:sld>
 </file>
 
-<file path=ppt/slides/slide15.xml><?xml version="1.0" encoding="utf-8"?>
+<file path=ppt/slides/slide16.xml><?xml version="1.0" encoding="utf-8"?>
 <p:sld xmlns:a="http://schemas.openxmlformats.org/drawingml/2006/main" xmlns:r="http://schemas.openxmlformats.org/officeDocument/2006/relationships" xmlns:p="http://schemas.openxmlformats.org/presentationml/2006/main">
   <p:cSld>
     <p:spTree>
@@ -11277,7 +11997,7 @@
                 <a:tabLst/>
                 <a:defRPr/>
               </a:pPr>
-              <a:t>15</a:t>
+              <a:t>16</a:t>
             </a:fld>
             <a:endParaRPr kumimoji="0" lang="es-PE" sz="1300" b="0" i="0" u="none" strike="noStrike" kern="1200" cap="none" spc="0" normalizeH="0" baseline="0" noProof="0" dirty="0">
               <a:ln>
@@ -11311,14 +12031,14 @@
           <p:nvPr>
             <p:extLst>
               <p:ext uri="{D42A27DB-BD31-4B8C-83A1-F6EECF244321}">
-                <p14:modId xmlns:p14="http://schemas.microsoft.com/office/powerpoint/2010/main" val="1678093633"/>
+                <p14:modId xmlns:p14="http://schemas.microsoft.com/office/powerpoint/2010/main" val="3058460503"/>
               </p:ext>
             </p:extLst>
           </p:nvPr>
         </p:nvGraphicFramePr>
         <p:xfrm>
-          <a:off x="838200" y="1771651"/>
-          <a:ext cx="10515600" cy="4663440"/>
+          <a:off x="422910" y="1851661"/>
+          <a:ext cx="11487149" cy="4206240"/>
         </p:xfrm>
         <a:graphic>
           <a:graphicData uri="http://schemas.openxmlformats.org/drawingml/2006/table">
@@ -11327,21 +12047,21 @@
                 <a:tableStyleId>{2D5ABB26-0587-4C30-8999-92F81FD0307C}</a:tableStyleId>
               </a:tblPr>
               <a:tblGrid>
-                <a:gridCol w="1333500">
+                <a:gridCol w="1294385">
                   <a:extLst>
                     <a:ext uri="{9D8B030D-6E8A-4147-A177-3AD203B41FA5}">
                       <a16:colId xmlns:a16="http://schemas.microsoft.com/office/drawing/2014/main" val="3792707882"/>
                     </a:ext>
                   </a:extLst>
                 </a:gridCol>
-                <a:gridCol w="4279900">
+                <a:gridCol w="4544915">
                   <a:extLst>
                     <a:ext uri="{9D8B030D-6E8A-4147-A177-3AD203B41FA5}">
                       <a16:colId xmlns:a16="http://schemas.microsoft.com/office/drawing/2014/main" val="696775669"/>
                     </a:ext>
                   </a:extLst>
                 </a:gridCol>
-                <a:gridCol w="4902200">
+                <a:gridCol w="5647849">
                   <a:extLst>
                     <a:ext uri="{9D8B030D-6E8A-4147-A177-3AD203B41FA5}">
                       <a16:colId xmlns:a16="http://schemas.microsoft.com/office/drawing/2014/main" val="3950212840"/>
@@ -11385,7 +12105,7 @@
                       </a:endParaRPr>
                     </a:p>
                   </a:txBody>
-                  <a:tcPr marL="137160" marR="137160" marT="137160" marB="137160" anchor="ctr">
+                  <a:tcPr anchor="ctr">
                     <a:lnL w="6350" cap="flat" cmpd="sng" algn="ctr">
                       <a:solidFill>
                         <a:schemeClr val="bg1">
@@ -11462,7 +12182,7 @@
                       </a:endParaRPr>
                     </a:p>
                   </a:txBody>
-                  <a:tcPr marL="137160" marR="137160" marT="137160" marB="137160" anchor="ctr">
+                  <a:tcPr anchor="ctr">
                     <a:lnL w="6350" cap="flat" cmpd="sng" algn="ctr">
                       <a:solidFill>
                         <a:schemeClr val="bg1">
@@ -11539,7 +12259,7 @@
                       </a:endParaRPr>
                     </a:p>
                   </a:txBody>
-                  <a:tcPr marL="137160" marR="137160" marT="137160" marB="137160" anchor="ctr">
+                  <a:tcPr anchor="ctr">
                     <a:lnL w="6350" cap="flat" cmpd="sng" algn="ctr">
                       <a:solidFill>
                         <a:schemeClr val="bg1">
@@ -11627,7 +12347,7 @@
                       </a:r>
                     </a:p>
                   </a:txBody>
-                  <a:tcPr marL="137160" marR="137160" marT="137160" marB="137160" anchor="ctr">
+                  <a:tcPr anchor="ctr">
                     <a:lnL w="6350" cap="flat" cmpd="sng" algn="ctr">
                       <a:solidFill>
                         <a:schemeClr val="bg1">
@@ -11710,7 +12430,7 @@
                       </a:r>
                     </a:p>
                   </a:txBody>
-                  <a:tcPr marL="137160" marR="137160" marT="137160" marB="137160" anchor="ctr">
+                  <a:tcPr anchor="ctr">
                     <a:lnL w="6350" cap="flat" cmpd="sng" algn="ctr">
                       <a:solidFill>
                         <a:schemeClr val="bg1">
@@ -11770,7 +12490,7 @@
                           </a:solidFill>
                           <a:effectLst/>
                         </a:rPr>
-                        <a:t>Verdadero, Los puestos más bajos pertenecen a personas con mayor instrucción, y los más bajos a menor instrucción. Sin embargo, la relación es media.</a:t>
+                        <a:t>Verdadero, Los puestos más bajos pertenecen a personas con mayor instrucción, y los más bajos a menor instrucción. Sin embargo, la relación es media y el 65.7% de la población son bachilleres de Junior a Senior.</a:t>
                       </a:r>
                       <a:endParaRPr lang="es-PE" sz="1800" b="0" i="0" u="none" strike="noStrike" dirty="0">
                         <a:solidFill>
@@ -11781,7 +12501,7 @@
                       </a:endParaRPr>
                     </a:p>
                   </a:txBody>
-                  <a:tcPr marL="137160" marR="137160" marT="137160" marB="137160" anchor="ctr">
+                  <a:tcPr anchor="ctr">
                     <a:lnL w="6350" cap="flat" cmpd="sng" algn="ctr">
                       <a:solidFill>
                         <a:schemeClr val="bg1">
@@ -11850,7 +12570,7 @@
                       </a:r>
                     </a:p>
                   </a:txBody>
-                  <a:tcPr marL="137160" marR="137160" marT="137160" marB="137160" anchor="ctr">
+                  <a:tcPr anchor="ctr">
                     <a:lnL w="6350" cap="flat" cmpd="sng" algn="ctr">
                       <a:solidFill>
                         <a:schemeClr val="bg1">
@@ -11908,11 +12628,11 @@
                       </a:pPr>
                       <a:r>
                         <a:rPr lang="es-PE" sz="1800" dirty="0"/>
-                        <a:t>Por políticas de igualdad de género, la diferencia entre el nivel de satisfacción entre hombres y mujeres debe ser menor a 5%. </a:t>
+                        <a:t>Por políticas de igualdad de género, la diferencia entre el nivel de satisfacción entre hombres y mujeres debe ser menor a 0.5 puntos. </a:t>
                       </a:r>
                     </a:p>
                   </a:txBody>
-                  <a:tcPr marL="137160" marR="137160" marT="137160" marB="137160" anchor="ctr">
+                  <a:tcPr anchor="ctr">
                     <a:lnL w="6350" cap="flat" cmpd="sng" algn="ctr">
                       <a:solidFill>
                         <a:schemeClr val="bg1">
@@ -11972,11 +12692,11 @@
                           </a:solidFill>
                           <a:effectLst/>
                         </a:rPr>
-                        <a:t>Verdadero, la satisfacción era independiente al genero.</a:t>
+                        <a:t>Verdadero, la satisfacción era independiente al genero y la diferencia máxima es de 0.053 puntos.</a:t>
                       </a:r>
                     </a:p>
                   </a:txBody>
-                  <a:tcPr marL="137160" marR="137160" marT="137160" marB="137160" anchor="ctr">
+                  <a:tcPr anchor="ctr">
                     <a:lnL w="6350" cap="flat" cmpd="sng" algn="ctr">
                       <a:solidFill>
                         <a:schemeClr val="bg1">
@@ -12045,7 +12765,7 @@
                       </a:r>
                     </a:p>
                   </a:txBody>
-                  <a:tcPr marL="137160" marR="137160" marT="137160" marB="137160" anchor="ctr">
+                  <a:tcPr anchor="ctr">
                     <a:lnL w="6350" cap="flat" cmpd="sng" algn="ctr">
                       <a:solidFill>
                         <a:schemeClr val="bg1">
@@ -12123,7 +12843,7 @@
                       </a:r>
                     </a:p>
                   </a:txBody>
-                  <a:tcPr marL="137160" marR="137160" marT="137160" marB="137160" anchor="ctr">
+                  <a:tcPr anchor="ctr">
                     <a:lnL w="6350" cap="flat" cmpd="sng" algn="ctr">
                       <a:solidFill>
                         <a:schemeClr val="bg1">
@@ -12230,7 +12950,7 @@
                       </a:endParaRPr>
                     </a:p>
                   </a:txBody>
-                  <a:tcPr marL="137160" marR="137160" marT="137160" marB="137160" anchor="ctr">
+                  <a:tcPr anchor="ctr">
                     <a:lnL w="6350" cap="flat" cmpd="sng" algn="ctr">
                       <a:solidFill>
                         <a:schemeClr val="bg1">
@@ -12292,7 +13012,7 @@
           <p:cNvPr id="5" name="ProgressDot">
             <a:extLst>
               <a:ext uri="{FF2B5EF4-FFF2-40B4-BE49-F238E27FC236}">
-                <a16:creationId xmlns:a16="http://schemas.microsoft.com/office/drawing/2014/main" id="{6172CF42-78BC-FE14-281F-0A09D36E8083}"/>
+                <a16:creationId xmlns:a16="http://schemas.microsoft.com/office/drawing/2014/main" id="{5FA2F8AD-CCEB-7534-3273-68F01767C033}"/>
               </a:ext>
             </a:extLst>
           </p:cNvPr>
@@ -12301,7 +13021,7 @@
         </p:nvSpPr>
         <p:spPr>
           <a:xfrm>
-            <a:off x="4254500" y="6421025"/>
+            <a:off x="4127500" y="6421025"/>
             <a:ext cx="127000" cy="127000"/>
           </a:xfrm>
           <a:prstGeom prst="ellipse">
@@ -12346,7 +13066,7 @@
           <p:cNvPr id="6" name="ProgressDot">
             <a:extLst>
               <a:ext uri="{FF2B5EF4-FFF2-40B4-BE49-F238E27FC236}">
-                <a16:creationId xmlns:a16="http://schemas.microsoft.com/office/drawing/2014/main" id="{55DD410B-CB19-9C90-56F8-0BDE452FA8A3}"/>
+                <a16:creationId xmlns:a16="http://schemas.microsoft.com/office/drawing/2014/main" id="{4A70C256-28A7-66C8-4866-65128F6C0305}"/>
               </a:ext>
             </a:extLst>
           </p:cNvPr>
@@ -12355,7 +13075,7 @@
         </p:nvSpPr>
         <p:spPr>
           <a:xfrm>
-            <a:off x="4508500" y="6421025"/>
+            <a:off x="4381500" y="6421025"/>
             <a:ext cx="127000" cy="127000"/>
           </a:xfrm>
           <a:prstGeom prst="ellipse">
@@ -12400,7 +13120,7 @@
           <p:cNvPr id="7" name="ProgressDot">
             <a:extLst>
               <a:ext uri="{FF2B5EF4-FFF2-40B4-BE49-F238E27FC236}">
-                <a16:creationId xmlns:a16="http://schemas.microsoft.com/office/drawing/2014/main" id="{B411421D-778C-058F-CE2D-BABDD2E13C6B}"/>
+                <a16:creationId xmlns:a16="http://schemas.microsoft.com/office/drawing/2014/main" id="{8A65B4DA-F18C-2C37-B7D4-173940C89045}"/>
               </a:ext>
             </a:extLst>
           </p:cNvPr>
@@ -12409,7 +13129,7 @@
         </p:nvSpPr>
         <p:spPr>
           <a:xfrm>
-            <a:off x="4762500" y="6421025"/>
+            <a:off x="4635500" y="6421025"/>
             <a:ext cx="127000" cy="127000"/>
           </a:xfrm>
           <a:prstGeom prst="ellipse">
@@ -12454,7 +13174,7 @@
           <p:cNvPr id="8" name="ProgressDot">
             <a:extLst>
               <a:ext uri="{FF2B5EF4-FFF2-40B4-BE49-F238E27FC236}">
-                <a16:creationId xmlns:a16="http://schemas.microsoft.com/office/drawing/2014/main" id="{B89B1D1F-6DC5-1BC1-D72E-5153A48D8CFF}"/>
+                <a16:creationId xmlns:a16="http://schemas.microsoft.com/office/drawing/2014/main" id="{97295E45-A97D-2BD3-D7DF-77F68EACCF0A}"/>
               </a:ext>
             </a:extLst>
           </p:cNvPr>
@@ -12463,7 +13183,7 @@
         </p:nvSpPr>
         <p:spPr>
           <a:xfrm>
-            <a:off x="5016500" y="6421025"/>
+            <a:off x="4889500" y="6421025"/>
             <a:ext cx="127000" cy="127000"/>
           </a:xfrm>
           <a:prstGeom prst="ellipse">
@@ -12508,7 +13228,7 @@
           <p:cNvPr id="9" name="ProgressDot">
             <a:extLst>
               <a:ext uri="{FF2B5EF4-FFF2-40B4-BE49-F238E27FC236}">
-                <a16:creationId xmlns:a16="http://schemas.microsoft.com/office/drawing/2014/main" id="{3E1BD0FE-3E98-BFC2-9EE6-6374FAA04F18}"/>
+                <a16:creationId xmlns:a16="http://schemas.microsoft.com/office/drawing/2014/main" id="{D72FBB7F-CD5E-3D8E-F120-AEC1B6501381}"/>
               </a:ext>
             </a:extLst>
           </p:cNvPr>
@@ -12517,7 +13237,7 @@
         </p:nvSpPr>
         <p:spPr>
           <a:xfrm>
-            <a:off x="5270500" y="6421025"/>
+            <a:off x="5143500" y="6421025"/>
             <a:ext cx="127000" cy="127000"/>
           </a:xfrm>
           <a:prstGeom prst="ellipse">
@@ -12559,10 +13279,10 @@
       </p:sp>
       <p:sp>
         <p:nvSpPr>
-          <p:cNvPr id="12" name="ProgressDot">
-            <a:extLst>
-              <a:ext uri="{FF2B5EF4-FFF2-40B4-BE49-F238E27FC236}">
-                <a16:creationId xmlns:a16="http://schemas.microsoft.com/office/drawing/2014/main" id="{2F1B3BBB-DAD9-D53D-A58C-71A3135FC726}"/>
+          <p:cNvPr id="11" name="ProgressDot">
+            <a:extLst>
+              <a:ext uri="{FF2B5EF4-FFF2-40B4-BE49-F238E27FC236}">
+                <a16:creationId xmlns:a16="http://schemas.microsoft.com/office/drawing/2014/main" id="{0FF88337-276E-5765-C3A3-CD6C9D3A2EEA}"/>
               </a:ext>
             </a:extLst>
           </p:cNvPr>
@@ -12571,7 +13291,7 @@
         </p:nvSpPr>
         <p:spPr>
           <a:xfrm>
-            <a:off x="5524500" y="6421025"/>
+            <a:off x="5397500" y="6421025"/>
             <a:ext cx="127000" cy="127000"/>
           </a:xfrm>
           <a:prstGeom prst="ellipse">
@@ -12613,10 +13333,10 @@
       </p:sp>
       <p:sp>
         <p:nvSpPr>
-          <p:cNvPr id="13" name="ProgressDot">
-            <a:extLst>
-              <a:ext uri="{FF2B5EF4-FFF2-40B4-BE49-F238E27FC236}">
-                <a16:creationId xmlns:a16="http://schemas.microsoft.com/office/drawing/2014/main" id="{17975D40-7C27-E587-11B8-7692A4BD6039}"/>
+          <p:cNvPr id="12" name="ProgressDot">
+            <a:extLst>
+              <a:ext uri="{FF2B5EF4-FFF2-40B4-BE49-F238E27FC236}">
+                <a16:creationId xmlns:a16="http://schemas.microsoft.com/office/drawing/2014/main" id="{9D47799E-CC36-0E19-FD34-7DAECD79B547}"/>
               </a:ext>
             </a:extLst>
           </p:cNvPr>
@@ -12625,7 +13345,7 @@
         </p:nvSpPr>
         <p:spPr>
           <a:xfrm>
-            <a:off x="5778500" y="6421025"/>
+            <a:off x="5651500" y="6421025"/>
             <a:ext cx="127000" cy="127000"/>
           </a:xfrm>
           <a:prstGeom prst="ellipse">
@@ -12667,10 +13387,10 @@
       </p:sp>
       <p:sp>
         <p:nvSpPr>
-          <p:cNvPr id="14" name="ProgressDot">
-            <a:extLst>
-              <a:ext uri="{FF2B5EF4-FFF2-40B4-BE49-F238E27FC236}">
-                <a16:creationId xmlns:a16="http://schemas.microsoft.com/office/drawing/2014/main" id="{C3D8483C-DD80-5948-B098-A2B7A6350821}"/>
+          <p:cNvPr id="13" name="ProgressDot">
+            <a:extLst>
+              <a:ext uri="{FF2B5EF4-FFF2-40B4-BE49-F238E27FC236}">
+                <a16:creationId xmlns:a16="http://schemas.microsoft.com/office/drawing/2014/main" id="{E86D764C-007D-02F6-419B-B9E250A4084B}"/>
               </a:ext>
             </a:extLst>
           </p:cNvPr>
@@ -12679,7 +13399,7 @@
         </p:nvSpPr>
         <p:spPr>
           <a:xfrm>
-            <a:off x="6032500" y="6421025"/>
+            <a:off x="5905500" y="6421025"/>
             <a:ext cx="127000" cy="127000"/>
           </a:xfrm>
           <a:prstGeom prst="ellipse">
@@ -12721,10 +13441,10 @@
       </p:sp>
       <p:sp>
         <p:nvSpPr>
-          <p:cNvPr id="15" name="ProgressDot">
-            <a:extLst>
-              <a:ext uri="{FF2B5EF4-FFF2-40B4-BE49-F238E27FC236}">
-                <a16:creationId xmlns:a16="http://schemas.microsoft.com/office/drawing/2014/main" id="{239B0ACB-C383-DB47-96AE-FFD630BF667D}"/>
+          <p:cNvPr id="14" name="ProgressDot">
+            <a:extLst>
+              <a:ext uri="{FF2B5EF4-FFF2-40B4-BE49-F238E27FC236}">
+                <a16:creationId xmlns:a16="http://schemas.microsoft.com/office/drawing/2014/main" id="{B9B25D27-2F77-D95C-B45C-405F860941A4}"/>
               </a:ext>
             </a:extLst>
           </p:cNvPr>
@@ -12733,7 +13453,7 @@
         </p:nvSpPr>
         <p:spPr>
           <a:xfrm>
-            <a:off x="6286500" y="6421025"/>
+            <a:off x="6159500" y="6421025"/>
             <a:ext cx="127000" cy="127000"/>
           </a:xfrm>
           <a:prstGeom prst="ellipse">
@@ -12775,10 +13495,10 @@
       </p:sp>
       <p:sp>
         <p:nvSpPr>
-          <p:cNvPr id="16" name="ProgressDot">
-            <a:extLst>
-              <a:ext uri="{FF2B5EF4-FFF2-40B4-BE49-F238E27FC236}">
-                <a16:creationId xmlns:a16="http://schemas.microsoft.com/office/drawing/2014/main" id="{49FC8D0D-544F-5268-CAC1-EEDAD50F45E8}"/>
+          <p:cNvPr id="15" name="ProgressDot">
+            <a:extLst>
+              <a:ext uri="{FF2B5EF4-FFF2-40B4-BE49-F238E27FC236}">
+                <a16:creationId xmlns:a16="http://schemas.microsoft.com/office/drawing/2014/main" id="{3A8154CC-2E10-2D59-5632-656055EA4665}"/>
               </a:ext>
             </a:extLst>
           </p:cNvPr>
@@ -12787,7 +13507,7 @@
         </p:nvSpPr>
         <p:spPr>
           <a:xfrm>
-            <a:off x="6540500" y="6421025"/>
+            <a:off x="6413500" y="6421025"/>
             <a:ext cx="127000" cy="127000"/>
           </a:xfrm>
           <a:prstGeom prst="ellipse">
@@ -12829,10 +13549,10 @@
       </p:sp>
       <p:sp>
         <p:nvSpPr>
-          <p:cNvPr id="17" name="ProgressDot">
-            <a:extLst>
-              <a:ext uri="{FF2B5EF4-FFF2-40B4-BE49-F238E27FC236}">
-                <a16:creationId xmlns:a16="http://schemas.microsoft.com/office/drawing/2014/main" id="{BEBE6D31-0B8D-D514-CC45-44B2BA0857D1}"/>
+          <p:cNvPr id="16" name="ProgressDot">
+            <a:extLst>
+              <a:ext uri="{FF2B5EF4-FFF2-40B4-BE49-F238E27FC236}">
+                <a16:creationId xmlns:a16="http://schemas.microsoft.com/office/drawing/2014/main" id="{A9FBF96F-F7B1-9D83-42AA-707A3B31C7B0}"/>
               </a:ext>
             </a:extLst>
           </p:cNvPr>
@@ -12841,7 +13561,7 @@
         </p:nvSpPr>
         <p:spPr>
           <a:xfrm>
-            <a:off x="6794500" y="6421025"/>
+            <a:off x="6667500" y="6421025"/>
             <a:ext cx="127000" cy="127000"/>
           </a:xfrm>
           <a:prstGeom prst="ellipse">
@@ -12883,10 +13603,10 @@
       </p:sp>
       <p:sp>
         <p:nvSpPr>
-          <p:cNvPr id="18" name="ProgressDot">
-            <a:extLst>
-              <a:ext uri="{FF2B5EF4-FFF2-40B4-BE49-F238E27FC236}">
-                <a16:creationId xmlns:a16="http://schemas.microsoft.com/office/drawing/2014/main" id="{C74941F7-6555-8306-1E48-FF6AD45F5DF0}"/>
+          <p:cNvPr id="17" name="ProgressDot">
+            <a:extLst>
+              <a:ext uri="{FF2B5EF4-FFF2-40B4-BE49-F238E27FC236}">
+                <a16:creationId xmlns:a16="http://schemas.microsoft.com/office/drawing/2014/main" id="{D054A3F0-2DEF-A59B-2B83-1BA042EC7E66}"/>
               </a:ext>
             </a:extLst>
           </p:cNvPr>
@@ -12895,7 +13615,7 @@
         </p:nvSpPr>
         <p:spPr>
           <a:xfrm>
-            <a:off x="7048500" y="6421025"/>
+            <a:off x="6921500" y="6421025"/>
             <a:ext cx="127000" cy="127000"/>
           </a:xfrm>
           <a:prstGeom prst="ellipse">
@@ -12937,10 +13657,10 @@
       </p:sp>
       <p:sp>
         <p:nvSpPr>
-          <p:cNvPr id="19" name="ProgressDot">
-            <a:extLst>
-              <a:ext uri="{FF2B5EF4-FFF2-40B4-BE49-F238E27FC236}">
-                <a16:creationId xmlns:a16="http://schemas.microsoft.com/office/drawing/2014/main" id="{F62E3D8D-B87D-3948-875A-94FD0E3DDD6B}"/>
+          <p:cNvPr id="18" name="ProgressDot">
+            <a:extLst>
+              <a:ext uri="{FF2B5EF4-FFF2-40B4-BE49-F238E27FC236}">
+                <a16:creationId xmlns:a16="http://schemas.microsoft.com/office/drawing/2014/main" id="{9F121BFF-9961-83D8-23B8-BE9929819DC9}"/>
               </a:ext>
             </a:extLst>
           </p:cNvPr>
@@ -12949,7 +13669,7 @@
         </p:nvSpPr>
         <p:spPr>
           <a:xfrm>
-            <a:off x="7302500" y="6421025"/>
+            <a:off x="7175500" y="6421025"/>
             <a:ext cx="127000" cy="127000"/>
           </a:xfrm>
           <a:prstGeom prst="ellipse">
@@ -12991,10 +13711,10 @@
       </p:sp>
       <p:sp>
         <p:nvSpPr>
-          <p:cNvPr id="20" name="ProgressDot">
-            <a:extLst>
-              <a:ext uri="{FF2B5EF4-FFF2-40B4-BE49-F238E27FC236}">
-                <a16:creationId xmlns:a16="http://schemas.microsoft.com/office/drawing/2014/main" id="{DF8D262A-C89F-479C-67FD-6322C2E0FF95}"/>
+          <p:cNvPr id="19" name="ProgressDot">
+            <a:extLst>
+              <a:ext uri="{FF2B5EF4-FFF2-40B4-BE49-F238E27FC236}">
+                <a16:creationId xmlns:a16="http://schemas.microsoft.com/office/drawing/2014/main" id="{3512EAFE-E743-3D98-CC20-8579A422D5CC}"/>
               </a:ext>
             </a:extLst>
           </p:cNvPr>
@@ -13003,7 +13723,7 @@
         </p:nvSpPr>
         <p:spPr>
           <a:xfrm>
-            <a:off x="7556500" y="6421025"/>
+            <a:off x="7429500" y="6421025"/>
             <a:ext cx="127000" cy="127000"/>
           </a:xfrm>
           <a:prstGeom prst="ellipse">
@@ -13045,10 +13765,10 @@
       </p:sp>
       <p:sp>
         <p:nvSpPr>
-          <p:cNvPr id="21" name="ProgressDot">
-            <a:extLst>
-              <a:ext uri="{FF2B5EF4-FFF2-40B4-BE49-F238E27FC236}">
-                <a16:creationId xmlns:a16="http://schemas.microsoft.com/office/drawing/2014/main" id="{83AC6032-79EC-3E7E-CC62-C9DBD943EF2B}"/>
+          <p:cNvPr id="20" name="ProgressDot">
+            <a:extLst>
+              <a:ext uri="{FF2B5EF4-FFF2-40B4-BE49-F238E27FC236}">
+                <a16:creationId xmlns:a16="http://schemas.microsoft.com/office/drawing/2014/main" id="{EEF10F35-D68C-9247-FE66-3CFB73D2D19C}"/>
               </a:ext>
             </a:extLst>
           </p:cNvPr>
@@ -13057,7 +13777,7 @@
         </p:nvSpPr>
         <p:spPr>
           <a:xfrm>
-            <a:off x="7810500" y="6421025"/>
+            <a:off x="7683500" y="6421025"/>
             <a:ext cx="127000" cy="127000"/>
           </a:xfrm>
           <a:prstGeom prst="ellipse">
@@ -13097,6 +13817,60 @@
           </a:p>
         </p:txBody>
       </p:sp>
+      <p:sp>
+        <p:nvSpPr>
+          <p:cNvPr id="21" name="ProgressDot">
+            <a:extLst>
+              <a:ext uri="{FF2B5EF4-FFF2-40B4-BE49-F238E27FC236}">
+                <a16:creationId xmlns:a16="http://schemas.microsoft.com/office/drawing/2014/main" id="{70901700-608E-AB1E-7445-60E40120F90A}"/>
+              </a:ext>
+            </a:extLst>
+          </p:cNvPr>
+          <p:cNvSpPr/>
+          <p:nvPr/>
+        </p:nvSpPr>
+        <p:spPr>
+          <a:xfrm>
+            <a:off x="7937500" y="6421025"/>
+            <a:ext cx="127000" cy="127000"/>
+          </a:xfrm>
+          <a:prstGeom prst="ellipse">
+            <a:avLst/>
+          </a:prstGeom>
+          <a:solidFill>
+            <a:srgbClr val="000000"/>
+          </a:solidFill>
+          <a:ln w="9000">
+            <a:solidFill>
+              <a:srgbClr val="FFFFFF"/>
+            </a:solidFill>
+          </a:ln>
+        </p:spPr>
+        <p:style>
+          <a:lnRef idx="2">
+            <a:schemeClr val="accent1">
+              <a:shade val="15000"/>
+            </a:schemeClr>
+          </a:lnRef>
+          <a:fillRef idx="1">
+            <a:schemeClr val="accent1"/>
+          </a:fillRef>
+          <a:effectRef idx="0">
+            <a:schemeClr val="accent1"/>
+          </a:effectRef>
+          <a:fontRef idx="minor">
+            <a:schemeClr val="lt1"/>
+          </a:fontRef>
+        </p:style>
+        <p:txBody>
+          <a:bodyPr rtlCol="0" anchor="ctr"/>
+          <a:lstStyle/>
+          <a:p>
+            <a:pPr algn="ctr"/>
+            <a:endParaRPr lang="es-PE"/>
+          </a:p>
+        </p:txBody>
+      </p:sp>
     </p:spTree>
     <p:extLst>
       <p:ext uri="{BB962C8B-B14F-4D97-AF65-F5344CB8AC3E}">
@@ -13110,7 +13884,7 @@
 </p:sld>
 </file>
 
-<file path=ppt/slides/slide16.xml><?xml version="1.0" encoding="utf-8"?>
+<file path=ppt/slides/slide17.xml><?xml version="1.0" encoding="utf-8"?>
 <p:sld xmlns:a="http://schemas.openxmlformats.org/drawingml/2006/main" xmlns:r="http://schemas.openxmlformats.org/officeDocument/2006/relationships" xmlns:p="http://schemas.openxmlformats.org/presentationml/2006/main">
   <p:cSld>
     <p:bg>
@@ -13541,816 +14315,6 @@
           </a:extLst>
         </p:spPr>
       </p:pic>
-      <p:sp>
-        <p:nvSpPr>
-          <p:cNvPr id="2" name="ProgressDot">
-            <a:extLst>
-              <a:ext uri="{FF2B5EF4-FFF2-40B4-BE49-F238E27FC236}">
-                <a16:creationId xmlns:a16="http://schemas.microsoft.com/office/drawing/2014/main" id="{CD103EB2-7EB1-20A7-20E3-D3920AB46D3F}"/>
-              </a:ext>
-            </a:extLst>
-          </p:cNvPr>
-          <p:cNvSpPr/>
-          <p:nvPr/>
-        </p:nvSpPr>
-        <p:spPr>
-          <a:xfrm>
-            <a:off x="4254500" y="6421025"/>
-            <a:ext cx="127000" cy="127000"/>
-          </a:xfrm>
-          <a:prstGeom prst="ellipse">
-            <a:avLst/>
-          </a:prstGeom>
-          <a:solidFill>
-            <a:srgbClr val="000000"/>
-          </a:solidFill>
-          <a:ln w="9000">
-            <a:solidFill>
-              <a:srgbClr val="FFFFFF"/>
-            </a:solidFill>
-          </a:ln>
-        </p:spPr>
-        <p:style>
-          <a:lnRef idx="2">
-            <a:schemeClr val="accent1">
-              <a:shade val="15000"/>
-            </a:schemeClr>
-          </a:lnRef>
-          <a:fillRef idx="1">
-            <a:schemeClr val="accent1"/>
-          </a:fillRef>
-          <a:effectRef idx="0">
-            <a:schemeClr val="accent1"/>
-          </a:effectRef>
-          <a:fontRef idx="minor">
-            <a:schemeClr val="lt1"/>
-          </a:fontRef>
-        </p:style>
-        <p:txBody>
-          <a:bodyPr rtlCol="0" anchor="ctr"/>
-          <a:lstStyle/>
-          <a:p>
-            <a:pPr algn="ctr"/>
-            <a:endParaRPr lang="es-PE"/>
-          </a:p>
-        </p:txBody>
-      </p:sp>
-      <p:sp>
-        <p:nvSpPr>
-          <p:cNvPr id="5" name="ProgressDot">
-            <a:extLst>
-              <a:ext uri="{FF2B5EF4-FFF2-40B4-BE49-F238E27FC236}">
-                <a16:creationId xmlns:a16="http://schemas.microsoft.com/office/drawing/2014/main" id="{61C47C78-4E74-BB09-E82E-D76CDE9B4864}"/>
-              </a:ext>
-            </a:extLst>
-          </p:cNvPr>
-          <p:cNvSpPr/>
-          <p:nvPr/>
-        </p:nvSpPr>
-        <p:spPr>
-          <a:xfrm>
-            <a:off x="4508500" y="6421025"/>
-            <a:ext cx="127000" cy="127000"/>
-          </a:xfrm>
-          <a:prstGeom prst="ellipse">
-            <a:avLst/>
-          </a:prstGeom>
-          <a:solidFill>
-            <a:srgbClr val="000000"/>
-          </a:solidFill>
-          <a:ln w="9000">
-            <a:solidFill>
-              <a:srgbClr val="FFFFFF"/>
-            </a:solidFill>
-          </a:ln>
-        </p:spPr>
-        <p:style>
-          <a:lnRef idx="2">
-            <a:schemeClr val="accent1">
-              <a:shade val="15000"/>
-            </a:schemeClr>
-          </a:lnRef>
-          <a:fillRef idx="1">
-            <a:schemeClr val="accent1"/>
-          </a:fillRef>
-          <a:effectRef idx="0">
-            <a:schemeClr val="accent1"/>
-          </a:effectRef>
-          <a:fontRef idx="minor">
-            <a:schemeClr val="lt1"/>
-          </a:fontRef>
-        </p:style>
-        <p:txBody>
-          <a:bodyPr rtlCol="0" anchor="ctr"/>
-          <a:lstStyle/>
-          <a:p>
-            <a:pPr algn="ctr"/>
-            <a:endParaRPr lang="es-PE"/>
-          </a:p>
-        </p:txBody>
-      </p:sp>
-      <p:sp>
-        <p:nvSpPr>
-          <p:cNvPr id="6" name="ProgressDot">
-            <a:extLst>
-              <a:ext uri="{FF2B5EF4-FFF2-40B4-BE49-F238E27FC236}">
-                <a16:creationId xmlns:a16="http://schemas.microsoft.com/office/drawing/2014/main" id="{3B23C55E-913F-F82E-8549-341A1FCD4D6E}"/>
-              </a:ext>
-            </a:extLst>
-          </p:cNvPr>
-          <p:cNvSpPr/>
-          <p:nvPr/>
-        </p:nvSpPr>
-        <p:spPr>
-          <a:xfrm>
-            <a:off x="4762500" y="6421025"/>
-            <a:ext cx="127000" cy="127000"/>
-          </a:xfrm>
-          <a:prstGeom prst="ellipse">
-            <a:avLst/>
-          </a:prstGeom>
-          <a:solidFill>
-            <a:srgbClr val="000000"/>
-          </a:solidFill>
-          <a:ln w="9000">
-            <a:solidFill>
-              <a:srgbClr val="FFFFFF"/>
-            </a:solidFill>
-          </a:ln>
-        </p:spPr>
-        <p:style>
-          <a:lnRef idx="2">
-            <a:schemeClr val="accent1">
-              <a:shade val="15000"/>
-            </a:schemeClr>
-          </a:lnRef>
-          <a:fillRef idx="1">
-            <a:schemeClr val="accent1"/>
-          </a:fillRef>
-          <a:effectRef idx="0">
-            <a:schemeClr val="accent1"/>
-          </a:effectRef>
-          <a:fontRef idx="minor">
-            <a:schemeClr val="lt1"/>
-          </a:fontRef>
-        </p:style>
-        <p:txBody>
-          <a:bodyPr rtlCol="0" anchor="ctr"/>
-          <a:lstStyle/>
-          <a:p>
-            <a:pPr algn="ctr"/>
-            <a:endParaRPr lang="es-PE"/>
-          </a:p>
-        </p:txBody>
-      </p:sp>
-      <p:sp>
-        <p:nvSpPr>
-          <p:cNvPr id="7" name="ProgressDot">
-            <a:extLst>
-              <a:ext uri="{FF2B5EF4-FFF2-40B4-BE49-F238E27FC236}">
-                <a16:creationId xmlns:a16="http://schemas.microsoft.com/office/drawing/2014/main" id="{4A95428C-959E-BE39-8B66-5660E1482C9F}"/>
-              </a:ext>
-            </a:extLst>
-          </p:cNvPr>
-          <p:cNvSpPr/>
-          <p:nvPr/>
-        </p:nvSpPr>
-        <p:spPr>
-          <a:xfrm>
-            <a:off x="5016500" y="6421025"/>
-            <a:ext cx="127000" cy="127000"/>
-          </a:xfrm>
-          <a:prstGeom prst="ellipse">
-            <a:avLst/>
-          </a:prstGeom>
-          <a:solidFill>
-            <a:srgbClr val="000000"/>
-          </a:solidFill>
-          <a:ln w="9000">
-            <a:solidFill>
-              <a:srgbClr val="FFFFFF"/>
-            </a:solidFill>
-          </a:ln>
-        </p:spPr>
-        <p:style>
-          <a:lnRef idx="2">
-            <a:schemeClr val="accent1">
-              <a:shade val="15000"/>
-            </a:schemeClr>
-          </a:lnRef>
-          <a:fillRef idx="1">
-            <a:schemeClr val="accent1"/>
-          </a:fillRef>
-          <a:effectRef idx="0">
-            <a:schemeClr val="accent1"/>
-          </a:effectRef>
-          <a:fontRef idx="minor">
-            <a:schemeClr val="lt1"/>
-          </a:fontRef>
-        </p:style>
-        <p:txBody>
-          <a:bodyPr rtlCol="0" anchor="ctr"/>
-          <a:lstStyle/>
-          <a:p>
-            <a:pPr algn="ctr"/>
-            <a:endParaRPr lang="es-PE"/>
-          </a:p>
-        </p:txBody>
-      </p:sp>
-      <p:sp>
-        <p:nvSpPr>
-          <p:cNvPr id="8" name="ProgressDot">
-            <a:extLst>
-              <a:ext uri="{FF2B5EF4-FFF2-40B4-BE49-F238E27FC236}">
-                <a16:creationId xmlns:a16="http://schemas.microsoft.com/office/drawing/2014/main" id="{3DA3B064-47C7-6A9F-EC33-6373CB2D938A}"/>
-              </a:ext>
-            </a:extLst>
-          </p:cNvPr>
-          <p:cNvSpPr/>
-          <p:nvPr/>
-        </p:nvSpPr>
-        <p:spPr>
-          <a:xfrm>
-            <a:off x="5270500" y="6421025"/>
-            <a:ext cx="127000" cy="127000"/>
-          </a:xfrm>
-          <a:prstGeom prst="ellipse">
-            <a:avLst/>
-          </a:prstGeom>
-          <a:solidFill>
-            <a:srgbClr val="000000"/>
-          </a:solidFill>
-          <a:ln w="9000">
-            <a:solidFill>
-              <a:srgbClr val="FFFFFF"/>
-            </a:solidFill>
-          </a:ln>
-        </p:spPr>
-        <p:style>
-          <a:lnRef idx="2">
-            <a:schemeClr val="accent1">
-              <a:shade val="15000"/>
-            </a:schemeClr>
-          </a:lnRef>
-          <a:fillRef idx="1">
-            <a:schemeClr val="accent1"/>
-          </a:fillRef>
-          <a:effectRef idx="0">
-            <a:schemeClr val="accent1"/>
-          </a:effectRef>
-          <a:fontRef idx="minor">
-            <a:schemeClr val="lt1"/>
-          </a:fontRef>
-        </p:style>
-        <p:txBody>
-          <a:bodyPr rtlCol="0" anchor="ctr"/>
-          <a:lstStyle/>
-          <a:p>
-            <a:pPr algn="ctr"/>
-            <a:endParaRPr lang="es-PE"/>
-          </a:p>
-        </p:txBody>
-      </p:sp>
-      <p:sp>
-        <p:nvSpPr>
-          <p:cNvPr id="10" name="ProgressDot">
-            <a:extLst>
-              <a:ext uri="{FF2B5EF4-FFF2-40B4-BE49-F238E27FC236}">
-                <a16:creationId xmlns:a16="http://schemas.microsoft.com/office/drawing/2014/main" id="{B08C2E59-8C7B-73EC-D2D9-A68E59104115}"/>
-              </a:ext>
-            </a:extLst>
-          </p:cNvPr>
-          <p:cNvSpPr/>
-          <p:nvPr/>
-        </p:nvSpPr>
-        <p:spPr>
-          <a:xfrm>
-            <a:off x="5524500" y="6421025"/>
-            <a:ext cx="127000" cy="127000"/>
-          </a:xfrm>
-          <a:prstGeom prst="ellipse">
-            <a:avLst/>
-          </a:prstGeom>
-          <a:solidFill>
-            <a:srgbClr val="000000"/>
-          </a:solidFill>
-          <a:ln w="9000">
-            <a:solidFill>
-              <a:srgbClr val="FFFFFF"/>
-            </a:solidFill>
-          </a:ln>
-        </p:spPr>
-        <p:style>
-          <a:lnRef idx="2">
-            <a:schemeClr val="accent1">
-              <a:shade val="15000"/>
-            </a:schemeClr>
-          </a:lnRef>
-          <a:fillRef idx="1">
-            <a:schemeClr val="accent1"/>
-          </a:fillRef>
-          <a:effectRef idx="0">
-            <a:schemeClr val="accent1"/>
-          </a:effectRef>
-          <a:fontRef idx="minor">
-            <a:schemeClr val="lt1"/>
-          </a:fontRef>
-        </p:style>
-        <p:txBody>
-          <a:bodyPr rtlCol="0" anchor="ctr"/>
-          <a:lstStyle/>
-          <a:p>
-            <a:pPr algn="ctr"/>
-            <a:endParaRPr lang="es-PE"/>
-          </a:p>
-        </p:txBody>
-      </p:sp>
-      <p:sp>
-        <p:nvSpPr>
-          <p:cNvPr id="11" name="ProgressDot">
-            <a:extLst>
-              <a:ext uri="{FF2B5EF4-FFF2-40B4-BE49-F238E27FC236}">
-                <a16:creationId xmlns:a16="http://schemas.microsoft.com/office/drawing/2014/main" id="{F0ECA0B5-84D6-28BF-CBDD-298AE21DE534}"/>
-              </a:ext>
-            </a:extLst>
-          </p:cNvPr>
-          <p:cNvSpPr/>
-          <p:nvPr/>
-        </p:nvSpPr>
-        <p:spPr>
-          <a:xfrm>
-            <a:off x="5778500" y="6421025"/>
-            <a:ext cx="127000" cy="127000"/>
-          </a:xfrm>
-          <a:prstGeom prst="ellipse">
-            <a:avLst/>
-          </a:prstGeom>
-          <a:solidFill>
-            <a:srgbClr val="000000"/>
-          </a:solidFill>
-          <a:ln w="9000">
-            <a:solidFill>
-              <a:srgbClr val="FFFFFF"/>
-            </a:solidFill>
-          </a:ln>
-        </p:spPr>
-        <p:style>
-          <a:lnRef idx="2">
-            <a:schemeClr val="accent1">
-              <a:shade val="15000"/>
-            </a:schemeClr>
-          </a:lnRef>
-          <a:fillRef idx="1">
-            <a:schemeClr val="accent1"/>
-          </a:fillRef>
-          <a:effectRef idx="0">
-            <a:schemeClr val="accent1"/>
-          </a:effectRef>
-          <a:fontRef idx="minor">
-            <a:schemeClr val="lt1"/>
-          </a:fontRef>
-        </p:style>
-        <p:txBody>
-          <a:bodyPr rtlCol="0" anchor="ctr"/>
-          <a:lstStyle/>
-          <a:p>
-            <a:pPr algn="ctr"/>
-            <a:endParaRPr lang="es-PE"/>
-          </a:p>
-        </p:txBody>
-      </p:sp>
-      <p:sp>
-        <p:nvSpPr>
-          <p:cNvPr id="12" name="ProgressDot">
-            <a:extLst>
-              <a:ext uri="{FF2B5EF4-FFF2-40B4-BE49-F238E27FC236}">
-                <a16:creationId xmlns:a16="http://schemas.microsoft.com/office/drawing/2014/main" id="{CA8B719F-B3FF-6275-4022-AF18D8DAC9A1}"/>
-              </a:ext>
-            </a:extLst>
-          </p:cNvPr>
-          <p:cNvSpPr/>
-          <p:nvPr/>
-        </p:nvSpPr>
-        <p:spPr>
-          <a:xfrm>
-            <a:off x="6032500" y="6421025"/>
-            <a:ext cx="127000" cy="127000"/>
-          </a:xfrm>
-          <a:prstGeom prst="ellipse">
-            <a:avLst/>
-          </a:prstGeom>
-          <a:solidFill>
-            <a:srgbClr val="000000"/>
-          </a:solidFill>
-          <a:ln w="9000">
-            <a:solidFill>
-              <a:srgbClr val="FFFFFF"/>
-            </a:solidFill>
-          </a:ln>
-        </p:spPr>
-        <p:style>
-          <a:lnRef idx="2">
-            <a:schemeClr val="accent1">
-              <a:shade val="15000"/>
-            </a:schemeClr>
-          </a:lnRef>
-          <a:fillRef idx="1">
-            <a:schemeClr val="accent1"/>
-          </a:fillRef>
-          <a:effectRef idx="0">
-            <a:schemeClr val="accent1"/>
-          </a:effectRef>
-          <a:fontRef idx="minor">
-            <a:schemeClr val="lt1"/>
-          </a:fontRef>
-        </p:style>
-        <p:txBody>
-          <a:bodyPr rtlCol="0" anchor="ctr"/>
-          <a:lstStyle/>
-          <a:p>
-            <a:pPr algn="ctr"/>
-            <a:endParaRPr lang="es-PE"/>
-          </a:p>
-        </p:txBody>
-      </p:sp>
-      <p:sp>
-        <p:nvSpPr>
-          <p:cNvPr id="13" name="ProgressDot">
-            <a:extLst>
-              <a:ext uri="{FF2B5EF4-FFF2-40B4-BE49-F238E27FC236}">
-                <a16:creationId xmlns:a16="http://schemas.microsoft.com/office/drawing/2014/main" id="{65F19293-B5C0-8B8F-5F78-CA9C08D79A7E}"/>
-              </a:ext>
-            </a:extLst>
-          </p:cNvPr>
-          <p:cNvSpPr/>
-          <p:nvPr/>
-        </p:nvSpPr>
-        <p:spPr>
-          <a:xfrm>
-            <a:off x="6286500" y="6421025"/>
-            <a:ext cx="127000" cy="127000"/>
-          </a:xfrm>
-          <a:prstGeom prst="ellipse">
-            <a:avLst/>
-          </a:prstGeom>
-          <a:solidFill>
-            <a:srgbClr val="000000"/>
-          </a:solidFill>
-          <a:ln w="9000">
-            <a:solidFill>
-              <a:srgbClr val="FFFFFF"/>
-            </a:solidFill>
-          </a:ln>
-        </p:spPr>
-        <p:style>
-          <a:lnRef idx="2">
-            <a:schemeClr val="accent1">
-              <a:shade val="15000"/>
-            </a:schemeClr>
-          </a:lnRef>
-          <a:fillRef idx="1">
-            <a:schemeClr val="accent1"/>
-          </a:fillRef>
-          <a:effectRef idx="0">
-            <a:schemeClr val="accent1"/>
-          </a:effectRef>
-          <a:fontRef idx="minor">
-            <a:schemeClr val="lt1"/>
-          </a:fontRef>
-        </p:style>
-        <p:txBody>
-          <a:bodyPr rtlCol="0" anchor="ctr"/>
-          <a:lstStyle/>
-          <a:p>
-            <a:pPr algn="ctr"/>
-            <a:endParaRPr lang="es-PE"/>
-          </a:p>
-        </p:txBody>
-      </p:sp>
-      <p:sp>
-        <p:nvSpPr>
-          <p:cNvPr id="14" name="ProgressDot">
-            <a:extLst>
-              <a:ext uri="{FF2B5EF4-FFF2-40B4-BE49-F238E27FC236}">
-                <a16:creationId xmlns:a16="http://schemas.microsoft.com/office/drawing/2014/main" id="{982F5A9D-2C35-7499-E1BD-1A03AF1A0A41}"/>
-              </a:ext>
-            </a:extLst>
-          </p:cNvPr>
-          <p:cNvSpPr/>
-          <p:nvPr/>
-        </p:nvSpPr>
-        <p:spPr>
-          <a:xfrm>
-            <a:off x="6540500" y="6421025"/>
-            <a:ext cx="127000" cy="127000"/>
-          </a:xfrm>
-          <a:prstGeom prst="ellipse">
-            <a:avLst/>
-          </a:prstGeom>
-          <a:solidFill>
-            <a:srgbClr val="000000"/>
-          </a:solidFill>
-          <a:ln w="9000">
-            <a:solidFill>
-              <a:srgbClr val="FFFFFF"/>
-            </a:solidFill>
-          </a:ln>
-        </p:spPr>
-        <p:style>
-          <a:lnRef idx="2">
-            <a:schemeClr val="accent1">
-              <a:shade val="15000"/>
-            </a:schemeClr>
-          </a:lnRef>
-          <a:fillRef idx="1">
-            <a:schemeClr val="accent1"/>
-          </a:fillRef>
-          <a:effectRef idx="0">
-            <a:schemeClr val="accent1"/>
-          </a:effectRef>
-          <a:fontRef idx="minor">
-            <a:schemeClr val="lt1"/>
-          </a:fontRef>
-        </p:style>
-        <p:txBody>
-          <a:bodyPr rtlCol="0" anchor="ctr"/>
-          <a:lstStyle/>
-          <a:p>
-            <a:pPr algn="ctr"/>
-            <a:endParaRPr lang="es-PE"/>
-          </a:p>
-        </p:txBody>
-      </p:sp>
-      <p:sp>
-        <p:nvSpPr>
-          <p:cNvPr id="15" name="ProgressDot">
-            <a:extLst>
-              <a:ext uri="{FF2B5EF4-FFF2-40B4-BE49-F238E27FC236}">
-                <a16:creationId xmlns:a16="http://schemas.microsoft.com/office/drawing/2014/main" id="{085390C6-20AC-A1E5-D7CF-F41BE98EA698}"/>
-              </a:ext>
-            </a:extLst>
-          </p:cNvPr>
-          <p:cNvSpPr/>
-          <p:nvPr/>
-        </p:nvSpPr>
-        <p:spPr>
-          <a:xfrm>
-            <a:off x="6794500" y="6421025"/>
-            <a:ext cx="127000" cy="127000"/>
-          </a:xfrm>
-          <a:prstGeom prst="ellipse">
-            <a:avLst/>
-          </a:prstGeom>
-          <a:solidFill>
-            <a:srgbClr val="000000"/>
-          </a:solidFill>
-          <a:ln w="9000">
-            <a:solidFill>
-              <a:srgbClr val="FFFFFF"/>
-            </a:solidFill>
-          </a:ln>
-        </p:spPr>
-        <p:style>
-          <a:lnRef idx="2">
-            <a:schemeClr val="accent1">
-              <a:shade val="15000"/>
-            </a:schemeClr>
-          </a:lnRef>
-          <a:fillRef idx="1">
-            <a:schemeClr val="accent1"/>
-          </a:fillRef>
-          <a:effectRef idx="0">
-            <a:schemeClr val="accent1"/>
-          </a:effectRef>
-          <a:fontRef idx="minor">
-            <a:schemeClr val="lt1"/>
-          </a:fontRef>
-        </p:style>
-        <p:txBody>
-          <a:bodyPr rtlCol="0" anchor="ctr"/>
-          <a:lstStyle/>
-          <a:p>
-            <a:pPr algn="ctr"/>
-            <a:endParaRPr lang="es-PE"/>
-          </a:p>
-        </p:txBody>
-      </p:sp>
-      <p:sp>
-        <p:nvSpPr>
-          <p:cNvPr id="16" name="ProgressDot">
-            <a:extLst>
-              <a:ext uri="{FF2B5EF4-FFF2-40B4-BE49-F238E27FC236}">
-                <a16:creationId xmlns:a16="http://schemas.microsoft.com/office/drawing/2014/main" id="{DD6C1F5F-4448-DD2D-EF00-895D1FA4ABDC}"/>
-              </a:ext>
-            </a:extLst>
-          </p:cNvPr>
-          <p:cNvSpPr/>
-          <p:nvPr/>
-        </p:nvSpPr>
-        <p:spPr>
-          <a:xfrm>
-            <a:off x="7048500" y="6421025"/>
-            <a:ext cx="127000" cy="127000"/>
-          </a:xfrm>
-          <a:prstGeom prst="ellipse">
-            <a:avLst/>
-          </a:prstGeom>
-          <a:solidFill>
-            <a:srgbClr val="000000"/>
-          </a:solidFill>
-          <a:ln w="9000">
-            <a:solidFill>
-              <a:srgbClr val="FFFFFF"/>
-            </a:solidFill>
-          </a:ln>
-        </p:spPr>
-        <p:style>
-          <a:lnRef idx="2">
-            <a:schemeClr val="accent1">
-              <a:shade val="15000"/>
-            </a:schemeClr>
-          </a:lnRef>
-          <a:fillRef idx="1">
-            <a:schemeClr val="accent1"/>
-          </a:fillRef>
-          <a:effectRef idx="0">
-            <a:schemeClr val="accent1"/>
-          </a:effectRef>
-          <a:fontRef idx="minor">
-            <a:schemeClr val="lt1"/>
-          </a:fontRef>
-        </p:style>
-        <p:txBody>
-          <a:bodyPr rtlCol="0" anchor="ctr"/>
-          <a:lstStyle/>
-          <a:p>
-            <a:pPr algn="ctr"/>
-            <a:endParaRPr lang="es-PE"/>
-          </a:p>
-        </p:txBody>
-      </p:sp>
-      <p:sp>
-        <p:nvSpPr>
-          <p:cNvPr id="17" name="ProgressDot">
-            <a:extLst>
-              <a:ext uri="{FF2B5EF4-FFF2-40B4-BE49-F238E27FC236}">
-                <a16:creationId xmlns:a16="http://schemas.microsoft.com/office/drawing/2014/main" id="{999CF1B0-B122-1F58-D033-A70B025F02AB}"/>
-              </a:ext>
-            </a:extLst>
-          </p:cNvPr>
-          <p:cNvSpPr/>
-          <p:nvPr/>
-        </p:nvSpPr>
-        <p:spPr>
-          <a:xfrm>
-            <a:off x="7302500" y="6421025"/>
-            <a:ext cx="127000" cy="127000"/>
-          </a:xfrm>
-          <a:prstGeom prst="ellipse">
-            <a:avLst/>
-          </a:prstGeom>
-          <a:solidFill>
-            <a:srgbClr val="000000"/>
-          </a:solidFill>
-          <a:ln w="9000">
-            <a:solidFill>
-              <a:srgbClr val="FFFFFF"/>
-            </a:solidFill>
-          </a:ln>
-        </p:spPr>
-        <p:style>
-          <a:lnRef idx="2">
-            <a:schemeClr val="accent1">
-              <a:shade val="15000"/>
-            </a:schemeClr>
-          </a:lnRef>
-          <a:fillRef idx="1">
-            <a:schemeClr val="accent1"/>
-          </a:fillRef>
-          <a:effectRef idx="0">
-            <a:schemeClr val="accent1"/>
-          </a:effectRef>
-          <a:fontRef idx="minor">
-            <a:schemeClr val="lt1"/>
-          </a:fontRef>
-        </p:style>
-        <p:txBody>
-          <a:bodyPr rtlCol="0" anchor="ctr"/>
-          <a:lstStyle/>
-          <a:p>
-            <a:pPr algn="ctr"/>
-            <a:endParaRPr lang="es-PE"/>
-          </a:p>
-        </p:txBody>
-      </p:sp>
-      <p:sp>
-        <p:nvSpPr>
-          <p:cNvPr id="18" name="ProgressDot">
-            <a:extLst>
-              <a:ext uri="{FF2B5EF4-FFF2-40B4-BE49-F238E27FC236}">
-                <a16:creationId xmlns:a16="http://schemas.microsoft.com/office/drawing/2014/main" id="{6E858E4D-A567-7782-D9B3-321F4CF29133}"/>
-              </a:ext>
-            </a:extLst>
-          </p:cNvPr>
-          <p:cNvSpPr/>
-          <p:nvPr/>
-        </p:nvSpPr>
-        <p:spPr>
-          <a:xfrm>
-            <a:off x="7556500" y="6421025"/>
-            <a:ext cx="127000" cy="127000"/>
-          </a:xfrm>
-          <a:prstGeom prst="ellipse">
-            <a:avLst/>
-          </a:prstGeom>
-          <a:solidFill>
-            <a:srgbClr val="000000"/>
-          </a:solidFill>
-          <a:ln w="9000">
-            <a:solidFill>
-              <a:srgbClr val="FFFFFF"/>
-            </a:solidFill>
-          </a:ln>
-        </p:spPr>
-        <p:style>
-          <a:lnRef idx="2">
-            <a:schemeClr val="accent1">
-              <a:shade val="15000"/>
-            </a:schemeClr>
-          </a:lnRef>
-          <a:fillRef idx="1">
-            <a:schemeClr val="accent1"/>
-          </a:fillRef>
-          <a:effectRef idx="0">
-            <a:schemeClr val="accent1"/>
-          </a:effectRef>
-          <a:fontRef idx="minor">
-            <a:schemeClr val="lt1"/>
-          </a:fontRef>
-        </p:style>
-        <p:txBody>
-          <a:bodyPr rtlCol="0" anchor="ctr"/>
-          <a:lstStyle/>
-          <a:p>
-            <a:pPr algn="ctr"/>
-            <a:endParaRPr lang="es-PE"/>
-          </a:p>
-        </p:txBody>
-      </p:sp>
-      <p:sp>
-        <p:nvSpPr>
-          <p:cNvPr id="19" name="ProgressDot">
-            <a:extLst>
-              <a:ext uri="{FF2B5EF4-FFF2-40B4-BE49-F238E27FC236}">
-                <a16:creationId xmlns:a16="http://schemas.microsoft.com/office/drawing/2014/main" id="{FC91EB32-101A-2BA6-26FD-D19A55917943}"/>
-              </a:ext>
-            </a:extLst>
-          </p:cNvPr>
-          <p:cNvSpPr/>
-          <p:nvPr/>
-        </p:nvSpPr>
-        <p:spPr>
-          <a:xfrm>
-            <a:off x="7810500" y="6421025"/>
-            <a:ext cx="127000" cy="127000"/>
-          </a:xfrm>
-          <a:prstGeom prst="ellipse">
-            <a:avLst/>
-          </a:prstGeom>
-          <a:solidFill>
-            <a:srgbClr val="000000"/>
-          </a:solidFill>
-          <a:ln w="9000">
-            <a:solidFill>
-              <a:srgbClr val="FFFFFF"/>
-            </a:solidFill>
-          </a:ln>
-        </p:spPr>
-        <p:style>
-          <a:lnRef idx="2">
-            <a:schemeClr val="accent1">
-              <a:shade val="15000"/>
-            </a:schemeClr>
-          </a:lnRef>
-          <a:fillRef idx="1">
-            <a:schemeClr val="accent1"/>
-          </a:fillRef>
-          <a:effectRef idx="0">
-            <a:schemeClr val="accent1"/>
-          </a:effectRef>
-          <a:fontRef idx="minor">
-            <a:schemeClr val="lt1"/>
-          </a:fontRef>
-        </p:style>
-        <p:txBody>
-          <a:bodyPr rtlCol="0" anchor="ctr"/>
-          <a:lstStyle/>
-          <a:p>
-            <a:pPr algn="ctr"/>
-            <a:endParaRPr lang="es-PE"/>
-          </a:p>
-        </p:txBody>
-      </p:sp>
     </p:spTree>
     <p:extLst>
       <p:ext uri="{BB962C8B-B14F-4D97-AF65-F5344CB8AC3E}">
@@ -15151,10 +15115,10 @@
       </p:sp>
       <p:sp>
         <p:nvSpPr>
-          <p:cNvPr id="12" name="ProgressDot">
-            <a:extLst>
-              <a:ext uri="{FF2B5EF4-FFF2-40B4-BE49-F238E27FC236}">
-                <a16:creationId xmlns:a16="http://schemas.microsoft.com/office/drawing/2014/main" id="{2188A055-29B1-2CC7-8582-FBE78CF8B1E7}"/>
+          <p:cNvPr id="3" name="ProgressDot">
+            <a:extLst>
+              <a:ext uri="{FF2B5EF4-FFF2-40B4-BE49-F238E27FC236}">
+                <a16:creationId xmlns:a16="http://schemas.microsoft.com/office/drawing/2014/main" id="{0F426A2B-59EC-1E97-C2C6-0C00686C838E}"/>
               </a:ext>
             </a:extLst>
           </p:cNvPr>
@@ -15163,7 +15127,7 @@
         </p:nvSpPr>
         <p:spPr>
           <a:xfrm>
-            <a:off x="4254500" y="6421025"/>
+            <a:off x="4127500" y="6421025"/>
             <a:ext cx="127000" cy="127000"/>
           </a:xfrm>
           <a:prstGeom prst="ellipse">
@@ -15205,10 +15169,10 @@
       </p:sp>
       <p:sp>
         <p:nvSpPr>
-          <p:cNvPr id="13" name="ProgressDot">
-            <a:extLst>
-              <a:ext uri="{FF2B5EF4-FFF2-40B4-BE49-F238E27FC236}">
-                <a16:creationId xmlns:a16="http://schemas.microsoft.com/office/drawing/2014/main" id="{E7EC83F7-A89E-5CD0-FEFD-EC7EC2F2428E}"/>
+          <p:cNvPr id="4" name="ProgressDot">
+            <a:extLst>
+              <a:ext uri="{FF2B5EF4-FFF2-40B4-BE49-F238E27FC236}">
+                <a16:creationId xmlns:a16="http://schemas.microsoft.com/office/drawing/2014/main" id="{F9FD1BC5-F86D-853C-1CD0-B7B16A6F959A}"/>
               </a:ext>
             </a:extLst>
           </p:cNvPr>
@@ -15217,7 +15181,7 @@
         </p:nvSpPr>
         <p:spPr>
           <a:xfrm>
-            <a:off x="4508500" y="6421025"/>
+            <a:off x="4381500" y="6421025"/>
             <a:ext cx="127000" cy="127000"/>
           </a:xfrm>
           <a:prstGeom prst="ellipse">
@@ -15259,10 +15223,10 @@
       </p:sp>
       <p:sp>
         <p:nvSpPr>
-          <p:cNvPr id="14" name="ProgressDot">
-            <a:extLst>
-              <a:ext uri="{FF2B5EF4-FFF2-40B4-BE49-F238E27FC236}">
-                <a16:creationId xmlns:a16="http://schemas.microsoft.com/office/drawing/2014/main" id="{960B8174-0AB9-E19C-F1B0-6AEA973E47A6}"/>
+          <p:cNvPr id="6" name="ProgressDot">
+            <a:extLst>
+              <a:ext uri="{FF2B5EF4-FFF2-40B4-BE49-F238E27FC236}">
+                <a16:creationId xmlns:a16="http://schemas.microsoft.com/office/drawing/2014/main" id="{CD278004-B398-D359-E7C7-6E26D8A8AC59}"/>
               </a:ext>
             </a:extLst>
           </p:cNvPr>
@@ -15271,7 +15235,7 @@
         </p:nvSpPr>
         <p:spPr>
           <a:xfrm>
-            <a:off x="4762500" y="6421025"/>
+            <a:off x="4635500" y="6421025"/>
             <a:ext cx="127000" cy="127000"/>
           </a:xfrm>
           <a:prstGeom prst="ellipse">
@@ -15313,10 +15277,10 @@
       </p:sp>
       <p:sp>
         <p:nvSpPr>
-          <p:cNvPr id="15" name="ProgressDot">
-            <a:extLst>
-              <a:ext uri="{FF2B5EF4-FFF2-40B4-BE49-F238E27FC236}">
-                <a16:creationId xmlns:a16="http://schemas.microsoft.com/office/drawing/2014/main" id="{686035CB-7790-4D1E-8632-80687D8C345A}"/>
+          <p:cNvPr id="8" name="ProgressDot">
+            <a:extLst>
+              <a:ext uri="{FF2B5EF4-FFF2-40B4-BE49-F238E27FC236}">
+                <a16:creationId xmlns:a16="http://schemas.microsoft.com/office/drawing/2014/main" id="{1735E17A-E69C-DBC1-6D52-201426C679EF}"/>
               </a:ext>
             </a:extLst>
           </p:cNvPr>
@@ -15325,7 +15289,7 @@
         </p:nvSpPr>
         <p:spPr>
           <a:xfrm>
-            <a:off x="5016500" y="6421025"/>
+            <a:off x="4889500" y="6421025"/>
             <a:ext cx="127000" cy="127000"/>
           </a:xfrm>
           <a:prstGeom prst="ellipse">
@@ -15367,10 +15331,10 @@
       </p:sp>
       <p:sp>
         <p:nvSpPr>
-          <p:cNvPr id="16" name="ProgressDot">
-            <a:extLst>
-              <a:ext uri="{FF2B5EF4-FFF2-40B4-BE49-F238E27FC236}">
-                <a16:creationId xmlns:a16="http://schemas.microsoft.com/office/drawing/2014/main" id="{2F94D39F-1488-4C71-C56F-25D4B1283B85}"/>
+          <p:cNvPr id="10" name="ProgressDot">
+            <a:extLst>
+              <a:ext uri="{FF2B5EF4-FFF2-40B4-BE49-F238E27FC236}">
+                <a16:creationId xmlns:a16="http://schemas.microsoft.com/office/drawing/2014/main" id="{6CC78FAD-0184-EF46-8084-3DD1AF4DF999}"/>
               </a:ext>
             </a:extLst>
           </p:cNvPr>
@@ -15379,7 +15343,7 @@
         </p:nvSpPr>
         <p:spPr>
           <a:xfrm>
-            <a:off x="5270500" y="6421025"/>
+            <a:off x="5143500" y="6421025"/>
             <a:ext cx="127000" cy="127000"/>
           </a:xfrm>
           <a:prstGeom prst="ellipse">
@@ -15421,10 +15385,10 @@
       </p:sp>
       <p:sp>
         <p:nvSpPr>
-          <p:cNvPr id="21" name="ProgressDot">
-            <a:extLst>
-              <a:ext uri="{FF2B5EF4-FFF2-40B4-BE49-F238E27FC236}">
-                <a16:creationId xmlns:a16="http://schemas.microsoft.com/office/drawing/2014/main" id="{ED827658-39E5-91E0-ABA4-FDB1CAFAD535}"/>
+          <p:cNvPr id="12" name="ProgressDot">
+            <a:extLst>
+              <a:ext uri="{FF2B5EF4-FFF2-40B4-BE49-F238E27FC236}">
+                <a16:creationId xmlns:a16="http://schemas.microsoft.com/office/drawing/2014/main" id="{4FAF3734-E140-40E8-93C5-9DDEE619676A}"/>
               </a:ext>
             </a:extLst>
           </p:cNvPr>
@@ -15433,7 +15397,7 @@
         </p:nvSpPr>
         <p:spPr>
           <a:xfrm>
-            <a:off x="5524500" y="6421025"/>
+            <a:off x="5397500" y="6421025"/>
             <a:ext cx="127000" cy="127000"/>
           </a:xfrm>
           <a:prstGeom prst="ellipse">
@@ -15475,10 +15439,10 @@
       </p:sp>
       <p:sp>
         <p:nvSpPr>
-          <p:cNvPr id="22" name="ProgressDot">
-            <a:extLst>
-              <a:ext uri="{FF2B5EF4-FFF2-40B4-BE49-F238E27FC236}">
-                <a16:creationId xmlns:a16="http://schemas.microsoft.com/office/drawing/2014/main" id="{7AC71456-E786-E8A2-A00B-8D4352CD9784}"/>
+          <p:cNvPr id="13" name="ProgressDot">
+            <a:extLst>
+              <a:ext uri="{FF2B5EF4-FFF2-40B4-BE49-F238E27FC236}">
+                <a16:creationId xmlns:a16="http://schemas.microsoft.com/office/drawing/2014/main" id="{E336282A-8C3A-8590-B634-191C910519D5}"/>
               </a:ext>
             </a:extLst>
           </p:cNvPr>
@@ -15487,7 +15451,7 @@
         </p:nvSpPr>
         <p:spPr>
           <a:xfrm>
-            <a:off x="5778500" y="6421025"/>
+            <a:off x="5651500" y="6421025"/>
             <a:ext cx="127000" cy="127000"/>
           </a:xfrm>
           <a:prstGeom prst="ellipse">
@@ -15529,10 +15493,10 @@
       </p:sp>
       <p:sp>
         <p:nvSpPr>
-          <p:cNvPr id="23" name="ProgressDot">
-            <a:extLst>
-              <a:ext uri="{FF2B5EF4-FFF2-40B4-BE49-F238E27FC236}">
-                <a16:creationId xmlns:a16="http://schemas.microsoft.com/office/drawing/2014/main" id="{7102114E-BAC2-AED1-9F1F-BC11BB1475B3}"/>
+          <p:cNvPr id="14" name="ProgressDot">
+            <a:extLst>
+              <a:ext uri="{FF2B5EF4-FFF2-40B4-BE49-F238E27FC236}">
+                <a16:creationId xmlns:a16="http://schemas.microsoft.com/office/drawing/2014/main" id="{57EBB095-3D12-B1DF-9821-2DE34712E9A8}"/>
               </a:ext>
             </a:extLst>
           </p:cNvPr>
@@ -15541,7 +15505,7 @@
         </p:nvSpPr>
         <p:spPr>
           <a:xfrm>
-            <a:off x="6032500" y="6421025"/>
+            <a:off x="5905500" y="6421025"/>
             <a:ext cx="127000" cy="127000"/>
           </a:xfrm>
           <a:prstGeom prst="ellipse">
@@ -15583,10 +15547,10 @@
       </p:sp>
       <p:sp>
         <p:nvSpPr>
-          <p:cNvPr id="27" name="ProgressDot">
-            <a:extLst>
-              <a:ext uri="{FF2B5EF4-FFF2-40B4-BE49-F238E27FC236}">
-                <a16:creationId xmlns:a16="http://schemas.microsoft.com/office/drawing/2014/main" id="{75BA0DFE-7920-D105-A7B7-F152741621B0}"/>
+          <p:cNvPr id="15" name="ProgressDot">
+            <a:extLst>
+              <a:ext uri="{FF2B5EF4-FFF2-40B4-BE49-F238E27FC236}">
+                <a16:creationId xmlns:a16="http://schemas.microsoft.com/office/drawing/2014/main" id="{AB25EB9D-948A-3443-DE7F-F54132ACC5E5}"/>
               </a:ext>
             </a:extLst>
           </p:cNvPr>
@@ -15595,7 +15559,7 @@
         </p:nvSpPr>
         <p:spPr>
           <a:xfrm>
-            <a:off x="6286500" y="6421025"/>
+            <a:off x="6159500" y="6421025"/>
             <a:ext cx="127000" cy="127000"/>
           </a:xfrm>
           <a:prstGeom prst="ellipse">
@@ -15637,10 +15601,10 @@
       </p:sp>
       <p:sp>
         <p:nvSpPr>
-          <p:cNvPr id="28" name="ProgressDot">
-            <a:extLst>
-              <a:ext uri="{FF2B5EF4-FFF2-40B4-BE49-F238E27FC236}">
-                <a16:creationId xmlns:a16="http://schemas.microsoft.com/office/drawing/2014/main" id="{E7894B3D-2E01-A1A3-0D4C-0392B0491F68}"/>
+          <p:cNvPr id="16" name="ProgressDot">
+            <a:extLst>
+              <a:ext uri="{FF2B5EF4-FFF2-40B4-BE49-F238E27FC236}">
+                <a16:creationId xmlns:a16="http://schemas.microsoft.com/office/drawing/2014/main" id="{E8505EB6-06EC-0CDC-D979-7FB100166BF4}"/>
               </a:ext>
             </a:extLst>
           </p:cNvPr>
@@ -15649,7 +15613,7 @@
         </p:nvSpPr>
         <p:spPr>
           <a:xfrm>
-            <a:off x="6540500" y="6421025"/>
+            <a:off x="6413500" y="6421025"/>
             <a:ext cx="127000" cy="127000"/>
           </a:xfrm>
           <a:prstGeom prst="ellipse">
@@ -15691,10 +15655,10 @@
       </p:sp>
       <p:sp>
         <p:nvSpPr>
-          <p:cNvPr id="29" name="ProgressDot">
-            <a:extLst>
-              <a:ext uri="{FF2B5EF4-FFF2-40B4-BE49-F238E27FC236}">
-                <a16:creationId xmlns:a16="http://schemas.microsoft.com/office/drawing/2014/main" id="{AD0D03D0-330A-F251-2B42-9EECD46DCB90}"/>
+          <p:cNvPr id="21" name="ProgressDot">
+            <a:extLst>
+              <a:ext uri="{FF2B5EF4-FFF2-40B4-BE49-F238E27FC236}">
+                <a16:creationId xmlns:a16="http://schemas.microsoft.com/office/drawing/2014/main" id="{E791C16D-B55C-FCAB-1283-80A8883C2AB0}"/>
               </a:ext>
             </a:extLst>
           </p:cNvPr>
@@ -15703,7 +15667,7 @@
         </p:nvSpPr>
         <p:spPr>
           <a:xfrm>
-            <a:off x="6794500" y="6421025"/>
+            <a:off x="6667500" y="6421025"/>
             <a:ext cx="127000" cy="127000"/>
           </a:xfrm>
           <a:prstGeom prst="ellipse">
@@ -15745,10 +15709,10 @@
       </p:sp>
       <p:sp>
         <p:nvSpPr>
-          <p:cNvPr id="30" name="ProgressDot">
-            <a:extLst>
-              <a:ext uri="{FF2B5EF4-FFF2-40B4-BE49-F238E27FC236}">
-                <a16:creationId xmlns:a16="http://schemas.microsoft.com/office/drawing/2014/main" id="{3913114C-8947-DBFE-D380-B729F91DE47A}"/>
+          <p:cNvPr id="22" name="ProgressDot">
+            <a:extLst>
+              <a:ext uri="{FF2B5EF4-FFF2-40B4-BE49-F238E27FC236}">
+                <a16:creationId xmlns:a16="http://schemas.microsoft.com/office/drawing/2014/main" id="{FE001B32-254E-9AF0-75AF-F95DF47A33A2}"/>
               </a:ext>
             </a:extLst>
           </p:cNvPr>
@@ -15757,7 +15721,7 @@
         </p:nvSpPr>
         <p:spPr>
           <a:xfrm>
-            <a:off x="7048500" y="6421025"/>
+            <a:off x="6921500" y="6421025"/>
             <a:ext cx="127000" cy="127000"/>
           </a:xfrm>
           <a:prstGeom prst="ellipse">
@@ -15799,10 +15763,10 @@
       </p:sp>
       <p:sp>
         <p:nvSpPr>
-          <p:cNvPr id="31" name="ProgressDot">
-            <a:extLst>
-              <a:ext uri="{FF2B5EF4-FFF2-40B4-BE49-F238E27FC236}">
-                <a16:creationId xmlns:a16="http://schemas.microsoft.com/office/drawing/2014/main" id="{0D103379-9D94-1ED8-83FF-49B3454ECAA4}"/>
+          <p:cNvPr id="23" name="ProgressDot">
+            <a:extLst>
+              <a:ext uri="{FF2B5EF4-FFF2-40B4-BE49-F238E27FC236}">
+                <a16:creationId xmlns:a16="http://schemas.microsoft.com/office/drawing/2014/main" id="{DCD92DB2-ED44-A031-79CA-97E95362ECF8}"/>
               </a:ext>
             </a:extLst>
           </p:cNvPr>
@@ -15811,7 +15775,7 @@
         </p:nvSpPr>
         <p:spPr>
           <a:xfrm>
-            <a:off x="7302500" y="6421025"/>
+            <a:off x="7175500" y="6421025"/>
             <a:ext cx="127000" cy="127000"/>
           </a:xfrm>
           <a:prstGeom prst="ellipse">
@@ -15853,10 +15817,10 @@
       </p:sp>
       <p:sp>
         <p:nvSpPr>
-          <p:cNvPr id="32" name="ProgressDot">
-            <a:extLst>
-              <a:ext uri="{FF2B5EF4-FFF2-40B4-BE49-F238E27FC236}">
-                <a16:creationId xmlns:a16="http://schemas.microsoft.com/office/drawing/2014/main" id="{BBC070A0-8125-8E31-BC74-21627ACEE14B}"/>
+          <p:cNvPr id="27" name="ProgressDot">
+            <a:extLst>
+              <a:ext uri="{FF2B5EF4-FFF2-40B4-BE49-F238E27FC236}">
+                <a16:creationId xmlns:a16="http://schemas.microsoft.com/office/drawing/2014/main" id="{586214B6-9428-4C31-1F8E-E675F53C3546}"/>
               </a:ext>
             </a:extLst>
           </p:cNvPr>
@@ -15865,7 +15829,7 @@
         </p:nvSpPr>
         <p:spPr>
           <a:xfrm>
-            <a:off x="7556500" y="6421025"/>
+            <a:off x="7429500" y="6421025"/>
             <a:ext cx="127000" cy="127000"/>
           </a:xfrm>
           <a:prstGeom prst="ellipse">
@@ -15907,10 +15871,10 @@
       </p:sp>
       <p:sp>
         <p:nvSpPr>
-          <p:cNvPr id="33" name="ProgressDot">
-            <a:extLst>
-              <a:ext uri="{FF2B5EF4-FFF2-40B4-BE49-F238E27FC236}">
-                <a16:creationId xmlns:a16="http://schemas.microsoft.com/office/drawing/2014/main" id="{9E568BEF-3060-8C50-7F26-6472ED8441F8}"/>
+          <p:cNvPr id="28" name="ProgressDot">
+            <a:extLst>
+              <a:ext uri="{FF2B5EF4-FFF2-40B4-BE49-F238E27FC236}">
+                <a16:creationId xmlns:a16="http://schemas.microsoft.com/office/drawing/2014/main" id="{4E7EF40F-E120-6B8A-85B9-BF9A90EB4257}"/>
               </a:ext>
             </a:extLst>
           </p:cNvPr>
@@ -15919,7 +15883,61 @@
         </p:nvSpPr>
         <p:spPr>
           <a:xfrm>
-            <a:off x="7810500" y="6421025"/>
+            <a:off x="7683500" y="6421025"/>
+            <a:ext cx="127000" cy="127000"/>
+          </a:xfrm>
+          <a:prstGeom prst="ellipse">
+            <a:avLst/>
+          </a:prstGeom>
+          <a:solidFill>
+            <a:srgbClr val="FFFFFF"/>
+          </a:solidFill>
+          <a:ln w="9000">
+            <a:solidFill>
+              <a:srgbClr val="000000"/>
+            </a:solidFill>
+          </a:ln>
+        </p:spPr>
+        <p:style>
+          <a:lnRef idx="2">
+            <a:schemeClr val="accent1">
+              <a:shade val="15000"/>
+            </a:schemeClr>
+          </a:lnRef>
+          <a:fillRef idx="1">
+            <a:schemeClr val="accent1"/>
+          </a:fillRef>
+          <a:effectRef idx="0">
+            <a:schemeClr val="accent1"/>
+          </a:effectRef>
+          <a:fontRef idx="minor">
+            <a:schemeClr val="lt1"/>
+          </a:fontRef>
+        </p:style>
+        <p:txBody>
+          <a:bodyPr rtlCol="0" anchor="ctr"/>
+          <a:lstStyle/>
+          <a:p>
+            <a:pPr algn="ctr"/>
+            <a:endParaRPr lang="es-PE"/>
+          </a:p>
+        </p:txBody>
+      </p:sp>
+      <p:sp>
+        <p:nvSpPr>
+          <p:cNvPr id="29" name="ProgressDot">
+            <a:extLst>
+              <a:ext uri="{FF2B5EF4-FFF2-40B4-BE49-F238E27FC236}">
+                <a16:creationId xmlns:a16="http://schemas.microsoft.com/office/drawing/2014/main" id="{84695826-5280-65D8-2378-1F8E376DFA94}"/>
+              </a:ext>
+            </a:extLst>
+          </p:cNvPr>
+          <p:cNvSpPr/>
+          <p:nvPr/>
+        </p:nvSpPr>
+        <p:spPr>
+          <a:xfrm>
+            <a:off x="7937500" y="6421025"/>
             <a:ext cx="127000" cy="127000"/>
           </a:xfrm>
           <a:prstGeom prst="ellipse">
@@ -17887,7 +17905,7 @@
           <p:cNvPr id="7" name="ProgressDot">
             <a:extLst>
               <a:ext uri="{FF2B5EF4-FFF2-40B4-BE49-F238E27FC236}">
-                <a16:creationId xmlns:a16="http://schemas.microsoft.com/office/drawing/2014/main" id="{CA8A9D6B-7FFD-4BE3-C043-CE5DE390BD9D}"/>
+                <a16:creationId xmlns:a16="http://schemas.microsoft.com/office/drawing/2014/main" id="{003F5776-363F-C6AD-F71B-9455BFA97130}"/>
               </a:ext>
             </a:extLst>
           </p:cNvPr>
@@ -17896,7 +17914,7 @@
         </p:nvSpPr>
         <p:spPr>
           <a:xfrm>
-            <a:off x="4254500" y="6421025"/>
+            <a:off x="4127500" y="6421025"/>
             <a:ext cx="127000" cy="127000"/>
           </a:xfrm>
           <a:prstGeom prst="ellipse">
@@ -17941,7 +17959,7 @@
           <p:cNvPr id="8" name="ProgressDot">
             <a:extLst>
               <a:ext uri="{FF2B5EF4-FFF2-40B4-BE49-F238E27FC236}">
-                <a16:creationId xmlns:a16="http://schemas.microsoft.com/office/drawing/2014/main" id="{E1CE0E2B-C519-9062-78AE-E66E88878925}"/>
+                <a16:creationId xmlns:a16="http://schemas.microsoft.com/office/drawing/2014/main" id="{797F8016-6B31-C899-6D35-EF4B926085DD}"/>
               </a:ext>
             </a:extLst>
           </p:cNvPr>
@@ -17950,7 +17968,7 @@
         </p:nvSpPr>
         <p:spPr>
           <a:xfrm>
-            <a:off x="4508500" y="6421025"/>
+            <a:off x="4381500" y="6421025"/>
             <a:ext cx="127000" cy="127000"/>
           </a:xfrm>
           <a:prstGeom prst="ellipse">
@@ -17995,7 +18013,7 @@
           <p:cNvPr id="9" name="ProgressDot">
             <a:extLst>
               <a:ext uri="{FF2B5EF4-FFF2-40B4-BE49-F238E27FC236}">
-                <a16:creationId xmlns:a16="http://schemas.microsoft.com/office/drawing/2014/main" id="{4B7D0E84-69C0-180D-D769-1A5D0EEB0490}"/>
+                <a16:creationId xmlns:a16="http://schemas.microsoft.com/office/drawing/2014/main" id="{8C867759-E025-109F-A8D0-90AA3E49DC70}"/>
               </a:ext>
             </a:extLst>
           </p:cNvPr>
@@ -18004,7 +18022,7 @@
         </p:nvSpPr>
         <p:spPr>
           <a:xfrm>
-            <a:off x="4762500" y="6421025"/>
+            <a:off x="4635500" y="6421025"/>
             <a:ext cx="127000" cy="127000"/>
           </a:xfrm>
           <a:prstGeom prst="ellipse">
@@ -18049,7 +18067,7 @@
           <p:cNvPr id="10" name="ProgressDot">
             <a:extLst>
               <a:ext uri="{FF2B5EF4-FFF2-40B4-BE49-F238E27FC236}">
-                <a16:creationId xmlns:a16="http://schemas.microsoft.com/office/drawing/2014/main" id="{27FB48FE-1EFF-35D1-61AE-299C9D028AFF}"/>
+                <a16:creationId xmlns:a16="http://schemas.microsoft.com/office/drawing/2014/main" id="{31DC36DD-77F1-657B-EBF6-CDEE04FC9400}"/>
               </a:ext>
             </a:extLst>
           </p:cNvPr>
@@ -18058,7 +18076,7 @@
         </p:nvSpPr>
         <p:spPr>
           <a:xfrm>
-            <a:off x="5016500" y="6421025"/>
+            <a:off x="4889500" y="6421025"/>
             <a:ext cx="127000" cy="127000"/>
           </a:xfrm>
           <a:prstGeom prst="ellipse">
@@ -18103,7 +18121,7 @@
           <p:cNvPr id="11" name="ProgressDot">
             <a:extLst>
               <a:ext uri="{FF2B5EF4-FFF2-40B4-BE49-F238E27FC236}">
-                <a16:creationId xmlns:a16="http://schemas.microsoft.com/office/drawing/2014/main" id="{610CE5E4-49EE-2227-0B55-E856D4BA55EB}"/>
+                <a16:creationId xmlns:a16="http://schemas.microsoft.com/office/drawing/2014/main" id="{C7B8A26F-2619-4DA7-181A-BF92F90E0B58}"/>
               </a:ext>
             </a:extLst>
           </p:cNvPr>
@@ -18112,7 +18130,7 @@
         </p:nvSpPr>
         <p:spPr>
           <a:xfrm>
-            <a:off x="5270500" y="6421025"/>
+            <a:off x="5143500" y="6421025"/>
             <a:ext cx="127000" cy="127000"/>
           </a:xfrm>
           <a:prstGeom prst="ellipse">
@@ -18157,7 +18175,7 @@
           <p:cNvPr id="12" name="ProgressDot">
             <a:extLst>
               <a:ext uri="{FF2B5EF4-FFF2-40B4-BE49-F238E27FC236}">
-                <a16:creationId xmlns:a16="http://schemas.microsoft.com/office/drawing/2014/main" id="{B044B0DB-C67A-9C53-E0DD-96D14D1B5387}"/>
+                <a16:creationId xmlns:a16="http://schemas.microsoft.com/office/drawing/2014/main" id="{39E028FB-98C0-2D31-6B6B-53430CB12848}"/>
               </a:ext>
             </a:extLst>
           </p:cNvPr>
@@ -18166,7 +18184,7 @@
         </p:nvSpPr>
         <p:spPr>
           <a:xfrm>
-            <a:off x="5524500" y="6421025"/>
+            <a:off x="5397500" y="6421025"/>
             <a:ext cx="127000" cy="127000"/>
           </a:xfrm>
           <a:prstGeom prst="ellipse">
@@ -18211,7 +18229,7 @@
           <p:cNvPr id="13" name="ProgressDot">
             <a:extLst>
               <a:ext uri="{FF2B5EF4-FFF2-40B4-BE49-F238E27FC236}">
-                <a16:creationId xmlns:a16="http://schemas.microsoft.com/office/drawing/2014/main" id="{8DADBC87-235F-081D-B766-44CC7DC54600}"/>
+                <a16:creationId xmlns:a16="http://schemas.microsoft.com/office/drawing/2014/main" id="{3B17B3B3-DFDC-1461-65F6-36F0CC8C8207}"/>
               </a:ext>
             </a:extLst>
           </p:cNvPr>
@@ -18220,7 +18238,7 @@
         </p:nvSpPr>
         <p:spPr>
           <a:xfrm>
-            <a:off x="5778500" y="6421025"/>
+            <a:off x="5651500" y="6421025"/>
             <a:ext cx="127000" cy="127000"/>
           </a:xfrm>
           <a:prstGeom prst="ellipse">
@@ -18265,7 +18283,7 @@
           <p:cNvPr id="14" name="ProgressDot">
             <a:extLst>
               <a:ext uri="{FF2B5EF4-FFF2-40B4-BE49-F238E27FC236}">
-                <a16:creationId xmlns:a16="http://schemas.microsoft.com/office/drawing/2014/main" id="{EA1798B1-916B-2835-2725-EE9498DDABF2}"/>
+                <a16:creationId xmlns:a16="http://schemas.microsoft.com/office/drawing/2014/main" id="{78547247-D5B2-1842-35A6-FCCE70A67091}"/>
               </a:ext>
             </a:extLst>
           </p:cNvPr>
@@ -18274,7 +18292,7 @@
         </p:nvSpPr>
         <p:spPr>
           <a:xfrm>
-            <a:off x="6032500" y="6421025"/>
+            <a:off x="5905500" y="6421025"/>
             <a:ext cx="127000" cy="127000"/>
           </a:xfrm>
           <a:prstGeom prst="ellipse">
@@ -18319,7 +18337,7 @@
           <p:cNvPr id="15" name="ProgressDot">
             <a:extLst>
               <a:ext uri="{FF2B5EF4-FFF2-40B4-BE49-F238E27FC236}">
-                <a16:creationId xmlns:a16="http://schemas.microsoft.com/office/drawing/2014/main" id="{D4D555FA-9DFC-FD67-F88B-75A150F9285C}"/>
+                <a16:creationId xmlns:a16="http://schemas.microsoft.com/office/drawing/2014/main" id="{A4A639F5-F342-2C86-D40E-CBAA940A1840}"/>
               </a:ext>
             </a:extLst>
           </p:cNvPr>
@@ -18328,7 +18346,7 @@
         </p:nvSpPr>
         <p:spPr>
           <a:xfrm>
-            <a:off x="6286500" y="6421025"/>
+            <a:off x="6159500" y="6421025"/>
             <a:ext cx="127000" cy="127000"/>
           </a:xfrm>
           <a:prstGeom prst="ellipse">
@@ -18373,7 +18391,7 @@
           <p:cNvPr id="16" name="ProgressDot">
             <a:extLst>
               <a:ext uri="{FF2B5EF4-FFF2-40B4-BE49-F238E27FC236}">
-                <a16:creationId xmlns:a16="http://schemas.microsoft.com/office/drawing/2014/main" id="{49C4F770-267D-1D57-6A3F-D9639D2206D8}"/>
+                <a16:creationId xmlns:a16="http://schemas.microsoft.com/office/drawing/2014/main" id="{E81A1E0F-0CC3-A1CB-AE2A-977A76B30B35}"/>
               </a:ext>
             </a:extLst>
           </p:cNvPr>
@@ -18382,7 +18400,7 @@
         </p:nvSpPr>
         <p:spPr>
           <a:xfrm>
-            <a:off x="6540500" y="6421025"/>
+            <a:off x="6413500" y="6421025"/>
             <a:ext cx="127000" cy="127000"/>
           </a:xfrm>
           <a:prstGeom prst="ellipse">
@@ -18427,7 +18445,7 @@
           <p:cNvPr id="17" name="ProgressDot">
             <a:extLst>
               <a:ext uri="{FF2B5EF4-FFF2-40B4-BE49-F238E27FC236}">
-                <a16:creationId xmlns:a16="http://schemas.microsoft.com/office/drawing/2014/main" id="{B76D2C0D-93FF-B71F-7384-995519F48ED9}"/>
+                <a16:creationId xmlns:a16="http://schemas.microsoft.com/office/drawing/2014/main" id="{FC8EC5B6-BBE7-3270-0114-F67087E34AE0}"/>
               </a:ext>
             </a:extLst>
           </p:cNvPr>
@@ -18436,7 +18454,7 @@
         </p:nvSpPr>
         <p:spPr>
           <a:xfrm>
-            <a:off x="6794500" y="6421025"/>
+            <a:off x="6667500" y="6421025"/>
             <a:ext cx="127000" cy="127000"/>
           </a:xfrm>
           <a:prstGeom prst="ellipse">
@@ -18481,7 +18499,7 @@
           <p:cNvPr id="18" name="ProgressDot">
             <a:extLst>
               <a:ext uri="{FF2B5EF4-FFF2-40B4-BE49-F238E27FC236}">
-                <a16:creationId xmlns:a16="http://schemas.microsoft.com/office/drawing/2014/main" id="{7D7BD0EE-DC08-EB3A-A71C-62616E350F4E}"/>
+                <a16:creationId xmlns:a16="http://schemas.microsoft.com/office/drawing/2014/main" id="{63674E03-E41F-285D-4494-794A1C6578B9}"/>
               </a:ext>
             </a:extLst>
           </p:cNvPr>
@@ -18490,7 +18508,7 @@
         </p:nvSpPr>
         <p:spPr>
           <a:xfrm>
-            <a:off x="7048500" y="6421025"/>
+            <a:off x="6921500" y="6421025"/>
             <a:ext cx="127000" cy="127000"/>
           </a:xfrm>
           <a:prstGeom prst="ellipse">
@@ -18535,7 +18553,7 @@
           <p:cNvPr id="19" name="ProgressDot">
             <a:extLst>
               <a:ext uri="{FF2B5EF4-FFF2-40B4-BE49-F238E27FC236}">
-                <a16:creationId xmlns:a16="http://schemas.microsoft.com/office/drawing/2014/main" id="{1E5A3509-2140-1D1A-252C-9650CE27643E}"/>
+                <a16:creationId xmlns:a16="http://schemas.microsoft.com/office/drawing/2014/main" id="{2910D051-7632-D6D0-90B0-104BA05684EC}"/>
               </a:ext>
             </a:extLst>
           </p:cNvPr>
@@ -18544,7 +18562,7 @@
         </p:nvSpPr>
         <p:spPr>
           <a:xfrm>
-            <a:off x="7302500" y="6421025"/>
+            <a:off x="7175500" y="6421025"/>
             <a:ext cx="127000" cy="127000"/>
           </a:xfrm>
           <a:prstGeom prst="ellipse">
@@ -18589,7 +18607,7 @@
           <p:cNvPr id="20" name="ProgressDot">
             <a:extLst>
               <a:ext uri="{FF2B5EF4-FFF2-40B4-BE49-F238E27FC236}">
-                <a16:creationId xmlns:a16="http://schemas.microsoft.com/office/drawing/2014/main" id="{0C2EFFF0-A010-DD1B-28F4-4DC8C135D15A}"/>
+                <a16:creationId xmlns:a16="http://schemas.microsoft.com/office/drawing/2014/main" id="{D17490E8-98CA-4218-0A18-84A8C9564AD2}"/>
               </a:ext>
             </a:extLst>
           </p:cNvPr>
@@ -18598,7 +18616,7 @@
         </p:nvSpPr>
         <p:spPr>
           <a:xfrm>
-            <a:off x="7556500" y="6421025"/>
+            <a:off x="7429500" y="6421025"/>
             <a:ext cx="127000" cy="127000"/>
           </a:xfrm>
           <a:prstGeom prst="ellipse">
@@ -18643,7 +18661,7 @@
           <p:cNvPr id="21" name="ProgressDot">
             <a:extLst>
               <a:ext uri="{FF2B5EF4-FFF2-40B4-BE49-F238E27FC236}">
-                <a16:creationId xmlns:a16="http://schemas.microsoft.com/office/drawing/2014/main" id="{069B1C9A-1C5D-CE3A-4513-2982E3FA9C37}"/>
+                <a16:creationId xmlns:a16="http://schemas.microsoft.com/office/drawing/2014/main" id="{799DAAFD-92FB-CC60-B37D-84FE05FD1FAE}"/>
               </a:ext>
             </a:extLst>
           </p:cNvPr>
@@ -18652,7 +18670,61 @@
         </p:nvSpPr>
         <p:spPr>
           <a:xfrm>
-            <a:off x="7810500" y="6421025"/>
+            <a:off x="7683500" y="6421025"/>
+            <a:ext cx="127000" cy="127000"/>
+          </a:xfrm>
+          <a:prstGeom prst="ellipse">
+            <a:avLst/>
+          </a:prstGeom>
+          <a:solidFill>
+            <a:srgbClr val="FFFFFF"/>
+          </a:solidFill>
+          <a:ln w="9000">
+            <a:solidFill>
+              <a:srgbClr val="000000"/>
+            </a:solidFill>
+          </a:ln>
+        </p:spPr>
+        <p:style>
+          <a:lnRef idx="2">
+            <a:schemeClr val="accent1">
+              <a:shade val="15000"/>
+            </a:schemeClr>
+          </a:lnRef>
+          <a:fillRef idx="1">
+            <a:schemeClr val="accent1"/>
+          </a:fillRef>
+          <a:effectRef idx="0">
+            <a:schemeClr val="accent1"/>
+          </a:effectRef>
+          <a:fontRef idx="minor">
+            <a:schemeClr val="lt1"/>
+          </a:fontRef>
+        </p:style>
+        <p:txBody>
+          <a:bodyPr rtlCol="0" anchor="ctr"/>
+          <a:lstStyle/>
+          <a:p>
+            <a:pPr algn="ctr"/>
+            <a:endParaRPr lang="es-PE"/>
+          </a:p>
+        </p:txBody>
+      </p:sp>
+      <p:sp>
+        <p:nvSpPr>
+          <p:cNvPr id="22" name="ProgressDot">
+            <a:extLst>
+              <a:ext uri="{FF2B5EF4-FFF2-40B4-BE49-F238E27FC236}">
+                <a16:creationId xmlns:a16="http://schemas.microsoft.com/office/drawing/2014/main" id="{2E3C44AD-7777-CEFD-D7C4-768AADA65F1F}"/>
+              </a:ext>
+            </a:extLst>
+          </p:cNvPr>
+          <p:cNvSpPr/>
+          <p:nvPr/>
+        </p:nvSpPr>
+        <p:spPr>
+          <a:xfrm>
+            <a:off x="7937500" y="6421025"/>
             <a:ext cx="127000" cy="127000"/>
           </a:xfrm>
           <a:prstGeom prst="ellipse">
@@ -19037,7 +19109,7 @@
             </a:pPr>
             <a:r>
               <a:rPr lang="es-PE" sz="2400" dirty="0"/>
-              <a:t>Por políticas de igualdad de género, la diferencia entre el nivel de satisfacción entre hombres y mujeres debe ser menor a 5%. </a:t>
+              <a:t>Por políticas de igualdad de género, la diferencia entre el nivel de satisfacción entre hombres y mujeres debe ser menor a 0.5 puntos. </a:t>
             </a:r>
           </a:p>
           <a:p>
@@ -19070,10 +19142,10 @@
       </p:sp>
       <p:sp>
         <p:nvSpPr>
-          <p:cNvPr id="9" name="ProgressDot">
-            <a:extLst>
-              <a:ext uri="{FF2B5EF4-FFF2-40B4-BE49-F238E27FC236}">
-                <a16:creationId xmlns:a16="http://schemas.microsoft.com/office/drawing/2014/main" id="{0C46B13A-4B6F-1E25-359D-D87D368C243A}"/>
+          <p:cNvPr id="2" name="ProgressDot">
+            <a:extLst>
+              <a:ext uri="{FF2B5EF4-FFF2-40B4-BE49-F238E27FC236}">
+                <a16:creationId xmlns:a16="http://schemas.microsoft.com/office/drawing/2014/main" id="{331D0C6B-DFAB-F2F1-24C1-01756BF62EA7}"/>
               </a:ext>
             </a:extLst>
           </p:cNvPr>
@@ -19082,7 +19154,7 @@
         </p:nvSpPr>
         <p:spPr>
           <a:xfrm>
-            <a:off x="4254500" y="6421025"/>
+            <a:off x="4127500" y="6421025"/>
             <a:ext cx="127000" cy="127000"/>
           </a:xfrm>
           <a:prstGeom prst="ellipse">
@@ -19124,10 +19196,10 @@
       </p:sp>
       <p:sp>
         <p:nvSpPr>
-          <p:cNvPr id="10" name="ProgressDot">
-            <a:extLst>
-              <a:ext uri="{FF2B5EF4-FFF2-40B4-BE49-F238E27FC236}">
-                <a16:creationId xmlns:a16="http://schemas.microsoft.com/office/drawing/2014/main" id="{2CA3DE32-F467-3425-BD86-A1F4B4BE8461}"/>
+          <p:cNvPr id="3" name="ProgressDot">
+            <a:extLst>
+              <a:ext uri="{FF2B5EF4-FFF2-40B4-BE49-F238E27FC236}">
+                <a16:creationId xmlns:a16="http://schemas.microsoft.com/office/drawing/2014/main" id="{D0F4CF82-EBF4-D6E0-1D66-472F3251655A}"/>
               </a:ext>
             </a:extLst>
           </p:cNvPr>
@@ -19136,7 +19208,7 @@
         </p:nvSpPr>
         <p:spPr>
           <a:xfrm>
-            <a:off x="4508500" y="6421025"/>
+            <a:off x="4381500" y="6421025"/>
             <a:ext cx="127000" cy="127000"/>
           </a:xfrm>
           <a:prstGeom prst="ellipse">
@@ -19178,10 +19250,10 @@
       </p:sp>
       <p:sp>
         <p:nvSpPr>
-          <p:cNvPr id="11" name="ProgressDot">
-            <a:extLst>
-              <a:ext uri="{FF2B5EF4-FFF2-40B4-BE49-F238E27FC236}">
-                <a16:creationId xmlns:a16="http://schemas.microsoft.com/office/drawing/2014/main" id="{1D1962D4-FE26-EFEC-8C24-07CB7628BBEC}"/>
+          <p:cNvPr id="9" name="ProgressDot">
+            <a:extLst>
+              <a:ext uri="{FF2B5EF4-FFF2-40B4-BE49-F238E27FC236}">
+                <a16:creationId xmlns:a16="http://schemas.microsoft.com/office/drawing/2014/main" id="{1E9BD437-7ADE-5378-BCD9-92A78C4A4A7C}"/>
               </a:ext>
             </a:extLst>
           </p:cNvPr>
@@ -19190,7 +19262,7 @@
         </p:nvSpPr>
         <p:spPr>
           <a:xfrm>
-            <a:off x="4762500" y="6421025"/>
+            <a:off x="4635500" y="6421025"/>
             <a:ext cx="127000" cy="127000"/>
           </a:xfrm>
           <a:prstGeom prst="ellipse">
@@ -19232,10 +19304,10 @@
       </p:sp>
       <p:sp>
         <p:nvSpPr>
-          <p:cNvPr id="12" name="ProgressDot">
-            <a:extLst>
-              <a:ext uri="{FF2B5EF4-FFF2-40B4-BE49-F238E27FC236}">
-                <a16:creationId xmlns:a16="http://schemas.microsoft.com/office/drawing/2014/main" id="{0C7AF43E-01C1-0931-3C11-8A39D0BB3A5B}"/>
+          <p:cNvPr id="10" name="ProgressDot">
+            <a:extLst>
+              <a:ext uri="{FF2B5EF4-FFF2-40B4-BE49-F238E27FC236}">
+                <a16:creationId xmlns:a16="http://schemas.microsoft.com/office/drawing/2014/main" id="{77E57D4F-7BDE-15C9-8725-0E37F9BC1B11}"/>
               </a:ext>
             </a:extLst>
           </p:cNvPr>
@@ -19244,7 +19316,7 @@
         </p:nvSpPr>
         <p:spPr>
           <a:xfrm>
-            <a:off x="5016500" y="6421025"/>
+            <a:off x="4889500" y="6421025"/>
             <a:ext cx="127000" cy="127000"/>
           </a:xfrm>
           <a:prstGeom prst="ellipse">
@@ -19286,10 +19358,10 @@
       </p:sp>
       <p:sp>
         <p:nvSpPr>
-          <p:cNvPr id="13" name="ProgressDot">
-            <a:extLst>
-              <a:ext uri="{FF2B5EF4-FFF2-40B4-BE49-F238E27FC236}">
-                <a16:creationId xmlns:a16="http://schemas.microsoft.com/office/drawing/2014/main" id="{8DA8A992-71DF-68FA-AFFE-7301F161CF17}"/>
+          <p:cNvPr id="11" name="ProgressDot">
+            <a:extLst>
+              <a:ext uri="{FF2B5EF4-FFF2-40B4-BE49-F238E27FC236}">
+                <a16:creationId xmlns:a16="http://schemas.microsoft.com/office/drawing/2014/main" id="{3F25C3A6-84B5-B502-2EB3-D9063E56751F}"/>
               </a:ext>
             </a:extLst>
           </p:cNvPr>
@@ -19298,7 +19370,7 @@
         </p:nvSpPr>
         <p:spPr>
           <a:xfrm>
-            <a:off x="5270500" y="6421025"/>
+            <a:off x="5143500" y="6421025"/>
             <a:ext cx="127000" cy="127000"/>
           </a:xfrm>
           <a:prstGeom prst="ellipse">
@@ -19340,10 +19412,10 @@
       </p:sp>
       <p:sp>
         <p:nvSpPr>
-          <p:cNvPr id="14" name="ProgressDot">
-            <a:extLst>
-              <a:ext uri="{FF2B5EF4-FFF2-40B4-BE49-F238E27FC236}">
-                <a16:creationId xmlns:a16="http://schemas.microsoft.com/office/drawing/2014/main" id="{AC5314B5-B262-17B7-5D5E-058C03A02411}"/>
+          <p:cNvPr id="12" name="ProgressDot">
+            <a:extLst>
+              <a:ext uri="{FF2B5EF4-FFF2-40B4-BE49-F238E27FC236}">
+                <a16:creationId xmlns:a16="http://schemas.microsoft.com/office/drawing/2014/main" id="{37DA1270-FC4F-F6E9-3151-1E05CF750748}"/>
               </a:ext>
             </a:extLst>
           </p:cNvPr>
@@ -19352,7 +19424,7 @@
         </p:nvSpPr>
         <p:spPr>
           <a:xfrm>
-            <a:off x="5524500" y="6421025"/>
+            <a:off x="5397500" y="6421025"/>
             <a:ext cx="127000" cy="127000"/>
           </a:xfrm>
           <a:prstGeom prst="ellipse">
@@ -19394,10 +19466,10 @@
       </p:sp>
       <p:sp>
         <p:nvSpPr>
-          <p:cNvPr id="15" name="ProgressDot">
-            <a:extLst>
-              <a:ext uri="{FF2B5EF4-FFF2-40B4-BE49-F238E27FC236}">
-                <a16:creationId xmlns:a16="http://schemas.microsoft.com/office/drawing/2014/main" id="{C2DC0B07-19A9-5D68-06F0-B1EB1745050E}"/>
+          <p:cNvPr id="13" name="ProgressDot">
+            <a:extLst>
+              <a:ext uri="{FF2B5EF4-FFF2-40B4-BE49-F238E27FC236}">
+                <a16:creationId xmlns:a16="http://schemas.microsoft.com/office/drawing/2014/main" id="{D95E3BAF-8D70-4B5B-5F51-BE7492672D05}"/>
               </a:ext>
             </a:extLst>
           </p:cNvPr>
@@ -19406,7 +19478,7 @@
         </p:nvSpPr>
         <p:spPr>
           <a:xfrm>
-            <a:off x="5778500" y="6421025"/>
+            <a:off x="5651500" y="6421025"/>
             <a:ext cx="127000" cy="127000"/>
           </a:xfrm>
           <a:prstGeom prst="ellipse">
@@ -19448,10 +19520,10 @@
       </p:sp>
       <p:sp>
         <p:nvSpPr>
-          <p:cNvPr id="16" name="ProgressDot">
-            <a:extLst>
-              <a:ext uri="{FF2B5EF4-FFF2-40B4-BE49-F238E27FC236}">
-                <a16:creationId xmlns:a16="http://schemas.microsoft.com/office/drawing/2014/main" id="{5239493D-818C-56AE-2FD7-27A516FA4692}"/>
+          <p:cNvPr id="14" name="ProgressDot">
+            <a:extLst>
+              <a:ext uri="{FF2B5EF4-FFF2-40B4-BE49-F238E27FC236}">
+                <a16:creationId xmlns:a16="http://schemas.microsoft.com/office/drawing/2014/main" id="{D842783A-CAD7-5D64-D1DA-95B75B3C4EDE}"/>
               </a:ext>
             </a:extLst>
           </p:cNvPr>
@@ -19460,7 +19532,7 @@
         </p:nvSpPr>
         <p:spPr>
           <a:xfrm>
-            <a:off x="6032500" y="6421025"/>
+            <a:off x="5905500" y="6421025"/>
             <a:ext cx="127000" cy="127000"/>
           </a:xfrm>
           <a:prstGeom prst="ellipse">
@@ -19502,10 +19574,10 @@
       </p:sp>
       <p:sp>
         <p:nvSpPr>
-          <p:cNvPr id="17" name="ProgressDot">
-            <a:extLst>
-              <a:ext uri="{FF2B5EF4-FFF2-40B4-BE49-F238E27FC236}">
-                <a16:creationId xmlns:a16="http://schemas.microsoft.com/office/drawing/2014/main" id="{A3E13243-EB25-0D5B-EE9F-C90D858E5305}"/>
+          <p:cNvPr id="15" name="ProgressDot">
+            <a:extLst>
+              <a:ext uri="{FF2B5EF4-FFF2-40B4-BE49-F238E27FC236}">
+                <a16:creationId xmlns:a16="http://schemas.microsoft.com/office/drawing/2014/main" id="{D85649DD-FE79-BDA9-DF26-7C6FC16ADF96}"/>
               </a:ext>
             </a:extLst>
           </p:cNvPr>
@@ -19514,7 +19586,7 @@
         </p:nvSpPr>
         <p:spPr>
           <a:xfrm>
-            <a:off x="6286500" y="6421025"/>
+            <a:off x="6159500" y="6421025"/>
             <a:ext cx="127000" cy="127000"/>
           </a:xfrm>
           <a:prstGeom prst="ellipse">
@@ -19556,10 +19628,10 @@
       </p:sp>
       <p:sp>
         <p:nvSpPr>
-          <p:cNvPr id="18" name="ProgressDot">
-            <a:extLst>
-              <a:ext uri="{FF2B5EF4-FFF2-40B4-BE49-F238E27FC236}">
-                <a16:creationId xmlns:a16="http://schemas.microsoft.com/office/drawing/2014/main" id="{4BF7DC1E-AF2C-32C8-DE90-F8C603622F97}"/>
+          <p:cNvPr id="16" name="ProgressDot">
+            <a:extLst>
+              <a:ext uri="{FF2B5EF4-FFF2-40B4-BE49-F238E27FC236}">
+                <a16:creationId xmlns:a16="http://schemas.microsoft.com/office/drawing/2014/main" id="{2755C6AF-F874-4240-C531-01B0683129D4}"/>
               </a:ext>
             </a:extLst>
           </p:cNvPr>
@@ -19568,7 +19640,7 @@
         </p:nvSpPr>
         <p:spPr>
           <a:xfrm>
-            <a:off x="6540500" y="6421025"/>
+            <a:off x="6413500" y="6421025"/>
             <a:ext cx="127000" cy="127000"/>
           </a:xfrm>
           <a:prstGeom prst="ellipse">
@@ -19610,10 +19682,10 @@
       </p:sp>
       <p:sp>
         <p:nvSpPr>
-          <p:cNvPr id="19" name="ProgressDot">
-            <a:extLst>
-              <a:ext uri="{FF2B5EF4-FFF2-40B4-BE49-F238E27FC236}">
-                <a16:creationId xmlns:a16="http://schemas.microsoft.com/office/drawing/2014/main" id="{7D9D02CF-CA50-E0FD-A0EE-A1AC7182D993}"/>
+          <p:cNvPr id="17" name="ProgressDot">
+            <a:extLst>
+              <a:ext uri="{FF2B5EF4-FFF2-40B4-BE49-F238E27FC236}">
+                <a16:creationId xmlns:a16="http://schemas.microsoft.com/office/drawing/2014/main" id="{49433DB7-869C-10CD-4E7D-B787D4424F42}"/>
               </a:ext>
             </a:extLst>
           </p:cNvPr>
@@ -19622,7 +19694,7 @@
         </p:nvSpPr>
         <p:spPr>
           <a:xfrm>
-            <a:off x="6794500" y="6421025"/>
+            <a:off x="6667500" y="6421025"/>
             <a:ext cx="127000" cy="127000"/>
           </a:xfrm>
           <a:prstGeom prst="ellipse">
@@ -19664,10 +19736,10 @@
       </p:sp>
       <p:sp>
         <p:nvSpPr>
-          <p:cNvPr id="20" name="ProgressDot">
-            <a:extLst>
-              <a:ext uri="{FF2B5EF4-FFF2-40B4-BE49-F238E27FC236}">
-                <a16:creationId xmlns:a16="http://schemas.microsoft.com/office/drawing/2014/main" id="{187CC6CF-8C3B-167D-7E82-B17031FC127E}"/>
+          <p:cNvPr id="18" name="ProgressDot">
+            <a:extLst>
+              <a:ext uri="{FF2B5EF4-FFF2-40B4-BE49-F238E27FC236}">
+                <a16:creationId xmlns:a16="http://schemas.microsoft.com/office/drawing/2014/main" id="{C5F81C6E-2786-8036-7FA4-7612B81E98FE}"/>
               </a:ext>
             </a:extLst>
           </p:cNvPr>
@@ -19676,7 +19748,7 @@
         </p:nvSpPr>
         <p:spPr>
           <a:xfrm>
-            <a:off x="7048500" y="6421025"/>
+            <a:off x="6921500" y="6421025"/>
             <a:ext cx="127000" cy="127000"/>
           </a:xfrm>
           <a:prstGeom prst="ellipse">
@@ -19718,10 +19790,10 @@
       </p:sp>
       <p:sp>
         <p:nvSpPr>
-          <p:cNvPr id="21" name="ProgressDot">
-            <a:extLst>
-              <a:ext uri="{FF2B5EF4-FFF2-40B4-BE49-F238E27FC236}">
-                <a16:creationId xmlns:a16="http://schemas.microsoft.com/office/drawing/2014/main" id="{7709C1CB-4D35-747E-67B9-B5BBCE31A245}"/>
+          <p:cNvPr id="19" name="ProgressDot">
+            <a:extLst>
+              <a:ext uri="{FF2B5EF4-FFF2-40B4-BE49-F238E27FC236}">
+                <a16:creationId xmlns:a16="http://schemas.microsoft.com/office/drawing/2014/main" id="{1DEE6CCF-01C2-B550-85BA-DA6E7CAB408A}"/>
               </a:ext>
             </a:extLst>
           </p:cNvPr>
@@ -19730,7 +19802,7 @@
         </p:nvSpPr>
         <p:spPr>
           <a:xfrm>
-            <a:off x="7302500" y="6421025"/>
+            <a:off x="7175500" y="6421025"/>
             <a:ext cx="127000" cy="127000"/>
           </a:xfrm>
           <a:prstGeom prst="ellipse">
@@ -19772,10 +19844,10 @@
       </p:sp>
       <p:sp>
         <p:nvSpPr>
-          <p:cNvPr id="22" name="ProgressDot">
-            <a:extLst>
-              <a:ext uri="{FF2B5EF4-FFF2-40B4-BE49-F238E27FC236}">
-                <a16:creationId xmlns:a16="http://schemas.microsoft.com/office/drawing/2014/main" id="{A7ADE5AA-EC8D-4F80-CFF3-95E2C3D24B88}"/>
+          <p:cNvPr id="20" name="ProgressDot">
+            <a:extLst>
+              <a:ext uri="{FF2B5EF4-FFF2-40B4-BE49-F238E27FC236}">
+                <a16:creationId xmlns:a16="http://schemas.microsoft.com/office/drawing/2014/main" id="{E916DFDD-3A94-7919-5672-AD64D2D582BA}"/>
               </a:ext>
             </a:extLst>
           </p:cNvPr>
@@ -19784,7 +19856,7 @@
         </p:nvSpPr>
         <p:spPr>
           <a:xfrm>
-            <a:off x="7556500" y="6421025"/>
+            <a:off x="7429500" y="6421025"/>
             <a:ext cx="127000" cy="127000"/>
           </a:xfrm>
           <a:prstGeom prst="ellipse">
@@ -19826,10 +19898,10 @@
       </p:sp>
       <p:sp>
         <p:nvSpPr>
-          <p:cNvPr id="23" name="ProgressDot">
-            <a:extLst>
-              <a:ext uri="{FF2B5EF4-FFF2-40B4-BE49-F238E27FC236}">
-                <a16:creationId xmlns:a16="http://schemas.microsoft.com/office/drawing/2014/main" id="{E3B3DCE6-C9EB-39AA-C7B7-777575271A40}"/>
+          <p:cNvPr id="21" name="ProgressDot">
+            <a:extLst>
+              <a:ext uri="{FF2B5EF4-FFF2-40B4-BE49-F238E27FC236}">
+                <a16:creationId xmlns:a16="http://schemas.microsoft.com/office/drawing/2014/main" id="{3A38D50E-AAD0-CBE3-3416-680ACF878569}"/>
               </a:ext>
             </a:extLst>
           </p:cNvPr>
@@ -19838,7 +19910,61 @@
         </p:nvSpPr>
         <p:spPr>
           <a:xfrm>
-            <a:off x="7810500" y="6421025"/>
+            <a:off x="7683500" y="6421025"/>
+            <a:ext cx="127000" cy="127000"/>
+          </a:xfrm>
+          <a:prstGeom prst="ellipse">
+            <a:avLst/>
+          </a:prstGeom>
+          <a:solidFill>
+            <a:srgbClr val="FFFFFF"/>
+          </a:solidFill>
+          <a:ln w="9000">
+            <a:solidFill>
+              <a:srgbClr val="000000"/>
+            </a:solidFill>
+          </a:ln>
+        </p:spPr>
+        <p:style>
+          <a:lnRef idx="2">
+            <a:schemeClr val="accent1">
+              <a:shade val="15000"/>
+            </a:schemeClr>
+          </a:lnRef>
+          <a:fillRef idx="1">
+            <a:schemeClr val="accent1"/>
+          </a:fillRef>
+          <a:effectRef idx="0">
+            <a:schemeClr val="accent1"/>
+          </a:effectRef>
+          <a:fontRef idx="minor">
+            <a:schemeClr val="lt1"/>
+          </a:fontRef>
+        </p:style>
+        <p:txBody>
+          <a:bodyPr rtlCol="0" anchor="ctr"/>
+          <a:lstStyle/>
+          <a:p>
+            <a:pPr algn="ctr"/>
+            <a:endParaRPr lang="es-PE"/>
+          </a:p>
+        </p:txBody>
+      </p:sp>
+      <p:sp>
+        <p:nvSpPr>
+          <p:cNvPr id="22" name="ProgressDot">
+            <a:extLst>
+              <a:ext uri="{FF2B5EF4-FFF2-40B4-BE49-F238E27FC236}">
+                <a16:creationId xmlns:a16="http://schemas.microsoft.com/office/drawing/2014/main" id="{B8BC42BE-3C32-6808-4472-D1B7E1EF0724}"/>
+              </a:ext>
+            </a:extLst>
+          </p:cNvPr>
+          <p:cNvSpPr/>
+          <p:nvPr/>
+        </p:nvSpPr>
+        <p:spPr>
+          <a:xfrm>
+            <a:off x="7937500" y="6421025"/>
             <a:ext cx="127000" cy="127000"/>
           </a:xfrm>
           <a:prstGeom prst="ellipse">
@@ -20076,7 +20202,7 @@
           <p:cNvPr id="5" name="ProgressDot">
             <a:extLst>
               <a:ext uri="{FF2B5EF4-FFF2-40B4-BE49-F238E27FC236}">
-                <a16:creationId xmlns:a16="http://schemas.microsoft.com/office/drawing/2014/main" id="{75FD09AF-DA89-E1F3-1489-03C74EFB4C77}"/>
+                <a16:creationId xmlns:a16="http://schemas.microsoft.com/office/drawing/2014/main" id="{7AE1C223-A0F8-6CD0-2EFC-E5A73BC1C942}"/>
               </a:ext>
             </a:extLst>
           </p:cNvPr>
@@ -20085,7 +20211,7 @@
         </p:nvSpPr>
         <p:spPr>
           <a:xfrm>
-            <a:off x="4254500" y="6421025"/>
+            <a:off x="4127500" y="6421025"/>
             <a:ext cx="127000" cy="127000"/>
           </a:xfrm>
           <a:prstGeom prst="ellipse">
@@ -20130,7 +20256,7 @@
           <p:cNvPr id="6" name="ProgressDot">
             <a:extLst>
               <a:ext uri="{FF2B5EF4-FFF2-40B4-BE49-F238E27FC236}">
-                <a16:creationId xmlns:a16="http://schemas.microsoft.com/office/drawing/2014/main" id="{BC7FD303-7508-2B2A-51D7-9DD85B80044B}"/>
+                <a16:creationId xmlns:a16="http://schemas.microsoft.com/office/drawing/2014/main" id="{F5C85091-1CF8-44B9-0199-24142AF8A584}"/>
               </a:ext>
             </a:extLst>
           </p:cNvPr>
@@ -20139,7 +20265,7 @@
         </p:nvSpPr>
         <p:spPr>
           <a:xfrm>
-            <a:off x="4508500" y="6421025"/>
+            <a:off x="4381500" y="6421025"/>
             <a:ext cx="127000" cy="127000"/>
           </a:xfrm>
           <a:prstGeom prst="ellipse">
@@ -20184,7 +20310,7 @@
           <p:cNvPr id="7" name="ProgressDot">
             <a:extLst>
               <a:ext uri="{FF2B5EF4-FFF2-40B4-BE49-F238E27FC236}">
-                <a16:creationId xmlns:a16="http://schemas.microsoft.com/office/drawing/2014/main" id="{90C8D5F2-63F8-C5E7-AFD9-C2091DFE9A6E}"/>
+                <a16:creationId xmlns:a16="http://schemas.microsoft.com/office/drawing/2014/main" id="{3C6AF31E-BE57-AEB2-6FA2-134357072A7B}"/>
               </a:ext>
             </a:extLst>
           </p:cNvPr>
@@ -20193,7 +20319,7 @@
         </p:nvSpPr>
         <p:spPr>
           <a:xfrm>
-            <a:off x="4762500" y="6421025"/>
+            <a:off x="4635500" y="6421025"/>
             <a:ext cx="127000" cy="127000"/>
           </a:xfrm>
           <a:prstGeom prst="ellipse">
@@ -20238,7 +20364,7 @@
           <p:cNvPr id="8" name="ProgressDot">
             <a:extLst>
               <a:ext uri="{FF2B5EF4-FFF2-40B4-BE49-F238E27FC236}">
-                <a16:creationId xmlns:a16="http://schemas.microsoft.com/office/drawing/2014/main" id="{E7D2B120-452D-68E6-E394-8870F1E684E8}"/>
+                <a16:creationId xmlns:a16="http://schemas.microsoft.com/office/drawing/2014/main" id="{CEE80717-937E-477A-3BE8-B6BCA59E09C8}"/>
               </a:ext>
             </a:extLst>
           </p:cNvPr>
@@ -20247,7 +20373,7 @@
         </p:nvSpPr>
         <p:spPr>
           <a:xfrm>
-            <a:off x="5016500" y="6421025"/>
+            <a:off x="4889500" y="6421025"/>
             <a:ext cx="127000" cy="127000"/>
           </a:xfrm>
           <a:prstGeom prst="ellipse">
@@ -20292,7 +20418,7 @@
           <p:cNvPr id="9" name="ProgressDot">
             <a:extLst>
               <a:ext uri="{FF2B5EF4-FFF2-40B4-BE49-F238E27FC236}">
-                <a16:creationId xmlns:a16="http://schemas.microsoft.com/office/drawing/2014/main" id="{B240BBBF-DB01-8099-1431-A678C36E4A7F}"/>
+                <a16:creationId xmlns:a16="http://schemas.microsoft.com/office/drawing/2014/main" id="{696D31B5-1B36-B794-9BF4-12148ACC8795}"/>
               </a:ext>
             </a:extLst>
           </p:cNvPr>
@@ -20301,7 +20427,7 @@
         </p:nvSpPr>
         <p:spPr>
           <a:xfrm>
-            <a:off x="5270500" y="6421025"/>
+            <a:off x="5143500" y="6421025"/>
             <a:ext cx="127000" cy="127000"/>
           </a:xfrm>
           <a:prstGeom prst="ellipse">
@@ -20346,7 +20472,7 @@
           <p:cNvPr id="10" name="ProgressDot">
             <a:extLst>
               <a:ext uri="{FF2B5EF4-FFF2-40B4-BE49-F238E27FC236}">
-                <a16:creationId xmlns:a16="http://schemas.microsoft.com/office/drawing/2014/main" id="{7AC6F636-C384-380D-EEB2-D0F6D5B273B5}"/>
+                <a16:creationId xmlns:a16="http://schemas.microsoft.com/office/drawing/2014/main" id="{BD615905-D5DB-FE1B-0F1E-C4BC7695C305}"/>
               </a:ext>
             </a:extLst>
           </p:cNvPr>
@@ -20355,7 +20481,7 @@
         </p:nvSpPr>
         <p:spPr>
           <a:xfrm>
-            <a:off x="5524500" y="6421025"/>
+            <a:off x="5397500" y="6421025"/>
             <a:ext cx="127000" cy="127000"/>
           </a:xfrm>
           <a:prstGeom prst="ellipse">
@@ -20400,7 +20526,7 @@
           <p:cNvPr id="11" name="ProgressDot">
             <a:extLst>
               <a:ext uri="{FF2B5EF4-FFF2-40B4-BE49-F238E27FC236}">
-                <a16:creationId xmlns:a16="http://schemas.microsoft.com/office/drawing/2014/main" id="{60349F58-98DE-6382-5137-60E3333F2593}"/>
+                <a16:creationId xmlns:a16="http://schemas.microsoft.com/office/drawing/2014/main" id="{8241F9B1-2610-5845-0D57-F2DE388E931D}"/>
               </a:ext>
             </a:extLst>
           </p:cNvPr>
@@ -20409,7 +20535,7 @@
         </p:nvSpPr>
         <p:spPr>
           <a:xfrm>
-            <a:off x="5778500" y="6421025"/>
+            <a:off x="5651500" y="6421025"/>
             <a:ext cx="127000" cy="127000"/>
           </a:xfrm>
           <a:prstGeom prst="ellipse">
@@ -20454,7 +20580,7 @@
           <p:cNvPr id="12" name="ProgressDot">
             <a:extLst>
               <a:ext uri="{FF2B5EF4-FFF2-40B4-BE49-F238E27FC236}">
-                <a16:creationId xmlns:a16="http://schemas.microsoft.com/office/drawing/2014/main" id="{0A792043-2764-D2CE-0883-0EE154FD8F0C}"/>
+                <a16:creationId xmlns:a16="http://schemas.microsoft.com/office/drawing/2014/main" id="{89B3F39E-67CB-328E-5196-B440D9E3F13F}"/>
               </a:ext>
             </a:extLst>
           </p:cNvPr>
@@ -20463,7 +20589,7 @@
         </p:nvSpPr>
         <p:spPr>
           <a:xfrm>
-            <a:off x="6032500" y="6421025"/>
+            <a:off x="5905500" y="6421025"/>
             <a:ext cx="127000" cy="127000"/>
           </a:xfrm>
           <a:prstGeom prst="ellipse">
@@ -20508,7 +20634,7 @@
           <p:cNvPr id="13" name="ProgressDot">
             <a:extLst>
               <a:ext uri="{FF2B5EF4-FFF2-40B4-BE49-F238E27FC236}">
-                <a16:creationId xmlns:a16="http://schemas.microsoft.com/office/drawing/2014/main" id="{7BCDD7C4-0117-D913-D74C-4158528AF9C7}"/>
+                <a16:creationId xmlns:a16="http://schemas.microsoft.com/office/drawing/2014/main" id="{DDF3217D-1E82-C386-3BBA-DC0F650E6BCC}"/>
               </a:ext>
             </a:extLst>
           </p:cNvPr>
@@ -20517,7 +20643,7 @@
         </p:nvSpPr>
         <p:spPr>
           <a:xfrm>
-            <a:off x="6286500" y="6421025"/>
+            <a:off x="6159500" y="6421025"/>
             <a:ext cx="127000" cy="127000"/>
           </a:xfrm>
           <a:prstGeom prst="ellipse">
@@ -20562,7 +20688,7 @@
           <p:cNvPr id="14" name="ProgressDot">
             <a:extLst>
               <a:ext uri="{FF2B5EF4-FFF2-40B4-BE49-F238E27FC236}">
-                <a16:creationId xmlns:a16="http://schemas.microsoft.com/office/drawing/2014/main" id="{A59927B9-7B2D-7EB4-5898-D50D9B07B203}"/>
+                <a16:creationId xmlns:a16="http://schemas.microsoft.com/office/drawing/2014/main" id="{E886E95B-0D42-3576-612C-953B4932FF70}"/>
               </a:ext>
             </a:extLst>
           </p:cNvPr>
@@ -20571,7 +20697,7 @@
         </p:nvSpPr>
         <p:spPr>
           <a:xfrm>
-            <a:off x="6540500" y="6421025"/>
+            <a:off x="6413500" y="6421025"/>
             <a:ext cx="127000" cy="127000"/>
           </a:xfrm>
           <a:prstGeom prst="ellipse">
@@ -20616,7 +20742,7 @@
           <p:cNvPr id="15" name="ProgressDot">
             <a:extLst>
               <a:ext uri="{FF2B5EF4-FFF2-40B4-BE49-F238E27FC236}">
-                <a16:creationId xmlns:a16="http://schemas.microsoft.com/office/drawing/2014/main" id="{44C84DA8-6FA7-97B6-2D3D-1F8CA8C70B71}"/>
+                <a16:creationId xmlns:a16="http://schemas.microsoft.com/office/drawing/2014/main" id="{5A411E12-B339-038D-A5C2-A448F42C2777}"/>
               </a:ext>
             </a:extLst>
           </p:cNvPr>
@@ -20625,7 +20751,7 @@
         </p:nvSpPr>
         <p:spPr>
           <a:xfrm>
-            <a:off x="6794500" y="6421025"/>
+            <a:off x="6667500" y="6421025"/>
             <a:ext cx="127000" cy="127000"/>
           </a:xfrm>
           <a:prstGeom prst="ellipse">
@@ -20670,7 +20796,7 @@
           <p:cNvPr id="16" name="ProgressDot">
             <a:extLst>
               <a:ext uri="{FF2B5EF4-FFF2-40B4-BE49-F238E27FC236}">
-                <a16:creationId xmlns:a16="http://schemas.microsoft.com/office/drawing/2014/main" id="{23A1058D-B114-454F-B098-DF61EE6034EA}"/>
+                <a16:creationId xmlns:a16="http://schemas.microsoft.com/office/drawing/2014/main" id="{7E87C22E-7AEA-4E15-9751-4CEE5BE55683}"/>
               </a:ext>
             </a:extLst>
           </p:cNvPr>
@@ -20679,7 +20805,7 @@
         </p:nvSpPr>
         <p:spPr>
           <a:xfrm>
-            <a:off x="7048500" y="6421025"/>
+            <a:off x="6921500" y="6421025"/>
             <a:ext cx="127000" cy="127000"/>
           </a:xfrm>
           <a:prstGeom prst="ellipse">
@@ -20724,7 +20850,7 @@
           <p:cNvPr id="17" name="ProgressDot">
             <a:extLst>
               <a:ext uri="{FF2B5EF4-FFF2-40B4-BE49-F238E27FC236}">
-                <a16:creationId xmlns:a16="http://schemas.microsoft.com/office/drawing/2014/main" id="{4BFF30DB-F28F-A7AF-A97B-890389B16BF3}"/>
+                <a16:creationId xmlns:a16="http://schemas.microsoft.com/office/drawing/2014/main" id="{71976DA6-3E73-DF8E-B3FD-97B161991A3F}"/>
               </a:ext>
             </a:extLst>
           </p:cNvPr>
@@ -20733,7 +20859,7 @@
         </p:nvSpPr>
         <p:spPr>
           <a:xfrm>
-            <a:off x="7302500" y="6421025"/>
+            <a:off x="7175500" y="6421025"/>
             <a:ext cx="127000" cy="127000"/>
           </a:xfrm>
           <a:prstGeom prst="ellipse">
@@ -20778,7 +20904,7 @@
           <p:cNvPr id="18" name="ProgressDot">
             <a:extLst>
               <a:ext uri="{FF2B5EF4-FFF2-40B4-BE49-F238E27FC236}">
-                <a16:creationId xmlns:a16="http://schemas.microsoft.com/office/drawing/2014/main" id="{4BD2EEAC-F227-F968-2D7C-E3312ADA1014}"/>
+                <a16:creationId xmlns:a16="http://schemas.microsoft.com/office/drawing/2014/main" id="{6E7355F1-E9F9-8537-4F1B-C51ADF71A616}"/>
               </a:ext>
             </a:extLst>
           </p:cNvPr>
@@ -20787,7 +20913,7 @@
         </p:nvSpPr>
         <p:spPr>
           <a:xfrm>
-            <a:off x="7556500" y="6421025"/>
+            <a:off x="7429500" y="6421025"/>
             <a:ext cx="127000" cy="127000"/>
           </a:xfrm>
           <a:prstGeom prst="ellipse">
@@ -20832,7 +20958,7 @@
           <p:cNvPr id="19" name="ProgressDot">
             <a:extLst>
               <a:ext uri="{FF2B5EF4-FFF2-40B4-BE49-F238E27FC236}">
-                <a16:creationId xmlns:a16="http://schemas.microsoft.com/office/drawing/2014/main" id="{4BCB8823-E619-6953-734E-2B88708B3FCD}"/>
+                <a16:creationId xmlns:a16="http://schemas.microsoft.com/office/drawing/2014/main" id="{3C8355A3-5E65-7776-B942-038E124239B3}"/>
               </a:ext>
             </a:extLst>
           </p:cNvPr>
@@ -20841,7 +20967,61 @@
         </p:nvSpPr>
         <p:spPr>
           <a:xfrm>
-            <a:off x="7810500" y="6421025"/>
+            <a:off x="7683500" y="6421025"/>
+            <a:ext cx="127000" cy="127000"/>
+          </a:xfrm>
+          <a:prstGeom prst="ellipse">
+            <a:avLst/>
+          </a:prstGeom>
+          <a:solidFill>
+            <a:srgbClr val="FFFFFF"/>
+          </a:solidFill>
+          <a:ln w="9000">
+            <a:solidFill>
+              <a:srgbClr val="000000"/>
+            </a:solidFill>
+          </a:ln>
+        </p:spPr>
+        <p:style>
+          <a:lnRef idx="2">
+            <a:schemeClr val="accent1">
+              <a:shade val="15000"/>
+            </a:schemeClr>
+          </a:lnRef>
+          <a:fillRef idx="1">
+            <a:schemeClr val="accent1"/>
+          </a:fillRef>
+          <a:effectRef idx="0">
+            <a:schemeClr val="accent1"/>
+          </a:effectRef>
+          <a:fontRef idx="minor">
+            <a:schemeClr val="lt1"/>
+          </a:fontRef>
+        </p:style>
+        <p:txBody>
+          <a:bodyPr rtlCol="0" anchor="ctr"/>
+          <a:lstStyle/>
+          <a:p>
+            <a:pPr algn="ctr"/>
+            <a:endParaRPr lang="es-PE"/>
+          </a:p>
+        </p:txBody>
+      </p:sp>
+      <p:sp>
+        <p:nvSpPr>
+          <p:cNvPr id="20" name="ProgressDot">
+            <a:extLst>
+              <a:ext uri="{FF2B5EF4-FFF2-40B4-BE49-F238E27FC236}">
+                <a16:creationId xmlns:a16="http://schemas.microsoft.com/office/drawing/2014/main" id="{E5E570DE-4CC7-EA88-E456-2D51B9F949DA}"/>
+              </a:ext>
+            </a:extLst>
+          </p:cNvPr>
+          <p:cNvSpPr/>
+          <p:nvPr/>
+        </p:nvSpPr>
+        <p:spPr>
+          <a:xfrm>
+            <a:off x="7937500" y="6421025"/>
             <a:ext cx="127000" cy="127000"/>
           </a:xfrm>
           <a:prstGeom prst="ellipse">
@@ -22730,10 +22910,10 @@
       </p:graphicFrame>
       <p:sp>
         <p:nvSpPr>
-          <p:cNvPr id="24" name="ProgressDot">
-            <a:extLst>
-              <a:ext uri="{FF2B5EF4-FFF2-40B4-BE49-F238E27FC236}">
-                <a16:creationId xmlns:a16="http://schemas.microsoft.com/office/drawing/2014/main" id="{B17585EF-1222-D8E2-53FA-024FA7B497AE}"/>
+          <p:cNvPr id="6" name="ProgressDot">
+            <a:extLst>
+              <a:ext uri="{FF2B5EF4-FFF2-40B4-BE49-F238E27FC236}">
+                <a16:creationId xmlns:a16="http://schemas.microsoft.com/office/drawing/2014/main" id="{4B14EC4A-DA7C-89A0-7154-05AE190F5170}"/>
               </a:ext>
             </a:extLst>
           </p:cNvPr>
@@ -22742,7 +22922,7 @@
         </p:nvSpPr>
         <p:spPr>
           <a:xfrm>
-            <a:off x="4254500" y="6421025"/>
+            <a:off x="4127500" y="6421025"/>
             <a:ext cx="127000" cy="127000"/>
           </a:xfrm>
           <a:prstGeom prst="ellipse">
@@ -22784,10 +22964,10 @@
       </p:sp>
       <p:sp>
         <p:nvSpPr>
-          <p:cNvPr id="25" name="ProgressDot">
-            <a:extLst>
-              <a:ext uri="{FF2B5EF4-FFF2-40B4-BE49-F238E27FC236}">
-                <a16:creationId xmlns:a16="http://schemas.microsoft.com/office/drawing/2014/main" id="{4F4C268C-5154-2015-A90C-DE13B2B957C5}"/>
+          <p:cNvPr id="7" name="ProgressDot">
+            <a:extLst>
+              <a:ext uri="{FF2B5EF4-FFF2-40B4-BE49-F238E27FC236}">
+                <a16:creationId xmlns:a16="http://schemas.microsoft.com/office/drawing/2014/main" id="{A8452C55-66D0-FAD5-5E59-C7BD4EA44FF0}"/>
               </a:ext>
             </a:extLst>
           </p:cNvPr>
@@ -22796,7 +22976,7 @@
         </p:nvSpPr>
         <p:spPr>
           <a:xfrm>
-            <a:off x="4508500" y="6421025"/>
+            <a:off x="4381500" y="6421025"/>
             <a:ext cx="127000" cy="127000"/>
           </a:xfrm>
           <a:prstGeom prst="ellipse">
@@ -22838,10 +23018,10 @@
       </p:sp>
       <p:sp>
         <p:nvSpPr>
-          <p:cNvPr id="26" name="ProgressDot">
-            <a:extLst>
-              <a:ext uri="{FF2B5EF4-FFF2-40B4-BE49-F238E27FC236}">
-                <a16:creationId xmlns:a16="http://schemas.microsoft.com/office/drawing/2014/main" id="{2F663ABD-6D89-7742-56EC-8657639892CE}"/>
+          <p:cNvPr id="8" name="ProgressDot">
+            <a:extLst>
+              <a:ext uri="{FF2B5EF4-FFF2-40B4-BE49-F238E27FC236}">
+                <a16:creationId xmlns:a16="http://schemas.microsoft.com/office/drawing/2014/main" id="{F1A1B3C1-6EF8-66FF-1A30-08CED2E9FB1B}"/>
               </a:ext>
             </a:extLst>
           </p:cNvPr>
@@ -22850,7 +23030,7 @@
         </p:nvSpPr>
         <p:spPr>
           <a:xfrm>
-            <a:off x="4762500" y="6421025"/>
+            <a:off x="4635500" y="6421025"/>
             <a:ext cx="127000" cy="127000"/>
           </a:xfrm>
           <a:prstGeom prst="ellipse">
@@ -22892,10 +23072,10 @@
       </p:sp>
       <p:sp>
         <p:nvSpPr>
-          <p:cNvPr id="27" name="ProgressDot">
-            <a:extLst>
-              <a:ext uri="{FF2B5EF4-FFF2-40B4-BE49-F238E27FC236}">
-                <a16:creationId xmlns:a16="http://schemas.microsoft.com/office/drawing/2014/main" id="{66CE10FD-A450-C2D0-4B14-9E584CA784BE}"/>
+          <p:cNvPr id="10" name="ProgressDot">
+            <a:extLst>
+              <a:ext uri="{FF2B5EF4-FFF2-40B4-BE49-F238E27FC236}">
+                <a16:creationId xmlns:a16="http://schemas.microsoft.com/office/drawing/2014/main" id="{AB96DE6F-EDD3-A4C5-970A-C9010BB1FFA4}"/>
               </a:ext>
             </a:extLst>
           </p:cNvPr>
@@ -22904,7 +23084,7 @@
         </p:nvSpPr>
         <p:spPr>
           <a:xfrm>
-            <a:off x="5016500" y="6421025"/>
+            <a:off x="4889500" y="6421025"/>
             <a:ext cx="127000" cy="127000"/>
           </a:xfrm>
           <a:prstGeom prst="ellipse">
@@ -22946,10 +23126,10 @@
       </p:sp>
       <p:sp>
         <p:nvSpPr>
-          <p:cNvPr id="28" name="ProgressDot">
-            <a:extLst>
-              <a:ext uri="{FF2B5EF4-FFF2-40B4-BE49-F238E27FC236}">
-                <a16:creationId xmlns:a16="http://schemas.microsoft.com/office/drawing/2014/main" id="{4991AD48-5124-4C67-062D-92B2ACDA86E8}"/>
+          <p:cNvPr id="11" name="ProgressDot">
+            <a:extLst>
+              <a:ext uri="{FF2B5EF4-FFF2-40B4-BE49-F238E27FC236}">
+                <a16:creationId xmlns:a16="http://schemas.microsoft.com/office/drawing/2014/main" id="{0B524469-74B3-3926-88EC-F98AE3AA7CA7}"/>
               </a:ext>
             </a:extLst>
           </p:cNvPr>
@@ -22958,7 +23138,7 @@
         </p:nvSpPr>
         <p:spPr>
           <a:xfrm>
-            <a:off x="5270500" y="6421025"/>
+            <a:off x="5143500" y="6421025"/>
             <a:ext cx="127000" cy="127000"/>
           </a:xfrm>
           <a:prstGeom prst="ellipse">
@@ -23000,10 +23180,10 @@
       </p:sp>
       <p:sp>
         <p:nvSpPr>
-          <p:cNvPr id="29" name="ProgressDot">
-            <a:extLst>
-              <a:ext uri="{FF2B5EF4-FFF2-40B4-BE49-F238E27FC236}">
-                <a16:creationId xmlns:a16="http://schemas.microsoft.com/office/drawing/2014/main" id="{F161B97F-7D9B-7FDA-1F2C-E7825C0C13F6}"/>
+          <p:cNvPr id="12" name="ProgressDot">
+            <a:extLst>
+              <a:ext uri="{FF2B5EF4-FFF2-40B4-BE49-F238E27FC236}">
+                <a16:creationId xmlns:a16="http://schemas.microsoft.com/office/drawing/2014/main" id="{B166A47A-1ED2-B108-72F7-52BADDC8A45A}"/>
               </a:ext>
             </a:extLst>
           </p:cNvPr>
@@ -23012,7 +23192,7 @@
         </p:nvSpPr>
         <p:spPr>
           <a:xfrm>
-            <a:off x="5524500" y="6421025"/>
+            <a:off x="5397500" y="6421025"/>
             <a:ext cx="127000" cy="127000"/>
           </a:xfrm>
           <a:prstGeom prst="ellipse">
@@ -23054,10 +23234,10 @@
       </p:sp>
       <p:sp>
         <p:nvSpPr>
-          <p:cNvPr id="30" name="ProgressDot">
-            <a:extLst>
-              <a:ext uri="{FF2B5EF4-FFF2-40B4-BE49-F238E27FC236}">
-                <a16:creationId xmlns:a16="http://schemas.microsoft.com/office/drawing/2014/main" id="{104BE6B9-31B6-4CCC-E33E-2FFE36126091}"/>
+          <p:cNvPr id="13" name="ProgressDot">
+            <a:extLst>
+              <a:ext uri="{FF2B5EF4-FFF2-40B4-BE49-F238E27FC236}">
+                <a16:creationId xmlns:a16="http://schemas.microsoft.com/office/drawing/2014/main" id="{E263EAF5-FAD2-DF4F-C840-C2D04C0D0EC1}"/>
               </a:ext>
             </a:extLst>
           </p:cNvPr>
@@ -23066,7 +23246,7 @@
         </p:nvSpPr>
         <p:spPr>
           <a:xfrm>
-            <a:off x="5778500" y="6421025"/>
+            <a:off x="5651500" y="6421025"/>
             <a:ext cx="127000" cy="127000"/>
           </a:xfrm>
           <a:prstGeom prst="ellipse">
@@ -23108,10 +23288,10 @@
       </p:sp>
       <p:sp>
         <p:nvSpPr>
-          <p:cNvPr id="31" name="ProgressDot">
-            <a:extLst>
-              <a:ext uri="{FF2B5EF4-FFF2-40B4-BE49-F238E27FC236}">
-                <a16:creationId xmlns:a16="http://schemas.microsoft.com/office/drawing/2014/main" id="{BF070693-94FD-6BA9-AC3D-1ED3A06C2616}"/>
+          <p:cNvPr id="14" name="ProgressDot">
+            <a:extLst>
+              <a:ext uri="{FF2B5EF4-FFF2-40B4-BE49-F238E27FC236}">
+                <a16:creationId xmlns:a16="http://schemas.microsoft.com/office/drawing/2014/main" id="{F02F212A-E7B5-32FB-8841-D44D3AD23752}"/>
               </a:ext>
             </a:extLst>
           </p:cNvPr>
@@ -23120,7 +23300,7 @@
         </p:nvSpPr>
         <p:spPr>
           <a:xfrm>
-            <a:off x="6032500" y="6421025"/>
+            <a:off x="5905500" y="6421025"/>
             <a:ext cx="127000" cy="127000"/>
           </a:xfrm>
           <a:prstGeom prst="ellipse">
@@ -23162,10 +23342,10 @@
       </p:sp>
       <p:sp>
         <p:nvSpPr>
-          <p:cNvPr id="32" name="ProgressDot">
-            <a:extLst>
-              <a:ext uri="{FF2B5EF4-FFF2-40B4-BE49-F238E27FC236}">
-                <a16:creationId xmlns:a16="http://schemas.microsoft.com/office/drawing/2014/main" id="{7FC6C240-E4FB-C41D-267B-5F456CE084FF}"/>
+          <p:cNvPr id="15" name="ProgressDot">
+            <a:extLst>
+              <a:ext uri="{FF2B5EF4-FFF2-40B4-BE49-F238E27FC236}">
+                <a16:creationId xmlns:a16="http://schemas.microsoft.com/office/drawing/2014/main" id="{05287706-E349-18CD-EC8E-984F4D913CBE}"/>
               </a:ext>
             </a:extLst>
           </p:cNvPr>
@@ -23174,7 +23354,7 @@
         </p:nvSpPr>
         <p:spPr>
           <a:xfrm>
-            <a:off x="6286500" y="6421025"/>
+            <a:off x="6159500" y="6421025"/>
             <a:ext cx="127000" cy="127000"/>
           </a:xfrm>
           <a:prstGeom prst="ellipse">
@@ -23216,10 +23396,10 @@
       </p:sp>
       <p:sp>
         <p:nvSpPr>
-          <p:cNvPr id="33" name="ProgressDot">
-            <a:extLst>
-              <a:ext uri="{FF2B5EF4-FFF2-40B4-BE49-F238E27FC236}">
-                <a16:creationId xmlns:a16="http://schemas.microsoft.com/office/drawing/2014/main" id="{12955314-ED8F-01DB-6197-5B6553A3FC7E}"/>
+          <p:cNvPr id="16" name="ProgressDot">
+            <a:extLst>
+              <a:ext uri="{FF2B5EF4-FFF2-40B4-BE49-F238E27FC236}">
+                <a16:creationId xmlns:a16="http://schemas.microsoft.com/office/drawing/2014/main" id="{8DAA93F1-F0D3-60B7-0841-0CB65ACB5B44}"/>
               </a:ext>
             </a:extLst>
           </p:cNvPr>
@@ -23228,7 +23408,7 @@
         </p:nvSpPr>
         <p:spPr>
           <a:xfrm>
-            <a:off x="6540500" y="6421025"/>
+            <a:off x="6413500" y="6421025"/>
             <a:ext cx="127000" cy="127000"/>
           </a:xfrm>
           <a:prstGeom prst="ellipse">
@@ -23270,10 +23450,10 @@
       </p:sp>
       <p:sp>
         <p:nvSpPr>
-          <p:cNvPr id="34" name="ProgressDot">
-            <a:extLst>
-              <a:ext uri="{FF2B5EF4-FFF2-40B4-BE49-F238E27FC236}">
-                <a16:creationId xmlns:a16="http://schemas.microsoft.com/office/drawing/2014/main" id="{C274F221-9B1E-6B6E-59A9-9FD596CCE682}"/>
+          <p:cNvPr id="17" name="ProgressDot">
+            <a:extLst>
+              <a:ext uri="{FF2B5EF4-FFF2-40B4-BE49-F238E27FC236}">
+                <a16:creationId xmlns:a16="http://schemas.microsoft.com/office/drawing/2014/main" id="{90F702E1-1F97-5FAB-1FF6-8C8C76EB009C}"/>
               </a:ext>
             </a:extLst>
           </p:cNvPr>
@@ -23282,7 +23462,7 @@
         </p:nvSpPr>
         <p:spPr>
           <a:xfrm>
-            <a:off x="6794500" y="6421025"/>
+            <a:off x="6667500" y="6421025"/>
             <a:ext cx="127000" cy="127000"/>
           </a:xfrm>
           <a:prstGeom prst="ellipse">
@@ -23324,10 +23504,10 @@
       </p:sp>
       <p:sp>
         <p:nvSpPr>
-          <p:cNvPr id="35" name="ProgressDot">
-            <a:extLst>
-              <a:ext uri="{FF2B5EF4-FFF2-40B4-BE49-F238E27FC236}">
-                <a16:creationId xmlns:a16="http://schemas.microsoft.com/office/drawing/2014/main" id="{75498675-BC3F-0DA5-90B5-9B157BB3DA91}"/>
+          <p:cNvPr id="18" name="ProgressDot">
+            <a:extLst>
+              <a:ext uri="{FF2B5EF4-FFF2-40B4-BE49-F238E27FC236}">
+                <a16:creationId xmlns:a16="http://schemas.microsoft.com/office/drawing/2014/main" id="{03BCE916-7B87-55B2-BE56-ACF21AD2340D}"/>
               </a:ext>
             </a:extLst>
           </p:cNvPr>
@@ -23336,7 +23516,7 @@
         </p:nvSpPr>
         <p:spPr>
           <a:xfrm>
-            <a:off x="7048500" y="6421025"/>
+            <a:off x="6921500" y="6421025"/>
             <a:ext cx="127000" cy="127000"/>
           </a:xfrm>
           <a:prstGeom prst="ellipse">
@@ -23378,10 +23558,10 @@
       </p:sp>
       <p:sp>
         <p:nvSpPr>
-          <p:cNvPr id="36" name="ProgressDot">
-            <a:extLst>
-              <a:ext uri="{FF2B5EF4-FFF2-40B4-BE49-F238E27FC236}">
-                <a16:creationId xmlns:a16="http://schemas.microsoft.com/office/drawing/2014/main" id="{3FF1FD5E-142C-DACB-085B-EA615DC74ABA}"/>
+          <p:cNvPr id="19" name="ProgressDot">
+            <a:extLst>
+              <a:ext uri="{FF2B5EF4-FFF2-40B4-BE49-F238E27FC236}">
+                <a16:creationId xmlns:a16="http://schemas.microsoft.com/office/drawing/2014/main" id="{12D406A0-F9BE-6BBA-C6C2-1FADBAF9F89A}"/>
               </a:ext>
             </a:extLst>
           </p:cNvPr>
@@ -23390,7 +23570,7 @@
         </p:nvSpPr>
         <p:spPr>
           <a:xfrm>
-            <a:off x="7302500" y="6421025"/>
+            <a:off x="7175500" y="6421025"/>
             <a:ext cx="127000" cy="127000"/>
           </a:xfrm>
           <a:prstGeom prst="ellipse">
@@ -23432,10 +23612,10 @@
       </p:sp>
       <p:sp>
         <p:nvSpPr>
-          <p:cNvPr id="37" name="ProgressDot">
-            <a:extLst>
-              <a:ext uri="{FF2B5EF4-FFF2-40B4-BE49-F238E27FC236}">
-                <a16:creationId xmlns:a16="http://schemas.microsoft.com/office/drawing/2014/main" id="{3648CBDE-6FFC-A539-3BE4-E3C215AE0E20}"/>
+          <p:cNvPr id="20" name="ProgressDot">
+            <a:extLst>
+              <a:ext uri="{FF2B5EF4-FFF2-40B4-BE49-F238E27FC236}">
+                <a16:creationId xmlns:a16="http://schemas.microsoft.com/office/drawing/2014/main" id="{D9D02019-8285-855C-7A99-4540D40C9276}"/>
               </a:ext>
             </a:extLst>
           </p:cNvPr>
@@ -23444,7 +23624,7 @@
         </p:nvSpPr>
         <p:spPr>
           <a:xfrm>
-            <a:off x="7556500" y="6421025"/>
+            <a:off x="7429500" y="6421025"/>
             <a:ext cx="127000" cy="127000"/>
           </a:xfrm>
           <a:prstGeom prst="ellipse">
@@ -23486,10 +23666,10 @@
       </p:sp>
       <p:sp>
         <p:nvSpPr>
-          <p:cNvPr id="38" name="ProgressDot">
-            <a:extLst>
-              <a:ext uri="{FF2B5EF4-FFF2-40B4-BE49-F238E27FC236}">
-                <a16:creationId xmlns:a16="http://schemas.microsoft.com/office/drawing/2014/main" id="{15BE279B-2574-7D88-2794-41987EC973B7}"/>
+          <p:cNvPr id="21" name="ProgressDot">
+            <a:extLst>
+              <a:ext uri="{FF2B5EF4-FFF2-40B4-BE49-F238E27FC236}">
+                <a16:creationId xmlns:a16="http://schemas.microsoft.com/office/drawing/2014/main" id="{070470F5-986F-E062-00E4-A7DF7B47B0BB}"/>
               </a:ext>
             </a:extLst>
           </p:cNvPr>
@@ -23498,7 +23678,61 @@
         </p:nvSpPr>
         <p:spPr>
           <a:xfrm>
-            <a:off x="7810500" y="6421025"/>
+            <a:off x="7683500" y="6421025"/>
+            <a:ext cx="127000" cy="127000"/>
+          </a:xfrm>
+          <a:prstGeom prst="ellipse">
+            <a:avLst/>
+          </a:prstGeom>
+          <a:solidFill>
+            <a:srgbClr val="FFFFFF"/>
+          </a:solidFill>
+          <a:ln w="9000">
+            <a:solidFill>
+              <a:srgbClr val="000000"/>
+            </a:solidFill>
+          </a:ln>
+        </p:spPr>
+        <p:style>
+          <a:lnRef idx="2">
+            <a:schemeClr val="accent1">
+              <a:shade val="15000"/>
+            </a:schemeClr>
+          </a:lnRef>
+          <a:fillRef idx="1">
+            <a:schemeClr val="accent1"/>
+          </a:fillRef>
+          <a:effectRef idx="0">
+            <a:schemeClr val="accent1"/>
+          </a:effectRef>
+          <a:fontRef idx="minor">
+            <a:schemeClr val="lt1"/>
+          </a:fontRef>
+        </p:style>
+        <p:txBody>
+          <a:bodyPr rtlCol="0" anchor="ctr"/>
+          <a:lstStyle/>
+          <a:p>
+            <a:pPr algn="ctr"/>
+            <a:endParaRPr lang="es-PE"/>
+          </a:p>
+        </p:txBody>
+      </p:sp>
+      <p:sp>
+        <p:nvSpPr>
+          <p:cNvPr id="22" name="ProgressDot">
+            <a:extLst>
+              <a:ext uri="{FF2B5EF4-FFF2-40B4-BE49-F238E27FC236}">
+                <a16:creationId xmlns:a16="http://schemas.microsoft.com/office/drawing/2014/main" id="{5CFD2198-50F2-49FB-EB1D-50F785EE9D3F}"/>
+              </a:ext>
+            </a:extLst>
+          </p:cNvPr>
+          <p:cNvSpPr/>
+          <p:nvPr/>
+        </p:nvSpPr>
+        <p:spPr>
+          <a:xfrm>
+            <a:off x="7937500" y="6421025"/>
             <a:ext cx="127000" cy="127000"/>
           </a:xfrm>
           <a:prstGeom prst="ellipse">
@@ -28016,7 +28250,7 @@
           <p:cNvPr id="10" name="ProgressDot">
             <a:extLst>
               <a:ext uri="{FF2B5EF4-FFF2-40B4-BE49-F238E27FC236}">
-                <a16:creationId xmlns:a16="http://schemas.microsoft.com/office/drawing/2014/main" id="{AA388B00-0518-2B22-0CF2-E87753B85497}"/>
+                <a16:creationId xmlns:a16="http://schemas.microsoft.com/office/drawing/2014/main" id="{8F40AC84-AB99-DB3E-BAE2-00B8442116C2}"/>
               </a:ext>
             </a:extLst>
           </p:cNvPr>
@@ -28025,7 +28259,7 @@
         </p:nvSpPr>
         <p:spPr>
           <a:xfrm>
-            <a:off x="4254500" y="6421025"/>
+            <a:off x="4127500" y="6421025"/>
             <a:ext cx="127000" cy="127000"/>
           </a:xfrm>
           <a:prstGeom prst="ellipse">
@@ -28070,7 +28304,7 @@
           <p:cNvPr id="11" name="ProgressDot">
             <a:extLst>
               <a:ext uri="{FF2B5EF4-FFF2-40B4-BE49-F238E27FC236}">
-                <a16:creationId xmlns:a16="http://schemas.microsoft.com/office/drawing/2014/main" id="{A1BC86CA-BD40-4AEF-CF67-4C890FB021B1}"/>
+                <a16:creationId xmlns:a16="http://schemas.microsoft.com/office/drawing/2014/main" id="{AB732472-9936-5DDA-B10A-3028A63EE87E}"/>
               </a:ext>
             </a:extLst>
           </p:cNvPr>
@@ -28079,7 +28313,7 @@
         </p:nvSpPr>
         <p:spPr>
           <a:xfrm>
-            <a:off x="4508500" y="6421025"/>
+            <a:off x="4381500" y="6421025"/>
             <a:ext cx="127000" cy="127000"/>
           </a:xfrm>
           <a:prstGeom prst="ellipse">
@@ -28124,7 +28358,7 @@
           <p:cNvPr id="12" name="ProgressDot">
             <a:extLst>
               <a:ext uri="{FF2B5EF4-FFF2-40B4-BE49-F238E27FC236}">
-                <a16:creationId xmlns:a16="http://schemas.microsoft.com/office/drawing/2014/main" id="{C9E4BECE-3CB6-2AED-F2ED-293F80B62A3C}"/>
+                <a16:creationId xmlns:a16="http://schemas.microsoft.com/office/drawing/2014/main" id="{8218ECD0-021D-7C16-4603-4F1A2BE1C218}"/>
               </a:ext>
             </a:extLst>
           </p:cNvPr>
@@ -28133,7 +28367,7 @@
         </p:nvSpPr>
         <p:spPr>
           <a:xfrm>
-            <a:off x="4762500" y="6421025"/>
+            <a:off x="4635500" y="6421025"/>
             <a:ext cx="127000" cy="127000"/>
           </a:xfrm>
           <a:prstGeom prst="ellipse">
@@ -28178,7 +28412,7 @@
           <p:cNvPr id="13" name="ProgressDot">
             <a:extLst>
               <a:ext uri="{FF2B5EF4-FFF2-40B4-BE49-F238E27FC236}">
-                <a16:creationId xmlns:a16="http://schemas.microsoft.com/office/drawing/2014/main" id="{935F7372-9E06-E2FD-6D4F-A9E952452F46}"/>
+                <a16:creationId xmlns:a16="http://schemas.microsoft.com/office/drawing/2014/main" id="{4DB5E6CA-B524-442B-BA88-03965DCE817B}"/>
               </a:ext>
             </a:extLst>
           </p:cNvPr>
@@ -28187,7 +28421,7 @@
         </p:nvSpPr>
         <p:spPr>
           <a:xfrm>
-            <a:off x="5016500" y="6421025"/>
+            <a:off x="4889500" y="6421025"/>
             <a:ext cx="127000" cy="127000"/>
           </a:xfrm>
           <a:prstGeom prst="ellipse">
@@ -28232,7 +28466,7 @@
           <p:cNvPr id="14" name="ProgressDot">
             <a:extLst>
               <a:ext uri="{FF2B5EF4-FFF2-40B4-BE49-F238E27FC236}">
-                <a16:creationId xmlns:a16="http://schemas.microsoft.com/office/drawing/2014/main" id="{06A3E778-CE3F-868D-EF7F-E99938A0661C}"/>
+                <a16:creationId xmlns:a16="http://schemas.microsoft.com/office/drawing/2014/main" id="{E09984B1-338B-1D8F-7A93-1A7AE7387381}"/>
               </a:ext>
             </a:extLst>
           </p:cNvPr>
@@ -28241,7 +28475,7 @@
         </p:nvSpPr>
         <p:spPr>
           <a:xfrm>
-            <a:off x="5270500" y="6421025"/>
+            <a:off x="5143500" y="6421025"/>
             <a:ext cx="127000" cy="127000"/>
           </a:xfrm>
           <a:prstGeom prst="ellipse">
@@ -28286,7 +28520,7 @@
           <p:cNvPr id="15" name="ProgressDot">
             <a:extLst>
               <a:ext uri="{FF2B5EF4-FFF2-40B4-BE49-F238E27FC236}">
-                <a16:creationId xmlns:a16="http://schemas.microsoft.com/office/drawing/2014/main" id="{731E2046-3A0A-39DD-0CD1-1B3A49CAB657}"/>
+                <a16:creationId xmlns:a16="http://schemas.microsoft.com/office/drawing/2014/main" id="{166178FD-FC01-1C9F-E22F-D802EAC276BF}"/>
               </a:ext>
             </a:extLst>
           </p:cNvPr>
@@ -28295,7 +28529,7 @@
         </p:nvSpPr>
         <p:spPr>
           <a:xfrm>
-            <a:off x="5524500" y="6421025"/>
+            <a:off x="5397500" y="6421025"/>
             <a:ext cx="127000" cy="127000"/>
           </a:xfrm>
           <a:prstGeom prst="ellipse">
@@ -28340,7 +28574,7 @@
           <p:cNvPr id="16" name="ProgressDot">
             <a:extLst>
               <a:ext uri="{FF2B5EF4-FFF2-40B4-BE49-F238E27FC236}">
-                <a16:creationId xmlns:a16="http://schemas.microsoft.com/office/drawing/2014/main" id="{890F4DF9-7748-10E6-360E-7737B45D115D}"/>
+                <a16:creationId xmlns:a16="http://schemas.microsoft.com/office/drawing/2014/main" id="{660BAB98-83A9-58D8-8DE5-ECDC9EBEEB7F}"/>
               </a:ext>
             </a:extLst>
           </p:cNvPr>
@@ -28349,7 +28583,7 @@
         </p:nvSpPr>
         <p:spPr>
           <a:xfrm>
-            <a:off x="5778500" y="6421025"/>
+            <a:off x="5651500" y="6421025"/>
             <a:ext cx="127000" cy="127000"/>
           </a:xfrm>
           <a:prstGeom prst="ellipse">
@@ -28394,7 +28628,7 @@
           <p:cNvPr id="17" name="ProgressDot">
             <a:extLst>
               <a:ext uri="{FF2B5EF4-FFF2-40B4-BE49-F238E27FC236}">
-                <a16:creationId xmlns:a16="http://schemas.microsoft.com/office/drawing/2014/main" id="{C2C4B723-96EB-B0B4-760F-752D399C1A69}"/>
+                <a16:creationId xmlns:a16="http://schemas.microsoft.com/office/drawing/2014/main" id="{C6A80E27-E286-B6B1-BC3D-6970DEB237D0}"/>
               </a:ext>
             </a:extLst>
           </p:cNvPr>
@@ -28403,7 +28637,7 @@
         </p:nvSpPr>
         <p:spPr>
           <a:xfrm>
-            <a:off x="6032500" y="6421025"/>
+            <a:off x="5905500" y="6421025"/>
             <a:ext cx="127000" cy="127000"/>
           </a:xfrm>
           <a:prstGeom prst="ellipse">
@@ -28448,7 +28682,7 @@
           <p:cNvPr id="18" name="ProgressDot">
             <a:extLst>
               <a:ext uri="{FF2B5EF4-FFF2-40B4-BE49-F238E27FC236}">
-                <a16:creationId xmlns:a16="http://schemas.microsoft.com/office/drawing/2014/main" id="{F27F19C5-6080-8D22-6055-8CEE02ED9E22}"/>
+                <a16:creationId xmlns:a16="http://schemas.microsoft.com/office/drawing/2014/main" id="{9ED43F82-DF0F-8F6F-0632-A66744F4B766}"/>
               </a:ext>
             </a:extLst>
           </p:cNvPr>
@@ -28457,7 +28691,7 @@
         </p:nvSpPr>
         <p:spPr>
           <a:xfrm>
-            <a:off x="6286500" y="6421025"/>
+            <a:off x="6159500" y="6421025"/>
             <a:ext cx="127000" cy="127000"/>
           </a:xfrm>
           <a:prstGeom prst="ellipse">
@@ -28502,7 +28736,7 @@
           <p:cNvPr id="19" name="ProgressDot">
             <a:extLst>
               <a:ext uri="{FF2B5EF4-FFF2-40B4-BE49-F238E27FC236}">
-                <a16:creationId xmlns:a16="http://schemas.microsoft.com/office/drawing/2014/main" id="{2E22D084-5259-897F-1580-69C9F668AC49}"/>
+                <a16:creationId xmlns:a16="http://schemas.microsoft.com/office/drawing/2014/main" id="{D1C68A64-EB9A-D008-D2F5-EDC78D983B75}"/>
               </a:ext>
             </a:extLst>
           </p:cNvPr>
@@ -28511,7 +28745,7 @@
         </p:nvSpPr>
         <p:spPr>
           <a:xfrm>
-            <a:off x="6540500" y="6421025"/>
+            <a:off x="6413500" y="6421025"/>
             <a:ext cx="127000" cy="127000"/>
           </a:xfrm>
           <a:prstGeom prst="ellipse">
@@ -28556,7 +28790,7 @@
           <p:cNvPr id="20" name="ProgressDot">
             <a:extLst>
               <a:ext uri="{FF2B5EF4-FFF2-40B4-BE49-F238E27FC236}">
-                <a16:creationId xmlns:a16="http://schemas.microsoft.com/office/drawing/2014/main" id="{35A30C04-9ACB-A74F-F8B4-4D49A1381CAF}"/>
+                <a16:creationId xmlns:a16="http://schemas.microsoft.com/office/drawing/2014/main" id="{5D8D9FC6-DB7B-C9AB-83FA-052AE709350B}"/>
               </a:ext>
             </a:extLst>
           </p:cNvPr>
@@ -28565,7 +28799,7 @@
         </p:nvSpPr>
         <p:spPr>
           <a:xfrm>
-            <a:off x="6794500" y="6421025"/>
+            <a:off x="6667500" y="6421025"/>
             <a:ext cx="127000" cy="127000"/>
           </a:xfrm>
           <a:prstGeom prst="ellipse">
@@ -28610,7 +28844,7 @@
           <p:cNvPr id="21" name="ProgressDot">
             <a:extLst>
               <a:ext uri="{FF2B5EF4-FFF2-40B4-BE49-F238E27FC236}">
-                <a16:creationId xmlns:a16="http://schemas.microsoft.com/office/drawing/2014/main" id="{553DAA5E-DEB7-C422-D2A2-D5A7498B2868}"/>
+                <a16:creationId xmlns:a16="http://schemas.microsoft.com/office/drawing/2014/main" id="{F6794ECE-DA50-F7D3-22CF-F21E38B04E1F}"/>
               </a:ext>
             </a:extLst>
           </p:cNvPr>
@@ -28619,7 +28853,7 @@
         </p:nvSpPr>
         <p:spPr>
           <a:xfrm>
-            <a:off x="7048500" y="6421025"/>
+            <a:off x="6921500" y="6421025"/>
             <a:ext cx="127000" cy="127000"/>
           </a:xfrm>
           <a:prstGeom prst="ellipse">
@@ -28664,7 +28898,7 @@
           <p:cNvPr id="22" name="ProgressDot">
             <a:extLst>
               <a:ext uri="{FF2B5EF4-FFF2-40B4-BE49-F238E27FC236}">
-                <a16:creationId xmlns:a16="http://schemas.microsoft.com/office/drawing/2014/main" id="{8B5E5669-6981-AC2C-B6FA-5362E57E2880}"/>
+                <a16:creationId xmlns:a16="http://schemas.microsoft.com/office/drawing/2014/main" id="{3DCFDEC0-730D-18C4-216F-54327DAEF9AF}"/>
               </a:ext>
             </a:extLst>
           </p:cNvPr>
@@ -28673,7 +28907,7 @@
         </p:nvSpPr>
         <p:spPr>
           <a:xfrm>
-            <a:off x="7302500" y="6421025"/>
+            <a:off x="7175500" y="6421025"/>
             <a:ext cx="127000" cy="127000"/>
           </a:xfrm>
           <a:prstGeom prst="ellipse">
@@ -28718,7 +28952,7 @@
           <p:cNvPr id="23" name="ProgressDot">
             <a:extLst>
               <a:ext uri="{FF2B5EF4-FFF2-40B4-BE49-F238E27FC236}">
-                <a16:creationId xmlns:a16="http://schemas.microsoft.com/office/drawing/2014/main" id="{54C27C11-2301-D137-82BE-C92832745DCD}"/>
+                <a16:creationId xmlns:a16="http://schemas.microsoft.com/office/drawing/2014/main" id="{81F9FEA4-7C89-0F7C-2671-FB7EFFA251E6}"/>
               </a:ext>
             </a:extLst>
           </p:cNvPr>
@@ -28727,7 +28961,7 @@
         </p:nvSpPr>
         <p:spPr>
           <a:xfrm>
-            <a:off x="7556500" y="6421025"/>
+            <a:off x="7429500" y="6421025"/>
             <a:ext cx="127000" cy="127000"/>
           </a:xfrm>
           <a:prstGeom prst="ellipse">
@@ -28772,7 +29006,7 @@
           <p:cNvPr id="24" name="ProgressDot">
             <a:extLst>
               <a:ext uri="{FF2B5EF4-FFF2-40B4-BE49-F238E27FC236}">
-                <a16:creationId xmlns:a16="http://schemas.microsoft.com/office/drawing/2014/main" id="{0B02C3A3-DF10-E79B-9705-FF42840FB7F2}"/>
+                <a16:creationId xmlns:a16="http://schemas.microsoft.com/office/drawing/2014/main" id="{B3C69B96-6715-11FD-68FD-6FEEF9A22949}"/>
               </a:ext>
             </a:extLst>
           </p:cNvPr>
@@ -28781,7 +29015,61 @@
         </p:nvSpPr>
         <p:spPr>
           <a:xfrm>
-            <a:off x="7810500" y="6421025"/>
+            <a:off x="7683500" y="6421025"/>
+            <a:ext cx="127000" cy="127000"/>
+          </a:xfrm>
+          <a:prstGeom prst="ellipse">
+            <a:avLst/>
+          </a:prstGeom>
+          <a:solidFill>
+            <a:srgbClr val="FFFFFF"/>
+          </a:solidFill>
+          <a:ln w="9000">
+            <a:solidFill>
+              <a:srgbClr val="000000"/>
+            </a:solidFill>
+          </a:ln>
+        </p:spPr>
+        <p:style>
+          <a:lnRef idx="2">
+            <a:schemeClr val="accent1">
+              <a:shade val="15000"/>
+            </a:schemeClr>
+          </a:lnRef>
+          <a:fillRef idx="1">
+            <a:schemeClr val="accent1"/>
+          </a:fillRef>
+          <a:effectRef idx="0">
+            <a:schemeClr val="accent1"/>
+          </a:effectRef>
+          <a:fontRef idx="minor">
+            <a:schemeClr val="lt1"/>
+          </a:fontRef>
+        </p:style>
+        <p:txBody>
+          <a:bodyPr rtlCol="0" anchor="ctr"/>
+          <a:lstStyle/>
+          <a:p>
+            <a:pPr algn="ctr"/>
+            <a:endParaRPr lang="es-PE"/>
+          </a:p>
+        </p:txBody>
+      </p:sp>
+      <p:sp>
+        <p:nvSpPr>
+          <p:cNvPr id="25" name="ProgressDot">
+            <a:extLst>
+              <a:ext uri="{FF2B5EF4-FFF2-40B4-BE49-F238E27FC236}">
+                <a16:creationId xmlns:a16="http://schemas.microsoft.com/office/drawing/2014/main" id="{DE555363-4CC6-F419-56FD-B1DE108B0B47}"/>
+              </a:ext>
+            </a:extLst>
+          </p:cNvPr>
+          <p:cNvSpPr/>
+          <p:nvPr/>
+        </p:nvSpPr>
+        <p:spPr>
+          <a:xfrm>
+            <a:off x="7937500" y="6421025"/>
             <a:ext cx="127000" cy="127000"/>
           </a:xfrm>
           <a:prstGeom prst="ellipse">
@@ -28967,7 +29255,7 @@
           <p:nvPr>
             <p:extLst>
               <p:ext uri="{D42A27DB-BD31-4B8C-83A1-F6EECF244321}">
-                <p14:modId xmlns:p14="http://schemas.microsoft.com/office/powerpoint/2010/main" val="954900581"/>
+                <p14:modId xmlns:p14="http://schemas.microsoft.com/office/powerpoint/2010/main" val="3400606188"/>
               </p:ext>
             </p:extLst>
           </p:nvPr>
@@ -29564,7 +29852,7 @@
                       </a:pPr>
                       <a:r>
                         <a:rPr lang="es-PE" sz="1800" dirty="0"/>
-                        <a:t>Por políticas de igualdad de género, la diferencia entre el nivel de satisfacción entre hombres y mujeres debe ser menor a 5%. </a:t>
+                        <a:t>Por políticas de igualdad de género, la diferencia entre el nivel de satisfacción entre hombres y mujeres debe ser menor a 0.5 puntos. </a:t>
                       </a:r>
                     </a:p>
                   </a:txBody>
@@ -30156,10 +30444,10 @@
       </p:sp>
       <p:sp>
         <p:nvSpPr>
-          <p:cNvPr id="12" name="ProgressDot">
-            <a:extLst>
-              <a:ext uri="{FF2B5EF4-FFF2-40B4-BE49-F238E27FC236}">
-                <a16:creationId xmlns:a16="http://schemas.microsoft.com/office/drawing/2014/main" id="{31EF206E-BE2F-909E-C7DC-B69A4C89FDDB}"/>
+          <p:cNvPr id="5" name="ProgressDot">
+            <a:extLst>
+              <a:ext uri="{FF2B5EF4-FFF2-40B4-BE49-F238E27FC236}">
+                <a16:creationId xmlns:a16="http://schemas.microsoft.com/office/drawing/2014/main" id="{0BC0F65F-F1A2-B1B8-8DF7-C451262DC843}"/>
               </a:ext>
             </a:extLst>
           </p:cNvPr>
@@ -30168,7 +30456,7 @@
         </p:nvSpPr>
         <p:spPr>
           <a:xfrm>
-            <a:off x="4254500" y="6421025"/>
+            <a:off x="4127500" y="6421025"/>
             <a:ext cx="127000" cy="127000"/>
           </a:xfrm>
           <a:prstGeom prst="ellipse">
@@ -30210,10 +30498,10 @@
       </p:sp>
       <p:sp>
         <p:nvSpPr>
-          <p:cNvPr id="13" name="ProgressDot">
-            <a:extLst>
-              <a:ext uri="{FF2B5EF4-FFF2-40B4-BE49-F238E27FC236}">
-                <a16:creationId xmlns:a16="http://schemas.microsoft.com/office/drawing/2014/main" id="{E444FD12-A18B-6A54-D842-04FB439F3CC5}"/>
+          <p:cNvPr id="6" name="ProgressDot">
+            <a:extLst>
+              <a:ext uri="{FF2B5EF4-FFF2-40B4-BE49-F238E27FC236}">
+                <a16:creationId xmlns:a16="http://schemas.microsoft.com/office/drawing/2014/main" id="{0C928071-82D9-E537-C4A4-1451514380C5}"/>
               </a:ext>
             </a:extLst>
           </p:cNvPr>
@@ -30222,7 +30510,7 @@
         </p:nvSpPr>
         <p:spPr>
           <a:xfrm>
-            <a:off x="4508500" y="6421025"/>
+            <a:off x="4381500" y="6421025"/>
             <a:ext cx="127000" cy="127000"/>
           </a:xfrm>
           <a:prstGeom prst="ellipse">
@@ -30264,10 +30552,10 @@
       </p:sp>
       <p:sp>
         <p:nvSpPr>
-          <p:cNvPr id="14" name="ProgressDot">
-            <a:extLst>
-              <a:ext uri="{FF2B5EF4-FFF2-40B4-BE49-F238E27FC236}">
-                <a16:creationId xmlns:a16="http://schemas.microsoft.com/office/drawing/2014/main" id="{32A6977A-0E78-7662-F95F-6E0E9CB9E302}"/>
+          <p:cNvPr id="7" name="ProgressDot">
+            <a:extLst>
+              <a:ext uri="{FF2B5EF4-FFF2-40B4-BE49-F238E27FC236}">
+                <a16:creationId xmlns:a16="http://schemas.microsoft.com/office/drawing/2014/main" id="{C67D378F-E0F4-0B23-56AF-9E49AFB56D11}"/>
               </a:ext>
             </a:extLst>
           </p:cNvPr>
@@ -30276,7 +30564,7 @@
         </p:nvSpPr>
         <p:spPr>
           <a:xfrm>
-            <a:off x="4762500" y="6421025"/>
+            <a:off x="4635500" y="6421025"/>
             <a:ext cx="127000" cy="127000"/>
           </a:xfrm>
           <a:prstGeom prst="ellipse">
@@ -30318,10 +30606,10 @@
       </p:sp>
       <p:sp>
         <p:nvSpPr>
-          <p:cNvPr id="15" name="ProgressDot">
-            <a:extLst>
-              <a:ext uri="{FF2B5EF4-FFF2-40B4-BE49-F238E27FC236}">
-                <a16:creationId xmlns:a16="http://schemas.microsoft.com/office/drawing/2014/main" id="{5646849B-F2A8-F518-758F-448872663DD2}"/>
+          <p:cNvPr id="8" name="ProgressDot">
+            <a:extLst>
+              <a:ext uri="{FF2B5EF4-FFF2-40B4-BE49-F238E27FC236}">
+                <a16:creationId xmlns:a16="http://schemas.microsoft.com/office/drawing/2014/main" id="{3C9F8F1C-D483-FD25-4D4F-212456069721}"/>
               </a:ext>
             </a:extLst>
           </p:cNvPr>
@@ -30330,7 +30618,7 @@
         </p:nvSpPr>
         <p:spPr>
           <a:xfrm>
-            <a:off x="5016500" y="6421025"/>
+            <a:off x="4889500" y="6421025"/>
             <a:ext cx="127000" cy="127000"/>
           </a:xfrm>
           <a:prstGeom prst="ellipse">
@@ -30372,10 +30660,10 @@
       </p:sp>
       <p:sp>
         <p:nvSpPr>
-          <p:cNvPr id="16" name="ProgressDot">
-            <a:extLst>
-              <a:ext uri="{FF2B5EF4-FFF2-40B4-BE49-F238E27FC236}">
-                <a16:creationId xmlns:a16="http://schemas.microsoft.com/office/drawing/2014/main" id="{012F862F-0451-757D-8237-BC760B12C4B0}"/>
+          <p:cNvPr id="9" name="ProgressDot">
+            <a:extLst>
+              <a:ext uri="{FF2B5EF4-FFF2-40B4-BE49-F238E27FC236}">
+                <a16:creationId xmlns:a16="http://schemas.microsoft.com/office/drawing/2014/main" id="{D4AF48FE-BF81-47E3-1BDE-4D4655A733B5}"/>
               </a:ext>
             </a:extLst>
           </p:cNvPr>
@@ -30384,7 +30672,7 @@
         </p:nvSpPr>
         <p:spPr>
           <a:xfrm>
-            <a:off x="5270500" y="6421025"/>
+            <a:off x="5143500" y="6421025"/>
             <a:ext cx="127000" cy="127000"/>
           </a:xfrm>
           <a:prstGeom prst="ellipse">
@@ -30426,10 +30714,10 @@
       </p:sp>
       <p:sp>
         <p:nvSpPr>
-          <p:cNvPr id="17" name="ProgressDot">
-            <a:extLst>
-              <a:ext uri="{FF2B5EF4-FFF2-40B4-BE49-F238E27FC236}">
-                <a16:creationId xmlns:a16="http://schemas.microsoft.com/office/drawing/2014/main" id="{AF308D8B-C0E9-C40E-4375-047D7861E947}"/>
+          <p:cNvPr id="12" name="ProgressDot">
+            <a:extLst>
+              <a:ext uri="{FF2B5EF4-FFF2-40B4-BE49-F238E27FC236}">
+                <a16:creationId xmlns:a16="http://schemas.microsoft.com/office/drawing/2014/main" id="{35899951-0524-D401-AC75-256546B0AA74}"/>
               </a:ext>
             </a:extLst>
           </p:cNvPr>
@@ -30438,7 +30726,7 @@
         </p:nvSpPr>
         <p:spPr>
           <a:xfrm>
-            <a:off x="5524500" y="6421025"/>
+            <a:off x="5397500" y="6421025"/>
             <a:ext cx="127000" cy="127000"/>
           </a:xfrm>
           <a:prstGeom prst="ellipse">
@@ -30480,10 +30768,10 @@
       </p:sp>
       <p:sp>
         <p:nvSpPr>
-          <p:cNvPr id="18" name="ProgressDot">
-            <a:extLst>
-              <a:ext uri="{FF2B5EF4-FFF2-40B4-BE49-F238E27FC236}">
-                <a16:creationId xmlns:a16="http://schemas.microsoft.com/office/drawing/2014/main" id="{E7E62534-70E1-802F-B38E-A67D7EFFAA15}"/>
+          <p:cNvPr id="13" name="ProgressDot">
+            <a:extLst>
+              <a:ext uri="{FF2B5EF4-FFF2-40B4-BE49-F238E27FC236}">
+                <a16:creationId xmlns:a16="http://schemas.microsoft.com/office/drawing/2014/main" id="{6F619DF8-BD0D-3A98-38DB-26EFAD96836F}"/>
               </a:ext>
             </a:extLst>
           </p:cNvPr>
@@ -30492,7 +30780,7 @@
         </p:nvSpPr>
         <p:spPr>
           <a:xfrm>
-            <a:off x="5778500" y="6421025"/>
+            <a:off x="5651500" y="6421025"/>
             <a:ext cx="127000" cy="127000"/>
           </a:xfrm>
           <a:prstGeom prst="ellipse">
@@ -30534,10 +30822,10 @@
       </p:sp>
       <p:sp>
         <p:nvSpPr>
-          <p:cNvPr id="19" name="ProgressDot">
-            <a:extLst>
-              <a:ext uri="{FF2B5EF4-FFF2-40B4-BE49-F238E27FC236}">
-                <a16:creationId xmlns:a16="http://schemas.microsoft.com/office/drawing/2014/main" id="{F07997F1-07F1-57AD-8603-E88F45827493}"/>
+          <p:cNvPr id="14" name="ProgressDot">
+            <a:extLst>
+              <a:ext uri="{FF2B5EF4-FFF2-40B4-BE49-F238E27FC236}">
+                <a16:creationId xmlns:a16="http://schemas.microsoft.com/office/drawing/2014/main" id="{737C4014-088C-B6EE-43D3-54B5258A919F}"/>
               </a:ext>
             </a:extLst>
           </p:cNvPr>
@@ -30546,7 +30834,7 @@
         </p:nvSpPr>
         <p:spPr>
           <a:xfrm>
-            <a:off x="6032500" y="6421025"/>
+            <a:off x="5905500" y="6421025"/>
             <a:ext cx="127000" cy="127000"/>
           </a:xfrm>
           <a:prstGeom prst="ellipse">
@@ -30588,10 +30876,10 @@
       </p:sp>
       <p:sp>
         <p:nvSpPr>
-          <p:cNvPr id="20" name="ProgressDot">
-            <a:extLst>
-              <a:ext uri="{FF2B5EF4-FFF2-40B4-BE49-F238E27FC236}">
-                <a16:creationId xmlns:a16="http://schemas.microsoft.com/office/drawing/2014/main" id="{7A592133-7AA9-11FD-9F9D-87DB928B8148}"/>
+          <p:cNvPr id="15" name="ProgressDot">
+            <a:extLst>
+              <a:ext uri="{FF2B5EF4-FFF2-40B4-BE49-F238E27FC236}">
+                <a16:creationId xmlns:a16="http://schemas.microsoft.com/office/drawing/2014/main" id="{B116D812-4460-C6DC-EB74-E35776AA99E6}"/>
               </a:ext>
             </a:extLst>
           </p:cNvPr>
@@ -30600,7 +30888,7 @@
         </p:nvSpPr>
         <p:spPr>
           <a:xfrm>
-            <a:off x="6286500" y="6421025"/>
+            <a:off x="6159500" y="6421025"/>
             <a:ext cx="127000" cy="127000"/>
           </a:xfrm>
           <a:prstGeom prst="ellipse">
@@ -30642,10 +30930,10 @@
       </p:sp>
       <p:sp>
         <p:nvSpPr>
-          <p:cNvPr id="21" name="ProgressDot">
-            <a:extLst>
-              <a:ext uri="{FF2B5EF4-FFF2-40B4-BE49-F238E27FC236}">
-                <a16:creationId xmlns:a16="http://schemas.microsoft.com/office/drawing/2014/main" id="{D17C40A0-BA12-5728-5586-C4004E4AD213}"/>
+          <p:cNvPr id="16" name="ProgressDot">
+            <a:extLst>
+              <a:ext uri="{FF2B5EF4-FFF2-40B4-BE49-F238E27FC236}">
+                <a16:creationId xmlns:a16="http://schemas.microsoft.com/office/drawing/2014/main" id="{5154DE37-C249-597D-DC71-D203A5EB21C2}"/>
               </a:ext>
             </a:extLst>
           </p:cNvPr>
@@ -30654,7 +30942,7 @@
         </p:nvSpPr>
         <p:spPr>
           <a:xfrm>
-            <a:off x="6540500" y="6421025"/>
+            <a:off x="6413500" y="6421025"/>
             <a:ext cx="127000" cy="127000"/>
           </a:xfrm>
           <a:prstGeom prst="ellipse">
@@ -30696,10 +30984,10 @@
       </p:sp>
       <p:sp>
         <p:nvSpPr>
-          <p:cNvPr id="22" name="ProgressDot">
-            <a:extLst>
-              <a:ext uri="{FF2B5EF4-FFF2-40B4-BE49-F238E27FC236}">
-                <a16:creationId xmlns:a16="http://schemas.microsoft.com/office/drawing/2014/main" id="{9D519C58-74A3-AD55-0D8A-2369EF18461D}"/>
+          <p:cNvPr id="17" name="ProgressDot">
+            <a:extLst>
+              <a:ext uri="{FF2B5EF4-FFF2-40B4-BE49-F238E27FC236}">
+                <a16:creationId xmlns:a16="http://schemas.microsoft.com/office/drawing/2014/main" id="{1DF9DD6B-1798-92B8-ADE7-BDBBBBF9773F}"/>
               </a:ext>
             </a:extLst>
           </p:cNvPr>
@@ -30708,7 +30996,7 @@
         </p:nvSpPr>
         <p:spPr>
           <a:xfrm>
-            <a:off x="6794500" y="6421025"/>
+            <a:off x="6667500" y="6421025"/>
             <a:ext cx="127000" cy="127000"/>
           </a:xfrm>
           <a:prstGeom prst="ellipse">
@@ -30750,10 +31038,10 @@
       </p:sp>
       <p:sp>
         <p:nvSpPr>
-          <p:cNvPr id="23" name="ProgressDot">
-            <a:extLst>
-              <a:ext uri="{FF2B5EF4-FFF2-40B4-BE49-F238E27FC236}">
-                <a16:creationId xmlns:a16="http://schemas.microsoft.com/office/drawing/2014/main" id="{55C52742-1179-28CD-422D-5B053B1FD145}"/>
+          <p:cNvPr id="18" name="ProgressDot">
+            <a:extLst>
+              <a:ext uri="{FF2B5EF4-FFF2-40B4-BE49-F238E27FC236}">
+                <a16:creationId xmlns:a16="http://schemas.microsoft.com/office/drawing/2014/main" id="{F4BBBCE1-DC7D-8DC0-C40A-63BA29D1028A}"/>
               </a:ext>
             </a:extLst>
           </p:cNvPr>
@@ -30762,7 +31050,7 @@
         </p:nvSpPr>
         <p:spPr>
           <a:xfrm>
-            <a:off x="7048500" y="6421025"/>
+            <a:off x="6921500" y="6421025"/>
             <a:ext cx="127000" cy="127000"/>
           </a:xfrm>
           <a:prstGeom prst="ellipse">
@@ -30804,10 +31092,10 @@
       </p:sp>
       <p:sp>
         <p:nvSpPr>
-          <p:cNvPr id="24" name="ProgressDot">
-            <a:extLst>
-              <a:ext uri="{FF2B5EF4-FFF2-40B4-BE49-F238E27FC236}">
-                <a16:creationId xmlns:a16="http://schemas.microsoft.com/office/drawing/2014/main" id="{48D731F3-93EC-F0C2-C4F8-3650571C330E}"/>
+          <p:cNvPr id="19" name="ProgressDot">
+            <a:extLst>
+              <a:ext uri="{FF2B5EF4-FFF2-40B4-BE49-F238E27FC236}">
+                <a16:creationId xmlns:a16="http://schemas.microsoft.com/office/drawing/2014/main" id="{8CE511A3-162F-C536-E87B-D22EA46ACA40}"/>
               </a:ext>
             </a:extLst>
           </p:cNvPr>
@@ -30816,7 +31104,7 @@
         </p:nvSpPr>
         <p:spPr>
           <a:xfrm>
-            <a:off x="7302500" y="6421025"/>
+            <a:off x="7175500" y="6421025"/>
             <a:ext cx="127000" cy="127000"/>
           </a:xfrm>
           <a:prstGeom prst="ellipse">
@@ -30858,10 +31146,10 @@
       </p:sp>
       <p:sp>
         <p:nvSpPr>
-          <p:cNvPr id="25" name="ProgressDot">
-            <a:extLst>
-              <a:ext uri="{FF2B5EF4-FFF2-40B4-BE49-F238E27FC236}">
-                <a16:creationId xmlns:a16="http://schemas.microsoft.com/office/drawing/2014/main" id="{9D8DF495-DDD6-47CF-0417-165E993E24CE}"/>
+          <p:cNvPr id="20" name="ProgressDot">
+            <a:extLst>
+              <a:ext uri="{FF2B5EF4-FFF2-40B4-BE49-F238E27FC236}">
+                <a16:creationId xmlns:a16="http://schemas.microsoft.com/office/drawing/2014/main" id="{44517D16-8137-DF1D-3B0B-95D4A320163A}"/>
               </a:ext>
             </a:extLst>
           </p:cNvPr>
@@ -30870,7 +31158,7 @@
         </p:nvSpPr>
         <p:spPr>
           <a:xfrm>
-            <a:off x="7556500" y="6421025"/>
+            <a:off x="7429500" y="6421025"/>
             <a:ext cx="127000" cy="127000"/>
           </a:xfrm>
           <a:prstGeom prst="ellipse">
@@ -30912,10 +31200,10 @@
       </p:sp>
       <p:sp>
         <p:nvSpPr>
-          <p:cNvPr id="26" name="ProgressDot">
-            <a:extLst>
-              <a:ext uri="{FF2B5EF4-FFF2-40B4-BE49-F238E27FC236}">
-                <a16:creationId xmlns:a16="http://schemas.microsoft.com/office/drawing/2014/main" id="{ABCDE090-F314-99F7-C65B-CB3280E63E34}"/>
+          <p:cNvPr id="21" name="ProgressDot">
+            <a:extLst>
+              <a:ext uri="{FF2B5EF4-FFF2-40B4-BE49-F238E27FC236}">
+                <a16:creationId xmlns:a16="http://schemas.microsoft.com/office/drawing/2014/main" id="{A8F1F7D6-8C2A-FBDB-FF40-93123A7A6789}"/>
               </a:ext>
             </a:extLst>
           </p:cNvPr>
@@ -30924,7 +31212,61 @@
         </p:nvSpPr>
         <p:spPr>
           <a:xfrm>
-            <a:off x="7810500" y="6421025"/>
+            <a:off x="7683500" y="6421025"/>
+            <a:ext cx="127000" cy="127000"/>
+          </a:xfrm>
+          <a:prstGeom prst="ellipse">
+            <a:avLst/>
+          </a:prstGeom>
+          <a:solidFill>
+            <a:srgbClr val="FFFFFF"/>
+          </a:solidFill>
+          <a:ln w="9000">
+            <a:solidFill>
+              <a:srgbClr val="000000"/>
+            </a:solidFill>
+          </a:ln>
+        </p:spPr>
+        <p:style>
+          <a:lnRef idx="2">
+            <a:schemeClr val="accent1">
+              <a:shade val="15000"/>
+            </a:schemeClr>
+          </a:lnRef>
+          <a:fillRef idx="1">
+            <a:schemeClr val="accent1"/>
+          </a:fillRef>
+          <a:effectRef idx="0">
+            <a:schemeClr val="accent1"/>
+          </a:effectRef>
+          <a:fontRef idx="minor">
+            <a:schemeClr val="lt1"/>
+          </a:fontRef>
+        </p:style>
+        <p:txBody>
+          <a:bodyPr rtlCol="0" anchor="ctr"/>
+          <a:lstStyle/>
+          <a:p>
+            <a:pPr algn="ctr"/>
+            <a:endParaRPr lang="es-PE"/>
+          </a:p>
+        </p:txBody>
+      </p:sp>
+      <p:sp>
+        <p:nvSpPr>
+          <p:cNvPr id="22" name="ProgressDot">
+            <a:extLst>
+              <a:ext uri="{FF2B5EF4-FFF2-40B4-BE49-F238E27FC236}">
+                <a16:creationId xmlns:a16="http://schemas.microsoft.com/office/drawing/2014/main" id="{164ECDA0-F79C-47FA-2898-F4D86389CDF5}"/>
+              </a:ext>
+            </a:extLst>
+          </p:cNvPr>
+          <p:cNvSpPr/>
+          <p:nvPr/>
+        </p:nvSpPr>
+        <p:spPr>
+          <a:xfrm>
+            <a:off x="7937500" y="6421025"/>
             <a:ext cx="127000" cy="127000"/>
           </a:xfrm>
           <a:prstGeom prst="ellipse">
@@ -31301,10 +31643,10 @@
       </p:sp>
       <p:sp>
         <p:nvSpPr>
-          <p:cNvPr id="10" name="ProgressDot">
-            <a:extLst>
-              <a:ext uri="{FF2B5EF4-FFF2-40B4-BE49-F238E27FC236}">
-                <a16:creationId xmlns:a16="http://schemas.microsoft.com/office/drawing/2014/main" id="{7E355826-8716-F4F8-BB25-B55062DC6CF5}"/>
+          <p:cNvPr id="3" name="ProgressDot">
+            <a:extLst>
+              <a:ext uri="{FF2B5EF4-FFF2-40B4-BE49-F238E27FC236}">
+                <a16:creationId xmlns:a16="http://schemas.microsoft.com/office/drawing/2014/main" id="{7EA2CC38-1AF4-E8C6-1D77-CA1B07F31F84}"/>
               </a:ext>
             </a:extLst>
           </p:cNvPr>
@@ -31313,7 +31655,7 @@
         </p:nvSpPr>
         <p:spPr>
           <a:xfrm>
-            <a:off x="4254500" y="6421025"/>
+            <a:off x="4127500" y="6421025"/>
             <a:ext cx="127000" cy="127000"/>
           </a:xfrm>
           <a:prstGeom prst="ellipse">
@@ -31355,10 +31697,10 @@
       </p:sp>
       <p:sp>
         <p:nvSpPr>
-          <p:cNvPr id="11" name="ProgressDot">
-            <a:extLst>
-              <a:ext uri="{FF2B5EF4-FFF2-40B4-BE49-F238E27FC236}">
-                <a16:creationId xmlns:a16="http://schemas.microsoft.com/office/drawing/2014/main" id="{C0CC1CD8-CA68-81AB-6FDC-3D0438BDD41B}"/>
+          <p:cNvPr id="5" name="ProgressDot">
+            <a:extLst>
+              <a:ext uri="{FF2B5EF4-FFF2-40B4-BE49-F238E27FC236}">
+                <a16:creationId xmlns:a16="http://schemas.microsoft.com/office/drawing/2014/main" id="{F5E14DB1-5510-571B-76DA-4D26B0E5FFAA}"/>
               </a:ext>
             </a:extLst>
           </p:cNvPr>
@@ -31367,7 +31709,7 @@
         </p:nvSpPr>
         <p:spPr>
           <a:xfrm>
-            <a:off x="4508500" y="6421025"/>
+            <a:off x="4381500" y="6421025"/>
             <a:ext cx="127000" cy="127000"/>
           </a:xfrm>
           <a:prstGeom prst="ellipse">
@@ -31409,10 +31751,10 @@
       </p:sp>
       <p:sp>
         <p:nvSpPr>
-          <p:cNvPr id="12" name="ProgressDot">
-            <a:extLst>
-              <a:ext uri="{FF2B5EF4-FFF2-40B4-BE49-F238E27FC236}">
-                <a16:creationId xmlns:a16="http://schemas.microsoft.com/office/drawing/2014/main" id="{B8CEC921-8382-FD37-A60E-2499BAE51398}"/>
+          <p:cNvPr id="8" name="ProgressDot">
+            <a:extLst>
+              <a:ext uri="{FF2B5EF4-FFF2-40B4-BE49-F238E27FC236}">
+                <a16:creationId xmlns:a16="http://schemas.microsoft.com/office/drawing/2014/main" id="{C38639F0-5EE0-F497-0794-B1EA59B59EB0}"/>
               </a:ext>
             </a:extLst>
           </p:cNvPr>
@@ -31421,7 +31763,7 @@
         </p:nvSpPr>
         <p:spPr>
           <a:xfrm>
-            <a:off x="4762500" y="6421025"/>
+            <a:off x="4635500" y="6421025"/>
             <a:ext cx="127000" cy="127000"/>
           </a:xfrm>
           <a:prstGeom prst="ellipse">
@@ -31463,10 +31805,10 @@
       </p:sp>
       <p:sp>
         <p:nvSpPr>
-          <p:cNvPr id="13" name="ProgressDot">
-            <a:extLst>
-              <a:ext uri="{FF2B5EF4-FFF2-40B4-BE49-F238E27FC236}">
-                <a16:creationId xmlns:a16="http://schemas.microsoft.com/office/drawing/2014/main" id="{B7AD4408-4186-9013-2AD7-4E919B6E341F}"/>
+          <p:cNvPr id="9" name="ProgressDot">
+            <a:extLst>
+              <a:ext uri="{FF2B5EF4-FFF2-40B4-BE49-F238E27FC236}">
+                <a16:creationId xmlns:a16="http://schemas.microsoft.com/office/drawing/2014/main" id="{9D95E021-5729-A085-192F-367BD56F1661}"/>
               </a:ext>
             </a:extLst>
           </p:cNvPr>
@@ -31475,7 +31817,7 @@
         </p:nvSpPr>
         <p:spPr>
           <a:xfrm>
-            <a:off x="5016500" y="6421025"/>
+            <a:off x="4889500" y="6421025"/>
             <a:ext cx="127000" cy="127000"/>
           </a:xfrm>
           <a:prstGeom prst="ellipse">
@@ -31517,10 +31859,10 @@
       </p:sp>
       <p:sp>
         <p:nvSpPr>
-          <p:cNvPr id="14" name="ProgressDot">
-            <a:extLst>
-              <a:ext uri="{FF2B5EF4-FFF2-40B4-BE49-F238E27FC236}">
-                <a16:creationId xmlns:a16="http://schemas.microsoft.com/office/drawing/2014/main" id="{A3768E44-C599-52D6-3E89-405160849649}"/>
+          <p:cNvPr id="10" name="ProgressDot">
+            <a:extLst>
+              <a:ext uri="{FF2B5EF4-FFF2-40B4-BE49-F238E27FC236}">
+                <a16:creationId xmlns:a16="http://schemas.microsoft.com/office/drawing/2014/main" id="{DFEBB73B-B795-FF6F-E0C2-A7C819AA3D97}"/>
               </a:ext>
             </a:extLst>
           </p:cNvPr>
@@ -31529,7 +31871,7 @@
         </p:nvSpPr>
         <p:spPr>
           <a:xfrm>
-            <a:off x="5270500" y="6421025"/>
+            <a:off x="5143500" y="6421025"/>
             <a:ext cx="127000" cy="127000"/>
           </a:xfrm>
           <a:prstGeom prst="ellipse">
@@ -31571,10 +31913,10 @@
       </p:sp>
       <p:sp>
         <p:nvSpPr>
-          <p:cNvPr id="15" name="ProgressDot">
-            <a:extLst>
-              <a:ext uri="{FF2B5EF4-FFF2-40B4-BE49-F238E27FC236}">
-                <a16:creationId xmlns:a16="http://schemas.microsoft.com/office/drawing/2014/main" id="{538B8BC8-3F5A-F350-5165-815A4627AD16}"/>
+          <p:cNvPr id="11" name="ProgressDot">
+            <a:extLst>
+              <a:ext uri="{FF2B5EF4-FFF2-40B4-BE49-F238E27FC236}">
+                <a16:creationId xmlns:a16="http://schemas.microsoft.com/office/drawing/2014/main" id="{893D903A-ED9E-4666-91D8-C55A88978376}"/>
               </a:ext>
             </a:extLst>
           </p:cNvPr>
@@ -31583,7 +31925,7 @@
         </p:nvSpPr>
         <p:spPr>
           <a:xfrm>
-            <a:off x="5524500" y="6421025"/>
+            <a:off x="5397500" y="6421025"/>
             <a:ext cx="127000" cy="127000"/>
           </a:xfrm>
           <a:prstGeom prst="ellipse">
@@ -31625,10 +31967,10 @@
       </p:sp>
       <p:sp>
         <p:nvSpPr>
-          <p:cNvPr id="16" name="ProgressDot">
-            <a:extLst>
-              <a:ext uri="{FF2B5EF4-FFF2-40B4-BE49-F238E27FC236}">
-                <a16:creationId xmlns:a16="http://schemas.microsoft.com/office/drawing/2014/main" id="{74FAB030-7EE2-32F9-2845-81B3BB11272F}"/>
+          <p:cNvPr id="12" name="ProgressDot">
+            <a:extLst>
+              <a:ext uri="{FF2B5EF4-FFF2-40B4-BE49-F238E27FC236}">
+                <a16:creationId xmlns:a16="http://schemas.microsoft.com/office/drawing/2014/main" id="{E9654814-524D-869A-F9A6-A6AE9A451868}"/>
               </a:ext>
             </a:extLst>
           </p:cNvPr>
@@ -31637,7 +31979,7 @@
         </p:nvSpPr>
         <p:spPr>
           <a:xfrm>
-            <a:off x="5778500" y="6421025"/>
+            <a:off x="5651500" y="6421025"/>
             <a:ext cx="127000" cy="127000"/>
           </a:xfrm>
           <a:prstGeom prst="ellipse">
@@ -31679,10 +32021,10 @@
       </p:sp>
       <p:sp>
         <p:nvSpPr>
-          <p:cNvPr id="17" name="ProgressDot">
-            <a:extLst>
-              <a:ext uri="{FF2B5EF4-FFF2-40B4-BE49-F238E27FC236}">
-                <a16:creationId xmlns:a16="http://schemas.microsoft.com/office/drawing/2014/main" id="{DE82B09B-DF4A-ABE1-BB8B-83755E8998A0}"/>
+          <p:cNvPr id="13" name="ProgressDot">
+            <a:extLst>
+              <a:ext uri="{FF2B5EF4-FFF2-40B4-BE49-F238E27FC236}">
+                <a16:creationId xmlns:a16="http://schemas.microsoft.com/office/drawing/2014/main" id="{51B2ED4D-1A3F-DA18-7602-F4E7E62B5902}"/>
               </a:ext>
             </a:extLst>
           </p:cNvPr>
@@ -31691,7 +32033,7 @@
         </p:nvSpPr>
         <p:spPr>
           <a:xfrm>
-            <a:off x="6032500" y="6421025"/>
+            <a:off x="5905500" y="6421025"/>
             <a:ext cx="127000" cy="127000"/>
           </a:xfrm>
           <a:prstGeom prst="ellipse">
@@ -31733,10 +32075,10 @@
       </p:sp>
       <p:sp>
         <p:nvSpPr>
-          <p:cNvPr id="18" name="ProgressDot">
-            <a:extLst>
-              <a:ext uri="{FF2B5EF4-FFF2-40B4-BE49-F238E27FC236}">
-                <a16:creationId xmlns:a16="http://schemas.microsoft.com/office/drawing/2014/main" id="{7498D1CF-CAC9-E72F-6856-A9F5DB42C299}"/>
+          <p:cNvPr id="14" name="ProgressDot">
+            <a:extLst>
+              <a:ext uri="{FF2B5EF4-FFF2-40B4-BE49-F238E27FC236}">
+                <a16:creationId xmlns:a16="http://schemas.microsoft.com/office/drawing/2014/main" id="{909297E2-F7EF-963A-5CF6-A95347D3A709}"/>
               </a:ext>
             </a:extLst>
           </p:cNvPr>
@@ -31745,7 +32087,7 @@
         </p:nvSpPr>
         <p:spPr>
           <a:xfrm>
-            <a:off x="6286500" y="6421025"/>
+            <a:off x="6159500" y="6421025"/>
             <a:ext cx="127000" cy="127000"/>
           </a:xfrm>
           <a:prstGeom prst="ellipse">
@@ -31787,10 +32129,10 @@
       </p:sp>
       <p:sp>
         <p:nvSpPr>
-          <p:cNvPr id="19" name="ProgressDot">
-            <a:extLst>
-              <a:ext uri="{FF2B5EF4-FFF2-40B4-BE49-F238E27FC236}">
-                <a16:creationId xmlns:a16="http://schemas.microsoft.com/office/drawing/2014/main" id="{E75918AA-DD68-6152-DE43-AE8D05FA1C1B}"/>
+          <p:cNvPr id="15" name="ProgressDot">
+            <a:extLst>
+              <a:ext uri="{FF2B5EF4-FFF2-40B4-BE49-F238E27FC236}">
+                <a16:creationId xmlns:a16="http://schemas.microsoft.com/office/drawing/2014/main" id="{7F2055FB-5B4B-AB7A-98F3-4C2F500852F3}"/>
               </a:ext>
             </a:extLst>
           </p:cNvPr>
@@ -31799,7 +32141,7 @@
         </p:nvSpPr>
         <p:spPr>
           <a:xfrm>
-            <a:off x="6540500" y="6421025"/>
+            <a:off x="6413500" y="6421025"/>
             <a:ext cx="127000" cy="127000"/>
           </a:xfrm>
           <a:prstGeom prst="ellipse">
@@ -31841,10 +32183,10 @@
       </p:sp>
       <p:sp>
         <p:nvSpPr>
-          <p:cNvPr id="20" name="ProgressDot">
-            <a:extLst>
-              <a:ext uri="{FF2B5EF4-FFF2-40B4-BE49-F238E27FC236}">
-                <a16:creationId xmlns:a16="http://schemas.microsoft.com/office/drawing/2014/main" id="{779EAD9F-9AA2-C416-2C99-975A2F302E5C}"/>
+          <p:cNvPr id="16" name="ProgressDot">
+            <a:extLst>
+              <a:ext uri="{FF2B5EF4-FFF2-40B4-BE49-F238E27FC236}">
+                <a16:creationId xmlns:a16="http://schemas.microsoft.com/office/drawing/2014/main" id="{5D38AB8F-4487-D48B-0E88-583DB576A1DE}"/>
               </a:ext>
             </a:extLst>
           </p:cNvPr>
@@ -31853,7 +32195,7 @@
         </p:nvSpPr>
         <p:spPr>
           <a:xfrm>
-            <a:off x="6794500" y="6421025"/>
+            <a:off x="6667500" y="6421025"/>
             <a:ext cx="127000" cy="127000"/>
           </a:xfrm>
           <a:prstGeom prst="ellipse">
@@ -31895,10 +32237,10 @@
       </p:sp>
       <p:sp>
         <p:nvSpPr>
-          <p:cNvPr id="21" name="ProgressDot">
-            <a:extLst>
-              <a:ext uri="{FF2B5EF4-FFF2-40B4-BE49-F238E27FC236}">
-                <a16:creationId xmlns:a16="http://schemas.microsoft.com/office/drawing/2014/main" id="{F5D328D5-66FF-961E-1971-30CE05B66AA6}"/>
+          <p:cNvPr id="17" name="ProgressDot">
+            <a:extLst>
+              <a:ext uri="{FF2B5EF4-FFF2-40B4-BE49-F238E27FC236}">
+                <a16:creationId xmlns:a16="http://schemas.microsoft.com/office/drawing/2014/main" id="{39DDBE15-ED69-6B0F-B99C-97AFDECB6860}"/>
               </a:ext>
             </a:extLst>
           </p:cNvPr>
@@ -31907,7 +32249,7 @@
         </p:nvSpPr>
         <p:spPr>
           <a:xfrm>
-            <a:off x="7048500" y="6421025"/>
+            <a:off x="6921500" y="6421025"/>
             <a:ext cx="127000" cy="127000"/>
           </a:xfrm>
           <a:prstGeom prst="ellipse">
@@ -31949,10 +32291,10 @@
       </p:sp>
       <p:sp>
         <p:nvSpPr>
-          <p:cNvPr id="22" name="ProgressDot">
-            <a:extLst>
-              <a:ext uri="{FF2B5EF4-FFF2-40B4-BE49-F238E27FC236}">
-                <a16:creationId xmlns:a16="http://schemas.microsoft.com/office/drawing/2014/main" id="{271EB358-43BD-5771-D22C-0AE49CFFC6C5}"/>
+          <p:cNvPr id="18" name="ProgressDot">
+            <a:extLst>
+              <a:ext uri="{FF2B5EF4-FFF2-40B4-BE49-F238E27FC236}">
+                <a16:creationId xmlns:a16="http://schemas.microsoft.com/office/drawing/2014/main" id="{09BE108D-EF46-51A4-BA94-08D4FB87DB6A}"/>
               </a:ext>
             </a:extLst>
           </p:cNvPr>
@@ -31961,7 +32303,7 @@
         </p:nvSpPr>
         <p:spPr>
           <a:xfrm>
-            <a:off x="7302500" y="6421025"/>
+            <a:off x="7175500" y="6421025"/>
             <a:ext cx="127000" cy="127000"/>
           </a:xfrm>
           <a:prstGeom prst="ellipse">
@@ -32003,10 +32345,10 @@
       </p:sp>
       <p:sp>
         <p:nvSpPr>
-          <p:cNvPr id="23" name="ProgressDot">
-            <a:extLst>
-              <a:ext uri="{FF2B5EF4-FFF2-40B4-BE49-F238E27FC236}">
-                <a16:creationId xmlns:a16="http://schemas.microsoft.com/office/drawing/2014/main" id="{BEB8A121-A6A1-E3C0-99DE-C5FCF2A37E29}"/>
+          <p:cNvPr id="19" name="ProgressDot">
+            <a:extLst>
+              <a:ext uri="{FF2B5EF4-FFF2-40B4-BE49-F238E27FC236}">
+                <a16:creationId xmlns:a16="http://schemas.microsoft.com/office/drawing/2014/main" id="{12FDE627-BB47-F0E7-D4A1-ACAA2B194551}"/>
               </a:ext>
             </a:extLst>
           </p:cNvPr>
@@ -32015,7 +32357,7 @@
         </p:nvSpPr>
         <p:spPr>
           <a:xfrm>
-            <a:off x="7556500" y="6421025"/>
+            <a:off x="7429500" y="6421025"/>
             <a:ext cx="127000" cy="127000"/>
           </a:xfrm>
           <a:prstGeom prst="ellipse">
@@ -32057,10 +32399,10 @@
       </p:sp>
       <p:sp>
         <p:nvSpPr>
-          <p:cNvPr id="24" name="ProgressDot">
-            <a:extLst>
-              <a:ext uri="{FF2B5EF4-FFF2-40B4-BE49-F238E27FC236}">
-                <a16:creationId xmlns:a16="http://schemas.microsoft.com/office/drawing/2014/main" id="{788FA737-BBBD-8D5B-27A9-A7ACE708874B}"/>
+          <p:cNvPr id="20" name="ProgressDot">
+            <a:extLst>
+              <a:ext uri="{FF2B5EF4-FFF2-40B4-BE49-F238E27FC236}">
+                <a16:creationId xmlns:a16="http://schemas.microsoft.com/office/drawing/2014/main" id="{533C3F2C-AB2E-4B19-5E2A-03837E692BC6}"/>
               </a:ext>
             </a:extLst>
           </p:cNvPr>
@@ -32069,7 +32411,61 @@
         </p:nvSpPr>
         <p:spPr>
           <a:xfrm>
-            <a:off x="7810500" y="6421025"/>
+            <a:off x="7683500" y="6421025"/>
+            <a:ext cx="127000" cy="127000"/>
+          </a:xfrm>
+          <a:prstGeom prst="ellipse">
+            <a:avLst/>
+          </a:prstGeom>
+          <a:solidFill>
+            <a:srgbClr val="FFFFFF"/>
+          </a:solidFill>
+          <a:ln w="9000">
+            <a:solidFill>
+              <a:srgbClr val="000000"/>
+            </a:solidFill>
+          </a:ln>
+        </p:spPr>
+        <p:style>
+          <a:lnRef idx="2">
+            <a:schemeClr val="accent1">
+              <a:shade val="15000"/>
+            </a:schemeClr>
+          </a:lnRef>
+          <a:fillRef idx="1">
+            <a:schemeClr val="accent1"/>
+          </a:fillRef>
+          <a:effectRef idx="0">
+            <a:schemeClr val="accent1"/>
+          </a:effectRef>
+          <a:fontRef idx="minor">
+            <a:schemeClr val="lt1"/>
+          </a:fontRef>
+        </p:style>
+        <p:txBody>
+          <a:bodyPr rtlCol="0" anchor="ctr"/>
+          <a:lstStyle/>
+          <a:p>
+            <a:pPr algn="ctr"/>
+            <a:endParaRPr lang="es-PE"/>
+          </a:p>
+        </p:txBody>
+      </p:sp>
+      <p:sp>
+        <p:nvSpPr>
+          <p:cNvPr id="21" name="ProgressDot">
+            <a:extLst>
+              <a:ext uri="{FF2B5EF4-FFF2-40B4-BE49-F238E27FC236}">
+                <a16:creationId xmlns:a16="http://schemas.microsoft.com/office/drawing/2014/main" id="{C89CD682-AEC9-698A-847C-721D554C06C4}"/>
+              </a:ext>
+            </a:extLst>
+          </p:cNvPr>
+          <p:cNvSpPr/>
+          <p:nvPr/>
+        </p:nvSpPr>
+        <p:spPr>
+          <a:xfrm>
+            <a:off x="7937500" y="6421025"/>
             <a:ext cx="127000" cy="127000"/>
           </a:xfrm>
           <a:prstGeom prst="ellipse">

--- a/Estudios y empleabilidad.pptx
+++ b/Estudios y empleabilidad.pptx
@@ -170,14 +170,6 @@
     </p:ext>
   </p:extLst>
 </p:presentation>
-</file>
-
-<file path=ppt/revisionInfo.xml><?xml version="1.0" encoding="utf-8"?>
-<p1510:revInfo xmlns:a="http://schemas.openxmlformats.org/drawingml/2006/main" xmlns:r="http://schemas.openxmlformats.org/officeDocument/2006/relationships" xmlns:p1510="http://schemas.microsoft.com/office/powerpoint/2015/10/main">
-  <p1510:revLst>
-    <p1510:client id="{6CCD1A0A-A75D-43D9-A8D1-33497831CABC}" v="18" dt="2024-09-01T18:56:25.164"/>
-  </p1510:revLst>
-</p1510:revInfo>
 </file>
 
 <file path=ppt/notesMasters/notesMaster1.xml><?xml version="1.0" encoding="utf-8"?>
@@ -14549,8 +14541,8 @@
           </a:p>
         </p:txBody>
       </p:sp>
-      <mc:AlternateContent xmlns:mc="http://schemas.openxmlformats.org/markup-compatibility/2006" xmlns:psez="http://schemas.microsoft.com/office/powerpoint/2016/sectionzoom">
-        <mc:Choice Requires="psez">
+      <mc:AlternateContent xmlns:mc="http://schemas.openxmlformats.org/markup-compatibility/2006">
+        <mc:Choice xmlns:psez="http://schemas.microsoft.com/office/powerpoint/2016/sectionzoom" Requires="psez">
           <p:graphicFrame>
             <p:nvGraphicFramePr>
               <p:cNvPr id="5" name="Vista general de sección 4">
@@ -14566,7 +14558,7 @@
               <p:nvPr>
                 <p:extLst>
                   <p:ext uri="{D42A27DB-BD31-4B8C-83A1-F6EECF244321}">
-                    <p14:modId xmlns:p14="http://schemas.microsoft.com/office/powerpoint/2010/main" val="2057836852"/>
+                    <p14:modId xmlns:p14="http://schemas.microsoft.com/office/powerpoint/2010/main" val="491673696"/>
                   </p:ext>
                 </p:extLst>
               </p:nvPr>
@@ -14579,7 +14571,7 @@
               <a:graphicData uri="http://schemas.microsoft.com/office/powerpoint/2016/sectionzoom">
                 <psez:sectionZm>
                   <psez:sectionZmObj sectionId="{0C1BB847-35E2-4E9E-87CE-1C14365049F6}">
-                    <psez:zmPr id="{F498A8B9-8D7E-4645-91C7-3C1FE6852F0A}" transitionDur="1000">
+                    <psez:zmPr id="{F498A8B9-8D7E-4645-91C7-3C1FE6852F0A}" returnToParent="0" transitionDur="1000">
                       <p166:blipFill xmlns:p166="http://schemas.microsoft.com/office/powerpoint/2016/6/main">
                         <a:blip r:embed="rId2"/>
                         <a:stretch>
@@ -14609,7 +14601,7 @@
             </a:graphic>
           </p:graphicFrame>
         </mc:Choice>
-        <mc:Fallback xmlns="">
+        <mc:Fallback>
           <p:pic>
             <p:nvPicPr>
               <p:cNvPr id="5" name="Vista general de sección 4">
@@ -14626,7 +14618,7 @@
               <p:nvPr/>
             </p:nvPicPr>
             <p:blipFill>
-              <a:blip r:embed="rId4"/>
+              <a:blip r:embed="rId2"/>
               <a:stretch>
                 <a:fillRect/>
               </a:stretch>
@@ -14650,8 +14642,8 @@
           </p:pic>
         </mc:Fallback>
       </mc:AlternateContent>
-      <mc:AlternateContent xmlns:mc="http://schemas.openxmlformats.org/markup-compatibility/2006" xmlns:psez="http://schemas.microsoft.com/office/powerpoint/2016/sectionzoom">
-        <mc:Choice Requires="psez">
+      <mc:AlternateContent xmlns:mc="http://schemas.openxmlformats.org/markup-compatibility/2006">
+        <mc:Choice xmlns:psez="http://schemas.microsoft.com/office/powerpoint/2016/sectionzoom" Requires="psez">
           <p:graphicFrame>
             <p:nvGraphicFramePr>
               <p:cNvPr id="7" name="Vista general de sección 6">
@@ -14667,7 +14659,7 @@
               <p:nvPr>
                 <p:extLst>
                   <p:ext uri="{D42A27DB-BD31-4B8C-83A1-F6EECF244321}">
-                    <p14:modId xmlns:p14="http://schemas.microsoft.com/office/powerpoint/2010/main" val="1206213765"/>
+                    <p14:modId xmlns:p14="http://schemas.microsoft.com/office/powerpoint/2010/main" val="2055740012"/>
                   </p:ext>
                 </p:extLst>
               </p:nvPr>
@@ -14680,9 +14672,9 @@
               <a:graphicData uri="http://schemas.microsoft.com/office/powerpoint/2016/sectionzoom">
                 <psez:sectionZm>
                   <psez:sectionZmObj sectionId="{3830B8C5-CC32-4672-9ED7-CB3241FD5CB1}">
-                    <psez:zmPr id="{970685DD-A521-4710-B513-2ECAEEB53541}" transitionDur="1000">
+                    <psez:zmPr id="{970685DD-A521-4710-B513-2ECAEEB53541}" returnToParent="0" transitionDur="1000">
                       <p166:blipFill xmlns:p166="http://schemas.microsoft.com/office/powerpoint/2016/6/main">
-                        <a:blip r:embed="rId5"/>
+                        <a:blip r:embed="rId4"/>
                         <a:stretch>
                           <a:fillRect/>
                         </a:stretch>
@@ -14710,11 +14702,11 @@
             </a:graphic>
           </p:graphicFrame>
         </mc:Choice>
-        <mc:Fallback xmlns="">
+        <mc:Fallback>
           <p:pic>
             <p:nvPicPr>
               <p:cNvPr id="7" name="Vista general de sección 6">
-                <a:hlinkClick r:id="rId6" action="ppaction://hlinksldjump"/>
+                <a:hlinkClick r:id="rId5" action="ppaction://hlinksldjump"/>
                 <a:extLst>
                   <a:ext uri="{FF2B5EF4-FFF2-40B4-BE49-F238E27FC236}">
                     <a16:creationId xmlns:a16="http://schemas.microsoft.com/office/drawing/2014/main" id="{C930853B-8FA5-99FD-BE37-283F68DE0B9F}"/>
@@ -14727,7 +14719,7 @@
               <p:nvPr/>
             </p:nvPicPr>
             <p:blipFill>
-              <a:blip r:embed="rId7"/>
+              <a:blip r:embed="rId4"/>
               <a:stretch>
                 <a:fillRect/>
               </a:stretch>
@@ -14751,8 +14743,8 @@
           </p:pic>
         </mc:Fallback>
       </mc:AlternateContent>
-      <mc:AlternateContent xmlns:mc="http://schemas.openxmlformats.org/markup-compatibility/2006" xmlns:psez="http://schemas.microsoft.com/office/powerpoint/2016/sectionzoom">
-        <mc:Choice Requires="psez">
+      <mc:AlternateContent xmlns:mc="http://schemas.openxmlformats.org/markup-compatibility/2006">
+        <mc:Choice xmlns:psez="http://schemas.microsoft.com/office/powerpoint/2016/sectionzoom" Requires="psez">
           <p:graphicFrame>
             <p:nvGraphicFramePr>
               <p:cNvPr id="9" name="Vista general de sección 8">
@@ -14768,7 +14760,7 @@
               <p:nvPr>
                 <p:extLst>
                   <p:ext uri="{D42A27DB-BD31-4B8C-83A1-F6EECF244321}">
-                    <p14:modId xmlns:p14="http://schemas.microsoft.com/office/powerpoint/2010/main" val="3171306609"/>
+                    <p14:modId xmlns:p14="http://schemas.microsoft.com/office/powerpoint/2010/main" val="445413735"/>
                   </p:ext>
                 </p:extLst>
               </p:nvPr>
@@ -14781,7 +14773,108 @@
               <a:graphicData uri="http://schemas.microsoft.com/office/powerpoint/2016/sectionzoom">
                 <psez:sectionZm>
                   <psez:sectionZmObj sectionId="{1520B400-A8A2-4D84-ABA3-A7EAE820C556}">
-                    <psez:zmPr id="{1865925E-82DE-46E5-B26A-C53EB541CFE9}" transitionDur="1000">
+                    <psez:zmPr id="{1865925E-82DE-46E5-B26A-C53EB541CFE9}" returnToParent="0" transitionDur="1000">
+                      <p166:blipFill xmlns:p166="http://schemas.microsoft.com/office/powerpoint/2016/6/main">
+                        <a:blip r:embed="rId6"/>
+                        <a:stretch>
+                          <a:fillRect/>
+                        </a:stretch>
+                      </p166:blipFill>
+                      <p166:spPr xmlns:p166="http://schemas.microsoft.com/office/powerpoint/2016/6/main">
+                        <a:xfrm>
+                          <a:off x="0" y="0"/>
+                          <a:ext cx="3048000" cy="1714500"/>
+                        </a:xfrm>
+                        <a:prstGeom prst="rect">
+                          <a:avLst/>
+                        </a:prstGeom>
+                        <a:ln w="3175">
+                          <a:solidFill>
+                            <a:schemeClr val="bg1">
+                              <a:lumMod val="75000"/>
+                            </a:schemeClr>
+                          </a:solidFill>
+                        </a:ln>
+                      </p166:spPr>
+                    </psez:zmPr>
+                  </psez:sectionZmObj>
+                </psez:sectionZm>
+              </a:graphicData>
+            </a:graphic>
+          </p:graphicFrame>
+        </mc:Choice>
+        <mc:Fallback>
+          <p:pic>
+            <p:nvPicPr>
+              <p:cNvPr id="9" name="Vista general de sección 8">
+                <a:hlinkClick r:id="rId7" action="ppaction://hlinksldjump"/>
+                <a:extLst>
+                  <a:ext uri="{FF2B5EF4-FFF2-40B4-BE49-F238E27FC236}">
+                    <a16:creationId xmlns:a16="http://schemas.microsoft.com/office/drawing/2014/main" id="{14DBD79E-03B8-8DE5-88B3-B640820CB275}"/>
+                  </a:ext>
+                </a:extLst>
+              </p:cNvPr>
+              <p:cNvPicPr>
+                <a:picLocks noGrp="1" noRot="1" noChangeAspect="1" noMove="1" noResize="1" noEditPoints="1" noAdjustHandles="1" noChangeArrowheads="1" noChangeShapeType="1"/>
+              </p:cNvPicPr>
+              <p:nvPr/>
+            </p:nvPicPr>
+            <p:blipFill>
+              <a:blip r:embed="rId6"/>
+              <a:stretch>
+                <a:fillRect/>
+              </a:stretch>
+            </p:blipFill>
+            <p:spPr>
+              <a:xfrm>
+                <a:off x="5943600" y="1686020"/>
+                <a:ext cx="3048000" cy="1714500"/>
+              </a:xfrm>
+              <a:prstGeom prst="rect">
+                <a:avLst/>
+              </a:prstGeom>
+              <a:ln w="3175">
+                <a:solidFill>
+                  <a:schemeClr val="bg1">
+                    <a:lumMod val="75000"/>
+                  </a:schemeClr>
+                </a:solidFill>
+              </a:ln>
+            </p:spPr>
+          </p:pic>
+        </mc:Fallback>
+      </mc:AlternateContent>
+      <mc:AlternateContent xmlns:mc="http://schemas.openxmlformats.org/markup-compatibility/2006">
+        <mc:Choice xmlns:psez="http://schemas.microsoft.com/office/powerpoint/2016/sectionzoom" Requires="psez">
+          <p:graphicFrame>
+            <p:nvGraphicFramePr>
+              <p:cNvPr id="11" name="Vista general de sección 10">
+                <a:extLst>
+                  <a:ext uri="{FF2B5EF4-FFF2-40B4-BE49-F238E27FC236}">
+                    <a16:creationId xmlns:a16="http://schemas.microsoft.com/office/drawing/2014/main" id="{D3256FC4-E47A-C781-1EAE-92122C53DC83}"/>
+                  </a:ext>
+                </a:extLst>
+              </p:cNvPr>
+              <p:cNvGraphicFramePr>
+                <a:graphicFrameLocks noChangeAspect="1"/>
+              </p:cNvGraphicFramePr>
+              <p:nvPr>
+                <p:extLst>
+                  <p:ext uri="{D42A27DB-BD31-4B8C-83A1-F6EECF244321}">
+                    <p14:modId xmlns:p14="http://schemas.microsoft.com/office/powerpoint/2010/main" val="804284869"/>
+                  </p:ext>
+                </p:extLst>
+              </p:nvPr>
+            </p:nvGraphicFramePr>
+            <p:xfrm>
+              <a:off x="8449627" y="4005076"/>
+              <a:ext cx="3048000" cy="1714500"/>
+            </p:xfrm>
+            <a:graphic>
+              <a:graphicData uri="http://schemas.microsoft.com/office/powerpoint/2016/sectionzoom">
+                <psez:sectionZm>
+                  <psez:sectionZmObj sectionId="{50B123B2-FB22-4D82-B29D-7EBC39984CE5}">
+                    <psez:zmPr id="{EDB5259C-0259-49A7-97EA-68E4389878C3}" returnToParent="0" transitionDur="1000">
                       <p166:blipFill xmlns:p166="http://schemas.microsoft.com/office/powerpoint/2016/6/main">
                         <a:blip r:embed="rId8"/>
                         <a:stretch>
@@ -14811,112 +14904,11 @@
             </a:graphic>
           </p:graphicFrame>
         </mc:Choice>
-        <mc:Fallback xmlns="">
-          <p:pic>
-            <p:nvPicPr>
-              <p:cNvPr id="9" name="Vista general de sección 8">
-                <a:hlinkClick r:id="rId9" action="ppaction://hlinksldjump"/>
-                <a:extLst>
-                  <a:ext uri="{FF2B5EF4-FFF2-40B4-BE49-F238E27FC236}">
-                    <a16:creationId xmlns:a16="http://schemas.microsoft.com/office/drawing/2014/main" id="{14DBD79E-03B8-8DE5-88B3-B640820CB275}"/>
-                  </a:ext>
-                </a:extLst>
-              </p:cNvPr>
-              <p:cNvPicPr>
-                <a:picLocks noGrp="1" noRot="1" noChangeAspect="1" noMove="1" noResize="1" noEditPoints="1" noAdjustHandles="1" noChangeArrowheads="1" noChangeShapeType="1"/>
-              </p:cNvPicPr>
-              <p:nvPr/>
-            </p:nvPicPr>
-            <p:blipFill>
-              <a:blip r:embed="rId10"/>
-              <a:stretch>
-                <a:fillRect/>
-              </a:stretch>
-            </p:blipFill>
-            <p:spPr>
-              <a:xfrm>
-                <a:off x="5943600" y="1686020"/>
-                <a:ext cx="3048000" cy="1714500"/>
-              </a:xfrm>
-              <a:prstGeom prst="rect">
-                <a:avLst/>
-              </a:prstGeom>
-              <a:ln w="3175">
-                <a:solidFill>
-                  <a:schemeClr val="bg1">
-                    <a:lumMod val="75000"/>
-                  </a:schemeClr>
-                </a:solidFill>
-              </a:ln>
-            </p:spPr>
-          </p:pic>
-        </mc:Fallback>
-      </mc:AlternateContent>
-      <mc:AlternateContent xmlns:mc="http://schemas.openxmlformats.org/markup-compatibility/2006" xmlns:psez="http://schemas.microsoft.com/office/powerpoint/2016/sectionzoom">
-        <mc:Choice Requires="psez">
-          <p:graphicFrame>
-            <p:nvGraphicFramePr>
-              <p:cNvPr id="11" name="Vista general de sección 10">
-                <a:extLst>
-                  <a:ext uri="{FF2B5EF4-FFF2-40B4-BE49-F238E27FC236}">
-                    <a16:creationId xmlns:a16="http://schemas.microsoft.com/office/drawing/2014/main" id="{D3256FC4-E47A-C781-1EAE-92122C53DC83}"/>
-                  </a:ext>
-                </a:extLst>
-              </p:cNvPr>
-              <p:cNvGraphicFramePr>
-                <a:graphicFrameLocks noChangeAspect="1"/>
-              </p:cNvGraphicFramePr>
-              <p:nvPr>
-                <p:extLst>
-                  <p:ext uri="{D42A27DB-BD31-4B8C-83A1-F6EECF244321}">
-                    <p14:modId xmlns:p14="http://schemas.microsoft.com/office/powerpoint/2010/main" val="4090542456"/>
-                  </p:ext>
-                </p:extLst>
-              </p:nvPr>
-            </p:nvGraphicFramePr>
-            <p:xfrm>
-              <a:off x="8449627" y="4005076"/>
-              <a:ext cx="3048000" cy="1714500"/>
-            </p:xfrm>
-            <a:graphic>
-              <a:graphicData uri="http://schemas.microsoft.com/office/powerpoint/2016/sectionzoom">
-                <psez:sectionZm>
-                  <psez:sectionZmObj sectionId="{50B123B2-FB22-4D82-B29D-7EBC39984CE5}">
-                    <psez:zmPr id="{EDB5259C-0259-49A7-97EA-68E4389878C3}" transitionDur="1000">
-                      <p166:blipFill xmlns:p166="http://schemas.microsoft.com/office/powerpoint/2016/6/main">
-                        <a:blip r:embed="rId11"/>
-                        <a:stretch>
-                          <a:fillRect/>
-                        </a:stretch>
-                      </p166:blipFill>
-                      <p166:spPr xmlns:p166="http://schemas.microsoft.com/office/powerpoint/2016/6/main">
-                        <a:xfrm>
-                          <a:off x="0" y="0"/>
-                          <a:ext cx="3048000" cy="1714500"/>
-                        </a:xfrm>
-                        <a:prstGeom prst="rect">
-                          <a:avLst/>
-                        </a:prstGeom>
-                        <a:ln w="3175">
-                          <a:solidFill>
-                            <a:schemeClr val="bg1">
-                              <a:lumMod val="75000"/>
-                            </a:schemeClr>
-                          </a:solidFill>
-                        </a:ln>
-                      </p166:spPr>
-                    </psez:zmPr>
-                  </psez:sectionZmObj>
-                </psez:sectionZm>
-              </a:graphicData>
-            </a:graphic>
-          </p:graphicFrame>
-        </mc:Choice>
-        <mc:Fallback xmlns="">
+        <mc:Fallback>
           <p:pic>
             <p:nvPicPr>
               <p:cNvPr id="11" name="Vista general de sección 10">
-                <a:hlinkClick r:id="rId12" action="ppaction://hlinksldjump"/>
+                <a:hlinkClick r:id="rId9" action="ppaction://hlinksldjump"/>
                 <a:extLst>
                   <a:ext uri="{FF2B5EF4-FFF2-40B4-BE49-F238E27FC236}">
                     <a16:creationId xmlns:a16="http://schemas.microsoft.com/office/drawing/2014/main" id="{D3256FC4-E47A-C781-1EAE-92122C53DC83}"/>
@@ -14929,7 +14921,7 @@
               <p:nvPr/>
             </p:nvPicPr>
             <p:blipFill>
-              <a:blip r:embed="rId13"/>
+              <a:blip r:embed="rId8"/>
               <a:stretch>
                 <a:fillRect/>
               </a:stretch>
@@ -14993,7 +14985,7 @@
       <p:sp>
         <p:nvSpPr>
           <p:cNvPr id="18" name="CuadroTexto 17">
-            <a:hlinkClick r:id="rId6" action="ppaction://hlinksldjump"/>
+            <a:hlinkClick r:id="rId5" action="ppaction://hlinksldjump"/>
             <a:extLst>
               <a:ext uri="{FF2B5EF4-FFF2-40B4-BE49-F238E27FC236}">
                 <a16:creationId xmlns:a16="http://schemas.microsoft.com/office/drawing/2014/main" id="{F2AD5A47-A48C-E034-0817-8531C869A3AB}"/>
@@ -15030,7 +15022,7 @@
       <p:sp>
         <p:nvSpPr>
           <p:cNvPr id="19" name="CuadroTexto 18">
-            <a:hlinkClick r:id="rId9" action="ppaction://hlinksldjump"/>
+            <a:hlinkClick r:id="rId7" action="ppaction://hlinksldjump"/>
             <a:extLst>
               <a:ext uri="{FF2B5EF4-FFF2-40B4-BE49-F238E27FC236}">
                 <a16:creationId xmlns:a16="http://schemas.microsoft.com/office/drawing/2014/main" id="{64A3A3BF-37B3-8EA8-9A95-B338FFE2ABA0}"/>
@@ -15072,7 +15064,7 @@
       <p:sp>
         <p:nvSpPr>
           <p:cNvPr id="20" name="CuadroTexto 19">
-            <a:hlinkClick r:id="rId9" action="ppaction://hlinksldjump"/>
+            <a:hlinkClick r:id="rId7" action="ppaction://hlinksldjump"/>
             <a:extLst>
               <a:ext uri="{FF2B5EF4-FFF2-40B4-BE49-F238E27FC236}">
                 <a16:creationId xmlns:a16="http://schemas.microsoft.com/office/drawing/2014/main" id="{7B6C066C-77F1-D676-B78B-8EAB7C7EEC51}"/>
@@ -15105,7 +15097,7 @@
             </a:r>
             <a:r>
               <a:rPr lang="es-PE" sz="1400" dirty="0">
-                <a:hlinkClick r:id="rId12" action="ppaction://hlinksldjump"/>
+                <a:hlinkClick r:id="rId9" action="ppaction://hlinksldjump"/>
               </a:rPr>
               <a:t>Conclusiones</a:t>
             </a:r>
